--- a/Final project prompt slides.pptx
+++ b/Final project prompt slides.pptx
@@ -4,6 +4,9 @@
   <p:sldMasterIdLst>
     <p:sldMasterId id="2147483648" r:id="rId1"/>
   </p:sldMasterIdLst>
+  <p:notesMasterIdLst>
+    <p:notesMasterId r:id="rId11"/>
+  </p:notesMasterIdLst>
   <p:sldIdLst>
     <p:sldId id="256" r:id="rId2"/>
     <p:sldId id="257" r:id="rId3"/>
@@ -120,6 +123,14 @@
 </p:presentation>
 </file>
 
+<file path=ppt/revisionInfo.xml><?xml version="1.0" encoding="utf-8"?>
+<p1510:revInfo xmlns:a="http://schemas.openxmlformats.org/drawingml/2006/main" xmlns:r="http://schemas.openxmlformats.org/officeDocument/2006/relationships" xmlns:p1510="http://schemas.microsoft.com/office/powerpoint/2015/10/main">
+  <p1510:revLst>
+    <p1510:client id="{988D2E96-9311-4FE8-A36F-3620B7AB6341}" v="9" dt="2025-03-07T19:54:06.596"/>
+  </p1510:revLst>
+</p1510:revInfo>
+</file>
+
 <file path=ppt/changesInfos/changesInfo1.xml><?xml version="1.0" encoding="utf-8"?>
 <pc:chgInfo xmlns:a="http://schemas.openxmlformats.org/drawingml/2006/main" xmlns:r="http://schemas.openxmlformats.org/officeDocument/2006/relationships" xmlns:ac="http://schemas.microsoft.com/office/drawing/2013/main/command" xmlns:pc="http://schemas.microsoft.com/office/powerpoint/2013/main/command">
   <pc:docChgLst>
@@ -166,14 +177,6 @@
             <ac:spMk id="3" creationId="{25F3CE3C-9680-FF6C-B573-0D64BF180C13}"/>
           </ac:spMkLst>
         </pc:spChg>
-        <pc:spChg chg="del mod">
-          <ac:chgData name="Lucy Knight" userId="c58305ac-d2e1-40ee-bd4f-8ace2050bbe0" providerId="ADAL" clId="{E0F56E00-D4A9-42AE-88F8-AA3C2B6F461A}" dt="2025-02-18T09:06:34.071" v="97" actId="478"/>
-          <ac:spMkLst>
-            <pc:docMk/>
-            <pc:sldMk cId="800675438" sldId="257"/>
-            <ac:spMk id="4" creationId="{D2D70DB1-56EC-2FFF-D204-2EF83580617E}"/>
-          </ac:spMkLst>
-        </pc:spChg>
       </pc:sldChg>
       <pc:sldChg chg="del">
         <pc:chgData name="Lucy Knight" userId="c58305ac-d2e1-40ee-bd4f-8ace2050bbe0" providerId="ADAL" clId="{E0F56E00-D4A9-42AE-88F8-AA3C2B6F461A}" dt="2025-02-19T09:17:55.223" v="116" actId="47"/>
@@ -214,7 +217,808 @@
       </pc:sldChg>
     </pc:docChg>
   </pc:docChgLst>
+  <pc:docChgLst>
+    <pc:chgData name="Darren Garside" userId="ad9cfdbf-df1a-4422-a7cf-2f0370772cf7" providerId="ADAL" clId="{988D2E96-9311-4FE8-A36F-3620B7AB6341}"/>
+    <pc:docChg chg="undo custSel addSld delSld modSld">
+      <pc:chgData name="Darren Garside" userId="ad9cfdbf-df1a-4422-a7cf-2f0370772cf7" providerId="ADAL" clId="{988D2E96-9311-4FE8-A36F-3620B7AB6341}" dt="2025-03-08T10:20:19.519" v="752" actId="20577"/>
+      <pc:docMkLst>
+        <pc:docMk/>
+      </pc:docMkLst>
+      <pc:sldChg chg="mod modShow">
+        <pc:chgData name="Darren Garside" userId="ad9cfdbf-df1a-4422-a7cf-2f0370772cf7" providerId="ADAL" clId="{988D2E96-9311-4FE8-A36F-3620B7AB6341}" dt="2025-03-07T19:53:29.270" v="688" actId="729"/>
+        <pc:sldMkLst>
+          <pc:docMk/>
+          <pc:sldMk cId="754481681" sldId="256"/>
+        </pc:sldMkLst>
+      </pc:sldChg>
+      <pc:sldChg chg="mod modShow">
+        <pc:chgData name="Darren Garside" userId="ad9cfdbf-df1a-4422-a7cf-2f0370772cf7" providerId="ADAL" clId="{988D2E96-9311-4FE8-A36F-3620B7AB6341}" dt="2025-03-07T19:53:29.270" v="688" actId="729"/>
+        <pc:sldMkLst>
+          <pc:docMk/>
+          <pc:sldMk cId="800675438" sldId="257"/>
+        </pc:sldMkLst>
+      </pc:sldChg>
+      <pc:sldChg chg="mod modShow">
+        <pc:chgData name="Darren Garside" userId="ad9cfdbf-df1a-4422-a7cf-2f0370772cf7" providerId="ADAL" clId="{988D2E96-9311-4FE8-A36F-3620B7AB6341}" dt="2025-03-07T19:53:29.270" v="688" actId="729"/>
+        <pc:sldMkLst>
+          <pc:docMk/>
+          <pc:sldMk cId="3974184401" sldId="259"/>
+        </pc:sldMkLst>
+      </pc:sldChg>
+      <pc:sldChg chg="addSp delSp modSp mod setBg modShow modNotesTx">
+        <pc:chgData name="Darren Garside" userId="ad9cfdbf-df1a-4422-a7cf-2f0370772cf7" providerId="ADAL" clId="{988D2E96-9311-4FE8-A36F-3620B7AB6341}" dt="2025-03-07T19:54:06.596" v="689"/>
+        <pc:sldMkLst>
+          <pc:docMk/>
+          <pc:sldMk cId="3173600755" sldId="260"/>
+        </pc:sldMkLst>
+        <pc:spChg chg="del mod">
+          <ac:chgData name="Darren Garside" userId="ad9cfdbf-df1a-4422-a7cf-2f0370772cf7" providerId="ADAL" clId="{988D2E96-9311-4FE8-A36F-3620B7AB6341}" dt="2025-03-07T19:43:20.393" v="347" actId="478"/>
+          <ac:spMkLst>
+            <pc:docMk/>
+            <pc:sldMk cId="3173600755" sldId="260"/>
+            <ac:spMk id="2" creationId="{091FDD0E-364E-5D5C-12F1-A1AA846849D7}"/>
+          </ac:spMkLst>
+        </pc:spChg>
+        <pc:spChg chg="mod">
+          <ac:chgData name="Darren Garside" userId="ad9cfdbf-df1a-4422-a7cf-2f0370772cf7" providerId="ADAL" clId="{988D2E96-9311-4FE8-A36F-3620B7AB6341}" dt="2025-03-07T19:36:54.177" v="192" actId="20577"/>
+          <ac:spMkLst>
+            <pc:docMk/>
+            <pc:sldMk cId="3173600755" sldId="260"/>
+            <ac:spMk id="3" creationId="{63B9A1F7-68F0-4BC9-8B60-F37E40FC3A9F}"/>
+          </ac:spMkLst>
+        </pc:spChg>
+        <pc:spChg chg="add mod">
+          <ac:chgData name="Darren Garside" userId="ad9cfdbf-df1a-4422-a7cf-2f0370772cf7" providerId="ADAL" clId="{988D2E96-9311-4FE8-A36F-3620B7AB6341}" dt="2025-03-07T19:43:26.783" v="348" actId="20577"/>
+          <ac:spMkLst>
+            <pc:docMk/>
+            <pc:sldMk cId="3173600755" sldId="260"/>
+            <ac:spMk id="4" creationId="{629A38C7-37A1-9EE2-3D50-3FF14AA23DA5}"/>
+          </ac:spMkLst>
+        </pc:spChg>
+        <pc:spChg chg="add mod">
+          <ac:chgData name="Darren Garside" userId="ad9cfdbf-df1a-4422-a7cf-2f0370772cf7" providerId="ADAL" clId="{988D2E96-9311-4FE8-A36F-3620B7AB6341}" dt="2025-03-07T19:39:43.740" v="235" actId="20577"/>
+          <ac:spMkLst>
+            <pc:docMk/>
+            <pc:sldMk cId="3173600755" sldId="260"/>
+            <ac:spMk id="5" creationId="{7751220D-898E-7807-4816-B856EF280B12}"/>
+          </ac:spMkLst>
+        </pc:spChg>
+        <pc:spChg chg="add mod">
+          <ac:chgData name="Darren Garside" userId="ad9cfdbf-df1a-4422-a7cf-2f0370772cf7" providerId="ADAL" clId="{988D2E96-9311-4FE8-A36F-3620B7AB6341}" dt="2025-03-07T19:44:00.395" v="359" actId="1076"/>
+          <ac:spMkLst>
+            <pc:docMk/>
+            <pc:sldMk cId="3173600755" sldId="260"/>
+            <ac:spMk id="12" creationId="{1318CBA5-C1DC-C65C-0B48-1558DABE30DC}"/>
+          </ac:spMkLst>
+        </pc:spChg>
+        <pc:spChg chg="add mod">
+          <ac:chgData name="Darren Garside" userId="ad9cfdbf-df1a-4422-a7cf-2f0370772cf7" providerId="ADAL" clId="{988D2E96-9311-4FE8-A36F-3620B7AB6341}" dt="2025-03-07T19:44:14.403" v="360" actId="1076"/>
+          <ac:spMkLst>
+            <pc:docMk/>
+            <pc:sldMk cId="3173600755" sldId="260"/>
+            <ac:spMk id="13" creationId="{57ED516A-AA5F-C550-ED38-AD4DE2770C04}"/>
+          </ac:spMkLst>
+        </pc:spChg>
+        <pc:spChg chg="add mod">
+          <ac:chgData name="Darren Garside" userId="ad9cfdbf-df1a-4422-a7cf-2f0370772cf7" providerId="ADAL" clId="{988D2E96-9311-4FE8-A36F-3620B7AB6341}" dt="2025-03-07T19:43:42.195" v="357" actId="20577"/>
+          <ac:spMkLst>
+            <pc:docMk/>
+            <pc:sldMk cId="3173600755" sldId="260"/>
+            <ac:spMk id="14" creationId="{B2166043-22B2-EAB2-EAC1-BEB49E01BECF}"/>
+          </ac:spMkLst>
+        </pc:spChg>
+        <pc:picChg chg="add mod modCrop">
+          <ac:chgData name="Darren Garside" userId="ad9cfdbf-df1a-4422-a7cf-2f0370772cf7" providerId="ADAL" clId="{988D2E96-9311-4FE8-A36F-3620B7AB6341}" dt="2025-03-07T19:41:57.087" v="324" actId="732"/>
+          <ac:picMkLst>
+            <pc:docMk/>
+            <pc:sldMk cId="3173600755" sldId="260"/>
+            <ac:picMk id="11" creationId="{1C5C617D-A615-0407-F25B-02F9B7EFFF8B}"/>
+          </ac:picMkLst>
+        </pc:picChg>
+        <pc:cxnChg chg="add del">
+          <ac:chgData name="Darren Garside" userId="ad9cfdbf-df1a-4422-a7cf-2f0370772cf7" providerId="ADAL" clId="{988D2E96-9311-4FE8-A36F-3620B7AB6341}" dt="2025-03-07T19:24:28.430" v="14" actId="478"/>
+          <ac:cxnSpMkLst>
+            <pc:docMk/>
+            <pc:sldMk cId="3173600755" sldId="260"/>
+            <ac:cxnSpMk id="7" creationId="{B95B63C7-70CE-B648-CB28-0489FB937E83}"/>
+          </ac:cxnSpMkLst>
+        </pc:cxnChg>
+        <pc:cxnChg chg="add mod">
+          <ac:chgData name="Darren Garside" userId="ad9cfdbf-df1a-4422-a7cf-2f0370772cf7" providerId="ADAL" clId="{988D2E96-9311-4FE8-A36F-3620B7AB6341}" dt="2025-03-07T19:39:51.887" v="236" actId="1076"/>
+          <ac:cxnSpMkLst>
+            <pc:docMk/>
+            <pc:sldMk cId="3173600755" sldId="260"/>
+            <ac:cxnSpMk id="8" creationId="{A754E2FB-22EB-289C-EAB9-5E8449377432}"/>
+          </ac:cxnSpMkLst>
+        </pc:cxnChg>
+        <pc:cxnChg chg="add mod">
+          <ac:chgData name="Darren Garside" userId="ad9cfdbf-df1a-4422-a7cf-2f0370772cf7" providerId="ADAL" clId="{988D2E96-9311-4FE8-A36F-3620B7AB6341}" dt="2025-03-07T19:24:39.383" v="16" actId="1076"/>
+          <ac:cxnSpMkLst>
+            <pc:docMk/>
+            <pc:sldMk cId="3173600755" sldId="260"/>
+            <ac:cxnSpMk id="9" creationId="{C8C4FCC4-CF47-AB5B-BC9F-8D5559F4D4C1}"/>
+          </ac:cxnSpMkLst>
+        </pc:cxnChg>
+      </pc:sldChg>
+      <pc:sldChg chg="addSp delSp modSp mod setBg modNotesTx">
+        <pc:chgData name="Darren Garside" userId="ad9cfdbf-df1a-4422-a7cf-2f0370772cf7" providerId="ADAL" clId="{988D2E96-9311-4FE8-A36F-3620B7AB6341}" dt="2025-03-08T10:20:19.519" v="752" actId="20577"/>
+        <pc:sldMkLst>
+          <pc:docMk/>
+          <pc:sldMk cId="3766804681" sldId="261"/>
+        </pc:sldMkLst>
+        <pc:spChg chg="mod">
+          <ac:chgData name="Darren Garside" userId="ad9cfdbf-df1a-4422-a7cf-2f0370772cf7" providerId="ADAL" clId="{988D2E96-9311-4FE8-A36F-3620B7AB6341}" dt="2025-03-08T10:19:16.628" v="706" actId="20577"/>
+          <ac:spMkLst>
+            <pc:docMk/>
+            <pc:sldMk cId="3766804681" sldId="261"/>
+            <ac:spMk id="2" creationId="{E7CD2E6F-A762-F25A-4221-5E7F9D93C870}"/>
+          </ac:spMkLst>
+        </pc:spChg>
+        <pc:spChg chg="del">
+          <ac:chgData name="Darren Garside" userId="ad9cfdbf-df1a-4422-a7cf-2f0370772cf7" providerId="ADAL" clId="{988D2E96-9311-4FE8-A36F-3620B7AB6341}" dt="2025-03-07T19:49:26.164" v="466" actId="478"/>
+          <ac:spMkLst>
+            <pc:docMk/>
+            <pc:sldMk cId="3766804681" sldId="261"/>
+            <ac:spMk id="3" creationId="{F1D0A91E-F600-239D-598A-A3F9D6165D69}"/>
+          </ac:spMkLst>
+        </pc:spChg>
+        <pc:spChg chg="add del mod">
+          <ac:chgData name="Darren Garside" userId="ad9cfdbf-df1a-4422-a7cf-2f0370772cf7" providerId="ADAL" clId="{988D2E96-9311-4FE8-A36F-3620B7AB6341}" dt="2025-03-07T19:49:32.415" v="467" actId="478"/>
+          <ac:spMkLst>
+            <pc:docMk/>
+            <pc:sldMk cId="3766804681" sldId="261"/>
+            <ac:spMk id="7" creationId="{543AF2DA-A3BF-E33C-624F-DCF9D6DC1A7E}"/>
+          </ac:spMkLst>
+        </pc:spChg>
+        <pc:spChg chg="add mod">
+          <ac:chgData name="Darren Garside" userId="ad9cfdbf-df1a-4422-a7cf-2f0370772cf7" providerId="ADAL" clId="{988D2E96-9311-4FE8-A36F-3620B7AB6341}" dt="2025-03-08T10:20:19.519" v="752" actId="20577"/>
+          <ac:spMkLst>
+            <pc:docMk/>
+            <pc:sldMk cId="3766804681" sldId="261"/>
+            <ac:spMk id="8" creationId="{7A97862C-9BB1-CD09-BE89-61443A9D0130}"/>
+          </ac:spMkLst>
+        </pc:spChg>
+        <pc:picChg chg="add mod">
+          <ac:chgData name="Darren Garside" userId="ad9cfdbf-df1a-4422-a7cf-2f0370772cf7" providerId="ADAL" clId="{988D2E96-9311-4FE8-A36F-3620B7AB6341}" dt="2025-03-07T19:54:29.636" v="690" actId="1076"/>
+          <ac:picMkLst>
+            <pc:docMk/>
+            <pc:sldMk cId="3766804681" sldId="261"/>
+            <ac:picMk id="5" creationId="{5BBFF418-E6B1-32D2-EA7E-4F103E52A53B}"/>
+          </ac:picMkLst>
+        </pc:picChg>
+      </pc:sldChg>
+      <pc:sldChg chg="setBg">
+        <pc:chgData name="Darren Garside" userId="ad9cfdbf-df1a-4422-a7cf-2f0370772cf7" providerId="ADAL" clId="{988D2E96-9311-4FE8-A36F-3620B7AB6341}" dt="2025-03-07T19:54:06.596" v="689"/>
+        <pc:sldMkLst>
+          <pc:docMk/>
+          <pc:sldMk cId="2161064156" sldId="262"/>
+        </pc:sldMkLst>
+      </pc:sldChg>
+      <pc:sldChg chg="setBg">
+        <pc:chgData name="Darren Garside" userId="ad9cfdbf-df1a-4422-a7cf-2f0370772cf7" providerId="ADAL" clId="{988D2E96-9311-4FE8-A36F-3620B7AB6341}" dt="2025-03-07T19:54:06.596" v="689"/>
+        <pc:sldMkLst>
+          <pc:docMk/>
+          <pc:sldMk cId="3448502234" sldId="263"/>
+        </pc:sldMkLst>
+      </pc:sldChg>
+      <pc:sldChg chg="setBg">
+        <pc:chgData name="Darren Garside" userId="ad9cfdbf-df1a-4422-a7cf-2f0370772cf7" providerId="ADAL" clId="{988D2E96-9311-4FE8-A36F-3620B7AB6341}" dt="2025-03-07T19:54:06.596" v="689"/>
+        <pc:sldMkLst>
+          <pc:docMk/>
+          <pc:sldMk cId="3204788620" sldId="264"/>
+        </pc:sldMkLst>
+      </pc:sldChg>
+      <pc:sldChg chg="mod modShow">
+        <pc:chgData name="Darren Garside" userId="ad9cfdbf-df1a-4422-a7cf-2f0370772cf7" providerId="ADAL" clId="{988D2E96-9311-4FE8-A36F-3620B7AB6341}" dt="2025-03-07T19:53:29.270" v="688" actId="729"/>
+        <pc:sldMkLst>
+          <pc:docMk/>
+          <pc:sldMk cId="3087913205" sldId="265"/>
+        </pc:sldMkLst>
+      </pc:sldChg>
+      <pc:sldChg chg="new del">
+        <pc:chgData name="Darren Garside" userId="ad9cfdbf-df1a-4422-a7cf-2f0370772cf7" providerId="ADAL" clId="{988D2E96-9311-4FE8-A36F-3620B7AB6341}" dt="2025-03-07T19:21:24.853" v="4" actId="680"/>
+        <pc:sldMkLst>
+          <pc:docMk/>
+          <pc:sldMk cId="939194271" sldId="266"/>
+        </pc:sldMkLst>
+      </pc:sldChg>
+    </pc:docChg>
+  </pc:docChgLst>
 </pc:chgInfo>
+</file>
+
+<file path=ppt/notesMasters/notesMaster1.xml><?xml version="1.0" encoding="utf-8"?>
+<p:notesMaster xmlns:a="http://schemas.openxmlformats.org/drawingml/2006/main" xmlns:r="http://schemas.openxmlformats.org/officeDocument/2006/relationships" xmlns:p="http://schemas.openxmlformats.org/presentationml/2006/main">
+  <p:cSld>
+    <p:bg>
+      <p:bgRef idx="1001">
+        <a:schemeClr val="bg1"/>
+      </p:bgRef>
+    </p:bg>
+    <p:spTree>
+      <p:nvGrpSpPr>
+        <p:cNvPr id="1" name=""/>
+        <p:cNvGrpSpPr/>
+        <p:nvPr/>
+      </p:nvGrpSpPr>
+      <p:grpSpPr>
+        <a:xfrm>
+          <a:off x="0" y="0"/>
+          <a:ext cx="0" cy="0"/>
+          <a:chOff x="0" y="0"/>
+          <a:chExt cx="0" cy="0"/>
+        </a:xfrm>
+      </p:grpSpPr>
+      <p:sp>
+        <p:nvSpPr>
+          <p:cNvPr id="2" name="Header Placeholder 1"/>
+          <p:cNvSpPr>
+            <a:spLocks noGrp="1"/>
+          </p:cNvSpPr>
+          <p:nvPr>
+            <p:ph type="hdr" sz="quarter"/>
+          </p:nvPr>
+        </p:nvSpPr>
+        <p:spPr>
+          <a:xfrm>
+            <a:off x="0" y="0"/>
+            <a:ext cx="2971800" cy="458788"/>
+          </a:xfrm>
+          <a:prstGeom prst="rect">
+            <a:avLst/>
+          </a:prstGeom>
+        </p:spPr>
+        <p:txBody>
+          <a:bodyPr vert="horz" lIns="91440" tIns="45720" rIns="91440" bIns="45720" rtlCol="0"/>
+          <a:lstStyle>
+            <a:lvl1pPr algn="l">
+              <a:defRPr sz="1200"/>
+            </a:lvl1pPr>
+          </a:lstStyle>
+          <a:p>
+            <a:endParaRPr lang="en-GB"/>
+          </a:p>
+        </p:txBody>
+      </p:sp>
+      <p:sp>
+        <p:nvSpPr>
+          <p:cNvPr id="3" name="Date Placeholder 2"/>
+          <p:cNvSpPr>
+            <a:spLocks noGrp="1"/>
+          </p:cNvSpPr>
+          <p:nvPr>
+            <p:ph type="dt" idx="1"/>
+          </p:nvPr>
+        </p:nvSpPr>
+        <p:spPr>
+          <a:xfrm>
+            <a:off x="3884613" y="0"/>
+            <a:ext cx="2971800" cy="458788"/>
+          </a:xfrm>
+          <a:prstGeom prst="rect">
+            <a:avLst/>
+          </a:prstGeom>
+        </p:spPr>
+        <p:txBody>
+          <a:bodyPr vert="horz" lIns="91440" tIns="45720" rIns="91440" bIns="45720" rtlCol="0"/>
+          <a:lstStyle>
+            <a:lvl1pPr algn="r">
+              <a:defRPr sz="1200"/>
+            </a:lvl1pPr>
+          </a:lstStyle>
+          <a:p>
+            <a:fld id="{34112E37-C587-4692-B5DD-0A3B48A22AD8}" type="datetimeFigureOut">
+              <a:rPr lang="en-GB" smtClean="0"/>
+              <a:t>08/03/2025</a:t>
+            </a:fld>
+            <a:endParaRPr lang="en-GB"/>
+          </a:p>
+        </p:txBody>
+      </p:sp>
+      <p:sp>
+        <p:nvSpPr>
+          <p:cNvPr id="4" name="Slide Image Placeholder 3"/>
+          <p:cNvSpPr>
+            <a:spLocks noGrp="1" noRot="1" noChangeAspect="1"/>
+          </p:cNvSpPr>
+          <p:nvPr>
+            <p:ph type="sldImg" idx="2"/>
+          </p:nvPr>
+        </p:nvSpPr>
+        <p:spPr>
+          <a:xfrm>
+            <a:off x="685800" y="1143000"/>
+            <a:ext cx="5486400" cy="3086100"/>
+          </a:xfrm>
+          <a:prstGeom prst="rect">
+            <a:avLst/>
+          </a:prstGeom>
+          <a:noFill/>
+          <a:ln w="12700">
+            <a:solidFill>
+              <a:prstClr val="black"/>
+            </a:solidFill>
+          </a:ln>
+        </p:spPr>
+        <p:txBody>
+          <a:bodyPr vert="horz" lIns="91440" tIns="45720" rIns="91440" bIns="45720" rtlCol="0" anchor="ctr"/>
+          <a:lstStyle/>
+          <a:p>
+            <a:endParaRPr lang="en-GB"/>
+          </a:p>
+        </p:txBody>
+      </p:sp>
+      <p:sp>
+        <p:nvSpPr>
+          <p:cNvPr id="5" name="Notes Placeholder 4"/>
+          <p:cNvSpPr>
+            <a:spLocks noGrp="1"/>
+          </p:cNvSpPr>
+          <p:nvPr>
+            <p:ph type="body" sz="quarter" idx="3"/>
+          </p:nvPr>
+        </p:nvSpPr>
+        <p:spPr>
+          <a:xfrm>
+            <a:off x="685800" y="4400550"/>
+            <a:ext cx="5486400" cy="3600450"/>
+          </a:xfrm>
+          <a:prstGeom prst="rect">
+            <a:avLst/>
+          </a:prstGeom>
+        </p:spPr>
+        <p:txBody>
+          <a:bodyPr vert="horz" lIns="91440" tIns="45720" rIns="91440" bIns="45720" rtlCol="0"/>
+          <a:lstStyle/>
+          <a:p>
+            <a:pPr lvl="0"/>
+            <a:r>
+              <a:rPr lang="en-US"/>
+              <a:t>Click to edit Master text styles</a:t>
+            </a:r>
+          </a:p>
+          <a:p>
+            <a:pPr lvl="1"/>
+            <a:r>
+              <a:rPr lang="en-US"/>
+              <a:t>Second level</a:t>
+            </a:r>
+          </a:p>
+          <a:p>
+            <a:pPr lvl="2"/>
+            <a:r>
+              <a:rPr lang="en-US"/>
+              <a:t>Third level</a:t>
+            </a:r>
+          </a:p>
+          <a:p>
+            <a:pPr lvl="3"/>
+            <a:r>
+              <a:rPr lang="en-US"/>
+              <a:t>Fourth level</a:t>
+            </a:r>
+          </a:p>
+          <a:p>
+            <a:pPr lvl="4"/>
+            <a:r>
+              <a:rPr lang="en-US"/>
+              <a:t>Fifth level</a:t>
+            </a:r>
+            <a:endParaRPr lang="en-GB"/>
+          </a:p>
+        </p:txBody>
+      </p:sp>
+      <p:sp>
+        <p:nvSpPr>
+          <p:cNvPr id="6" name="Footer Placeholder 5"/>
+          <p:cNvSpPr>
+            <a:spLocks noGrp="1"/>
+          </p:cNvSpPr>
+          <p:nvPr>
+            <p:ph type="ftr" sz="quarter" idx="4"/>
+          </p:nvPr>
+        </p:nvSpPr>
+        <p:spPr>
+          <a:xfrm>
+            <a:off x="0" y="8685213"/>
+            <a:ext cx="2971800" cy="458787"/>
+          </a:xfrm>
+          <a:prstGeom prst="rect">
+            <a:avLst/>
+          </a:prstGeom>
+        </p:spPr>
+        <p:txBody>
+          <a:bodyPr vert="horz" lIns="91440" tIns="45720" rIns="91440" bIns="45720" rtlCol="0" anchor="b"/>
+          <a:lstStyle>
+            <a:lvl1pPr algn="l">
+              <a:defRPr sz="1200"/>
+            </a:lvl1pPr>
+          </a:lstStyle>
+          <a:p>
+            <a:endParaRPr lang="en-GB"/>
+          </a:p>
+        </p:txBody>
+      </p:sp>
+      <p:sp>
+        <p:nvSpPr>
+          <p:cNvPr id="7" name="Slide Number Placeholder 6"/>
+          <p:cNvSpPr>
+            <a:spLocks noGrp="1"/>
+          </p:cNvSpPr>
+          <p:nvPr>
+            <p:ph type="sldNum" sz="quarter" idx="5"/>
+          </p:nvPr>
+        </p:nvSpPr>
+        <p:spPr>
+          <a:xfrm>
+            <a:off x="3884613" y="8685213"/>
+            <a:ext cx="2971800" cy="458787"/>
+          </a:xfrm>
+          <a:prstGeom prst="rect">
+            <a:avLst/>
+          </a:prstGeom>
+        </p:spPr>
+        <p:txBody>
+          <a:bodyPr vert="horz" lIns="91440" tIns="45720" rIns="91440" bIns="45720" rtlCol="0" anchor="b"/>
+          <a:lstStyle>
+            <a:lvl1pPr algn="r">
+              <a:defRPr sz="1200"/>
+            </a:lvl1pPr>
+          </a:lstStyle>
+          <a:p>
+            <a:fld id="{FBB72EE4-B5E2-46F6-BB12-BAEE3A6CF310}" type="slidenum">
+              <a:rPr lang="en-GB" smtClean="0"/>
+              <a:t>‹#›</a:t>
+            </a:fld>
+            <a:endParaRPr lang="en-GB"/>
+          </a:p>
+        </p:txBody>
+      </p:sp>
+    </p:spTree>
+    <p:extLst>
+      <p:ext uri="{BB962C8B-B14F-4D97-AF65-F5344CB8AC3E}">
+        <p14:creationId xmlns:p14="http://schemas.microsoft.com/office/powerpoint/2010/main" val="925474387"/>
+      </p:ext>
+    </p:extLst>
+  </p:cSld>
+  <p:clrMap bg1="lt1" tx1="dk1" bg2="lt2" tx2="dk2" accent1="accent1" accent2="accent2" accent3="accent3" accent4="accent4" accent5="accent5" accent6="accent6" hlink="hlink" folHlink="folHlink"/>
+  <p:notesStyle>
+    <a:lvl1pPr marL="0" algn="l" defTabSz="914400" rtl="0" eaLnBrk="1" latinLnBrk="0" hangingPunct="1">
+      <a:defRPr sz="1200" kern="1200">
+        <a:solidFill>
+          <a:schemeClr val="tx1"/>
+        </a:solidFill>
+        <a:latin typeface="+mn-lt"/>
+        <a:ea typeface="+mn-ea"/>
+        <a:cs typeface="+mn-cs"/>
+      </a:defRPr>
+    </a:lvl1pPr>
+    <a:lvl2pPr marL="457200" algn="l" defTabSz="914400" rtl="0" eaLnBrk="1" latinLnBrk="0" hangingPunct="1">
+      <a:defRPr sz="1200" kern="1200">
+        <a:solidFill>
+          <a:schemeClr val="tx1"/>
+        </a:solidFill>
+        <a:latin typeface="+mn-lt"/>
+        <a:ea typeface="+mn-ea"/>
+        <a:cs typeface="+mn-cs"/>
+      </a:defRPr>
+    </a:lvl2pPr>
+    <a:lvl3pPr marL="914400" algn="l" defTabSz="914400" rtl="0" eaLnBrk="1" latinLnBrk="0" hangingPunct="1">
+      <a:defRPr sz="1200" kern="1200">
+        <a:solidFill>
+          <a:schemeClr val="tx1"/>
+        </a:solidFill>
+        <a:latin typeface="+mn-lt"/>
+        <a:ea typeface="+mn-ea"/>
+        <a:cs typeface="+mn-cs"/>
+      </a:defRPr>
+    </a:lvl3pPr>
+    <a:lvl4pPr marL="1371600" algn="l" defTabSz="914400" rtl="0" eaLnBrk="1" latinLnBrk="0" hangingPunct="1">
+      <a:defRPr sz="1200" kern="1200">
+        <a:solidFill>
+          <a:schemeClr val="tx1"/>
+        </a:solidFill>
+        <a:latin typeface="+mn-lt"/>
+        <a:ea typeface="+mn-ea"/>
+        <a:cs typeface="+mn-cs"/>
+      </a:defRPr>
+    </a:lvl4pPr>
+    <a:lvl5pPr marL="1828800" algn="l" defTabSz="914400" rtl="0" eaLnBrk="1" latinLnBrk="0" hangingPunct="1">
+      <a:defRPr sz="1200" kern="1200">
+        <a:solidFill>
+          <a:schemeClr val="tx1"/>
+        </a:solidFill>
+        <a:latin typeface="+mn-lt"/>
+        <a:ea typeface="+mn-ea"/>
+        <a:cs typeface="+mn-cs"/>
+      </a:defRPr>
+    </a:lvl5pPr>
+    <a:lvl6pPr marL="2286000" algn="l" defTabSz="914400" rtl="0" eaLnBrk="1" latinLnBrk="0" hangingPunct="1">
+      <a:defRPr sz="1200" kern="1200">
+        <a:solidFill>
+          <a:schemeClr val="tx1"/>
+        </a:solidFill>
+        <a:latin typeface="+mn-lt"/>
+        <a:ea typeface="+mn-ea"/>
+        <a:cs typeface="+mn-cs"/>
+      </a:defRPr>
+    </a:lvl6pPr>
+    <a:lvl7pPr marL="2743200" algn="l" defTabSz="914400" rtl="0" eaLnBrk="1" latinLnBrk="0" hangingPunct="1">
+      <a:defRPr sz="1200" kern="1200">
+        <a:solidFill>
+          <a:schemeClr val="tx1"/>
+        </a:solidFill>
+        <a:latin typeface="+mn-lt"/>
+        <a:ea typeface="+mn-ea"/>
+        <a:cs typeface="+mn-cs"/>
+      </a:defRPr>
+    </a:lvl7pPr>
+    <a:lvl8pPr marL="3200400" algn="l" defTabSz="914400" rtl="0" eaLnBrk="1" latinLnBrk="0" hangingPunct="1">
+      <a:defRPr sz="1200" kern="1200">
+        <a:solidFill>
+          <a:schemeClr val="tx1"/>
+        </a:solidFill>
+        <a:latin typeface="+mn-lt"/>
+        <a:ea typeface="+mn-ea"/>
+        <a:cs typeface="+mn-cs"/>
+      </a:defRPr>
+    </a:lvl8pPr>
+    <a:lvl9pPr marL="3657600" algn="l" defTabSz="914400" rtl="0" eaLnBrk="1" latinLnBrk="0" hangingPunct="1">
+      <a:defRPr sz="1200" kern="1200">
+        <a:solidFill>
+          <a:schemeClr val="tx1"/>
+        </a:solidFill>
+        <a:latin typeface="+mn-lt"/>
+        <a:ea typeface="+mn-ea"/>
+        <a:cs typeface="+mn-cs"/>
+      </a:defRPr>
+    </a:lvl9pPr>
+  </p:notesStyle>
+</p:notesMaster>
+</file>
+
+<file path=ppt/notesSlides/notesSlide1.xml><?xml version="1.0" encoding="utf-8"?>
+<p:notes xmlns:a="http://schemas.openxmlformats.org/drawingml/2006/main" xmlns:r="http://schemas.openxmlformats.org/officeDocument/2006/relationships" xmlns:p="http://schemas.openxmlformats.org/presentationml/2006/main">
+  <p:cSld>
+    <p:spTree>
+      <p:nvGrpSpPr>
+        <p:cNvPr id="1" name=""/>
+        <p:cNvGrpSpPr/>
+        <p:nvPr/>
+      </p:nvGrpSpPr>
+      <p:grpSpPr>
+        <a:xfrm>
+          <a:off x="0" y="0"/>
+          <a:ext cx="0" cy="0"/>
+          <a:chOff x="0" y="0"/>
+          <a:chExt cx="0" cy="0"/>
+        </a:xfrm>
+      </p:grpSpPr>
+      <p:sp>
+        <p:nvSpPr>
+          <p:cNvPr id="2" name="Slide Image Placeholder 1"/>
+          <p:cNvSpPr>
+            <a:spLocks noGrp="1" noRot="1" noChangeAspect="1"/>
+          </p:cNvSpPr>
+          <p:nvPr>
+            <p:ph type="sldImg"/>
+          </p:nvPr>
+        </p:nvSpPr>
+        <p:spPr/>
+      </p:sp>
+      <p:sp>
+        <p:nvSpPr>
+          <p:cNvPr id="3" name="Notes Placeholder 2"/>
+          <p:cNvSpPr>
+            <a:spLocks noGrp="1"/>
+          </p:cNvSpPr>
+          <p:nvPr>
+            <p:ph type="body" idx="1"/>
+          </p:nvPr>
+        </p:nvSpPr>
+        <p:spPr/>
+        <p:txBody>
+          <a:bodyPr/>
+          <a:lstStyle/>
+          <a:p>
+            <a:r>
+              <a:rPr lang="en-GB" dirty="0"/>
+              <a:t>Moore, Spencer &amp; </a:t>
+            </a:r>
+            <a:r>
+              <a:rPr lang="en-GB" dirty="0" err="1"/>
+              <a:t>Shiell</a:t>
+            </a:r>
+            <a:r>
+              <a:rPr lang="en-GB" dirty="0"/>
+              <a:t>, Alan &amp; </a:t>
+            </a:r>
+            <a:r>
+              <a:rPr lang="en-GB" dirty="0" err="1"/>
+              <a:t>Hawe</a:t>
+            </a:r>
+            <a:r>
+              <a:rPr lang="en-GB" dirty="0"/>
+              <a:t>, Penelope &amp; Haines, Valerie. (2005). The Privileging of Communitarian Ideas: Citation Practices and the Translation of Social Capital Into Public Health Research. American Journal of Public Health. 95. 1330-7. 10.2105/AJPH.2004.046094. </a:t>
+            </a:r>
+          </a:p>
+        </p:txBody>
+      </p:sp>
+      <p:sp>
+        <p:nvSpPr>
+          <p:cNvPr id="4" name="Slide Number Placeholder 3"/>
+          <p:cNvSpPr>
+            <a:spLocks noGrp="1"/>
+          </p:cNvSpPr>
+          <p:nvPr>
+            <p:ph type="sldNum" sz="quarter" idx="5"/>
+          </p:nvPr>
+        </p:nvSpPr>
+        <p:spPr/>
+        <p:txBody>
+          <a:bodyPr/>
+          <a:lstStyle/>
+          <a:p>
+            <a:fld id="{FBB72EE4-B5E2-46F6-BB12-BAEE3A6CF310}" type="slidenum">
+              <a:rPr lang="en-GB" smtClean="0"/>
+              <a:t>5</a:t>
+            </a:fld>
+            <a:endParaRPr lang="en-GB"/>
+          </a:p>
+        </p:txBody>
+      </p:sp>
+    </p:spTree>
+    <p:extLst>
+      <p:ext uri="{BB962C8B-B14F-4D97-AF65-F5344CB8AC3E}">
+        <p14:creationId xmlns:p14="http://schemas.microsoft.com/office/powerpoint/2010/main" val="4120354090"/>
+      </p:ext>
+    </p:extLst>
+  </p:cSld>
+  <p:clrMapOvr>
+    <a:masterClrMapping/>
+  </p:clrMapOvr>
+</p:notes>
+</file>
+
+<file path=ppt/notesSlides/notesSlide2.xml><?xml version="1.0" encoding="utf-8"?>
+<p:notes xmlns:a="http://schemas.openxmlformats.org/drawingml/2006/main" xmlns:r="http://schemas.openxmlformats.org/officeDocument/2006/relationships" xmlns:p="http://schemas.openxmlformats.org/presentationml/2006/main">
+  <p:cSld>
+    <p:spTree>
+      <p:nvGrpSpPr>
+        <p:cNvPr id="1" name=""/>
+        <p:cNvGrpSpPr/>
+        <p:nvPr/>
+      </p:nvGrpSpPr>
+      <p:grpSpPr>
+        <a:xfrm>
+          <a:off x="0" y="0"/>
+          <a:ext cx="0" cy="0"/>
+          <a:chOff x="0" y="0"/>
+          <a:chExt cx="0" cy="0"/>
+        </a:xfrm>
+      </p:grpSpPr>
+      <p:sp>
+        <p:nvSpPr>
+          <p:cNvPr id="2" name="Slide Image Placeholder 1"/>
+          <p:cNvSpPr>
+            <a:spLocks noGrp="1" noRot="1" noChangeAspect="1"/>
+          </p:cNvSpPr>
+          <p:nvPr>
+            <p:ph type="sldImg"/>
+          </p:nvPr>
+        </p:nvSpPr>
+        <p:spPr/>
+      </p:sp>
+      <p:sp>
+        <p:nvSpPr>
+          <p:cNvPr id="3" name="Notes Placeholder 2"/>
+          <p:cNvSpPr>
+            <a:spLocks noGrp="1"/>
+          </p:cNvSpPr>
+          <p:nvPr>
+            <p:ph type="body" idx="1"/>
+          </p:nvPr>
+        </p:nvSpPr>
+        <p:spPr/>
+        <p:txBody>
+          <a:bodyPr/>
+          <a:lstStyle/>
+          <a:p>
+            <a:pPr marL="285750" indent="-285750">
+              <a:buFont typeface="Arial" panose="020B0604020202020204" pitchFamily="34" charset="0"/>
+              <a:buChar char="•"/>
+            </a:pPr>
+            <a:r>
+              <a:rPr lang="en-GB" dirty="0"/>
+              <a:t>UG dissertation, part 1</a:t>
+            </a:r>
+          </a:p>
+          <a:p>
+            <a:pPr marL="285750" indent="-285750">
+              <a:buFont typeface="Arial" panose="020B0604020202020204" pitchFamily="34" charset="0"/>
+              <a:buChar char="•"/>
+            </a:pPr>
+            <a:r>
+              <a:rPr lang="en-GB" dirty="0"/>
+              <a:t>Specialised but …</a:t>
+            </a:r>
+          </a:p>
+          <a:p>
+            <a:pPr marL="285750" indent="-285750">
+              <a:buFont typeface="Arial" panose="020B0604020202020204" pitchFamily="34" charset="0"/>
+              <a:buChar char="•"/>
+            </a:pPr>
+            <a:r>
+              <a:rPr lang="en-GB" dirty="0"/>
+              <a:t>Selection – marked before I knew I was to use them</a:t>
+            </a:r>
+          </a:p>
+          <a:p>
+            <a:pPr marL="285750" indent="-285750">
+              <a:buFont typeface="Arial" panose="020B0604020202020204" pitchFamily="34" charset="0"/>
+              <a:buChar char="•"/>
+            </a:pPr>
+            <a:r>
+              <a:rPr lang="en-GB" dirty="0"/>
+              <a:t>Similar standard</a:t>
+            </a:r>
+          </a:p>
+          <a:p>
+            <a:pPr marL="285750" indent="-285750">
+              <a:buFont typeface="Arial" panose="020B0604020202020204" pitchFamily="34" charset="0"/>
+              <a:buChar char="•"/>
+            </a:pPr>
+            <a:r>
+              <a:rPr lang="en-GB" dirty="0"/>
+              <a:t>Closed source</a:t>
+            </a:r>
+          </a:p>
+          <a:p>
+            <a:pPr marL="285750" indent="-285750">
+              <a:buFont typeface="Arial" panose="020B0604020202020204" pitchFamily="34" charset="0"/>
+              <a:buChar char="•"/>
+            </a:pPr>
+            <a:r>
+              <a:rPr lang="en-GB" dirty="0"/>
+              <a:t>Ethics – practitioner research</a:t>
+            </a:r>
+          </a:p>
+        </p:txBody>
+      </p:sp>
+      <p:sp>
+        <p:nvSpPr>
+          <p:cNvPr id="4" name="Slide Number Placeholder 3"/>
+          <p:cNvSpPr>
+            <a:spLocks noGrp="1"/>
+          </p:cNvSpPr>
+          <p:nvPr>
+            <p:ph type="sldNum" sz="quarter" idx="5"/>
+          </p:nvPr>
+        </p:nvSpPr>
+        <p:spPr/>
+        <p:txBody>
+          <a:bodyPr/>
+          <a:lstStyle/>
+          <a:p>
+            <a:fld id="{FBB72EE4-B5E2-46F6-BB12-BAEE3A6CF310}" type="slidenum">
+              <a:rPr lang="en-GB" smtClean="0"/>
+              <a:t>6</a:t>
+            </a:fld>
+            <a:endParaRPr lang="en-GB"/>
+          </a:p>
+        </p:txBody>
+      </p:sp>
+    </p:spTree>
+    <p:extLst>
+      <p:ext uri="{BB962C8B-B14F-4D97-AF65-F5344CB8AC3E}">
+        <p14:creationId xmlns:p14="http://schemas.microsoft.com/office/powerpoint/2010/main" val="2654959339"/>
+      </p:ext>
+    </p:extLst>
+  </p:cSld>
+  <p:clrMapOvr>
+    <a:masterClrMapping/>
+  </p:clrMapOvr>
+</p:notes>
 </file>
 
 <file path=ppt/slideLayouts/slideLayout1.xml><?xml version="1.0" encoding="utf-8"?>
@@ -366,7 +1170,7 @@
           <a:p>
             <a:fld id="{195FDFDA-6C80-4589-A05F-42F9461A9CEE}" type="datetimeFigureOut">
               <a:rPr lang="en-GB" smtClean="0"/>
-              <a:t>19/02/2025</a:t>
+              <a:t>08/03/2025</a:t>
             </a:fld>
             <a:endParaRPr lang="en-GB"/>
           </a:p>
@@ -566,7 +1370,7 @@
           <a:p>
             <a:fld id="{195FDFDA-6C80-4589-A05F-42F9461A9CEE}" type="datetimeFigureOut">
               <a:rPr lang="en-GB" smtClean="0"/>
-              <a:t>19/02/2025</a:t>
+              <a:t>08/03/2025</a:t>
             </a:fld>
             <a:endParaRPr lang="en-GB"/>
           </a:p>
@@ -776,7 +1580,7 @@
           <a:p>
             <a:fld id="{195FDFDA-6C80-4589-A05F-42F9461A9CEE}" type="datetimeFigureOut">
               <a:rPr lang="en-GB" smtClean="0"/>
-              <a:t>19/02/2025</a:t>
+              <a:t>08/03/2025</a:t>
             </a:fld>
             <a:endParaRPr lang="en-GB"/>
           </a:p>
@@ -976,7 +1780,7 @@
           <a:p>
             <a:fld id="{195FDFDA-6C80-4589-A05F-42F9461A9CEE}" type="datetimeFigureOut">
               <a:rPr lang="en-GB" smtClean="0"/>
-              <a:t>19/02/2025</a:t>
+              <a:t>08/03/2025</a:t>
             </a:fld>
             <a:endParaRPr lang="en-GB"/>
           </a:p>
@@ -1252,7 +2056,7 @@
           <a:p>
             <a:fld id="{195FDFDA-6C80-4589-A05F-42F9461A9CEE}" type="datetimeFigureOut">
               <a:rPr lang="en-GB" smtClean="0"/>
-              <a:t>19/02/2025</a:t>
+              <a:t>08/03/2025</a:t>
             </a:fld>
             <a:endParaRPr lang="en-GB"/>
           </a:p>
@@ -1520,7 +2324,7 @@
           <a:p>
             <a:fld id="{195FDFDA-6C80-4589-A05F-42F9461A9CEE}" type="datetimeFigureOut">
               <a:rPr lang="en-GB" smtClean="0"/>
-              <a:t>19/02/2025</a:t>
+              <a:t>08/03/2025</a:t>
             </a:fld>
             <a:endParaRPr lang="en-GB"/>
           </a:p>
@@ -1935,7 +2739,7 @@
           <a:p>
             <a:fld id="{195FDFDA-6C80-4589-A05F-42F9461A9CEE}" type="datetimeFigureOut">
               <a:rPr lang="en-GB" smtClean="0"/>
-              <a:t>19/02/2025</a:t>
+              <a:t>08/03/2025</a:t>
             </a:fld>
             <a:endParaRPr lang="en-GB"/>
           </a:p>
@@ -2077,7 +2881,7 @@
           <a:p>
             <a:fld id="{195FDFDA-6C80-4589-A05F-42F9461A9CEE}" type="datetimeFigureOut">
               <a:rPr lang="en-GB" smtClean="0"/>
-              <a:t>19/02/2025</a:t>
+              <a:t>08/03/2025</a:t>
             </a:fld>
             <a:endParaRPr lang="en-GB"/>
           </a:p>
@@ -2190,7 +2994,7 @@
           <a:p>
             <a:fld id="{195FDFDA-6C80-4589-A05F-42F9461A9CEE}" type="datetimeFigureOut">
               <a:rPr lang="en-GB" smtClean="0"/>
-              <a:t>19/02/2025</a:t>
+              <a:t>08/03/2025</a:t>
             </a:fld>
             <a:endParaRPr lang="en-GB"/>
           </a:p>
@@ -2503,7 +3307,7 @@
           <a:p>
             <a:fld id="{195FDFDA-6C80-4589-A05F-42F9461A9CEE}" type="datetimeFigureOut">
               <a:rPr lang="en-GB" smtClean="0"/>
-              <a:t>19/02/2025</a:t>
+              <a:t>08/03/2025</a:t>
             </a:fld>
             <a:endParaRPr lang="en-GB"/>
           </a:p>
@@ -2792,7 +3596,7 @@
           <a:p>
             <a:fld id="{195FDFDA-6C80-4589-A05F-42F9461A9CEE}" type="datetimeFigureOut">
               <a:rPr lang="en-GB" smtClean="0"/>
-              <a:t>19/02/2025</a:t>
+              <a:t>08/03/2025</a:t>
             </a:fld>
             <a:endParaRPr lang="en-GB"/>
           </a:p>
@@ -3035,7 +3839,7 @@
           <a:p>
             <a:fld id="{195FDFDA-6C80-4589-A05F-42F9461A9CEE}" type="datetimeFigureOut">
               <a:rPr lang="en-GB" smtClean="0"/>
-              <a:t>19/02/2025</a:t>
+              <a:t>08/03/2025</a:t>
             </a:fld>
             <a:endParaRPr lang="en-GB"/>
           </a:p>
@@ -3436,7 +4240,7 @@
 </file>
 
 <file path=ppt/slides/slide1.xml><?xml version="1.0" encoding="utf-8"?>
-<p:sld xmlns:a="http://schemas.openxmlformats.org/drawingml/2006/main" xmlns:r="http://schemas.openxmlformats.org/officeDocument/2006/relationships" xmlns:p="http://schemas.openxmlformats.org/presentationml/2006/main">
+<p:sld xmlns:a="http://schemas.openxmlformats.org/drawingml/2006/main" xmlns:r="http://schemas.openxmlformats.org/officeDocument/2006/relationships" xmlns:p="http://schemas.openxmlformats.org/presentationml/2006/main" show="0">
   <p:cSld>
     <p:spTree>
       <p:nvGrpSpPr>
@@ -3522,7 +4326,7 @@
 </file>
 
 <file path=ppt/slides/slide2.xml><?xml version="1.0" encoding="utf-8"?>
-<p:sld xmlns:a="http://schemas.openxmlformats.org/drawingml/2006/main" xmlns:r="http://schemas.openxmlformats.org/officeDocument/2006/relationships" xmlns:p="http://schemas.openxmlformats.org/presentationml/2006/main">
+<p:sld xmlns:a="http://schemas.openxmlformats.org/drawingml/2006/main" xmlns:r="http://schemas.openxmlformats.org/officeDocument/2006/relationships" xmlns:p="http://schemas.openxmlformats.org/presentationml/2006/main" show="0">
   <p:cSld>
     <p:spTree>
       <p:nvGrpSpPr>
@@ -3645,7 +4449,7 @@
 </file>
 
 <file path=ppt/slides/slide3.xml><?xml version="1.0" encoding="utf-8"?>
-<p:sld xmlns:a="http://schemas.openxmlformats.org/drawingml/2006/main" xmlns:r="http://schemas.openxmlformats.org/officeDocument/2006/relationships" xmlns:p="http://schemas.openxmlformats.org/presentationml/2006/main">
+<p:sld xmlns:a="http://schemas.openxmlformats.org/drawingml/2006/main" xmlns:r="http://schemas.openxmlformats.org/officeDocument/2006/relationships" xmlns:p="http://schemas.openxmlformats.org/presentationml/2006/main" show="0">
   <p:cSld>
     <p:spTree>
       <p:nvGrpSpPr>
@@ -3782,7 +4586,7 @@
 </file>
 
 <file path=ppt/slides/slide4.xml><?xml version="1.0" encoding="utf-8"?>
-<p:sld xmlns:a="http://schemas.openxmlformats.org/drawingml/2006/main" xmlns:r="http://schemas.openxmlformats.org/officeDocument/2006/relationships" xmlns:p="http://schemas.openxmlformats.org/presentationml/2006/main">
+<p:sld xmlns:a="http://schemas.openxmlformats.org/drawingml/2006/main" xmlns:r="http://schemas.openxmlformats.org/officeDocument/2006/relationships" xmlns:p="http://schemas.openxmlformats.org/presentationml/2006/main" show="0">
   <p:cSld>
     <p:spTree>
       <p:nvGrpSpPr>
@@ -3916,6 +4720,14 @@
 <file path=ppt/slides/slide5.xml><?xml version="1.0" encoding="utf-8"?>
 <p:sld xmlns:a="http://schemas.openxmlformats.org/drawingml/2006/main" xmlns:r="http://schemas.openxmlformats.org/officeDocument/2006/relationships" xmlns:p="http://schemas.openxmlformats.org/presentationml/2006/main">
   <p:cSld>
+    <p:bg>
+      <p:bgPr>
+        <a:solidFill>
+          <a:schemeClr val="bg2"/>
+        </a:solidFill>
+        <a:effectLst/>
+      </p:bgPr>
+    </p:bg>
     <p:spTree>
       <p:nvGrpSpPr>
         <p:cNvPr id="1" name=""/>
@@ -3932,18 +4744,18 @@
       </p:grpSpPr>
       <p:sp>
         <p:nvSpPr>
-          <p:cNvPr id="2" name="Title 1">
-            <a:extLst>
-              <a:ext uri="{FF2B5EF4-FFF2-40B4-BE49-F238E27FC236}">
-                <a16:creationId xmlns:a16="http://schemas.microsoft.com/office/drawing/2014/main" id="{091FDD0E-364E-5D5C-12F1-A1AA846849D7}"/>
-              </a:ext>
-            </a:extLst>
-          </p:cNvPr>
-          <p:cNvSpPr>
-            <a:spLocks noGrp="1"/>
-          </p:cNvSpPr>
-          <p:nvPr>
-            <p:ph type="title"/>
+          <p:cNvPr id="3" name="Text Placeholder 2">
+            <a:extLst>
+              <a:ext uri="{FF2B5EF4-FFF2-40B4-BE49-F238E27FC236}">
+                <a16:creationId xmlns:a16="http://schemas.microsoft.com/office/drawing/2014/main" id="{63B9A1F7-68F0-4BC9-8B60-F37E40FC3A9F}"/>
+              </a:ext>
+            </a:extLst>
+          </p:cNvPr>
+          <p:cNvSpPr>
+            <a:spLocks noGrp="1"/>
+          </p:cNvSpPr>
+          <p:nvPr>
+            <p:ph type="body" idx="1"/>
           </p:nvPr>
         </p:nvSpPr>
         <p:spPr/>
@@ -3953,33 +4765,320 @@
           <a:p>
             <a:r>
               <a:rPr lang="en-GB" dirty="0"/>
-              <a:t>The problem I am solving is …</a:t>
-            </a:r>
-          </a:p>
-        </p:txBody>
-      </p:sp>
-      <p:sp>
-        <p:nvSpPr>
-          <p:cNvPr id="3" name="Text Placeholder 2">
-            <a:extLst>
-              <a:ext uri="{FF2B5EF4-FFF2-40B4-BE49-F238E27FC236}">
-                <a16:creationId xmlns:a16="http://schemas.microsoft.com/office/drawing/2014/main" id="{63B9A1F7-68F0-4BC9-8B60-F37E40FC3A9F}"/>
-              </a:ext>
-            </a:extLst>
-          </p:cNvPr>
-          <p:cNvSpPr>
-            <a:spLocks noGrp="1"/>
-          </p:cNvSpPr>
-          <p:nvPr>
-            <p:ph type="body" idx="1"/>
-          </p:nvPr>
-        </p:nvSpPr>
-        <p:spPr/>
-        <p:txBody>
-          <a:bodyPr/>
-          <a:lstStyle/>
-          <a:p>
-            <a:endParaRPr lang="en-GB"/>
+              <a:t>Are there identifiable features of students’ citation practices that we can use as insights for our teaching?</a:t>
+            </a:r>
+          </a:p>
+        </p:txBody>
+      </p:sp>
+      <p:sp>
+        <p:nvSpPr>
+          <p:cNvPr id="4" name="Flowchart: Multidocument 3">
+            <a:extLst>
+              <a:ext uri="{FF2B5EF4-FFF2-40B4-BE49-F238E27FC236}">
+                <a16:creationId xmlns:a16="http://schemas.microsoft.com/office/drawing/2014/main" id="{629A38C7-37A1-9EE2-3D50-3FF14AA23DA5}"/>
+              </a:ext>
+            </a:extLst>
+          </p:cNvPr>
+          <p:cNvSpPr/>
+          <p:nvPr/>
+        </p:nvSpPr>
+        <p:spPr>
+          <a:xfrm>
+            <a:off x="844550" y="1773141"/>
+            <a:ext cx="1289580" cy="758952"/>
+          </a:xfrm>
+          <a:prstGeom prst="flowChartMultidocument">
+            <a:avLst/>
+          </a:prstGeom>
+        </p:spPr>
+        <p:style>
+          <a:lnRef idx="2">
+            <a:schemeClr val="accent1">
+              <a:shade val="15000"/>
+            </a:schemeClr>
+          </a:lnRef>
+          <a:fillRef idx="1">
+            <a:schemeClr val="accent1"/>
+          </a:fillRef>
+          <a:effectRef idx="0">
+            <a:schemeClr val="accent1"/>
+          </a:effectRef>
+          <a:fontRef idx="minor">
+            <a:schemeClr val="lt1"/>
+          </a:fontRef>
+        </p:style>
+        <p:txBody>
+          <a:bodyPr rtlCol="0" anchor="ctr"/>
+          <a:lstStyle/>
+          <a:p>
+            <a:pPr algn="ctr"/>
+            <a:endParaRPr lang="en-GB" dirty="0"/>
+          </a:p>
+        </p:txBody>
+      </p:sp>
+      <p:sp>
+        <p:nvSpPr>
+          <p:cNvPr id="5" name="Lightning Bolt 4">
+            <a:extLst>
+              <a:ext uri="{FF2B5EF4-FFF2-40B4-BE49-F238E27FC236}">
+                <a16:creationId xmlns:a16="http://schemas.microsoft.com/office/drawing/2014/main" id="{7751220D-898E-7807-4816-B856EF280B12}"/>
+              </a:ext>
+            </a:extLst>
+          </p:cNvPr>
+          <p:cNvSpPr/>
+          <p:nvPr/>
+        </p:nvSpPr>
+        <p:spPr>
+          <a:xfrm>
+            <a:off x="10433050" y="1695417"/>
+            <a:ext cx="914400" cy="914400"/>
+          </a:xfrm>
+          <a:prstGeom prst="lightningBolt">
+            <a:avLst/>
+          </a:prstGeom>
+        </p:spPr>
+        <p:style>
+          <a:lnRef idx="2">
+            <a:schemeClr val="accent1">
+              <a:shade val="15000"/>
+            </a:schemeClr>
+          </a:lnRef>
+          <a:fillRef idx="1">
+            <a:schemeClr val="accent1"/>
+          </a:fillRef>
+          <a:effectRef idx="0">
+            <a:schemeClr val="accent1"/>
+          </a:effectRef>
+          <a:fontRef idx="minor">
+            <a:schemeClr val="lt1"/>
+          </a:fontRef>
+        </p:style>
+        <p:txBody>
+          <a:bodyPr rtlCol="0" anchor="ctr"/>
+          <a:lstStyle/>
+          <a:p>
+            <a:pPr algn="ctr"/>
+            <a:endParaRPr lang="en-GB" dirty="0"/>
+          </a:p>
+        </p:txBody>
+      </p:sp>
+      <p:cxnSp>
+        <p:nvCxnSpPr>
+          <p:cNvPr id="8" name="Straight Arrow Connector 7">
+            <a:extLst>
+              <a:ext uri="{FF2B5EF4-FFF2-40B4-BE49-F238E27FC236}">
+                <a16:creationId xmlns:a16="http://schemas.microsoft.com/office/drawing/2014/main" id="{A754E2FB-22EB-289C-EAB9-5E8449377432}"/>
+              </a:ext>
+            </a:extLst>
+          </p:cNvPr>
+          <p:cNvCxnSpPr/>
+          <p:nvPr/>
+        </p:nvCxnSpPr>
+        <p:spPr>
+          <a:xfrm>
+            <a:off x="8051217" y="2117925"/>
+            <a:ext cx="2218414" cy="0"/>
+          </a:xfrm>
+          <a:prstGeom prst="straightConnector1">
+            <a:avLst/>
+          </a:prstGeom>
+          <a:ln>
+            <a:headEnd type="oval"/>
+            <a:tailEnd type="oval"/>
+          </a:ln>
+        </p:spPr>
+        <p:style>
+          <a:lnRef idx="2">
+            <a:schemeClr val="accent1"/>
+          </a:lnRef>
+          <a:fillRef idx="0">
+            <a:schemeClr val="accent1"/>
+          </a:fillRef>
+          <a:effectRef idx="1">
+            <a:schemeClr val="accent1"/>
+          </a:effectRef>
+          <a:fontRef idx="minor">
+            <a:schemeClr val="tx1"/>
+          </a:fontRef>
+        </p:style>
+      </p:cxnSp>
+      <p:cxnSp>
+        <p:nvCxnSpPr>
+          <p:cNvPr id="9" name="Straight Arrow Connector 8">
+            <a:extLst>
+              <a:ext uri="{FF2B5EF4-FFF2-40B4-BE49-F238E27FC236}">
+                <a16:creationId xmlns:a16="http://schemas.microsoft.com/office/drawing/2014/main" id="{C8C4FCC4-CF47-AB5B-BC9F-8D5559F4D4C1}"/>
+              </a:ext>
+            </a:extLst>
+          </p:cNvPr>
+          <p:cNvCxnSpPr/>
+          <p:nvPr/>
+        </p:nvCxnSpPr>
+        <p:spPr>
+          <a:xfrm>
+            <a:off x="2375472" y="2154085"/>
+            <a:ext cx="2218414" cy="0"/>
+          </a:xfrm>
+          <a:prstGeom prst="straightConnector1">
+            <a:avLst/>
+          </a:prstGeom>
+          <a:ln>
+            <a:headEnd type="oval"/>
+            <a:tailEnd type="oval"/>
+          </a:ln>
+        </p:spPr>
+        <p:style>
+          <a:lnRef idx="2">
+            <a:schemeClr val="accent1"/>
+          </a:lnRef>
+          <a:fillRef idx="0">
+            <a:schemeClr val="accent1"/>
+          </a:fillRef>
+          <a:effectRef idx="1">
+            <a:schemeClr val="accent1"/>
+          </a:effectRef>
+          <a:fontRef idx="minor">
+            <a:schemeClr val="tx1"/>
+          </a:fontRef>
+        </p:style>
+      </p:cxnSp>
+      <p:pic>
+        <p:nvPicPr>
+          <p:cNvPr id="11" name="Picture 10">
+            <a:extLst>
+              <a:ext uri="{FF2B5EF4-FFF2-40B4-BE49-F238E27FC236}">
+                <a16:creationId xmlns:a16="http://schemas.microsoft.com/office/drawing/2014/main" id="{1C5C617D-A615-0407-F25B-02F9B7EFFF8B}"/>
+              </a:ext>
+            </a:extLst>
+          </p:cNvPr>
+          <p:cNvPicPr>
+            <a:picLocks noChangeAspect="1"/>
+          </p:cNvPicPr>
+          <p:nvPr/>
+        </p:nvPicPr>
+        <p:blipFill>
+          <a:blip r:embed="rId3">
+            <a:extLst>
+              <a:ext uri="{28A0092B-C50C-407E-A947-70E740481C1C}">
+                <a14:useLocalDpi xmlns:a14="http://schemas.microsoft.com/office/drawing/2010/main" val="0"/>
+              </a:ext>
+            </a:extLst>
+          </a:blip>
+          <a:srcRect l="10947" t="8844" r="1706" b="12913"/>
+          <a:stretch/>
+        </p:blipFill>
+        <p:spPr>
+          <a:xfrm>
+            <a:off x="4860000" y="864000"/>
+            <a:ext cx="3060000" cy="2232000"/>
+          </a:xfrm>
+          <a:prstGeom prst="rect">
+            <a:avLst/>
+          </a:prstGeom>
+        </p:spPr>
+      </p:pic>
+      <p:sp>
+        <p:nvSpPr>
+          <p:cNvPr id="12" name="TextBox 11">
+            <a:extLst>
+              <a:ext uri="{FF2B5EF4-FFF2-40B4-BE49-F238E27FC236}">
+                <a16:creationId xmlns:a16="http://schemas.microsoft.com/office/drawing/2014/main" id="{1318CBA5-C1DC-C65C-0B48-1558DABE30DC}"/>
+              </a:ext>
+            </a:extLst>
+          </p:cNvPr>
+          <p:cNvSpPr txBox="1"/>
+          <p:nvPr/>
+        </p:nvSpPr>
+        <p:spPr>
+          <a:xfrm>
+            <a:off x="9724784" y="3121351"/>
+            <a:ext cx="1842171" cy="707886"/>
+          </a:xfrm>
+          <a:prstGeom prst="rect">
+            <a:avLst/>
+          </a:prstGeom>
+          <a:noFill/>
+        </p:spPr>
+        <p:txBody>
+          <a:bodyPr wrap="none" rtlCol="0">
+            <a:spAutoFit/>
+          </a:bodyPr>
+          <a:lstStyle/>
+          <a:p>
+            <a:r>
+              <a:rPr lang="en-GB" sz="4000" b="1" dirty="0"/>
+              <a:t>Claims</a:t>
+            </a:r>
+          </a:p>
+        </p:txBody>
+      </p:sp>
+      <p:sp>
+        <p:nvSpPr>
+          <p:cNvPr id="13" name="TextBox 12">
+            <a:extLst>
+              <a:ext uri="{FF2B5EF4-FFF2-40B4-BE49-F238E27FC236}">
+                <a16:creationId xmlns:a16="http://schemas.microsoft.com/office/drawing/2014/main" id="{57ED516A-AA5F-C550-ED38-AD4DE2770C04}"/>
+              </a:ext>
+            </a:extLst>
+          </p:cNvPr>
+          <p:cNvSpPr txBox="1"/>
+          <p:nvPr/>
+        </p:nvSpPr>
+        <p:spPr>
+          <a:xfrm>
+            <a:off x="5169697" y="3110619"/>
+            <a:ext cx="2314929" cy="707886"/>
+          </a:xfrm>
+          <a:prstGeom prst="rect">
+            <a:avLst/>
+          </a:prstGeom>
+          <a:noFill/>
+        </p:spPr>
+        <p:txBody>
+          <a:bodyPr wrap="none" rtlCol="0">
+            <a:spAutoFit/>
+          </a:bodyPr>
+          <a:lstStyle/>
+          <a:p>
+            <a:r>
+              <a:rPr lang="en-GB" sz="4000" b="1" dirty="0"/>
+              <a:t>Warrants</a:t>
+            </a:r>
+          </a:p>
+        </p:txBody>
+      </p:sp>
+      <p:sp>
+        <p:nvSpPr>
+          <p:cNvPr id="14" name="TextBox 13">
+            <a:extLst>
+              <a:ext uri="{FF2B5EF4-FFF2-40B4-BE49-F238E27FC236}">
+                <a16:creationId xmlns:a16="http://schemas.microsoft.com/office/drawing/2014/main" id="{B2166043-22B2-EAB2-EAC1-BEB49E01BECF}"/>
+              </a:ext>
+            </a:extLst>
+          </p:cNvPr>
+          <p:cNvSpPr txBox="1"/>
+          <p:nvPr/>
+        </p:nvSpPr>
+        <p:spPr>
+          <a:xfrm>
+            <a:off x="831850" y="3121351"/>
+            <a:ext cx="2097690" cy="707886"/>
+          </a:xfrm>
+          <a:prstGeom prst="rect">
+            <a:avLst/>
+          </a:prstGeom>
+          <a:noFill/>
+        </p:spPr>
+        <p:txBody>
+          <a:bodyPr wrap="none" rtlCol="0">
+            <a:spAutoFit/>
+          </a:bodyPr>
+          <a:lstStyle/>
+          <a:p>
+            <a:r>
+              <a:rPr lang="en-GB" sz="4000" b="1" dirty="0"/>
+              <a:t>Sources</a:t>
+            </a:r>
           </a:p>
         </p:txBody>
       </p:sp>
@@ -3999,6 +5098,14 @@
 <file path=ppt/slides/slide6.xml><?xml version="1.0" encoding="utf-8"?>
 <p:sld xmlns:a="http://schemas.openxmlformats.org/drawingml/2006/main" xmlns:r="http://schemas.openxmlformats.org/officeDocument/2006/relationships" xmlns:p="http://schemas.openxmlformats.org/presentationml/2006/main">
   <p:cSld>
+    <p:bg>
+      <p:bgPr>
+        <a:solidFill>
+          <a:schemeClr val="bg2"/>
+        </a:solidFill>
+        <a:effectLst/>
+      </p:bgPr>
+    </p:bg>
     <p:spTree>
       <p:nvGrpSpPr>
         <p:cNvPr id="1" name=""/>
@@ -4029,43 +5136,124 @@
             <p:ph type="title"/>
           </p:nvPr>
         </p:nvSpPr>
-        <p:spPr/>
-        <p:txBody>
-          <a:bodyPr/>
+        <p:spPr>
+          <a:xfrm>
+            <a:off x="831850" y="768351"/>
+            <a:ext cx="3088397" cy="1683020"/>
+          </a:xfrm>
+        </p:spPr>
+        <p:txBody>
+          <a:bodyPr>
+            <a:normAutofit fontScale="90000"/>
+          </a:bodyPr>
           <a:lstStyle/>
           <a:p>
             <a:r>
               <a:rPr lang="en-GB" dirty="0"/>
-              <a:t>The data I used is …</a:t>
-            </a:r>
-          </a:p>
-        </p:txBody>
-      </p:sp>
-      <p:sp>
-        <p:nvSpPr>
-          <p:cNvPr id="3" name="Text Placeholder 2">
-            <a:extLst>
-              <a:ext uri="{FF2B5EF4-FFF2-40B4-BE49-F238E27FC236}">
-                <a16:creationId xmlns:a16="http://schemas.microsoft.com/office/drawing/2014/main" id="{F1D0A91E-F600-239D-598A-A3F9D6165D69}"/>
-              </a:ext>
-            </a:extLst>
-          </p:cNvPr>
-          <p:cNvSpPr>
-            <a:spLocks noGrp="1"/>
-          </p:cNvSpPr>
-          <p:nvPr>
-            <p:ph type="body" idx="1"/>
-          </p:nvPr>
-        </p:nvSpPr>
-        <p:spPr/>
-        <p:txBody>
-          <a:bodyPr/>
-          <a:lstStyle/>
-          <a:p>
+              <a:t>The data I used</a:t>
+            </a:r>
+          </a:p>
+        </p:txBody>
+      </p:sp>
+      <p:pic>
+        <p:nvPicPr>
+          <p:cNvPr id="5" name="Picture 4" descr="Close-up of a paper with writing on it&#10;&#10;AI-generated content may be incorrect.">
+            <a:extLst>
+              <a:ext uri="{FF2B5EF4-FFF2-40B4-BE49-F238E27FC236}">
+                <a16:creationId xmlns:a16="http://schemas.microsoft.com/office/drawing/2014/main" id="{5BBFF418-E6B1-32D2-EA7E-4F103E52A53B}"/>
+              </a:ext>
+            </a:extLst>
+          </p:cNvPr>
+          <p:cNvPicPr>
+            <a:picLocks noChangeAspect="1"/>
+          </p:cNvPicPr>
+          <p:nvPr/>
+        </p:nvPicPr>
+        <p:blipFill>
+          <a:blip r:embed="rId3">
+            <a:extLst>
+              <a:ext uri="{28A0092B-C50C-407E-A947-70E740481C1C}">
+                <a14:useLocalDpi xmlns:a14="http://schemas.microsoft.com/office/drawing/2010/main" val="0"/>
+              </a:ext>
+            </a:extLst>
+          </a:blip>
+          <a:stretch>
+            <a:fillRect/>
+          </a:stretch>
+        </p:blipFill>
+        <p:spPr>
+          <a:xfrm>
+            <a:off x="4416357" y="219578"/>
+            <a:ext cx="7504565" cy="6418844"/>
+          </a:xfrm>
+          <a:prstGeom prst="rect">
+            <a:avLst/>
+          </a:prstGeom>
+        </p:spPr>
+      </p:pic>
+      <p:sp>
+        <p:nvSpPr>
+          <p:cNvPr id="8" name="TextBox 7">
+            <a:extLst>
+              <a:ext uri="{FF2B5EF4-FFF2-40B4-BE49-F238E27FC236}">
+                <a16:creationId xmlns:a16="http://schemas.microsoft.com/office/drawing/2014/main" id="{7A97862C-9BB1-CD09-BE89-61443A9D0130}"/>
+              </a:ext>
+            </a:extLst>
+          </p:cNvPr>
+          <p:cNvSpPr txBox="1"/>
+          <p:nvPr/>
+        </p:nvSpPr>
+        <p:spPr>
+          <a:xfrm>
+            <a:off x="685935" y="2898842"/>
+            <a:ext cx="3088397" cy="1200329"/>
+          </a:xfrm>
+          <a:prstGeom prst="rect">
+            <a:avLst/>
+          </a:prstGeom>
+          <a:noFill/>
+        </p:spPr>
+        <p:txBody>
+          <a:bodyPr wrap="square" rtlCol="0">
+            <a:spAutoFit/>
+          </a:bodyPr>
+          <a:lstStyle/>
+          <a:p>
+            <a:pPr marL="285750" indent="-285750">
+              <a:buFont typeface="Arial" panose="020B0604020202020204" pitchFamily="34" charset="0"/>
+              <a:buChar char="•"/>
+            </a:pPr>
             <a:r>
               <a:rPr lang="en-GB" dirty="0"/>
-              <a:t>(topic, source, provenance etc)</a:t>
-            </a:r>
+              <a:t>Noisy!</a:t>
+            </a:r>
+          </a:p>
+          <a:p>
+            <a:pPr marL="285750" indent="-285750">
+              <a:buFont typeface="Arial" panose="020B0604020202020204" pitchFamily="34" charset="0"/>
+              <a:buChar char="•"/>
+            </a:pPr>
+            <a:r>
+              <a:rPr lang="en-GB" dirty="0"/>
+              <a:t>Complex</a:t>
+            </a:r>
+          </a:p>
+          <a:p>
+            <a:pPr marL="285750" indent="-285750">
+              <a:buFont typeface="Arial" panose="020B0604020202020204" pitchFamily="34" charset="0"/>
+              <a:buChar char="•"/>
+            </a:pPr>
+            <a:r>
+              <a:rPr lang="en-GB" dirty="0"/>
+              <a:t>Closed</a:t>
+            </a:r>
+          </a:p>
+          <a:p>
+            <a:pPr marL="285750" indent="-285750">
+              <a:buFont typeface="Arial" panose="020B0604020202020204" pitchFamily="34" charset="0"/>
+              <a:buChar char="•"/>
+            </a:pPr>
+            <a:endParaRPr lang="en-GB" dirty="0"/>
           </a:p>
         </p:txBody>
       </p:sp>
@@ -4085,6 +5273,14 @@
 <file path=ppt/slides/slide7.xml><?xml version="1.0" encoding="utf-8"?>
 <p:sld xmlns:a="http://schemas.openxmlformats.org/drawingml/2006/main" xmlns:r="http://schemas.openxmlformats.org/officeDocument/2006/relationships" xmlns:p="http://schemas.openxmlformats.org/presentationml/2006/main">
   <p:cSld>
+    <p:bg>
+      <p:bgPr>
+        <a:solidFill>
+          <a:schemeClr val="bg2"/>
+        </a:solidFill>
+        <a:effectLst/>
+      </p:bgPr>
+    </p:bg>
     <p:spTree>
       <p:nvGrpSpPr>
         <p:cNvPr id="1" name=""/>
@@ -4171,6 +5367,14 @@
 <file path=ppt/slides/slide8.xml><?xml version="1.0" encoding="utf-8"?>
 <p:sld xmlns:a="http://schemas.openxmlformats.org/drawingml/2006/main" xmlns:r="http://schemas.openxmlformats.org/officeDocument/2006/relationships" xmlns:p="http://schemas.openxmlformats.org/presentationml/2006/main">
   <p:cSld>
+    <p:bg>
+      <p:bgPr>
+        <a:solidFill>
+          <a:schemeClr val="bg2"/>
+        </a:solidFill>
+        <a:effectLst/>
+      </p:bgPr>
+    </p:bg>
     <p:spTree>
       <p:nvGrpSpPr>
         <p:cNvPr id="1" name=""/>
@@ -4257,6 +5461,14 @@
 <file path=ppt/slides/slide9.xml><?xml version="1.0" encoding="utf-8"?>
 <p:sld xmlns:a="http://schemas.openxmlformats.org/drawingml/2006/main" xmlns:r="http://schemas.openxmlformats.org/officeDocument/2006/relationships" xmlns:p="http://schemas.openxmlformats.org/presentationml/2006/main">
   <p:cSld>
+    <p:bg>
+      <p:bgPr>
+        <a:solidFill>
+          <a:schemeClr val="bg2"/>
+        </a:solidFill>
+        <a:effectLst/>
+      </p:bgPr>
+    </p:bg>
     <p:spTree>
       <p:nvGrpSpPr>
         <p:cNvPr id="1" name=""/>
@@ -4653,4 +5865,319 @@
     </a:ext>
   </a:extLst>
 </a:theme>
+</file>
+
+<file path=ppt/theme/theme2.xml><?xml version="1.0" encoding="utf-8"?>
+<a:theme xmlns:a="http://schemas.openxmlformats.org/drawingml/2006/main" name="Office Theme">
+  <a:themeElements>
+    <a:clrScheme name="Office">
+      <a:dk1>
+        <a:sysClr val="windowText" lastClr="000000"/>
+      </a:dk1>
+      <a:lt1>
+        <a:sysClr val="window" lastClr="FFFFFF"/>
+      </a:lt1>
+      <a:dk2>
+        <a:srgbClr val="0E2841"/>
+      </a:dk2>
+      <a:lt2>
+        <a:srgbClr val="E8E8E8"/>
+      </a:lt2>
+      <a:accent1>
+        <a:srgbClr val="156082"/>
+      </a:accent1>
+      <a:accent2>
+        <a:srgbClr val="E97132"/>
+      </a:accent2>
+      <a:accent3>
+        <a:srgbClr val="196B24"/>
+      </a:accent3>
+      <a:accent4>
+        <a:srgbClr val="0F9ED5"/>
+      </a:accent4>
+      <a:accent5>
+        <a:srgbClr val="A02B93"/>
+      </a:accent5>
+      <a:accent6>
+        <a:srgbClr val="4EA72E"/>
+      </a:accent6>
+      <a:hlink>
+        <a:srgbClr val="467886"/>
+      </a:hlink>
+      <a:folHlink>
+        <a:srgbClr val="96607D"/>
+      </a:folHlink>
+    </a:clrScheme>
+    <a:fontScheme name="Office">
+      <a:majorFont>
+        <a:latin typeface="Aptos Display" panose="02110004020202020204"/>
+        <a:ea typeface=""/>
+        <a:cs typeface=""/>
+        <a:font script="Jpan" typeface="游ゴシック Light"/>
+        <a:font script="Hang" typeface="맑은 고딕"/>
+        <a:font script="Hans" typeface="等线 Light"/>
+        <a:font script="Hant" typeface="新細明體"/>
+        <a:font script="Arab" typeface="Times New Roman"/>
+        <a:font script="Hebr" typeface="Times New Roman"/>
+        <a:font script="Thai" typeface="Angsana New"/>
+        <a:font script="Ethi" typeface="Nyala"/>
+        <a:font script="Beng" typeface="Vrinda"/>
+        <a:font script="Gujr" typeface="Shruti"/>
+        <a:font script="Khmr" typeface="MoolBoran"/>
+        <a:font script="Knda" typeface="Tunga"/>
+        <a:font script="Guru" typeface="Raavi"/>
+        <a:font script="Cans" typeface="Euphemia"/>
+        <a:font script="Cher" typeface="Plantagenet Cherokee"/>
+        <a:font script="Yiii" typeface="Microsoft Yi Baiti"/>
+        <a:font script="Tibt" typeface="Microsoft Himalaya"/>
+        <a:font script="Thaa" typeface="MV Boli"/>
+        <a:font script="Deva" typeface="Mangal"/>
+        <a:font script="Telu" typeface="Gautami"/>
+        <a:font script="Taml" typeface="Latha"/>
+        <a:font script="Syrc" typeface="Estrangelo Edessa"/>
+        <a:font script="Orya" typeface="Kalinga"/>
+        <a:font script="Mlym" typeface="Kartika"/>
+        <a:font script="Laoo" typeface="DokChampa"/>
+        <a:font script="Sinh" typeface="Iskoola Pota"/>
+        <a:font script="Mong" typeface="Mongolian Baiti"/>
+        <a:font script="Viet" typeface="Times New Roman"/>
+        <a:font script="Uigh" typeface="Microsoft Uighur"/>
+        <a:font script="Geor" typeface="Sylfaen"/>
+        <a:font script="Armn" typeface="Arial"/>
+        <a:font script="Bugi" typeface="Leelawadee UI"/>
+        <a:font script="Bopo" typeface="Microsoft JhengHei"/>
+        <a:font script="Java" typeface="Javanese Text"/>
+        <a:font script="Lisu" typeface="Segoe UI"/>
+        <a:font script="Mymr" typeface="Myanmar Text"/>
+        <a:font script="Nkoo" typeface="Ebrima"/>
+        <a:font script="Olck" typeface="Nirmala UI"/>
+        <a:font script="Osma" typeface="Ebrima"/>
+        <a:font script="Phag" typeface="Phagspa"/>
+        <a:font script="Syrn" typeface="Estrangelo Edessa"/>
+        <a:font script="Syrj" typeface="Estrangelo Edessa"/>
+        <a:font script="Syre" typeface="Estrangelo Edessa"/>
+        <a:font script="Sora" typeface="Nirmala UI"/>
+        <a:font script="Tale" typeface="Microsoft Tai Le"/>
+        <a:font script="Talu" typeface="Microsoft New Tai Lue"/>
+        <a:font script="Tfng" typeface="Ebrima"/>
+      </a:majorFont>
+      <a:minorFont>
+        <a:latin typeface="Aptos" panose="02110004020202020204"/>
+        <a:ea typeface=""/>
+        <a:cs typeface=""/>
+        <a:font script="Jpan" typeface="游ゴシック"/>
+        <a:font script="Hang" typeface="맑은 고딕"/>
+        <a:font script="Hans" typeface="等线"/>
+        <a:font script="Hant" typeface="新細明體"/>
+        <a:font script="Arab" typeface="Arial"/>
+        <a:font script="Hebr" typeface="Arial"/>
+        <a:font script="Thai" typeface="Cordia New"/>
+        <a:font script="Ethi" typeface="Nyala"/>
+        <a:font script="Beng" typeface="Vrinda"/>
+        <a:font script="Gujr" typeface="Shruti"/>
+        <a:font script="Khmr" typeface="DaunPenh"/>
+        <a:font script="Knda" typeface="Tunga"/>
+        <a:font script="Guru" typeface="Raavi"/>
+        <a:font script="Cans" typeface="Euphemia"/>
+        <a:font script="Cher" typeface="Plantagenet Cherokee"/>
+        <a:font script="Yiii" typeface="Microsoft Yi Baiti"/>
+        <a:font script="Tibt" typeface="Microsoft Himalaya"/>
+        <a:font script="Thaa" typeface="MV Boli"/>
+        <a:font script="Deva" typeface="Mangal"/>
+        <a:font script="Telu" typeface="Gautami"/>
+        <a:font script="Taml" typeface="Latha"/>
+        <a:font script="Syrc" typeface="Estrangelo Edessa"/>
+        <a:font script="Orya" typeface="Kalinga"/>
+        <a:font script="Mlym" typeface="Kartika"/>
+        <a:font script="Laoo" typeface="DokChampa"/>
+        <a:font script="Sinh" typeface="Iskoola Pota"/>
+        <a:font script="Mong" typeface="Mongolian Baiti"/>
+        <a:font script="Viet" typeface="Arial"/>
+        <a:font script="Uigh" typeface="Microsoft Uighur"/>
+        <a:font script="Geor" typeface="Sylfaen"/>
+        <a:font script="Armn" typeface="Arial"/>
+        <a:font script="Bugi" typeface="Leelawadee UI"/>
+        <a:font script="Bopo" typeface="Microsoft JhengHei"/>
+        <a:font script="Java" typeface="Javanese Text"/>
+        <a:font script="Lisu" typeface="Segoe UI"/>
+        <a:font script="Mymr" typeface="Myanmar Text"/>
+        <a:font script="Nkoo" typeface="Ebrima"/>
+        <a:font script="Olck" typeface="Nirmala UI"/>
+        <a:font script="Osma" typeface="Ebrima"/>
+        <a:font script="Phag" typeface="Phagspa"/>
+        <a:font script="Syrn" typeface="Estrangelo Edessa"/>
+        <a:font script="Syrj" typeface="Estrangelo Edessa"/>
+        <a:font script="Syre" typeface="Estrangelo Edessa"/>
+        <a:font script="Sora" typeface="Nirmala UI"/>
+        <a:font script="Tale" typeface="Microsoft Tai Le"/>
+        <a:font script="Talu" typeface="Microsoft New Tai Lue"/>
+        <a:font script="Tfng" typeface="Ebrima"/>
+      </a:minorFont>
+    </a:fontScheme>
+    <a:fmtScheme name="Office">
+      <a:fillStyleLst>
+        <a:solidFill>
+          <a:schemeClr val="phClr"/>
+        </a:solidFill>
+        <a:gradFill rotWithShape="1">
+          <a:gsLst>
+            <a:gs pos="0">
+              <a:schemeClr val="phClr">
+                <a:lumMod val="110000"/>
+                <a:satMod val="105000"/>
+                <a:tint val="67000"/>
+              </a:schemeClr>
+            </a:gs>
+            <a:gs pos="50000">
+              <a:schemeClr val="phClr">
+                <a:lumMod val="105000"/>
+                <a:satMod val="103000"/>
+                <a:tint val="73000"/>
+              </a:schemeClr>
+            </a:gs>
+            <a:gs pos="100000">
+              <a:schemeClr val="phClr">
+                <a:lumMod val="105000"/>
+                <a:satMod val="109000"/>
+                <a:tint val="81000"/>
+              </a:schemeClr>
+            </a:gs>
+          </a:gsLst>
+          <a:lin ang="5400000" scaled="0"/>
+        </a:gradFill>
+        <a:gradFill rotWithShape="1">
+          <a:gsLst>
+            <a:gs pos="0">
+              <a:schemeClr val="phClr">
+                <a:satMod val="103000"/>
+                <a:lumMod val="102000"/>
+                <a:tint val="94000"/>
+              </a:schemeClr>
+            </a:gs>
+            <a:gs pos="50000">
+              <a:schemeClr val="phClr">
+                <a:satMod val="110000"/>
+                <a:lumMod val="100000"/>
+                <a:shade val="100000"/>
+              </a:schemeClr>
+            </a:gs>
+            <a:gs pos="100000">
+              <a:schemeClr val="phClr">
+                <a:lumMod val="99000"/>
+                <a:satMod val="120000"/>
+                <a:shade val="78000"/>
+              </a:schemeClr>
+            </a:gs>
+          </a:gsLst>
+          <a:lin ang="5400000" scaled="0"/>
+        </a:gradFill>
+      </a:fillStyleLst>
+      <a:lnStyleLst>
+        <a:ln w="12700" cap="flat" cmpd="sng" algn="ctr">
+          <a:solidFill>
+            <a:schemeClr val="phClr"/>
+          </a:solidFill>
+          <a:prstDash val="solid"/>
+          <a:miter lim="800000"/>
+        </a:ln>
+        <a:ln w="19050" cap="flat" cmpd="sng" algn="ctr">
+          <a:solidFill>
+            <a:schemeClr val="phClr"/>
+          </a:solidFill>
+          <a:prstDash val="solid"/>
+          <a:miter lim="800000"/>
+        </a:ln>
+        <a:ln w="25400" cap="flat" cmpd="sng" algn="ctr">
+          <a:solidFill>
+            <a:schemeClr val="phClr"/>
+          </a:solidFill>
+          <a:prstDash val="solid"/>
+          <a:miter lim="800000"/>
+        </a:ln>
+      </a:lnStyleLst>
+      <a:effectStyleLst>
+        <a:effectStyle>
+          <a:effectLst/>
+        </a:effectStyle>
+        <a:effectStyle>
+          <a:effectLst/>
+        </a:effectStyle>
+        <a:effectStyle>
+          <a:effectLst>
+            <a:outerShdw blurRad="57150" dist="19050" dir="5400000" algn="ctr" rotWithShape="0">
+              <a:srgbClr val="000000">
+                <a:alpha val="63000"/>
+              </a:srgbClr>
+            </a:outerShdw>
+          </a:effectLst>
+        </a:effectStyle>
+      </a:effectStyleLst>
+      <a:bgFillStyleLst>
+        <a:solidFill>
+          <a:schemeClr val="phClr"/>
+        </a:solidFill>
+        <a:solidFill>
+          <a:schemeClr val="phClr">
+            <a:tint val="95000"/>
+            <a:satMod val="170000"/>
+          </a:schemeClr>
+        </a:solidFill>
+        <a:gradFill rotWithShape="1">
+          <a:gsLst>
+            <a:gs pos="0">
+              <a:schemeClr val="phClr">
+                <a:tint val="93000"/>
+                <a:satMod val="150000"/>
+                <a:shade val="98000"/>
+                <a:lumMod val="102000"/>
+              </a:schemeClr>
+            </a:gs>
+            <a:gs pos="50000">
+              <a:schemeClr val="phClr">
+                <a:tint val="98000"/>
+                <a:satMod val="130000"/>
+                <a:shade val="90000"/>
+                <a:lumMod val="103000"/>
+              </a:schemeClr>
+            </a:gs>
+            <a:gs pos="100000">
+              <a:schemeClr val="phClr">
+                <a:shade val="63000"/>
+                <a:satMod val="120000"/>
+              </a:schemeClr>
+            </a:gs>
+          </a:gsLst>
+          <a:lin ang="5400000" scaled="0"/>
+        </a:gradFill>
+      </a:bgFillStyleLst>
+    </a:fmtScheme>
+  </a:themeElements>
+  <a:objectDefaults>
+    <a:lnDef>
+      <a:spPr/>
+      <a:bodyPr/>
+      <a:lstStyle/>
+      <a:style>
+        <a:lnRef idx="2">
+          <a:schemeClr val="accent1"/>
+        </a:lnRef>
+        <a:fillRef idx="0">
+          <a:schemeClr val="accent1"/>
+        </a:fillRef>
+        <a:effectRef idx="1">
+          <a:schemeClr val="accent1"/>
+        </a:effectRef>
+        <a:fontRef idx="minor">
+          <a:schemeClr val="tx1"/>
+        </a:fontRef>
+      </a:style>
+    </a:lnDef>
+  </a:objectDefaults>
+  <a:extraClrSchemeLst/>
+  <a:extLst>
+    <a:ext uri="{05A4C25C-085E-4340-85A3-A5531E510DB2}">
+      <thm15:themeFamily xmlns:thm15="http://schemas.microsoft.com/office/thememl/2012/main" name="Office Theme" id="{2E142A2C-CD16-42D6-873A-C26D2A0506FA}" vid="{1BDDFF52-6CD6-40A5-AB3C-68EB2F1E4D0A}"/>
+    </a:ext>
+  </a:extLst>
+</a:theme>
 </file>
--- a/Final project prompt slides.pptx
+++ b/Final project prompt slides.pptx
@@ -5,18 +5,14 @@
     <p:sldMasterId id="2147483648" r:id="rId1"/>
   </p:sldMasterIdLst>
   <p:notesMasterIdLst>
-    <p:notesMasterId r:id="rId11"/>
+    <p:notesMasterId r:id="rId7"/>
   </p:notesMasterIdLst>
   <p:sldIdLst>
-    <p:sldId id="256" r:id="rId2"/>
-    <p:sldId id="257" r:id="rId3"/>
-    <p:sldId id="265" r:id="rId4"/>
-    <p:sldId id="259" r:id="rId5"/>
-    <p:sldId id="260" r:id="rId6"/>
-    <p:sldId id="261" r:id="rId7"/>
-    <p:sldId id="262" r:id="rId8"/>
-    <p:sldId id="263" r:id="rId9"/>
-    <p:sldId id="264" r:id="rId10"/>
+    <p:sldId id="260" r:id="rId2"/>
+    <p:sldId id="261" r:id="rId3"/>
+    <p:sldId id="262" r:id="rId4"/>
+    <p:sldId id="263" r:id="rId5"/>
+    <p:sldId id="264" r:id="rId6"/>
   </p:sldIdLst>
   <p:sldSz cx="12192000" cy="6858000"/>
   <p:notesSz cx="6858000" cy="9144000"/>
@@ -126,7 +122,7 @@
 <file path=ppt/revisionInfo.xml><?xml version="1.0" encoding="utf-8"?>
 <p1510:revInfo xmlns:a="http://schemas.openxmlformats.org/drawingml/2006/main" xmlns:r="http://schemas.openxmlformats.org/officeDocument/2006/relationships" xmlns:p1510="http://schemas.microsoft.com/office/powerpoint/2015/10/main">
   <p1510:revLst>
-    <p1510:client id="{988D2E96-9311-4FE8-A36F-3620B7AB6341}" v="9" dt="2025-03-07T19:54:06.596"/>
+    <p1510:client id="{F8B32761-AFE2-40B2-A44C-D2DBC59C3F2C}" v="7" dt="2025-03-17T16:09:56.872"/>
   </p1510:revLst>
 </p1510:revInfo>
 </file>
@@ -218,6 +214,263 @@
     </pc:docChg>
   </pc:docChgLst>
   <pc:docChgLst>
+    <pc:chgData name="Darren Garside" userId="1ff3dd00-c40d-412f-ba2a-26196dbfda33" providerId="ADAL" clId="{F8B32761-AFE2-40B2-A44C-D2DBC59C3F2C}"/>
+    <pc:docChg chg="undo custSel delSld modSld">
+      <pc:chgData name="Darren Garside" userId="1ff3dd00-c40d-412f-ba2a-26196dbfda33" providerId="ADAL" clId="{F8B32761-AFE2-40B2-A44C-D2DBC59C3F2C}" dt="2025-03-17T16:12:44.380" v="306" actId="2696"/>
+      <pc:docMkLst>
+        <pc:docMk/>
+      </pc:docMkLst>
+      <pc:sldChg chg="del">
+        <pc:chgData name="Darren Garside" userId="1ff3dd00-c40d-412f-ba2a-26196dbfda33" providerId="ADAL" clId="{F8B32761-AFE2-40B2-A44C-D2DBC59C3F2C}" dt="2025-03-17T16:12:44.380" v="306" actId="2696"/>
+        <pc:sldMkLst>
+          <pc:docMk/>
+          <pc:sldMk cId="754481681" sldId="256"/>
+        </pc:sldMkLst>
+      </pc:sldChg>
+      <pc:sldChg chg="del">
+        <pc:chgData name="Darren Garside" userId="1ff3dd00-c40d-412f-ba2a-26196dbfda33" providerId="ADAL" clId="{F8B32761-AFE2-40B2-A44C-D2DBC59C3F2C}" dt="2025-03-17T16:12:44.380" v="306" actId="2696"/>
+        <pc:sldMkLst>
+          <pc:docMk/>
+          <pc:sldMk cId="800675438" sldId="257"/>
+        </pc:sldMkLst>
+      </pc:sldChg>
+      <pc:sldChg chg="del">
+        <pc:chgData name="Darren Garside" userId="1ff3dd00-c40d-412f-ba2a-26196dbfda33" providerId="ADAL" clId="{F8B32761-AFE2-40B2-A44C-D2DBC59C3F2C}" dt="2025-03-17T16:12:44.380" v="306" actId="2696"/>
+        <pc:sldMkLst>
+          <pc:docMk/>
+          <pc:sldMk cId="3974184401" sldId="259"/>
+        </pc:sldMkLst>
+      </pc:sldChg>
+      <pc:sldChg chg="modSp mod">
+        <pc:chgData name="Darren Garside" userId="1ff3dd00-c40d-412f-ba2a-26196dbfda33" providerId="ADAL" clId="{F8B32761-AFE2-40B2-A44C-D2DBC59C3F2C}" dt="2025-03-17T16:02:07.381" v="241" actId="5793"/>
+        <pc:sldMkLst>
+          <pc:docMk/>
+          <pc:sldMk cId="3766804681" sldId="261"/>
+        </pc:sldMkLst>
+        <pc:spChg chg="mod">
+          <ac:chgData name="Darren Garside" userId="1ff3dd00-c40d-412f-ba2a-26196dbfda33" providerId="ADAL" clId="{F8B32761-AFE2-40B2-A44C-D2DBC59C3F2C}" dt="2025-03-17T16:02:07.381" v="241" actId="5793"/>
+          <ac:spMkLst>
+            <pc:docMk/>
+            <pc:sldMk cId="3766804681" sldId="261"/>
+            <ac:spMk id="8" creationId="{7A97862C-9BB1-CD09-BE89-61443A9D0130}"/>
+          </ac:spMkLst>
+        </pc:spChg>
+      </pc:sldChg>
+      <pc:sldChg chg="addSp delSp modSp mod setBg">
+        <pc:chgData name="Darren Garside" userId="1ff3dd00-c40d-412f-ba2a-26196dbfda33" providerId="ADAL" clId="{F8B32761-AFE2-40B2-A44C-D2DBC59C3F2C}" dt="2025-03-17T16:03:58.904" v="247" actId="1076"/>
+        <pc:sldMkLst>
+          <pc:docMk/>
+          <pc:sldMk cId="2161064156" sldId="262"/>
+        </pc:sldMkLst>
+        <pc:spChg chg="mod">
+          <ac:chgData name="Darren Garside" userId="1ff3dd00-c40d-412f-ba2a-26196dbfda33" providerId="ADAL" clId="{F8B32761-AFE2-40B2-A44C-D2DBC59C3F2C}" dt="2025-03-17T16:03:49.282" v="246" actId="14100"/>
+          <ac:spMkLst>
+            <pc:docMk/>
+            <pc:sldMk cId="2161064156" sldId="262"/>
+            <ac:spMk id="2" creationId="{80306C1A-2D18-C941-A270-08ABBF9A0076}"/>
+          </ac:spMkLst>
+        </pc:spChg>
+        <pc:spChg chg="mod">
+          <ac:chgData name="Darren Garside" userId="1ff3dd00-c40d-412f-ba2a-26196dbfda33" providerId="ADAL" clId="{F8B32761-AFE2-40B2-A44C-D2DBC59C3F2C}" dt="2025-03-17T16:03:58.904" v="247" actId="1076"/>
+          <ac:spMkLst>
+            <pc:docMk/>
+            <pc:sldMk cId="2161064156" sldId="262"/>
+            <ac:spMk id="3" creationId="{CF95694C-3455-5606-E80D-39B538E550EB}"/>
+          </ac:spMkLst>
+        </pc:spChg>
+        <pc:spChg chg="add del">
+          <ac:chgData name="Darren Garside" userId="1ff3dd00-c40d-412f-ba2a-26196dbfda33" providerId="ADAL" clId="{F8B32761-AFE2-40B2-A44C-D2DBC59C3F2C}" dt="2025-03-17T15:57:11.554" v="67" actId="26606"/>
+          <ac:spMkLst>
+            <pc:docMk/>
+            <pc:sldMk cId="2161064156" sldId="262"/>
+            <ac:spMk id="10" creationId="{9B7AD9F6-8CE7-4299-8FC6-328F4DCD3FF9}"/>
+          </ac:spMkLst>
+        </pc:spChg>
+        <pc:spChg chg="add del">
+          <ac:chgData name="Darren Garside" userId="1ff3dd00-c40d-412f-ba2a-26196dbfda33" providerId="ADAL" clId="{F8B32761-AFE2-40B2-A44C-D2DBC59C3F2C}" dt="2025-03-17T15:57:11.554" v="67" actId="26606"/>
+          <ac:spMkLst>
+            <pc:docMk/>
+            <pc:sldMk cId="2161064156" sldId="262"/>
+            <ac:spMk id="12" creationId="{F49775AF-8896-43EE-92C6-83497D6DC56F}"/>
+          </ac:spMkLst>
+        </pc:spChg>
+        <pc:spChg chg="add del">
+          <ac:chgData name="Darren Garside" userId="1ff3dd00-c40d-412f-ba2a-26196dbfda33" providerId="ADAL" clId="{F8B32761-AFE2-40B2-A44C-D2DBC59C3F2C}" dt="2025-03-17T15:57:11.550" v="66" actId="26606"/>
+          <ac:spMkLst>
+            <pc:docMk/>
+            <pc:sldMk cId="2161064156" sldId="262"/>
+            <ac:spMk id="17" creationId="{A34066D6-1B59-4642-A86D-39464CEE971B}"/>
+          </ac:spMkLst>
+        </pc:spChg>
+        <pc:spChg chg="add del">
+          <ac:chgData name="Darren Garside" userId="1ff3dd00-c40d-412f-ba2a-26196dbfda33" providerId="ADAL" clId="{F8B32761-AFE2-40B2-A44C-D2DBC59C3F2C}" dt="2025-03-17T15:57:11.550" v="66" actId="26606"/>
+          <ac:spMkLst>
+            <pc:docMk/>
+            <pc:sldMk cId="2161064156" sldId="262"/>
+            <ac:spMk id="19" creationId="{18E928D9-3091-4385-B979-265D55AD02CE}"/>
+          </ac:spMkLst>
+        </pc:spChg>
+        <pc:spChg chg="add del">
+          <ac:chgData name="Darren Garside" userId="1ff3dd00-c40d-412f-ba2a-26196dbfda33" providerId="ADAL" clId="{F8B32761-AFE2-40B2-A44C-D2DBC59C3F2C}" dt="2025-03-17T15:57:11.550" v="66" actId="26606"/>
+          <ac:spMkLst>
+            <pc:docMk/>
+            <pc:sldMk cId="2161064156" sldId="262"/>
+            <ac:spMk id="21" creationId="{7D602432-D774-4CF5-94E8-7D52D01059D2}"/>
+          </ac:spMkLst>
+        </pc:spChg>
+        <pc:spChg chg="add del">
+          <ac:chgData name="Darren Garside" userId="1ff3dd00-c40d-412f-ba2a-26196dbfda33" providerId="ADAL" clId="{F8B32761-AFE2-40B2-A44C-D2DBC59C3F2C}" dt="2025-03-17T15:57:11.550" v="66" actId="26606"/>
+          <ac:spMkLst>
+            <pc:docMk/>
+            <pc:sldMk cId="2161064156" sldId="262"/>
+            <ac:spMk id="23" creationId="{CBF9EBB4-5078-47B2-AAA0-DF4A88D8182A}"/>
+          </ac:spMkLst>
+        </pc:spChg>
+        <pc:spChg chg="add del">
+          <ac:chgData name="Darren Garside" userId="1ff3dd00-c40d-412f-ba2a-26196dbfda33" providerId="ADAL" clId="{F8B32761-AFE2-40B2-A44C-D2DBC59C3F2C}" dt="2025-03-17T16:03:16.860" v="242" actId="26606"/>
+          <ac:spMkLst>
+            <pc:docMk/>
+            <pc:sldMk cId="2161064156" sldId="262"/>
+            <ac:spMk id="25" creationId="{9B7AD9F6-8CE7-4299-8FC6-328F4DCD3FF9}"/>
+          </ac:spMkLst>
+        </pc:spChg>
+        <pc:spChg chg="add del">
+          <ac:chgData name="Darren Garside" userId="1ff3dd00-c40d-412f-ba2a-26196dbfda33" providerId="ADAL" clId="{F8B32761-AFE2-40B2-A44C-D2DBC59C3F2C}" dt="2025-03-17T16:03:16.860" v="242" actId="26606"/>
+          <ac:spMkLst>
+            <pc:docMk/>
+            <pc:sldMk cId="2161064156" sldId="262"/>
+            <ac:spMk id="26" creationId="{F49775AF-8896-43EE-92C6-83497D6DC56F}"/>
+          </ac:spMkLst>
+        </pc:spChg>
+        <pc:spChg chg="add">
+          <ac:chgData name="Darren Garside" userId="1ff3dd00-c40d-412f-ba2a-26196dbfda33" providerId="ADAL" clId="{F8B32761-AFE2-40B2-A44C-D2DBC59C3F2C}" dt="2025-03-17T16:03:16.860" v="242" actId="26606"/>
+          <ac:spMkLst>
+            <pc:docMk/>
+            <pc:sldMk cId="2161064156" sldId="262"/>
+            <ac:spMk id="31" creationId="{3C54F4CE-85F0-46ED-80DA-9518C9251AD1}"/>
+          </ac:spMkLst>
+        </pc:spChg>
+        <pc:spChg chg="add">
+          <ac:chgData name="Darren Garside" userId="1ff3dd00-c40d-412f-ba2a-26196dbfda33" providerId="ADAL" clId="{F8B32761-AFE2-40B2-A44C-D2DBC59C3F2C}" dt="2025-03-17T16:03:16.860" v="242" actId="26606"/>
+          <ac:spMkLst>
+            <pc:docMk/>
+            <pc:sldMk cId="2161064156" sldId="262"/>
+            <ac:spMk id="33" creationId="{DADD1FCA-8ACB-4958-81DD-4CDD6D3E1921}"/>
+          </ac:spMkLst>
+        </pc:spChg>
+        <pc:picChg chg="add mod ord">
+          <ac:chgData name="Darren Garside" userId="1ff3dd00-c40d-412f-ba2a-26196dbfda33" providerId="ADAL" clId="{F8B32761-AFE2-40B2-A44C-D2DBC59C3F2C}" dt="2025-03-17T16:03:16.860" v="242" actId="26606"/>
+          <ac:picMkLst>
+            <pc:docMk/>
+            <pc:sldMk cId="2161064156" sldId="262"/>
+            <ac:picMk id="5" creationId="{FD0A4AC1-9D4A-EF20-6565-72C573826CA1}"/>
+          </ac:picMkLst>
+        </pc:picChg>
+      </pc:sldChg>
+      <pc:sldChg chg="addSp delSp modSp mod">
+        <pc:chgData name="Darren Garside" userId="1ff3dd00-c40d-412f-ba2a-26196dbfda33" providerId="ADAL" clId="{F8B32761-AFE2-40B2-A44C-D2DBC59C3F2C}" dt="2025-03-17T16:11:15.210" v="305" actId="1076"/>
+        <pc:sldMkLst>
+          <pc:docMk/>
+          <pc:sldMk cId="3448502234" sldId="263"/>
+        </pc:sldMkLst>
+        <pc:spChg chg="del">
+          <ac:chgData name="Darren Garside" userId="1ff3dd00-c40d-412f-ba2a-26196dbfda33" providerId="ADAL" clId="{F8B32761-AFE2-40B2-A44C-D2DBC59C3F2C}" dt="2025-03-17T16:04:34.422" v="248" actId="478"/>
+          <ac:spMkLst>
+            <pc:docMk/>
+            <pc:sldMk cId="3448502234" sldId="263"/>
+            <ac:spMk id="2" creationId="{028E3A60-DF3B-3644-1B0F-872B870218D3}"/>
+          </ac:spMkLst>
+        </pc:spChg>
+        <pc:spChg chg="del">
+          <ac:chgData name="Darren Garside" userId="1ff3dd00-c40d-412f-ba2a-26196dbfda33" providerId="ADAL" clId="{F8B32761-AFE2-40B2-A44C-D2DBC59C3F2C}" dt="2025-03-17T16:04:38.021" v="249" actId="478"/>
+          <ac:spMkLst>
+            <pc:docMk/>
+            <pc:sldMk cId="3448502234" sldId="263"/>
+            <ac:spMk id="3" creationId="{2E644E15-0C11-03A9-54BF-9A17D708275E}"/>
+          </ac:spMkLst>
+        </pc:spChg>
+        <pc:spChg chg="add del mod">
+          <ac:chgData name="Darren Garside" userId="1ff3dd00-c40d-412f-ba2a-26196dbfda33" providerId="ADAL" clId="{F8B32761-AFE2-40B2-A44C-D2DBC59C3F2C}" dt="2025-03-17T16:04:41.541" v="250" actId="478"/>
+          <ac:spMkLst>
+            <pc:docMk/>
+            <pc:sldMk cId="3448502234" sldId="263"/>
+            <ac:spMk id="5" creationId="{63E27FD8-FE5F-764C-8DAF-49F14C70E41E}"/>
+          </ac:spMkLst>
+        </pc:spChg>
+        <pc:spChg chg="add del mod">
+          <ac:chgData name="Darren Garside" userId="1ff3dd00-c40d-412f-ba2a-26196dbfda33" providerId="ADAL" clId="{F8B32761-AFE2-40B2-A44C-D2DBC59C3F2C}" dt="2025-03-17T16:04:44.688" v="251" actId="478"/>
+          <ac:spMkLst>
+            <pc:docMk/>
+            <pc:sldMk cId="3448502234" sldId="263"/>
+            <ac:spMk id="7" creationId="{B24B2134-B709-74A1-E554-121F55AC458D}"/>
+          </ac:spMkLst>
+        </pc:spChg>
+        <pc:picChg chg="add mod">
+          <ac:chgData name="Darren Garside" userId="1ff3dd00-c40d-412f-ba2a-26196dbfda33" providerId="ADAL" clId="{F8B32761-AFE2-40B2-A44C-D2DBC59C3F2C}" dt="2025-03-17T16:05:10.034" v="256" actId="931"/>
+          <ac:picMkLst>
+            <pc:docMk/>
+            <pc:sldMk cId="3448502234" sldId="263"/>
+            <ac:picMk id="9" creationId="{CF9B039C-4444-2093-BFF4-94453A164965}"/>
+          </ac:picMkLst>
+        </pc:picChg>
+        <pc:picChg chg="add del mod">
+          <ac:chgData name="Darren Garside" userId="1ff3dd00-c40d-412f-ba2a-26196dbfda33" providerId="ADAL" clId="{F8B32761-AFE2-40B2-A44C-D2DBC59C3F2C}" dt="2025-03-17T16:07:31.012" v="284" actId="478"/>
+          <ac:picMkLst>
+            <pc:docMk/>
+            <pc:sldMk cId="3448502234" sldId="263"/>
+            <ac:picMk id="11" creationId="{A2B04582-FB70-0736-3BFE-2156AE30E562}"/>
+          </ac:picMkLst>
+        </pc:picChg>
+        <pc:picChg chg="add mod">
+          <ac:chgData name="Darren Garside" userId="1ff3dd00-c40d-412f-ba2a-26196dbfda33" providerId="ADAL" clId="{F8B32761-AFE2-40B2-A44C-D2DBC59C3F2C}" dt="2025-03-17T16:10:42.832" v="301" actId="1076"/>
+          <ac:picMkLst>
+            <pc:docMk/>
+            <pc:sldMk cId="3448502234" sldId="263"/>
+            <ac:picMk id="13" creationId="{12DBC42D-937E-655A-382E-E8ACCD9DF1AF}"/>
+          </ac:picMkLst>
+        </pc:picChg>
+        <pc:picChg chg="add mod">
+          <ac:chgData name="Darren Garside" userId="1ff3dd00-c40d-412f-ba2a-26196dbfda33" providerId="ADAL" clId="{F8B32761-AFE2-40B2-A44C-D2DBC59C3F2C}" dt="2025-03-17T16:11:15.210" v="305" actId="1076"/>
+          <ac:picMkLst>
+            <pc:docMk/>
+            <pc:sldMk cId="3448502234" sldId="263"/>
+            <ac:picMk id="15" creationId="{24E85237-4584-CA27-8CFC-32F123433F12}"/>
+          </ac:picMkLst>
+        </pc:picChg>
+        <pc:picChg chg="add mod ord">
+          <ac:chgData name="Darren Garside" userId="1ff3dd00-c40d-412f-ba2a-26196dbfda33" providerId="ADAL" clId="{F8B32761-AFE2-40B2-A44C-D2DBC59C3F2C}" dt="2025-03-17T16:11:09.392" v="304" actId="14100"/>
+          <ac:picMkLst>
+            <pc:docMk/>
+            <pc:sldMk cId="3448502234" sldId="263"/>
+            <ac:picMk id="17" creationId="{0FAC67BA-CF91-D67C-DFE9-BD2C087290FB}"/>
+          </ac:picMkLst>
+        </pc:picChg>
+      </pc:sldChg>
+      <pc:sldChg chg="addSp modSp mod">
+        <pc:chgData name="Darren Garside" userId="1ff3dd00-c40d-412f-ba2a-26196dbfda33" providerId="ADAL" clId="{F8B32761-AFE2-40B2-A44C-D2DBC59C3F2C}" dt="2025-03-17T16:08:51.808" v="293" actId="1076"/>
+        <pc:sldMkLst>
+          <pc:docMk/>
+          <pc:sldMk cId="3204788620" sldId="264"/>
+        </pc:sldMkLst>
+        <pc:picChg chg="add mod">
+          <ac:chgData name="Darren Garside" userId="1ff3dd00-c40d-412f-ba2a-26196dbfda33" providerId="ADAL" clId="{F8B32761-AFE2-40B2-A44C-D2DBC59C3F2C}" dt="2025-03-17T16:08:51.808" v="293" actId="1076"/>
+          <ac:picMkLst>
+            <pc:docMk/>
+            <pc:sldMk cId="3204788620" sldId="264"/>
+            <ac:picMk id="5" creationId="{5358C7FD-9443-41D4-7430-9026C930ADD4}"/>
+          </ac:picMkLst>
+        </pc:picChg>
+      </pc:sldChg>
+      <pc:sldChg chg="del">
+        <pc:chgData name="Darren Garside" userId="1ff3dd00-c40d-412f-ba2a-26196dbfda33" providerId="ADAL" clId="{F8B32761-AFE2-40B2-A44C-D2DBC59C3F2C}" dt="2025-03-17T16:12:44.380" v="306" actId="2696"/>
+        <pc:sldMkLst>
+          <pc:docMk/>
+          <pc:sldMk cId="3087913205" sldId="265"/>
+        </pc:sldMkLst>
+      </pc:sldChg>
+    </pc:docChg>
+  </pc:docChgLst>
+  <pc:docChgLst>
     <pc:chgData name="Darren Garside" userId="ad9cfdbf-df1a-4422-a7cf-2f0370772cf7" providerId="ADAL" clId="{988D2E96-9311-4FE8-A36F-3620B7AB6341}"/>
     <pc:docChg chg="undo custSel addSld delSld modSld">
       <pc:chgData name="Darren Garside" userId="ad9cfdbf-df1a-4422-a7cf-2f0370772cf7" providerId="ADAL" clId="{988D2E96-9311-4FE8-A36F-3620B7AB6341}" dt="2025-03-08T10:20:19.519" v="752" actId="20577"/>
@@ -251,14 +504,6 @@
           <pc:docMk/>
           <pc:sldMk cId="3173600755" sldId="260"/>
         </pc:sldMkLst>
-        <pc:spChg chg="del mod">
-          <ac:chgData name="Darren Garside" userId="ad9cfdbf-df1a-4422-a7cf-2f0370772cf7" providerId="ADAL" clId="{988D2E96-9311-4FE8-A36F-3620B7AB6341}" dt="2025-03-07T19:43:20.393" v="347" actId="478"/>
-          <ac:spMkLst>
-            <pc:docMk/>
-            <pc:sldMk cId="3173600755" sldId="260"/>
-            <ac:spMk id="2" creationId="{091FDD0E-364E-5D5C-12F1-A1AA846849D7}"/>
-          </ac:spMkLst>
-        </pc:spChg>
         <pc:spChg chg="mod">
           <ac:chgData name="Darren Garside" userId="ad9cfdbf-df1a-4422-a7cf-2f0370772cf7" providerId="ADAL" clId="{988D2E96-9311-4FE8-A36F-3620B7AB6341}" dt="2025-03-07T19:36:54.177" v="192" actId="20577"/>
           <ac:spMkLst>
@@ -315,14 +560,6 @@
             <ac:picMk id="11" creationId="{1C5C617D-A615-0407-F25B-02F9B7EFFF8B}"/>
           </ac:picMkLst>
         </pc:picChg>
-        <pc:cxnChg chg="add del">
-          <ac:chgData name="Darren Garside" userId="ad9cfdbf-df1a-4422-a7cf-2f0370772cf7" providerId="ADAL" clId="{988D2E96-9311-4FE8-A36F-3620B7AB6341}" dt="2025-03-07T19:24:28.430" v="14" actId="478"/>
-          <ac:cxnSpMkLst>
-            <pc:docMk/>
-            <pc:sldMk cId="3173600755" sldId="260"/>
-            <ac:cxnSpMk id="7" creationId="{B95B63C7-70CE-B648-CB28-0489FB937E83}"/>
-          </ac:cxnSpMkLst>
-        </pc:cxnChg>
         <pc:cxnChg chg="add mod">
           <ac:chgData name="Darren Garside" userId="ad9cfdbf-df1a-4422-a7cf-2f0370772cf7" providerId="ADAL" clId="{988D2E96-9311-4FE8-A36F-3620B7AB6341}" dt="2025-03-07T19:39:51.887" v="236" actId="1076"/>
           <ac:cxnSpMkLst>
@@ -352,22 +589,6 @@
             <pc:docMk/>
             <pc:sldMk cId="3766804681" sldId="261"/>
             <ac:spMk id="2" creationId="{E7CD2E6F-A762-F25A-4221-5E7F9D93C870}"/>
-          </ac:spMkLst>
-        </pc:spChg>
-        <pc:spChg chg="del">
-          <ac:chgData name="Darren Garside" userId="ad9cfdbf-df1a-4422-a7cf-2f0370772cf7" providerId="ADAL" clId="{988D2E96-9311-4FE8-A36F-3620B7AB6341}" dt="2025-03-07T19:49:26.164" v="466" actId="478"/>
-          <ac:spMkLst>
-            <pc:docMk/>
-            <pc:sldMk cId="3766804681" sldId="261"/>
-            <ac:spMk id="3" creationId="{F1D0A91E-F600-239D-598A-A3F9D6165D69}"/>
-          </ac:spMkLst>
-        </pc:spChg>
-        <pc:spChg chg="add del mod">
-          <ac:chgData name="Darren Garside" userId="ad9cfdbf-df1a-4422-a7cf-2f0370772cf7" providerId="ADAL" clId="{988D2E96-9311-4FE8-A36F-3620B7AB6341}" dt="2025-03-07T19:49:32.415" v="467" actId="478"/>
-          <ac:spMkLst>
-            <pc:docMk/>
-            <pc:sldMk cId="3766804681" sldId="261"/>
-            <ac:spMk id="7" creationId="{543AF2DA-A3BF-E33C-624F-DCF9D6DC1A7E}"/>
           </ac:spMkLst>
         </pc:spChg>
         <pc:spChg chg="add mod">
@@ -509,7 +730,7 @@
           <a:p>
             <a:fld id="{34112E37-C587-4692-B5DD-0A3B48A22AD8}" type="datetimeFigureOut">
               <a:rPr lang="en-GB" smtClean="0"/>
-              <a:t>08/03/2025</a:t>
+              <a:t>17/03/2025</a:t>
             </a:fld>
             <a:endParaRPr lang="en-GB"/>
           </a:p>
@@ -861,7 +1082,7 @@
           <a:p>
             <a:fld id="{FBB72EE4-B5E2-46F6-BB12-BAEE3A6CF310}" type="slidenum">
               <a:rPr lang="en-GB" smtClean="0"/>
-              <a:t>5</a:t>
+              <a:t>1</a:t>
             </a:fld>
             <a:endParaRPr lang="en-GB"/>
           </a:p>
@@ -1002,7 +1223,7 @@
           <a:p>
             <a:fld id="{FBB72EE4-B5E2-46F6-BB12-BAEE3A6CF310}" type="slidenum">
               <a:rPr lang="en-GB" smtClean="0"/>
-              <a:t>6</a:t>
+              <a:t>2</a:t>
             </a:fld>
             <a:endParaRPr lang="en-GB"/>
           </a:p>
@@ -1170,7 +1391,7 @@
           <a:p>
             <a:fld id="{195FDFDA-6C80-4589-A05F-42F9461A9CEE}" type="datetimeFigureOut">
               <a:rPr lang="en-GB" smtClean="0"/>
-              <a:t>08/03/2025</a:t>
+              <a:t>17/03/2025</a:t>
             </a:fld>
             <a:endParaRPr lang="en-GB"/>
           </a:p>
@@ -1370,7 +1591,7 @@
           <a:p>
             <a:fld id="{195FDFDA-6C80-4589-A05F-42F9461A9CEE}" type="datetimeFigureOut">
               <a:rPr lang="en-GB" smtClean="0"/>
-              <a:t>08/03/2025</a:t>
+              <a:t>17/03/2025</a:t>
             </a:fld>
             <a:endParaRPr lang="en-GB"/>
           </a:p>
@@ -1580,7 +1801,7 @@
           <a:p>
             <a:fld id="{195FDFDA-6C80-4589-A05F-42F9461A9CEE}" type="datetimeFigureOut">
               <a:rPr lang="en-GB" smtClean="0"/>
-              <a:t>08/03/2025</a:t>
+              <a:t>17/03/2025</a:t>
             </a:fld>
             <a:endParaRPr lang="en-GB"/>
           </a:p>
@@ -1780,7 +2001,7 @@
           <a:p>
             <a:fld id="{195FDFDA-6C80-4589-A05F-42F9461A9CEE}" type="datetimeFigureOut">
               <a:rPr lang="en-GB" smtClean="0"/>
-              <a:t>08/03/2025</a:t>
+              <a:t>17/03/2025</a:t>
             </a:fld>
             <a:endParaRPr lang="en-GB"/>
           </a:p>
@@ -2056,7 +2277,7 @@
           <a:p>
             <a:fld id="{195FDFDA-6C80-4589-A05F-42F9461A9CEE}" type="datetimeFigureOut">
               <a:rPr lang="en-GB" smtClean="0"/>
-              <a:t>08/03/2025</a:t>
+              <a:t>17/03/2025</a:t>
             </a:fld>
             <a:endParaRPr lang="en-GB"/>
           </a:p>
@@ -2324,7 +2545,7 @@
           <a:p>
             <a:fld id="{195FDFDA-6C80-4589-A05F-42F9461A9CEE}" type="datetimeFigureOut">
               <a:rPr lang="en-GB" smtClean="0"/>
-              <a:t>08/03/2025</a:t>
+              <a:t>17/03/2025</a:t>
             </a:fld>
             <a:endParaRPr lang="en-GB"/>
           </a:p>
@@ -2739,7 +2960,7 @@
           <a:p>
             <a:fld id="{195FDFDA-6C80-4589-A05F-42F9461A9CEE}" type="datetimeFigureOut">
               <a:rPr lang="en-GB" smtClean="0"/>
-              <a:t>08/03/2025</a:t>
+              <a:t>17/03/2025</a:t>
             </a:fld>
             <a:endParaRPr lang="en-GB"/>
           </a:p>
@@ -2881,7 +3102,7 @@
           <a:p>
             <a:fld id="{195FDFDA-6C80-4589-A05F-42F9461A9CEE}" type="datetimeFigureOut">
               <a:rPr lang="en-GB" smtClean="0"/>
-              <a:t>08/03/2025</a:t>
+              <a:t>17/03/2025</a:t>
             </a:fld>
             <a:endParaRPr lang="en-GB"/>
           </a:p>
@@ -2994,7 +3215,7 @@
           <a:p>
             <a:fld id="{195FDFDA-6C80-4589-A05F-42F9461A9CEE}" type="datetimeFigureOut">
               <a:rPr lang="en-GB" smtClean="0"/>
-              <a:t>08/03/2025</a:t>
+              <a:t>17/03/2025</a:t>
             </a:fld>
             <a:endParaRPr lang="en-GB"/>
           </a:p>
@@ -3307,7 +3528,7 @@
           <a:p>
             <a:fld id="{195FDFDA-6C80-4589-A05F-42F9461A9CEE}" type="datetimeFigureOut">
               <a:rPr lang="en-GB" smtClean="0"/>
-              <a:t>08/03/2025</a:t>
+              <a:t>17/03/2025</a:t>
             </a:fld>
             <a:endParaRPr lang="en-GB"/>
           </a:p>
@@ -3596,7 +3817,7 @@
           <a:p>
             <a:fld id="{195FDFDA-6C80-4589-A05F-42F9461A9CEE}" type="datetimeFigureOut">
               <a:rPr lang="en-GB" smtClean="0"/>
-              <a:t>08/03/2025</a:t>
+              <a:t>17/03/2025</a:t>
             </a:fld>
             <a:endParaRPr lang="en-GB"/>
           </a:p>
@@ -3839,7 +4060,7 @@
           <a:p>
             <a:fld id="{195FDFDA-6C80-4589-A05F-42F9461A9CEE}" type="datetimeFigureOut">
               <a:rPr lang="en-GB" smtClean="0"/>
-              <a:t>08/03/2025</a:t>
+              <a:t>17/03/2025</a:t>
             </a:fld>
             <a:endParaRPr lang="en-GB"/>
           </a:p>
@@ -4240,8 +4461,394 @@
 </file>
 
 <file path=ppt/slides/slide1.xml><?xml version="1.0" encoding="utf-8"?>
-<p:sld xmlns:a="http://schemas.openxmlformats.org/drawingml/2006/main" xmlns:r="http://schemas.openxmlformats.org/officeDocument/2006/relationships" xmlns:p="http://schemas.openxmlformats.org/presentationml/2006/main" show="0">
+<p:sld xmlns:a="http://schemas.openxmlformats.org/drawingml/2006/main" xmlns:r="http://schemas.openxmlformats.org/officeDocument/2006/relationships" xmlns:p="http://schemas.openxmlformats.org/presentationml/2006/main">
   <p:cSld>
+    <p:bg>
+      <p:bgPr>
+        <a:solidFill>
+          <a:schemeClr val="bg2"/>
+        </a:solidFill>
+        <a:effectLst/>
+      </p:bgPr>
+    </p:bg>
+    <p:spTree>
+      <p:nvGrpSpPr>
+        <p:cNvPr id="1" name=""/>
+        <p:cNvGrpSpPr/>
+        <p:nvPr/>
+      </p:nvGrpSpPr>
+      <p:grpSpPr>
+        <a:xfrm>
+          <a:off x="0" y="0"/>
+          <a:ext cx="0" cy="0"/>
+          <a:chOff x="0" y="0"/>
+          <a:chExt cx="0" cy="0"/>
+        </a:xfrm>
+      </p:grpSpPr>
+      <p:sp>
+        <p:nvSpPr>
+          <p:cNvPr id="3" name="Text Placeholder 2">
+            <a:extLst>
+              <a:ext uri="{FF2B5EF4-FFF2-40B4-BE49-F238E27FC236}">
+                <a16:creationId xmlns:a16="http://schemas.microsoft.com/office/drawing/2014/main" id="{63B9A1F7-68F0-4BC9-8B60-F37E40FC3A9F}"/>
+              </a:ext>
+            </a:extLst>
+          </p:cNvPr>
+          <p:cNvSpPr>
+            <a:spLocks noGrp="1"/>
+          </p:cNvSpPr>
+          <p:nvPr>
+            <p:ph type="body" idx="1"/>
+          </p:nvPr>
+        </p:nvSpPr>
+        <p:spPr/>
+        <p:txBody>
+          <a:bodyPr/>
+          <a:lstStyle/>
+          <a:p>
+            <a:r>
+              <a:rPr lang="en-GB" dirty="0"/>
+              <a:t>Are there identifiable features of students’ citation practices that we can use as insights for our teaching?</a:t>
+            </a:r>
+          </a:p>
+        </p:txBody>
+      </p:sp>
+      <p:sp>
+        <p:nvSpPr>
+          <p:cNvPr id="4" name="Flowchart: Multidocument 3">
+            <a:extLst>
+              <a:ext uri="{FF2B5EF4-FFF2-40B4-BE49-F238E27FC236}">
+                <a16:creationId xmlns:a16="http://schemas.microsoft.com/office/drawing/2014/main" id="{629A38C7-37A1-9EE2-3D50-3FF14AA23DA5}"/>
+              </a:ext>
+            </a:extLst>
+          </p:cNvPr>
+          <p:cNvSpPr/>
+          <p:nvPr/>
+        </p:nvSpPr>
+        <p:spPr>
+          <a:xfrm>
+            <a:off x="844550" y="1773141"/>
+            <a:ext cx="1289580" cy="758952"/>
+          </a:xfrm>
+          <a:prstGeom prst="flowChartMultidocument">
+            <a:avLst/>
+          </a:prstGeom>
+        </p:spPr>
+        <p:style>
+          <a:lnRef idx="2">
+            <a:schemeClr val="accent1">
+              <a:shade val="15000"/>
+            </a:schemeClr>
+          </a:lnRef>
+          <a:fillRef idx="1">
+            <a:schemeClr val="accent1"/>
+          </a:fillRef>
+          <a:effectRef idx="0">
+            <a:schemeClr val="accent1"/>
+          </a:effectRef>
+          <a:fontRef idx="minor">
+            <a:schemeClr val="lt1"/>
+          </a:fontRef>
+        </p:style>
+        <p:txBody>
+          <a:bodyPr rtlCol="0" anchor="ctr"/>
+          <a:lstStyle/>
+          <a:p>
+            <a:pPr algn="ctr"/>
+            <a:endParaRPr lang="en-GB" dirty="0"/>
+          </a:p>
+        </p:txBody>
+      </p:sp>
+      <p:sp>
+        <p:nvSpPr>
+          <p:cNvPr id="5" name="Lightning Bolt 4">
+            <a:extLst>
+              <a:ext uri="{FF2B5EF4-FFF2-40B4-BE49-F238E27FC236}">
+                <a16:creationId xmlns:a16="http://schemas.microsoft.com/office/drawing/2014/main" id="{7751220D-898E-7807-4816-B856EF280B12}"/>
+              </a:ext>
+            </a:extLst>
+          </p:cNvPr>
+          <p:cNvSpPr/>
+          <p:nvPr/>
+        </p:nvSpPr>
+        <p:spPr>
+          <a:xfrm>
+            <a:off x="10433050" y="1695417"/>
+            <a:ext cx="914400" cy="914400"/>
+          </a:xfrm>
+          <a:prstGeom prst="lightningBolt">
+            <a:avLst/>
+          </a:prstGeom>
+        </p:spPr>
+        <p:style>
+          <a:lnRef idx="2">
+            <a:schemeClr val="accent1">
+              <a:shade val="15000"/>
+            </a:schemeClr>
+          </a:lnRef>
+          <a:fillRef idx="1">
+            <a:schemeClr val="accent1"/>
+          </a:fillRef>
+          <a:effectRef idx="0">
+            <a:schemeClr val="accent1"/>
+          </a:effectRef>
+          <a:fontRef idx="minor">
+            <a:schemeClr val="lt1"/>
+          </a:fontRef>
+        </p:style>
+        <p:txBody>
+          <a:bodyPr rtlCol="0" anchor="ctr"/>
+          <a:lstStyle/>
+          <a:p>
+            <a:pPr algn="ctr"/>
+            <a:endParaRPr lang="en-GB" dirty="0"/>
+          </a:p>
+        </p:txBody>
+      </p:sp>
+      <p:cxnSp>
+        <p:nvCxnSpPr>
+          <p:cNvPr id="8" name="Straight Arrow Connector 7">
+            <a:extLst>
+              <a:ext uri="{FF2B5EF4-FFF2-40B4-BE49-F238E27FC236}">
+                <a16:creationId xmlns:a16="http://schemas.microsoft.com/office/drawing/2014/main" id="{A754E2FB-22EB-289C-EAB9-5E8449377432}"/>
+              </a:ext>
+            </a:extLst>
+          </p:cNvPr>
+          <p:cNvCxnSpPr/>
+          <p:nvPr/>
+        </p:nvCxnSpPr>
+        <p:spPr>
+          <a:xfrm>
+            <a:off x="8051217" y="2117925"/>
+            <a:ext cx="2218414" cy="0"/>
+          </a:xfrm>
+          <a:prstGeom prst="straightConnector1">
+            <a:avLst/>
+          </a:prstGeom>
+          <a:ln>
+            <a:headEnd type="oval"/>
+            <a:tailEnd type="oval"/>
+          </a:ln>
+        </p:spPr>
+        <p:style>
+          <a:lnRef idx="2">
+            <a:schemeClr val="accent1"/>
+          </a:lnRef>
+          <a:fillRef idx="0">
+            <a:schemeClr val="accent1"/>
+          </a:fillRef>
+          <a:effectRef idx="1">
+            <a:schemeClr val="accent1"/>
+          </a:effectRef>
+          <a:fontRef idx="minor">
+            <a:schemeClr val="tx1"/>
+          </a:fontRef>
+        </p:style>
+      </p:cxnSp>
+      <p:cxnSp>
+        <p:nvCxnSpPr>
+          <p:cNvPr id="9" name="Straight Arrow Connector 8">
+            <a:extLst>
+              <a:ext uri="{FF2B5EF4-FFF2-40B4-BE49-F238E27FC236}">
+                <a16:creationId xmlns:a16="http://schemas.microsoft.com/office/drawing/2014/main" id="{C8C4FCC4-CF47-AB5B-BC9F-8D5559F4D4C1}"/>
+              </a:ext>
+            </a:extLst>
+          </p:cNvPr>
+          <p:cNvCxnSpPr/>
+          <p:nvPr/>
+        </p:nvCxnSpPr>
+        <p:spPr>
+          <a:xfrm>
+            <a:off x="2375472" y="2154085"/>
+            <a:ext cx="2218414" cy="0"/>
+          </a:xfrm>
+          <a:prstGeom prst="straightConnector1">
+            <a:avLst/>
+          </a:prstGeom>
+          <a:ln>
+            <a:headEnd type="oval"/>
+            <a:tailEnd type="oval"/>
+          </a:ln>
+        </p:spPr>
+        <p:style>
+          <a:lnRef idx="2">
+            <a:schemeClr val="accent1"/>
+          </a:lnRef>
+          <a:fillRef idx="0">
+            <a:schemeClr val="accent1"/>
+          </a:fillRef>
+          <a:effectRef idx="1">
+            <a:schemeClr val="accent1"/>
+          </a:effectRef>
+          <a:fontRef idx="minor">
+            <a:schemeClr val="tx1"/>
+          </a:fontRef>
+        </p:style>
+      </p:cxnSp>
+      <p:pic>
+        <p:nvPicPr>
+          <p:cNvPr id="11" name="Picture 10">
+            <a:extLst>
+              <a:ext uri="{FF2B5EF4-FFF2-40B4-BE49-F238E27FC236}">
+                <a16:creationId xmlns:a16="http://schemas.microsoft.com/office/drawing/2014/main" id="{1C5C617D-A615-0407-F25B-02F9B7EFFF8B}"/>
+              </a:ext>
+            </a:extLst>
+          </p:cNvPr>
+          <p:cNvPicPr>
+            <a:picLocks noChangeAspect="1"/>
+          </p:cNvPicPr>
+          <p:nvPr/>
+        </p:nvPicPr>
+        <p:blipFill>
+          <a:blip r:embed="rId3">
+            <a:extLst>
+              <a:ext uri="{28A0092B-C50C-407E-A947-70E740481C1C}">
+                <a14:useLocalDpi xmlns:a14="http://schemas.microsoft.com/office/drawing/2010/main" val="0"/>
+              </a:ext>
+            </a:extLst>
+          </a:blip>
+          <a:srcRect l="10947" t="8844" r="1706" b="12913"/>
+          <a:stretch/>
+        </p:blipFill>
+        <p:spPr>
+          <a:xfrm>
+            <a:off x="4860000" y="864000"/>
+            <a:ext cx="3060000" cy="2232000"/>
+          </a:xfrm>
+          <a:prstGeom prst="rect">
+            <a:avLst/>
+          </a:prstGeom>
+        </p:spPr>
+      </p:pic>
+      <p:sp>
+        <p:nvSpPr>
+          <p:cNvPr id="12" name="TextBox 11">
+            <a:extLst>
+              <a:ext uri="{FF2B5EF4-FFF2-40B4-BE49-F238E27FC236}">
+                <a16:creationId xmlns:a16="http://schemas.microsoft.com/office/drawing/2014/main" id="{1318CBA5-C1DC-C65C-0B48-1558DABE30DC}"/>
+              </a:ext>
+            </a:extLst>
+          </p:cNvPr>
+          <p:cNvSpPr txBox="1"/>
+          <p:nvPr/>
+        </p:nvSpPr>
+        <p:spPr>
+          <a:xfrm>
+            <a:off x="9724784" y="3121351"/>
+            <a:ext cx="1842171" cy="707886"/>
+          </a:xfrm>
+          <a:prstGeom prst="rect">
+            <a:avLst/>
+          </a:prstGeom>
+          <a:noFill/>
+        </p:spPr>
+        <p:txBody>
+          <a:bodyPr wrap="none" rtlCol="0">
+            <a:spAutoFit/>
+          </a:bodyPr>
+          <a:lstStyle/>
+          <a:p>
+            <a:r>
+              <a:rPr lang="en-GB" sz="4000" b="1" dirty="0"/>
+              <a:t>Claims</a:t>
+            </a:r>
+          </a:p>
+        </p:txBody>
+      </p:sp>
+      <p:sp>
+        <p:nvSpPr>
+          <p:cNvPr id="13" name="TextBox 12">
+            <a:extLst>
+              <a:ext uri="{FF2B5EF4-FFF2-40B4-BE49-F238E27FC236}">
+                <a16:creationId xmlns:a16="http://schemas.microsoft.com/office/drawing/2014/main" id="{57ED516A-AA5F-C550-ED38-AD4DE2770C04}"/>
+              </a:ext>
+            </a:extLst>
+          </p:cNvPr>
+          <p:cNvSpPr txBox="1"/>
+          <p:nvPr/>
+        </p:nvSpPr>
+        <p:spPr>
+          <a:xfrm>
+            <a:off x="5169697" y="3110619"/>
+            <a:ext cx="2314929" cy="707886"/>
+          </a:xfrm>
+          <a:prstGeom prst="rect">
+            <a:avLst/>
+          </a:prstGeom>
+          <a:noFill/>
+        </p:spPr>
+        <p:txBody>
+          <a:bodyPr wrap="none" rtlCol="0">
+            <a:spAutoFit/>
+          </a:bodyPr>
+          <a:lstStyle/>
+          <a:p>
+            <a:r>
+              <a:rPr lang="en-GB" sz="4000" b="1" dirty="0"/>
+              <a:t>Warrants</a:t>
+            </a:r>
+          </a:p>
+        </p:txBody>
+      </p:sp>
+      <p:sp>
+        <p:nvSpPr>
+          <p:cNvPr id="14" name="TextBox 13">
+            <a:extLst>
+              <a:ext uri="{FF2B5EF4-FFF2-40B4-BE49-F238E27FC236}">
+                <a16:creationId xmlns:a16="http://schemas.microsoft.com/office/drawing/2014/main" id="{B2166043-22B2-EAB2-EAC1-BEB49E01BECF}"/>
+              </a:ext>
+            </a:extLst>
+          </p:cNvPr>
+          <p:cNvSpPr txBox="1"/>
+          <p:nvPr/>
+        </p:nvSpPr>
+        <p:spPr>
+          <a:xfrm>
+            <a:off x="831850" y="3121351"/>
+            <a:ext cx="2097690" cy="707886"/>
+          </a:xfrm>
+          <a:prstGeom prst="rect">
+            <a:avLst/>
+          </a:prstGeom>
+          <a:noFill/>
+        </p:spPr>
+        <p:txBody>
+          <a:bodyPr wrap="none" rtlCol="0">
+            <a:spAutoFit/>
+          </a:bodyPr>
+          <a:lstStyle/>
+          <a:p>
+            <a:r>
+              <a:rPr lang="en-GB" sz="4000" b="1" dirty="0"/>
+              <a:t>Sources</a:t>
+            </a:r>
+          </a:p>
+        </p:txBody>
+      </p:sp>
+    </p:spTree>
+    <p:extLst>
+      <p:ext uri="{BB962C8B-B14F-4D97-AF65-F5344CB8AC3E}">
+        <p14:creationId xmlns:p14="http://schemas.microsoft.com/office/powerpoint/2010/main" val="3173600755"/>
+      </p:ext>
+    </p:extLst>
+  </p:cSld>
+  <p:clrMapOvr>
+    <a:masterClrMapping/>
+  </p:clrMapOvr>
+</p:sld>
+</file>
+
+<file path=ppt/slides/slide2.xml><?xml version="1.0" encoding="utf-8"?>
+<p:sld xmlns:a="http://schemas.openxmlformats.org/drawingml/2006/main" xmlns:r="http://schemas.openxmlformats.org/officeDocument/2006/relationships" xmlns:p="http://schemas.openxmlformats.org/presentationml/2006/main">
+  <p:cSld>
+    <p:bg>
+      <p:bgPr>
+        <a:solidFill>
+          <a:schemeClr val="bg2"/>
+        </a:solidFill>
+        <a:effectLst/>
+      </p:bgPr>
+    </p:bg>
     <p:spTree>
       <p:nvGrpSpPr>
         <p:cNvPr id="1" name=""/>
@@ -4261,7 +4868,7 @@
           <p:cNvPr id="2" name="Title 1">
             <a:extLst>
               <a:ext uri="{FF2B5EF4-FFF2-40B4-BE49-F238E27FC236}">
-                <a16:creationId xmlns:a16="http://schemas.microsoft.com/office/drawing/2014/main" id="{38C7C88C-D833-21D6-06CD-D0160D6B0DE7}"/>
+                <a16:creationId xmlns:a16="http://schemas.microsoft.com/office/drawing/2014/main" id="{E7CD2E6F-A762-F25A-4221-5E7F9D93C870}"/>
               </a:ext>
             </a:extLst>
           </p:cNvPr>
@@ -4269,53 +4876,154 @@
             <a:spLocks noGrp="1"/>
           </p:cNvSpPr>
           <p:nvPr>
-            <p:ph type="ctrTitle"/>
+            <p:ph type="title"/>
           </p:nvPr>
         </p:nvSpPr>
-        <p:spPr/>
+        <p:spPr>
+          <a:xfrm>
+            <a:off x="831850" y="768351"/>
+            <a:ext cx="3088397" cy="1683020"/>
+          </a:xfrm>
+        </p:spPr>
         <p:txBody>
-          <a:bodyPr/>
+          <a:bodyPr>
+            <a:normAutofit fontScale="90000"/>
+          </a:bodyPr>
           <a:lstStyle/>
           <a:p>
             <a:r>
               <a:rPr lang="en-GB" dirty="0"/>
-              <a:t>Final projects – prompt deck</a:t>
+              <a:t>The data I used</a:t>
             </a:r>
           </a:p>
         </p:txBody>
       </p:sp>
+      <p:pic>
+        <p:nvPicPr>
+          <p:cNvPr id="5" name="Picture 4" descr="Close-up of a paper with writing on it&#10;&#10;AI-generated content may be incorrect.">
+            <a:extLst>
+              <a:ext uri="{FF2B5EF4-FFF2-40B4-BE49-F238E27FC236}">
+                <a16:creationId xmlns:a16="http://schemas.microsoft.com/office/drawing/2014/main" id="{5BBFF418-E6B1-32D2-EA7E-4F103E52A53B}"/>
+              </a:ext>
+            </a:extLst>
+          </p:cNvPr>
+          <p:cNvPicPr>
+            <a:picLocks noChangeAspect="1"/>
+          </p:cNvPicPr>
+          <p:nvPr/>
+        </p:nvPicPr>
+        <p:blipFill>
+          <a:blip r:embed="rId3">
+            <a:extLst>
+              <a:ext uri="{28A0092B-C50C-407E-A947-70E740481C1C}">
+                <a14:useLocalDpi xmlns:a14="http://schemas.microsoft.com/office/drawing/2010/main" val="0"/>
+              </a:ext>
+            </a:extLst>
+          </a:blip>
+          <a:stretch>
+            <a:fillRect/>
+          </a:stretch>
+        </p:blipFill>
+        <p:spPr>
+          <a:xfrm>
+            <a:off x="4416357" y="219578"/>
+            <a:ext cx="7504565" cy="6418844"/>
+          </a:xfrm>
+          <a:prstGeom prst="rect">
+            <a:avLst/>
+          </a:prstGeom>
+        </p:spPr>
+      </p:pic>
       <p:sp>
         <p:nvSpPr>
-          <p:cNvPr id="3" name="Subtitle 2">
+          <p:cNvPr id="8" name="TextBox 7">
             <a:extLst>
               <a:ext uri="{FF2B5EF4-FFF2-40B4-BE49-F238E27FC236}">
-                <a16:creationId xmlns:a16="http://schemas.microsoft.com/office/drawing/2014/main" id="{EC93E930-B91A-7D07-104E-E527847FA234}"/>
+                <a16:creationId xmlns:a16="http://schemas.microsoft.com/office/drawing/2014/main" id="{7A97862C-9BB1-CD09-BE89-61443A9D0130}"/>
               </a:ext>
             </a:extLst>
           </p:cNvPr>
-          <p:cNvSpPr>
-            <a:spLocks noGrp="1"/>
-          </p:cNvSpPr>
-          <p:nvPr>
-            <p:ph type="subTitle" idx="1"/>
-          </p:nvPr>
+          <p:cNvSpPr txBox="1"/>
+          <p:nvPr/>
         </p:nvSpPr>
-        <p:spPr/>
+        <p:spPr>
+          <a:xfrm>
+            <a:off x="685935" y="2898842"/>
+            <a:ext cx="3088397" cy="1754326"/>
+          </a:xfrm>
+          <a:prstGeom prst="rect">
+            <a:avLst/>
+          </a:prstGeom>
+          <a:noFill/>
+        </p:spPr>
         <p:txBody>
-          <a:bodyPr/>
+          <a:bodyPr wrap="square" rtlCol="0">
+            <a:spAutoFit/>
+          </a:bodyPr>
           <a:lstStyle/>
           <a:p>
+            <a:pPr marL="285750" indent="-285750">
+              <a:buFont typeface="Arial" panose="020B0604020202020204" pitchFamily="34" charset="0"/>
+              <a:buChar char="•"/>
+            </a:pPr>
             <a:r>
               <a:rPr lang="en-GB" dirty="0"/>
-              <a:t>BSU Data Analysis &amp; Machine Learning Bootcamp</a:t>
-            </a:r>
+              <a:t>Noisy!</a:t>
+            </a:r>
+          </a:p>
+          <a:p>
+            <a:pPr marL="285750" indent="-285750">
+              <a:buFont typeface="Arial" panose="020B0604020202020204" pitchFamily="34" charset="0"/>
+              <a:buChar char="•"/>
+            </a:pPr>
+            <a:r>
+              <a:rPr lang="en-GB" dirty="0"/>
+              <a:t>Complex</a:t>
+            </a:r>
+          </a:p>
+          <a:p>
+            <a:pPr marL="285750" indent="-285750">
+              <a:buFont typeface="Arial" panose="020B0604020202020204" pitchFamily="34" charset="0"/>
+              <a:buChar char="•"/>
+            </a:pPr>
+            <a:r>
+              <a:rPr lang="en-GB" dirty="0"/>
+              <a:t>Closed</a:t>
+            </a:r>
+          </a:p>
+          <a:p>
+            <a:pPr marL="285750" indent="-285750">
+              <a:buFont typeface="Arial" panose="020B0604020202020204" pitchFamily="34" charset="0"/>
+              <a:buChar char="•"/>
+            </a:pPr>
+            <a:r>
+              <a:rPr lang="en-GB" dirty="0"/>
+              <a:t>Inconsistent </a:t>
+            </a:r>
+          </a:p>
+          <a:p>
+            <a:pPr marL="285750" indent="-285750">
+              <a:buFont typeface="Arial" panose="020B0604020202020204" pitchFamily="34" charset="0"/>
+              <a:buChar char="•"/>
+            </a:pPr>
+            <a:r>
+              <a:rPr lang="en-GB" dirty="0"/>
+              <a:t>Incomplete </a:t>
+            </a:r>
+          </a:p>
+          <a:p>
+            <a:pPr marL="285750" indent="-285750">
+              <a:buFont typeface="Arial" panose="020B0604020202020204" pitchFamily="34" charset="0"/>
+              <a:buChar char="•"/>
+            </a:pPr>
+            <a:endParaRPr lang="en-GB" dirty="0"/>
           </a:p>
         </p:txBody>
       </p:sp>
     </p:spTree>
     <p:extLst>
       <p:ext uri="{BB962C8B-B14F-4D97-AF65-F5344CB8AC3E}">
-        <p14:creationId xmlns:p14="http://schemas.microsoft.com/office/powerpoint/2010/main" val="754481681"/>
+        <p14:creationId xmlns:p14="http://schemas.microsoft.com/office/powerpoint/2010/main" val="3766804681"/>
       </p:ext>
     </p:extLst>
   </p:cSld>
@@ -4325,9 +5033,17 @@
 </p:sld>
 </file>
 
-<file path=ppt/slides/slide2.xml><?xml version="1.0" encoding="utf-8"?>
-<p:sld xmlns:a="http://schemas.openxmlformats.org/drawingml/2006/main" xmlns:r="http://schemas.openxmlformats.org/officeDocument/2006/relationships" xmlns:p="http://schemas.openxmlformats.org/presentationml/2006/main" show="0">
+<file path=ppt/slides/slide3.xml><?xml version="1.0" encoding="utf-8"?>
+<p:sld xmlns:a="http://schemas.openxmlformats.org/drawingml/2006/main" xmlns:r="http://schemas.openxmlformats.org/officeDocument/2006/relationships" xmlns:p="http://schemas.openxmlformats.org/presentationml/2006/main">
   <p:cSld>
+    <p:bg>
+      <p:bgPr>
+        <a:solidFill>
+          <a:schemeClr val="bg1"/>
+        </a:solidFill>
+        <a:effectLst/>
+      </p:bgPr>
+    </p:bg>
     <p:spTree>
       <p:nvGrpSpPr>
         <p:cNvPr id="1" name=""/>
@@ -4342,12 +5058,2617 @@
           <a:chExt cx="0" cy="0"/>
         </a:xfrm>
       </p:grpSpPr>
+      <p:sp useBgFill="1">
+        <p:nvSpPr>
+          <p:cNvPr id="31" name="Rectangle 30">
+            <a:extLst>
+              <a:ext uri="{FF2B5EF4-FFF2-40B4-BE49-F238E27FC236}">
+                <a16:creationId xmlns:a16="http://schemas.microsoft.com/office/drawing/2014/main" id="{3C54F4CE-85F0-46ED-80DA-9518C9251AD1}"/>
+              </a:ext>
+              <a:ext uri="{C183D7F6-B498-43B3-948B-1728B52AA6E4}">
+                <adec:decorative xmlns:adec="http://schemas.microsoft.com/office/drawing/2017/decorative" val="1"/>
+              </a:ext>
+            </a:extLst>
+          </p:cNvPr>
+          <p:cNvSpPr>
+            <a:spLocks noGrp="1" noRot="1" noChangeAspect="1" noMove="1" noResize="1" noEditPoints="1" noAdjustHandles="1" noChangeArrowheads="1" noChangeShapeType="1" noTextEdit="1"/>
+          </p:cNvSpPr>
+          <p:nvPr>
+            <p:extLst>
+              <p:ext uri="{386F3935-93C4-4BCD-93E2-E3B085C9AB24}">
+                <p16:designElem xmlns:p16="http://schemas.microsoft.com/office/powerpoint/2015/main" val="1"/>
+              </p:ext>
+            </p:extLst>
+          </p:nvPr>
+        </p:nvSpPr>
+        <p:spPr>
+          <a:xfrm>
+            <a:off x="0" y="0"/>
+            <a:ext cx="12192000" cy="6858000"/>
+          </a:xfrm>
+          <a:prstGeom prst="rect">
+            <a:avLst/>
+          </a:prstGeom>
+          <a:ln w="12700" cap="flat" cmpd="sng" algn="ctr">
+            <a:noFill/>
+            <a:prstDash val="solid"/>
+            <a:miter lim="800000"/>
+          </a:ln>
+          <a:effectLst/>
+          <a:extLst>
+            <a:ext uri="{91240B29-F687-4F45-9708-019B960494DF}">
+              <a14:hiddenLine xmlns:a14="http://schemas.microsoft.com/office/drawing/2010/main" w="12700" cap="flat" cmpd="sng" algn="ctr">
+                <a:solidFill>
+                  <a:schemeClr val="accent1">
+                    <a:shade val="50000"/>
+                  </a:schemeClr>
+                </a:solidFill>
+                <a:prstDash val="solid"/>
+                <a:miter lim="800000"/>
+              </a14:hiddenLine>
+            </a:ext>
+          </a:extLst>
+        </p:spPr>
+        <p:style>
+          <a:lnRef idx="2">
+            <a:schemeClr val="accent1">
+              <a:shade val="50000"/>
+            </a:schemeClr>
+          </a:lnRef>
+          <a:fillRef idx="1">
+            <a:schemeClr val="accent1"/>
+          </a:fillRef>
+          <a:effectRef idx="0">
+            <a:schemeClr val="accent1"/>
+          </a:effectRef>
+          <a:fontRef idx="minor">
+            <a:schemeClr val="lt1"/>
+          </a:fontRef>
+        </p:style>
+        <p:txBody>
+          <a:bodyPr rtlCol="0" anchor="ctr"/>
+          <a:lstStyle/>
+          <a:p>
+            <a:pPr algn="ctr"/>
+            <a:endParaRPr lang="en-US"/>
+          </a:p>
+        </p:txBody>
+      </p:sp>
+      <p:sp>
+        <p:nvSpPr>
+          <p:cNvPr id="33" name="Freeform: Shape 32">
+            <a:extLst>
+              <a:ext uri="{FF2B5EF4-FFF2-40B4-BE49-F238E27FC236}">
+                <a16:creationId xmlns:a16="http://schemas.microsoft.com/office/drawing/2014/main" id="{DADD1FCA-8ACB-4958-81DD-4CDD6D3E1921}"/>
+              </a:ext>
+              <a:ext uri="{C183D7F6-B498-43B3-948B-1728B52AA6E4}">
+                <adec:decorative xmlns:adec="http://schemas.microsoft.com/office/drawing/2017/decorative" val="1"/>
+              </a:ext>
+            </a:extLst>
+          </p:cNvPr>
+          <p:cNvSpPr>
+            <a:spLocks noGrp="1" noRot="1" noChangeAspect="1" noMove="1" noResize="1" noEditPoints="1" noAdjustHandles="1" noChangeArrowheads="1" noChangeShapeType="1" noTextEdit="1"/>
+          </p:cNvSpPr>
+          <p:nvPr>
+            <p:extLst>
+              <p:ext uri="{386F3935-93C4-4BCD-93E2-E3B085C9AB24}">
+                <p16:designElem xmlns:p16="http://schemas.microsoft.com/office/powerpoint/2015/main" val="1"/>
+              </p:ext>
+            </p:extLst>
+          </p:nvPr>
+        </p:nvSpPr>
+        <p:spPr>
+          <a:xfrm flipH="1">
+            <a:off x="0" y="0"/>
+            <a:ext cx="5802086" cy="6858000"/>
+          </a:xfrm>
+          <a:custGeom>
+            <a:avLst/>
+            <a:gdLst>
+              <a:gd name="connsiteX0" fmla="*/ 5734864 w 5734864"/>
+              <a:gd name="connsiteY0" fmla="*/ 0 h 6858000"/>
+              <a:gd name="connsiteX1" fmla="*/ 771611 w 5734864"/>
+              <a:gd name="connsiteY1" fmla="*/ 0 h 6858000"/>
+              <a:gd name="connsiteX2" fmla="*/ 771679 w 5734864"/>
+              <a:gd name="connsiteY2" fmla="*/ 49108 h 6858000"/>
+              <a:gd name="connsiteX3" fmla="*/ 794248 w 5734864"/>
+              <a:gd name="connsiteY3" fmla="*/ 200968 h 6858000"/>
+              <a:gd name="connsiteX4" fmla="*/ 801749 w 5734864"/>
+              <a:gd name="connsiteY4" fmla="*/ 414071 h 6858000"/>
+              <a:gd name="connsiteX5" fmla="*/ 818548 w 5734864"/>
+              <a:gd name="connsiteY5" fmla="*/ 585467 h 6858000"/>
+              <a:gd name="connsiteX6" fmla="*/ 857476 w 5734864"/>
+              <a:gd name="connsiteY6" fmla="*/ 800623 h 6858000"/>
+              <a:gd name="connsiteX7" fmla="*/ 851083 w 5734864"/>
+              <a:gd name="connsiteY7" fmla="*/ 878903 h 6858000"/>
+              <a:gd name="connsiteX8" fmla="*/ 873564 w 5734864"/>
+              <a:gd name="connsiteY8" fmla="*/ 943826 h 6858000"/>
+              <a:gd name="connsiteX9" fmla="*/ 864705 w 5734864"/>
+              <a:gd name="connsiteY9" fmla="*/ 973328 h 6858000"/>
+              <a:gd name="connsiteX10" fmla="*/ 862869 w 5734864"/>
+              <a:gd name="connsiteY10" fmla="*/ 978457 h 6858000"/>
+              <a:gd name="connsiteX11" fmla="*/ 862233 w 5734864"/>
+              <a:gd name="connsiteY11" fmla="*/ 998041 h 6858000"/>
+              <a:gd name="connsiteX12" fmla="*/ 853665 w 5734864"/>
+              <a:gd name="connsiteY12" fmla="*/ 1004750 h 6858000"/>
+              <a:gd name="connsiteX13" fmla="*/ 846695 w 5734864"/>
+              <a:gd name="connsiteY13" fmla="*/ 1035077 h 6858000"/>
+              <a:gd name="connsiteX14" fmla="*/ 847865 w 5734864"/>
+              <a:gd name="connsiteY14" fmla="*/ 1070795 h 6858000"/>
+              <a:gd name="connsiteX15" fmla="*/ 862786 w 5734864"/>
+              <a:gd name="connsiteY15" fmla="*/ 1238994 h 6858000"/>
+              <a:gd name="connsiteX16" fmla="*/ 859345 w 5734864"/>
+              <a:gd name="connsiteY16" fmla="*/ 1380427 h 6858000"/>
+              <a:gd name="connsiteX17" fmla="*/ 855172 w 5734864"/>
+              <a:gd name="connsiteY17" fmla="*/ 1435262 h 6858000"/>
+              <a:gd name="connsiteX18" fmla="*/ 860494 w 5734864"/>
+              <a:gd name="connsiteY18" fmla="*/ 1453861 h 6858000"/>
+              <a:gd name="connsiteX19" fmla="*/ 853731 w 5734864"/>
+              <a:gd name="connsiteY19" fmla="*/ 1467047 h 6858000"/>
+              <a:gd name="connsiteX20" fmla="*/ 845847 w 5734864"/>
+              <a:gd name="connsiteY20" fmla="*/ 1502307 h 6858000"/>
+              <a:gd name="connsiteX21" fmla="*/ 817613 w 5734864"/>
+              <a:gd name="connsiteY21" fmla="*/ 1565166 h 6858000"/>
+              <a:gd name="connsiteX22" fmla="*/ 804223 w 5734864"/>
+              <a:gd name="connsiteY22" fmla="*/ 1601941 h 6858000"/>
+              <a:gd name="connsiteX23" fmla="*/ 791773 w 5734864"/>
+              <a:gd name="connsiteY23" fmla="*/ 1627005 h 6858000"/>
+              <a:gd name="connsiteX24" fmla="*/ 774645 w 5734864"/>
+              <a:gd name="connsiteY24" fmla="*/ 1699922 h 6858000"/>
+              <a:gd name="connsiteX25" fmla="*/ 752343 w 5734864"/>
+              <a:gd name="connsiteY25" fmla="*/ 1824604 h 6858000"/>
+              <a:gd name="connsiteX26" fmla="*/ 746254 w 5734864"/>
+              <a:gd name="connsiteY26" fmla="*/ 1850222 h 6858000"/>
+              <a:gd name="connsiteX27" fmla="*/ 728600 w 5734864"/>
+              <a:gd name="connsiteY27" fmla="*/ 1869603 h 6858000"/>
+              <a:gd name="connsiteX28" fmla="*/ 724396 w 5734864"/>
+              <a:gd name="connsiteY28" fmla="*/ 1883104 h 6858000"/>
+              <a:gd name="connsiteX29" fmla="*/ 722165 w 5734864"/>
+              <a:gd name="connsiteY29" fmla="*/ 1885924 h 6858000"/>
+              <a:gd name="connsiteX30" fmla="*/ 721338 w 5734864"/>
+              <a:gd name="connsiteY30" fmla="*/ 1887123 h 6858000"/>
+              <a:gd name="connsiteX31" fmla="*/ 714840 w 5734864"/>
+              <a:gd name="connsiteY31" fmla="*/ 1902274 h 6858000"/>
+              <a:gd name="connsiteX32" fmla="*/ 722847 w 5734864"/>
+              <a:gd name="connsiteY32" fmla="*/ 1929891 h 6858000"/>
+              <a:gd name="connsiteX33" fmla="*/ 719647 w 5734864"/>
+              <a:gd name="connsiteY33" fmla="*/ 1936120 h 6858000"/>
+              <a:gd name="connsiteX34" fmla="*/ 714660 w 5734864"/>
+              <a:gd name="connsiteY34" fmla="*/ 1982709 h 6858000"/>
+              <a:gd name="connsiteX35" fmla="*/ 710759 w 5734864"/>
+              <a:gd name="connsiteY35" fmla="*/ 2013010 h 6858000"/>
+              <a:gd name="connsiteX36" fmla="*/ 697927 w 5734864"/>
+              <a:gd name="connsiteY36" fmla="*/ 2069833 h 6858000"/>
+              <a:gd name="connsiteX37" fmla="*/ 693594 w 5734864"/>
+              <a:gd name="connsiteY37" fmla="*/ 2103731 h 6858000"/>
+              <a:gd name="connsiteX38" fmla="*/ 691109 w 5734864"/>
+              <a:gd name="connsiteY38" fmla="*/ 2124027 h 6858000"/>
+              <a:gd name="connsiteX39" fmla="*/ 676593 w 5734864"/>
+              <a:gd name="connsiteY39" fmla="*/ 2176182 h 6858000"/>
+              <a:gd name="connsiteX40" fmla="*/ 633227 w 5734864"/>
+              <a:gd name="connsiteY40" fmla="*/ 2258036 h 6858000"/>
+              <a:gd name="connsiteX41" fmla="*/ 625564 w 5734864"/>
+              <a:gd name="connsiteY41" fmla="*/ 2284567 h 6858000"/>
+              <a:gd name="connsiteX42" fmla="*/ 627074 w 5734864"/>
+              <a:gd name="connsiteY42" fmla="*/ 2289605 h 6858000"/>
+              <a:gd name="connsiteX43" fmla="*/ 614574 w 5734864"/>
+              <a:gd name="connsiteY43" fmla="*/ 2308717 h 6858000"/>
+              <a:gd name="connsiteX44" fmla="*/ 606890 w 5734864"/>
+              <a:gd name="connsiteY44" fmla="*/ 2320662 h 6858000"/>
+              <a:gd name="connsiteX45" fmla="*/ 605558 w 5734864"/>
+              <a:gd name="connsiteY45" fmla="*/ 2327897 h 6858000"/>
+              <a:gd name="connsiteX46" fmla="*/ 602202 w 5734864"/>
+              <a:gd name="connsiteY46" fmla="*/ 2357749 h 6858000"/>
+              <a:gd name="connsiteX47" fmla="*/ 600213 w 5734864"/>
+              <a:gd name="connsiteY47" fmla="*/ 2364905 h 6858000"/>
+              <a:gd name="connsiteX48" fmla="*/ 597160 w 5734864"/>
+              <a:gd name="connsiteY48" fmla="*/ 2388351 h 6858000"/>
+              <a:gd name="connsiteX49" fmla="*/ 597982 w 5734864"/>
+              <a:gd name="connsiteY49" fmla="*/ 2402296 h 6858000"/>
+              <a:gd name="connsiteX50" fmla="*/ 593150 w 5734864"/>
+              <a:gd name="connsiteY50" fmla="*/ 2420015 h 6858000"/>
+              <a:gd name="connsiteX51" fmla="*/ 592833 w 5734864"/>
+              <a:gd name="connsiteY51" fmla="*/ 2422749 h 6858000"/>
+              <a:gd name="connsiteX52" fmla="*/ 594479 w 5734864"/>
+              <a:gd name="connsiteY52" fmla="*/ 2426002 h 6858000"/>
+              <a:gd name="connsiteX53" fmla="*/ 591963 w 5734864"/>
+              <a:gd name="connsiteY53" fmla="*/ 2431950 h 6858000"/>
+              <a:gd name="connsiteX54" fmla="*/ 591544 w 5734864"/>
+              <a:gd name="connsiteY54" fmla="*/ 2433897 h 6858000"/>
+              <a:gd name="connsiteX55" fmla="*/ 589519 w 5734864"/>
+              <a:gd name="connsiteY55" fmla="*/ 2451398 h 6858000"/>
+              <a:gd name="connsiteX56" fmla="*/ 590037 w 5734864"/>
+              <a:gd name="connsiteY56" fmla="*/ 2455536 h 6858000"/>
+              <a:gd name="connsiteX57" fmla="*/ 588179 w 5734864"/>
+              <a:gd name="connsiteY57" fmla="*/ 2462981 h 6858000"/>
+              <a:gd name="connsiteX58" fmla="*/ 583434 w 5734864"/>
+              <a:gd name="connsiteY58" fmla="*/ 2503991 h 6858000"/>
+              <a:gd name="connsiteX59" fmla="*/ 567942 w 5734864"/>
+              <a:gd name="connsiteY59" fmla="*/ 2652936 h 6858000"/>
+              <a:gd name="connsiteX60" fmla="*/ 573869 w 5734864"/>
+              <a:gd name="connsiteY60" fmla="*/ 2670188 h 6858000"/>
+              <a:gd name="connsiteX61" fmla="*/ 575243 w 5734864"/>
+              <a:gd name="connsiteY61" fmla="*/ 2688114 h 6858000"/>
+              <a:gd name="connsiteX62" fmla="*/ 573824 w 5734864"/>
+              <a:gd name="connsiteY62" fmla="*/ 2689856 h 6858000"/>
+              <a:gd name="connsiteX63" fmla="*/ 570699 w 5734864"/>
+              <a:gd name="connsiteY63" fmla="*/ 2709353 h 6858000"/>
+              <a:gd name="connsiteX64" fmla="*/ 573192 w 5734864"/>
+              <a:gd name="connsiteY64" fmla="*/ 2714527 h 6858000"/>
+              <a:gd name="connsiteX65" fmla="*/ 572044 w 5734864"/>
+              <a:gd name="connsiteY65" fmla="*/ 2728187 h 6858000"/>
+              <a:gd name="connsiteX66" fmla="*/ 572465 w 5734864"/>
+              <a:gd name="connsiteY66" fmla="*/ 2755863 h 6858000"/>
+              <a:gd name="connsiteX67" fmla="*/ 570028 w 5734864"/>
+              <a:gd name="connsiteY67" fmla="*/ 2760324 h 6858000"/>
+              <a:gd name="connsiteX68" fmla="*/ 566748 w 5734864"/>
+              <a:gd name="connsiteY68" fmla="*/ 2800948 h 6858000"/>
+              <a:gd name="connsiteX69" fmla="*/ 565509 w 5734864"/>
+              <a:gd name="connsiteY69" fmla="*/ 2801167 h 6858000"/>
+              <a:gd name="connsiteX70" fmla="*/ 559367 w 5734864"/>
+              <a:gd name="connsiteY70" fmla="*/ 2811129 h 6858000"/>
+              <a:gd name="connsiteX71" fmla="*/ 550354 w 5734864"/>
+              <a:gd name="connsiteY71" fmla="*/ 2830949 h 6858000"/>
+              <a:gd name="connsiteX72" fmla="*/ 514795 w 5734864"/>
+              <a:gd name="connsiteY72" fmla="*/ 2872433 h 6858000"/>
+              <a:gd name="connsiteX73" fmla="*/ 509875 w 5734864"/>
+              <a:gd name="connsiteY73" fmla="*/ 2923099 h 6858000"/>
+              <a:gd name="connsiteX74" fmla="*/ 509577 w 5734864"/>
+              <a:gd name="connsiteY74" fmla="*/ 2923197 h 6858000"/>
+              <a:gd name="connsiteX75" fmla="*/ 507597 w 5734864"/>
+              <a:gd name="connsiteY75" fmla="*/ 2931868 h 6858000"/>
+              <a:gd name="connsiteX76" fmla="*/ 507379 w 5734864"/>
+              <a:gd name="connsiteY76" fmla="*/ 2938322 h 6858000"/>
+              <a:gd name="connsiteX77" fmla="*/ 504725 w 5734864"/>
+              <a:gd name="connsiteY77" fmla="*/ 2954519 h 6858000"/>
+              <a:gd name="connsiteX78" fmla="*/ 502018 w 5734864"/>
+              <a:gd name="connsiteY78" fmla="*/ 2959643 h 6858000"/>
+              <a:gd name="connsiteX79" fmla="*/ 498360 w 5734864"/>
+              <a:gd name="connsiteY79" fmla="*/ 2961019 h 6858000"/>
+              <a:gd name="connsiteX80" fmla="*/ 498483 w 5734864"/>
+              <a:gd name="connsiteY80" fmla="*/ 2962590 h 6858000"/>
+              <a:gd name="connsiteX81" fmla="*/ 484403 w 5734864"/>
+              <a:gd name="connsiteY81" fmla="*/ 2990538 h 6858000"/>
+              <a:gd name="connsiteX82" fmla="*/ 463075 w 5734864"/>
+              <a:gd name="connsiteY82" fmla="*/ 3055956 h 6858000"/>
+              <a:gd name="connsiteX83" fmla="*/ 455013 w 5734864"/>
+              <a:gd name="connsiteY83" fmla="*/ 3094482 h 6858000"/>
+              <a:gd name="connsiteX84" fmla="*/ 428391 w 5734864"/>
+              <a:gd name="connsiteY84" fmla="*/ 3198850 h 6858000"/>
+              <a:gd name="connsiteX85" fmla="*/ 401440 w 5734864"/>
+              <a:gd name="connsiteY85" fmla="*/ 3307560 h 6858000"/>
+              <a:gd name="connsiteX86" fmla="*/ 386076 w 5734864"/>
+              <a:gd name="connsiteY86" fmla="*/ 3373943 h 6858000"/>
+              <a:gd name="connsiteX87" fmla="*/ 374726 w 5734864"/>
+              <a:gd name="connsiteY87" fmla="*/ 3381364 h 6858000"/>
+              <a:gd name="connsiteX88" fmla="*/ 369145 w 5734864"/>
+              <a:gd name="connsiteY88" fmla="*/ 3383729 h 6858000"/>
+              <a:gd name="connsiteX89" fmla="*/ 364294 w 5734864"/>
+              <a:gd name="connsiteY89" fmla="*/ 3414159 h 6858000"/>
+              <a:gd name="connsiteX90" fmla="*/ 366450 w 5734864"/>
+              <a:gd name="connsiteY90" fmla="*/ 3436925 h 6858000"/>
+              <a:gd name="connsiteX91" fmla="*/ 351743 w 5734864"/>
+              <a:gd name="connsiteY91" fmla="*/ 3521619 h 6858000"/>
+              <a:gd name="connsiteX92" fmla="*/ 345784 w 5734864"/>
+              <a:gd name="connsiteY92" fmla="*/ 3603757 h 6858000"/>
+              <a:gd name="connsiteX93" fmla="*/ 344198 w 5734864"/>
+              <a:gd name="connsiteY93" fmla="*/ 3652424 h 6858000"/>
+              <a:gd name="connsiteX94" fmla="*/ 352450 w 5734864"/>
+              <a:gd name="connsiteY94" fmla="*/ 3665222 h 6858000"/>
+              <a:gd name="connsiteX95" fmla="*/ 342621 w 5734864"/>
+              <a:gd name="connsiteY95" fmla="*/ 3700804 h 6858000"/>
+              <a:gd name="connsiteX96" fmla="*/ 341514 w 5734864"/>
+              <a:gd name="connsiteY96" fmla="*/ 3734774 h 6858000"/>
+              <a:gd name="connsiteX97" fmla="*/ 340607 w 5734864"/>
+              <a:gd name="connsiteY97" fmla="*/ 3785153 h 6858000"/>
+              <a:gd name="connsiteX98" fmla="*/ 340707 w 5734864"/>
+              <a:gd name="connsiteY98" fmla="*/ 3788177 h 6858000"/>
+              <a:gd name="connsiteX99" fmla="*/ 340361 w 5734864"/>
+              <a:gd name="connsiteY99" fmla="*/ 3798803 h 6858000"/>
+              <a:gd name="connsiteX100" fmla="*/ 339642 w 5734864"/>
+              <a:gd name="connsiteY100" fmla="*/ 3838750 h 6858000"/>
+              <a:gd name="connsiteX101" fmla="*/ 360295 w 5734864"/>
+              <a:gd name="connsiteY101" fmla="*/ 4015196 h 6858000"/>
+              <a:gd name="connsiteX102" fmla="*/ 339043 w 5734864"/>
+              <a:gd name="connsiteY102" fmla="*/ 4052778 h 6858000"/>
+              <a:gd name="connsiteX103" fmla="*/ 339343 w 5734864"/>
+              <a:gd name="connsiteY103" fmla="*/ 4096257 h 6858000"/>
+              <a:gd name="connsiteX104" fmla="*/ 340786 w 5734864"/>
+              <a:gd name="connsiteY104" fmla="*/ 4321136 h 6858000"/>
+              <a:gd name="connsiteX105" fmla="*/ 343158 w 5734864"/>
+              <a:gd name="connsiteY105" fmla="*/ 4429174 h 6858000"/>
+              <a:gd name="connsiteX106" fmla="*/ 334599 w 5734864"/>
+              <a:gd name="connsiteY106" fmla="*/ 4449938 h 6858000"/>
+              <a:gd name="connsiteX107" fmla="*/ 332890 w 5734864"/>
+              <a:gd name="connsiteY107" fmla="*/ 4453515 h 6858000"/>
+              <a:gd name="connsiteX108" fmla="*/ 331105 w 5734864"/>
+              <a:gd name="connsiteY108" fmla="*/ 4467941 h 6858000"/>
+              <a:gd name="connsiteX109" fmla="*/ 324289 w 5734864"/>
+              <a:gd name="connsiteY109" fmla="*/ 4471861 h 6858000"/>
+              <a:gd name="connsiteX110" fmla="*/ 317079 w 5734864"/>
+              <a:gd name="connsiteY110" fmla="*/ 4493468 h 6858000"/>
+              <a:gd name="connsiteX111" fmla="*/ 315557 w 5734864"/>
+              <a:gd name="connsiteY111" fmla="*/ 4520067 h 6858000"/>
+              <a:gd name="connsiteX112" fmla="*/ 315240 w 5734864"/>
+              <a:gd name="connsiteY112" fmla="*/ 4536872 h 6858000"/>
+              <a:gd name="connsiteX113" fmla="*/ 316200 w 5734864"/>
+              <a:gd name="connsiteY113" fmla="*/ 4538297 h 6858000"/>
+              <a:gd name="connsiteX114" fmla="*/ 317507 w 5734864"/>
+              <a:gd name="connsiteY114" fmla="*/ 4547582 h 6858000"/>
+              <a:gd name="connsiteX115" fmla="*/ 323078 w 5734864"/>
+              <a:gd name="connsiteY115" fmla="*/ 4592102 h 6858000"/>
+              <a:gd name="connsiteX116" fmla="*/ 328722 w 5734864"/>
+              <a:gd name="connsiteY116" fmla="*/ 4667914 h 6858000"/>
+              <a:gd name="connsiteX117" fmla="*/ 335597 w 5734864"/>
+              <a:gd name="connsiteY117" fmla="*/ 4695035 h 6858000"/>
+              <a:gd name="connsiteX118" fmla="*/ 339485 w 5734864"/>
+              <a:gd name="connsiteY118" fmla="*/ 4695979 h 6858000"/>
+              <a:gd name="connsiteX119" fmla="*/ 341089 w 5734864"/>
+              <a:gd name="connsiteY119" fmla="*/ 4704268 h 6858000"/>
+              <a:gd name="connsiteX120" fmla="*/ 342177 w 5734864"/>
+              <a:gd name="connsiteY120" fmla="*/ 4706060 h 6858000"/>
+              <a:gd name="connsiteX121" fmla="*/ 347751 w 5734864"/>
+              <a:gd name="connsiteY121" fmla="*/ 4716754 h 6858000"/>
+              <a:gd name="connsiteX122" fmla="*/ 344125 w 5734864"/>
+              <a:gd name="connsiteY122" fmla="*/ 4764669 h 6858000"/>
+              <a:gd name="connsiteX123" fmla="*/ 340188 w 5734864"/>
+              <a:gd name="connsiteY123" fmla="*/ 4779386 h 6858000"/>
+              <a:gd name="connsiteX124" fmla="*/ 335146 w 5734864"/>
+              <a:gd name="connsiteY124" fmla="*/ 4787491 h 6858000"/>
+              <a:gd name="connsiteX125" fmla="*/ 319124 w 5734864"/>
+              <a:gd name="connsiteY125" fmla="*/ 4843514 h 6858000"/>
+              <a:gd name="connsiteX126" fmla="*/ 305956 w 5734864"/>
+              <a:gd name="connsiteY126" fmla="*/ 4881505 h 6858000"/>
+              <a:gd name="connsiteX127" fmla="*/ 301062 w 5734864"/>
+              <a:gd name="connsiteY127" fmla="*/ 4889332 h 6858000"/>
+              <a:gd name="connsiteX128" fmla="*/ 302141 w 5734864"/>
+              <a:gd name="connsiteY128" fmla="*/ 4899400 h 6858000"/>
+              <a:gd name="connsiteX129" fmla="*/ 304424 w 5734864"/>
+              <a:gd name="connsiteY129" fmla="*/ 4902664 h 6858000"/>
+              <a:gd name="connsiteX130" fmla="*/ 293123 w 5734864"/>
+              <a:gd name="connsiteY130" fmla="*/ 4932769 h 6858000"/>
+              <a:gd name="connsiteX131" fmla="*/ 292275 w 5734864"/>
+              <a:gd name="connsiteY131" fmla="*/ 4936482 h 6858000"/>
+              <a:gd name="connsiteX132" fmla="*/ 288304 w 5734864"/>
+              <a:gd name="connsiteY132" fmla="*/ 4962325 h 6858000"/>
+              <a:gd name="connsiteX133" fmla="*/ 287420 w 5734864"/>
+              <a:gd name="connsiteY133" fmla="*/ 5042193 h 6858000"/>
+              <a:gd name="connsiteX134" fmla="*/ 287020 w 5734864"/>
+              <a:gd name="connsiteY134" fmla="*/ 5065655 h 6858000"/>
+              <a:gd name="connsiteX135" fmla="*/ 288488 w 5734864"/>
+              <a:gd name="connsiteY135" fmla="*/ 5082216 h 6858000"/>
+              <a:gd name="connsiteX136" fmla="*/ 282763 w 5734864"/>
+              <a:gd name="connsiteY136" fmla="*/ 5127114 h 6858000"/>
+              <a:gd name="connsiteX137" fmla="*/ 269316 w 5734864"/>
+              <a:gd name="connsiteY137" fmla="*/ 5202682 h 6858000"/>
+              <a:gd name="connsiteX138" fmla="*/ 269174 w 5734864"/>
+              <a:gd name="connsiteY138" fmla="*/ 5230835 h 6858000"/>
+              <a:gd name="connsiteX139" fmla="*/ 272679 w 5734864"/>
+              <a:gd name="connsiteY139" fmla="*/ 5232660 h 6858000"/>
+              <a:gd name="connsiteX140" fmla="*/ 272160 w 5734864"/>
+              <a:gd name="connsiteY140" fmla="*/ 5241150 h 6858000"/>
+              <a:gd name="connsiteX141" fmla="*/ 272760 w 5734864"/>
+              <a:gd name="connsiteY141" fmla="*/ 5243156 h 6858000"/>
+              <a:gd name="connsiteX142" fmla="*/ 275462 w 5734864"/>
+              <a:gd name="connsiteY142" fmla="*/ 5254919 h 6858000"/>
+              <a:gd name="connsiteX143" fmla="*/ 262897 w 5734864"/>
+              <a:gd name="connsiteY143" fmla="*/ 5286259 h 6858000"/>
+              <a:gd name="connsiteX144" fmla="*/ 252761 w 5734864"/>
+              <a:gd name="connsiteY144" fmla="*/ 5357801 h 6858000"/>
+              <a:gd name="connsiteX145" fmla="*/ 242360 w 5734864"/>
+              <a:gd name="connsiteY145" fmla="*/ 5460080 h 6858000"/>
+              <a:gd name="connsiteX146" fmla="*/ 229880 w 5734864"/>
+              <a:gd name="connsiteY146" fmla="*/ 5539714 h 6858000"/>
+              <a:gd name="connsiteX147" fmla="*/ 204283 w 5734864"/>
+              <a:gd name="connsiteY147" fmla="*/ 5639080 h 6858000"/>
+              <a:gd name="connsiteX148" fmla="*/ 198948 w 5734864"/>
+              <a:gd name="connsiteY148" fmla="*/ 5710958 h 6858000"/>
+              <a:gd name="connsiteX149" fmla="*/ 192367 w 5734864"/>
+              <a:gd name="connsiteY149" fmla="*/ 5719859 h 6858000"/>
+              <a:gd name="connsiteX150" fmla="*/ 188035 w 5734864"/>
+              <a:gd name="connsiteY150" fmla="*/ 5729935 h 6858000"/>
+              <a:gd name="connsiteX151" fmla="*/ 188428 w 5734864"/>
+              <a:gd name="connsiteY151" fmla="*/ 5731182 h 6858000"/>
+              <a:gd name="connsiteX152" fmla="*/ 181635 w 5734864"/>
+              <a:gd name="connsiteY152" fmla="*/ 5753538 h 6858000"/>
+              <a:gd name="connsiteX153" fmla="*/ 169744 w 5734864"/>
+              <a:gd name="connsiteY153" fmla="*/ 5796307 h 6858000"/>
+              <a:gd name="connsiteX154" fmla="*/ 170351 w 5734864"/>
+              <a:gd name="connsiteY154" fmla="*/ 5796644 h 6858000"/>
+              <a:gd name="connsiteX155" fmla="*/ 171559 w 5734864"/>
+              <a:gd name="connsiteY155" fmla="*/ 5803435 h 6858000"/>
+              <a:gd name="connsiteX156" fmla="*/ 172284 w 5734864"/>
+              <a:gd name="connsiteY156" fmla="*/ 5816391 h 6858000"/>
+              <a:gd name="connsiteX157" fmla="*/ 182542 w 5734864"/>
+              <a:gd name="connsiteY157" fmla="*/ 5846382 h 6858000"/>
+              <a:gd name="connsiteX158" fmla="*/ 175877 w 5734864"/>
+              <a:gd name="connsiteY158" fmla="*/ 5871336 h 6858000"/>
+              <a:gd name="connsiteX159" fmla="*/ 174910 w 5734864"/>
+              <a:gd name="connsiteY159" fmla="*/ 5876376 h 6858000"/>
+              <a:gd name="connsiteX160" fmla="*/ 175047 w 5734864"/>
+              <a:gd name="connsiteY160" fmla="*/ 5876483 h 6858000"/>
+              <a:gd name="connsiteX161" fmla="*/ 174335 w 5734864"/>
+              <a:gd name="connsiteY161" fmla="*/ 5881814 h 6858000"/>
+              <a:gd name="connsiteX162" fmla="*/ 171273 w 5734864"/>
+              <a:gd name="connsiteY162" fmla="*/ 5895339 h 6858000"/>
+              <a:gd name="connsiteX163" fmla="*/ 171658 w 5734864"/>
+              <a:gd name="connsiteY163" fmla="*/ 5898749 h 6858000"/>
+              <a:gd name="connsiteX164" fmla="*/ 174658 w 5734864"/>
+              <a:gd name="connsiteY164" fmla="*/ 5919558 h 6858000"/>
+              <a:gd name="connsiteX165" fmla="*/ 169099 w 5734864"/>
+              <a:gd name="connsiteY165" fmla="*/ 5984417 h 6858000"/>
+              <a:gd name="connsiteX166" fmla="*/ 162007 w 5734864"/>
+              <a:gd name="connsiteY166" fmla="*/ 6049043 h 6858000"/>
+              <a:gd name="connsiteX167" fmla="*/ 156875 w 5734864"/>
+              <a:gd name="connsiteY167" fmla="*/ 6114000 h 6858000"/>
+              <a:gd name="connsiteX168" fmla="*/ 165441 w 5734864"/>
+              <a:gd name="connsiteY168" fmla="*/ 6146938 h 6858000"/>
+              <a:gd name="connsiteX169" fmla="*/ 165177 w 5734864"/>
+              <a:gd name="connsiteY169" fmla="*/ 6150658 h 6858000"/>
+              <a:gd name="connsiteX170" fmla="*/ 161772 w 5734864"/>
+              <a:gd name="connsiteY170" fmla="*/ 6160011 h 6858000"/>
+              <a:gd name="connsiteX171" fmla="*/ 160051 w 5734864"/>
+              <a:gd name="connsiteY171" fmla="*/ 6163393 h 6858000"/>
+              <a:gd name="connsiteX172" fmla="*/ 158473 w 5734864"/>
+              <a:gd name="connsiteY172" fmla="*/ 6168628 h 6858000"/>
+              <a:gd name="connsiteX173" fmla="*/ 158573 w 5734864"/>
+              <a:gd name="connsiteY173" fmla="*/ 6168799 h 6858000"/>
+              <a:gd name="connsiteX174" fmla="*/ 146463 w 5734864"/>
+              <a:gd name="connsiteY174" fmla="*/ 6196671 h 6858000"/>
+              <a:gd name="connsiteX175" fmla="*/ 150209 w 5734864"/>
+              <a:gd name="connsiteY175" fmla="*/ 6232365 h 6858000"/>
+              <a:gd name="connsiteX176" fmla="*/ 148544 w 5734864"/>
+              <a:gd name="connsiteY176" fmla="*/ 6246162 h 6858000"/>
+              <a:gd name="connsiteX177" fmla="*/ 148403 w 5734864"/>
+              <a:gd name="connsiteY177" fmla="*/ 6253754 h 6858000"/>
+              <a:gd name="connsiteX178" fmla="*/ 138880 w 5734864"/>
+              <a:gd name="connsiteY178" fmla="*/ 6276449 h 6858000"/>
+              <a:gd name="connsiteX179" fmla="*/ 138683 w 5734864"/>
+              <a:gd name="connsiteY179" fmla="*/ 6279721 h 6858000"/>
+              <a:gd name="connsiteX180" fmla="*/ 130721 w 5734864"/>
+              <a:gd name="connsiteY180" fmla="*/ 6293675 h 6858000"/>
+              <a:gd name="connsiteX181" fmla="*/ 120717 w 5734864"/>
+              <a:gd name="connsiteY181" fmla="*/ 6313967 h 6858000"/>
+              <a:gd name="connsiteX182" fmla="*/ 120841 w 5734864"/>
+              <a:gd name="connsiteY182" fmla="*/ 6315437 h 6858000"/>
+              <a:gd name="connsiteX183" fmla="*/ 115208 w 5734864"/>
+              <a:gd name="connsiteY183" fmla="*/ 6324024 h 6858000"/>
+              <a:gd name="connsiteX184" fmla="*/ 101217 w 5734864"/>
+              <a:gd name="connsiteY184" fmla="*/ 6365923 h 6858000"/>
+              <a:gd name="connsiteX185" fmla="*/ 74946 w 5734864"/>
+              <a:gd name="connsiteY185" fmla="*/ 6556817 h 6858000"/>
+              <a:gd name="connsiteX186" fmla="*/ 16001 w 5734864"/>
+              <a:gd name="connsiteY186" fmla="*/ 6808678 h 6858000"/>
+              <a:gd name="connsiteX187" fmla="*/ 0 w 5734864"/>
+              <a:gd name="connsiteY187" fmla="*/ 6858000 h 6858000"/>
+              <a:gd name="connsiteX188" fmla="*/ 5734864 w 5734864"/>
+              <a:gd name="connsiteY188" fmla="*/ 6858000 h 6858000"/>
+              <a:gd name="connsiteX0" fmla="*/ 5734864 w 5734864"/>
+              <a:gd name="connsiteY0" fmla="*/ 0 h 6858000"/>
+              <a:gd name="connsiteX1" fmla="*/ 771611 w 5734864"/>
+              <a:gd name="connsiteY1" fmla="*/ 0 h 6858000"/>
+              <a:gd name="connsiteX2" fmla="*/ 771679 w 5734864"/>
+              <a:gd name="connsiteY2" fmla="*/ 49108 h 6858000"/>
+              <a:gd name="connsiteX3" fmla="*/ 794248 w 5734864"/>
+              <a:gd name="connsiteY3" fmla="*/ 200968 h 6858000"/>
+              <a:gd name="connsiteX4" fmla="*/ 801749 w 5734864"/>
+              <a:gd name="connsiteY4" fmla="*/ 414071 h 6858000"/>
+              <a:gd name="connsiteX5" fmla="*/ 818548 w 5734864"/>
+              <a:gd name="connsiteY5" fmla="*/ 585467 h 6858000"/>
+              <a:gd name="connsiteX6" fmla="*/ 857476 w 5734864"/>
+              <a:gd name="connsiteY6" fmla="*/ 800623 h 6858000"/>
+              <a:gd name="connsiteX7" fmla="*/ 851083 w 5734864"/>
+              <a:gd name="connsiteY7" fmla="*/ 878903 h 6858000"/>
+              <a:gd name="connsiteX8" fmla="*/ 873564 w 5734864"/>
+              <a:gd name="connsiteY8" fmla="*/ 943826 h 6858000"/>
+              <a:gd name="connsiteX9" fmla="*/ 864705 w 5734864"/>
+              <a:gd name="connsiteY9" fmla="*/ 973328 h 6858000"/>
+              <a:gd name="connsiteX10" fmla="*/ 862869 w 5734864"/>
+              <a:gd name="connsiteY10" fmla="*/ 978457 h 6858000"/>
+              <a:gd name="connsiteX11" fmla="*/ 862233 w 5734864"/>
+              <a:gd name="connsiteY11" fmla="*/ 998041 h 6858000"/>
+              <a:gd name="connsiteX12" fmla="*/ 853665 w 5734864"/>
+              <a:gd name="connsiteY12" fmla="*/ 1004750 h 6858000"/>
+              <a:gd name="connsiteX13" fmla="*/ 846695 w 5734864"/>
+              <a:gd name="connsiteY13" fmla="*/ 1035077 h 6858000"/>
+              <a:gd name="connsiteX14" fmla="*/ 847865 w 5734864"/>
+              <a:gd name="connsiteY14" fmla="*/ 1070795 h 6858000"/>
+              <a:gd name="connsiteX15" fmla="*/ 862786 w 5734864"/>
+              <a:gd name="connsiteY15" fmla="*/ 1238994 h 6858000"/>
+              <a:gd name="connsiteX16" fmla="*/ 859345 w 5734864"/>
+              <a:gd name="connsiteY16" fmla="*/ 1380427 h 6858000"/>
+              <a:gd name="connsiteX17" fmla="*/ 855172 w 5734864"/>
+              <a:gd name="connsiteY17" fmla="*/ 1435262 h 6858000"/>
+              <a:gd name="connsiteX18" fmla="*/ 860494 w 5734864"/>
+              <a:gd name="connsiteY18" fmla="*/ 1453861 h 6858000"/>
+              <a:gd name="connsiteX19" fmla="*/ 853731 w 5734864"/>
+              <a:gd name="connsiteY19" fmla="*/ 1467047 h 6858000"/>
+              <a:gd name="connsiteX20" fmla="*/ 845847 w 5734864"/>
+              <a:gd name="connsiteY20" fmla="*/ 1502307 h 6858000"/>
+              <a:gd name="connsiteX21" fmla="*/ 817613 w 5734864"/>
+              <a:gd name="connsiteY21" fmla="*/ 1565166 h 6858000"/>
+              <a:gd name="connsiteX22" fmla="*/ 804223 w 5734864"/>
+              <a:gd name="connsiteY22" fmla="*/ 1601941 h 6858000"/>
+              <a:gd name="connsiteX23" fmla="*/ 791773 w 5734864"/>
+              <a:gd name="connsiteY23" fmla="*/ 1627005 h 6858000"/>
+              <a:gd name="connsiteX24" fmla="*/ 774645 w 5734864"/>
+              <a:gd name="connsiteY24" fmla="*/ 1699922 h 6858000"/>
+              <a:gd name="connsiteX25" fmla="*/ 752343 w 5734864"/>
+              <a:gd name="connsiteY25" fmla="*/ 1824604 h 6858000"/>
+              <a:gd name="connsiteX26" fmla="*/ 746254 w 5734864"/>
+              <a:gd name="connsiteY26" fmla="*/ 1850222 h 6858000"/>
+              <a:gd name="connsiteX27" fmla="*/ 728600 w 5734864"/>
+              <a:gd name="connsiteY27" fmla="*/ 1869603 h 6858000"/>
+              <a:gd name="connsiteX28" fmla="*/ 724396 w 5734864"/>
+              <a:gd name="connsiteY28" fmla="*/ 1883104 h 6858000"/>
+              <a:gd name="connsiteX29" fmla="*/ 722165 w 5734864"/>
+              <a:gd name="connsiteY29" fmla="*/ 1885924 h 6858000"/>
+              <a:gd name="connsiteX30" fmla="*/ 721338 w 5734864"/>
+              <a:gd name="connsiteY30" fmla="*/ 1887123 h 6858000"/>
+              <a:gd name="connsiteX31" fmla="*/ 714840 w 5734864"/>
+              <a:gd name="connsiteY31" fmla="*/ 1902274 h 6858000"/>
+              <a:gd name="connsiteX32" fmla="*/ 722847 w 5734864"/>
+              <a:gd name="connsiteY32" fmla="*/ 1929891 h 6858000"/>
+              <a:gd name="connsiteX33" fmla="*/ 714660 w 5734864"/>
+              <a:gd name="connsiteY33" fmla="*/ 1982709 h 6858000"/>
+              <a:gd name="connsiteX34" fmla="*/ 710759 w 5734864"/>
+              <a:gd name="connsiteY34" fmla="*/ 2013010 h 6858000"/>
+              <a:gd name="connsiteX35" fmla="*/ 697927 w 5734864"/>
+              <a:gd name="connsiteY35" fmla="*/ 2069833 h 6858000"/>
+              <a:gd name="connsiteX36" fmla="*/ 693594 w 5734864"/>
+              <a:gd name="connsiteY36" fmla="*/ 2103731 h 6858000"/>
+              <a:gd name="connsiteX37" fmla="*/ 691109 w 5734864"/>
+              <a:gd name="connsiteY37" fmla="*/ 2124027 h 6858000"/>
+              <a:gd name="connsiteX38" fmla="*/ 676593 w 5734864"/>
+              <a:gd name="connsiteY38" fmla="*/ 2176182 h 6858000"/>
+              <a:gd name="connsiteX39" fmla="*/ 633227 w 5734864"/>
+              <a:gd name="connsiteY39" fmla="*/ 2258036 h 6858000"/>
+              <a:gd name="connsiteX40" fmla="*/ 625564 w 5734864"/>
+              <a:gd name="connsiteY40" fmla="*/ 2284567 h 6858000"/>
+              <a:gd name="connsiteX41" fmla="*/ 627074 w 5734864"/>
+              <a:gd name="connsiteY41" fmla="*/ 2289605 h 6858000"/>
+              <a:gd name="connsiteX42" fmla="*/ 614574 w 5734864"/>
+              <a:gd name="connsiteY42" fmla="*/ 2308717 h 6858000"/>
+              <a:gd name="connsiteX43" fmla="*/ 606890 w 5734864"/>
+              <a:gd name="connsiteY43" fmla="*/ 2320662 h 6858000"/>
+              <a:gd name="connsiteX44" fmla="*/ 605558 w 5734864"/>
+              <a:gd name="connsiteY44" fmla="*/ 2327897 h 6858000"/>
+              <a:gd name="connsiteX45" fmla="*/ 602202 w 5734864"/>
+              <a:gd name="connsiteY45" fmla="*/ 2357749 h 6858000"/>
+              <a:gd name="connsiteX46" fmla="*/ 600213 w 5734864"/>
+              <a:gd name="connsiteY46" fmla="*/ 2364905 h 6858000"/>
+              <a:gd name="connsiteX47" fmla="*/ 597160 w 5734864"/>
+              <a:gd name="connsiteY47" fmla="*/ 2388351 h 6858000"/>
+              <a:gd name="connsiteX48" fmla="*/ 597982 w 5734864"/>
+              <a:gd name="connsiteY48" fmla="*/ 2402296 h 6858000"/>
+              <a:gd name="connsiteX49" fmla="*/ 593150 w 5734864"/>
+              <a:gd name="connsiteY49" fmla="*/ 2420015 h 6858000"/>
+              <a:gd name="connsiteX50" fmla="*/ 592833 w 5734864"/>
+              <a:gd name="connsiteY50" fmla="*/ 2422749 h 6858000"/>
+              <a:gd name="connsiteX51" fmla="*/ 594479 w 5734864"/>
+              <a:gd name="connsiteY51" fmla="*/ 2426002 h 6858000"/>
+              <a:gd name="connsiteX52" fmla="*/ 591963 w 5734864"/>
+              <a:gd name="connsiteY52" fmla="*/ 2431950 h 6858000"/>
+              <a:gd name="connsiteX53" fmla="*/ 591544 w 5734864"/>
+              <a:gd name="connsiteY53" fmla="*/ 2433897 h 6858000"/>
+              <a:gd name="connsiteX54" fmla="*/ 589519 w 5734864"/>
+              <a:gd name="connsiteY54" fmla="*/ 2451398 h 6858000"/>
+              <a:gd name="connsiteX55" fmla="*/ 590037 w 5734864"/>
+              <a:gd name="connsiteY55" fmla="*/ 2455536 h 6858000"/>
+              <a:gd name="connsiteX56" fmla="*/ 588179 w 5734864"/>
+              <a:gd name="connsiteY56" fmla="*/ 2462981 h 6858000"/>
+              <a:gd name="connsiteX57" fmla="*/ 583434 w 5734864"/>
+              <a:gd name="connsiteY57" fmla="*/ 2503991 h 6858000"/>
+              <a:gd name="connsiteX58" fmla="*/ 567942 w 5734864"/>
+              <a:gd name="connsiteY58" fmla="*/ 2652936 h 6858000"/>
+              <a:gd name="connsiteX59" fmla="*/ 573869 w 5734864"/>
+              <a:gd name="connsiteY59" fmla="*/ 2670188 h 6858000"/>
+              <a:gd name="connsiteX60" fmla="*/ 575243 w 5734864"/>
+              <a:gd name="connsiteY60" fmla="*/ 2688114 h 6858000"/>
+              <a:gd name="connsiteX61" fmla="*/ 573824 w 5734864"/>
+              <a:gd name="connsiteY61" fmla="*/ 2689856 h 6858000"/>
+              <a:gd name="connsiteX62" fmla="*/ 570699 w 5734864"/>
+              <a:gd name="connsiteY62" fmla="*/ 2709353 h 6858000"/>
+              <a:gd name="connsiteX63" fmla="*/ 573192 w 5734864"/>
+              <a:gd name="connsiteY63" fmla="*/ 2714527 h 6858000"/>
+              <a:gd name="connsiteX64" fmla="*/ 572044 w 5734864"/>
+              <a:gd name="connsiteY64" fmla="*/ 2728187 h 6858000"/>
+              <a:gd name="connsiteX65" fmla="*/ 572465 w 5734864"/>
+              <a:gd name="connsiteY65" fmla="*/ 2755863 h 6858000"/>
+              <a:gd name="connsiteX66" fmla="*/ 570028 w 5734864"/>
+              <a:gd name="connsiteY66" fmla="*/ 2760324 h 6858000"/>
+              <a:gd name="connsiteX67" fmla="*/ 566748 w 5734864"/>
+              <a:gd name="connsiteY67" fmla="*/ 2800948 h 6858000"/>
+              <a:gd name="connsiteX68" fmla="*/ 565509 w 5734864"/>
+              <a:gd name="connsiteY68" fmla="*/ 2801167 h 6858000"/>
+              <a:gd name="connsiteX69" fmla="*/ 559367 w 5734864"/>
+              <a:gd name="connsiteY69" fmla="*/ 2811129 h 6858000"/>
+              <a:gd name="connsiteX70" fmla="*/ 550354 w 5734864"/>
+              <a:gd name="connsiteY70" fmla="*/ 2830949 h 6858000"/>
+              <a:gd name="connsiteX71" fmla="*/ 514795 w 5734864"/>
+              <a:gd name="connsiteY71" fmla="*/ 2872433 h 6858000"/>
+              <a:gd name="connsiteX72" fmla="*/ 509875 w 5734864"/>
+              <a:gd name="connsiteY72" fmla="*/ 2923099 h 6858000"/>
+              <a:gd name="connsiteX73" fmla="*/ 509577 w 5734864"/>
+              <a:gd name="connsiteY73" fmla="*/ 2923197 h 6858000"/>
+              <a:gd name="connsiteX74" fmla="*/ 507597 w 5734864"/>
+              <a:gd name="connsiteY74" fmla="*/ 2931868 h 6858000"/>
+              <a:gd name="connsiteX75" fmla="*/ 507379 w 5734864"/>
+              <a:gd name="connsiteY75" fmla="*/ 2938322 h 6858000"/>
+              <a:gd name="connsiteX76" fmla="*/ 504725 w 5734864"/>
+              <a:gd name="connsiteY76" fmla="*/ 2954519 h 6858000"/>
+              <a:gd name="connsiteX77" fmla="*/ 502018 w 5734864"/>
+              <a:gd name="connsiteY77" fmla="*/ 2959643 h 6858000"/>
+              <a:gd name="connsiteX78" fmla="*/ 498360 w 5734864"/>
+              <a:gd name="connsiteY78" fmla="*/ 2961019 h 6858000"/>
+              <a:gd name="connsiteX79" fmla="*/ 498483 w 5734864"/>
+              <a:gd name="connsiteY79" fmla="*/ 2962590 h 6858000"/>
+              <a:gd name="connsiteX80" fmla="*/ 484403 w 5734864"/>
+              <a:gd name="connsiteY80" fmla="*/ 2990538 h 6858000"/>
+              <a:gd name="connsiteX81" fmla="*/ 463075 w 5734864"/>
+              <a:gd name="connsiteY81" fmla="*/ 3055956 h 6858000"/>
+              <a:gd name="connsiteX82" fmla="*/ 455013 w 5734864"/>
+              <a:gd name="connsiteY82" fmla="*/ 3094482 h 6858000"/>
+              <a:gd name="connsiteX83" fmla="*/ 428391 w 5734864"/>
+              <a:gd name="connsiteY83" fmla="*/ 3198850 h 6858000"/>
+              <a:gd name="connsiteX84" fmla="*/ 401440 w 5734864"/>
+              <a:gd name="connsiteY84" fmla="*/ 3307560 h 6858000"/>
+              <a:gd name="connsiteX85" fmla="*/ 386076 w 5734864"/>
+              <a:gd name="connsiteY85" fmla="*/ 3373943 h 6858000"/>
+              <a:gd name="connsiteX86" fmla="*/ 374726 w 5734864"/>
+              <a:gd name="connsiteY86" fmla="*/ 3381364 h 6858000"/>
+              <a:gd name="connsiteX87" fmla="*/ 369145 w 5734864"/>
+              <a:gd name="connsiteY87" fmla="*/ 3383729 h 6858000"/>
+              <a:gd name="connsiteX88" fmla="*/ 364294 w 5734864"/>
+              <a:gd name="connsiteY88" fmla="*/ 3414159 h 6858000"/>
+              <a:gd name="connsiteX89" fmla="*/ 366450 w 5734864"/>
+              <a:gd name="connsiteY89" fmla="*/ 3436925 h 6858000"/>
+              <a:gd name="connsiteX90" fmla="*/ 351743 w 5734864"/>
+              <a:gd name="connsiteY90" fmla="*/ 3521619 h 6858000"/>
+              <a:gd name="connsiteX91" fmla="*/ 345784 w 5734864"/>
+              <a:gd name="connsiteY91" fmla="*/ 3603757 h 6858000"/>
+              <a:gd name="connsiteX92" fmla="*/ 344198 w 5734864"/>
+              <a:gd name="connsiteY92" fmla="*/ 3652424 h 6858000"/>
+              <a:gd name="connsiteX93" fmla="*/ 352450 w 5734864"/>
+              <a:gd name="connsiteY93" fmla="*/ 3665222 h 6858000"/>
+              <a:gd name="connsiteX94" fmla="*/ 342621 w 5734864"/>
+              <a:gd name="connsiteY94" fmla="*/ 3700804 h 6858000"/>
+              <a:gd name="connsiteX95" fmla="*/ 341514 w 5734864"/>
+              <a:gd name="connsiteY95" fmla="*/ 3734774 h 6858000"/>
+              <a:gd name="connsiteX96" fmla="*/ 340607 w 5734864"/>
+              <a:gd name="connsiteY96" fmla="*/ 3785153 h 6858000"/>
+              <a:gd name="connsiteX97" fmla="*/ 340707 w 5734864"/>
+              <a:gd name="connsiteY97" fmla="*/ 3788177 h 6858000"/>
+              <a:gd name="connsiteX98" fmla="*/ 340361 w 5734864"/>
+              <a:gd name="connsiteY98" fmla="*/ 3798803 h 6858000"/>
+              <a:gd name="connsiteX99" fmla="*/ 339642 w 5734864"/>
+              <a:gd name="connsiteY99" fmla="*/ 3838750 h 6858000"/>
+              <a:gd name="connsiteX100" fmla="*/ 360295 w 5734864"/>
+              <a:gd name="connsiteY100" fmla="*/ 4015196 h 6858000"/>
+              <a:gd name="connsiteX101" fmla="*/ 339043 w 5734864"/>
+              <a:gd name="connsiteY101" fmla="*/ 4052778 h 6858000"/>
+              <a:gd name="connsiteX102" fmla="*/ 339343 w 5734864"/>
+              <a:gd name="connsiteY102" fmla="*/ 4096257 h 6858000"/>
+              <a:gd name="connsiteX103" fmla="*/ 340786 w 5734864"/>
+              <a:gd name="connsiteY103" fmla="*/ 4321136 h 6858000"/>
+              <a:gd name="connsiteX104" fmla="*/ 343158 w 5734864"/>
+              <a:gd name="connsiteY104" fmla="*/ 4429174 h 6858000"/>
+              <a:gd name="connsiteX105" fmla="*/ 334599 w 5734864"/>
+              <a:gd name="connsiteY105" fmla="*/ 4449938 h 6858000"/>
+              <a:gd name="connsiteX106" fmla="*/ 332890 w 5734864"/>
+              <a:gd name="connsiteY106" fmla="*/ 4453515 h 6858000"/>
+              <a:gd name="connsiteX107" fmla="*/ 331105 w 5734864"/>
+              <a:gd name="connsiteY107" fmla="*/ 4467941 h 6858000"/>
+              <a:gd name="connsiteX108" fmla="*/ 324289 w 5734864"/>
+              <a:gd name="connsiteY108" fmla="*/ 4471861 h 6858000"/>
+              <a:gd name="connsiteX109" fmla="*/ 317079 w 5734864"/>
+              <a:gd name="connsiteY109" fmla="*/ 4493468 h 6858000"/>
+              <a:gd name="connsiteX110" fmla="*/ 315557 w 5734864"/>
+              <a:gd name="connsiteY110" fmla="*/ 4520067 h 6858000"/>
+              <a:gd name="connsiteX111" fmla="*/ 315240 w 5734864"/>
+              <a:gd name="connsiteY111" fmla="*/ 4536872 h 6858000"/>
+              <a:gd name="connsiteX112" fmla="*/ 316200 w 5734864"/>
+              <a:gd name="connsiteY112" fmla="*/ 4538297 h 6858000"/>
+              <a:gd name="connsiteX113" fmla="*/ 317507 w 5734864"/>
+              <a:gd name="connsiteY113" fmla="*/ 4547582 h 6858000"/>
+              <a:gd name="connsiteX114" fmla="*/ 323078 w 5734864"/>
+              <a:gd name="connsiteY114" fmla="*/ 4592102 h 6858000"/>
+              <a:gd name="connsiteX115" fmla="*/ 328722 w 5734864"/>
+              <a:gd name="connsiteY115" fmla="*/ 4667914 h 6858000"/>
+              <a:gd name="connsiteX116" fmla="*/ 335597 w 5734864"/>
+              <a:gd name="connsiteY116" fmla="*/ 4695035 h 6858000"/>
+              <a:gd name="connsiteX117" fmla="*/ 339485 w 5734864"/>
+              <a:gd name="connsiteY117" fmla="*/ 4695979 h 6858000"/>
+              <a:gd name="connsiteX118" fmla="*/ 341089 w 5734864"/>
+              <a:gd name="connsiteY118" fmla="*/ 4704268 h 6858000"/>
+              <a:gd name="connsiteX119" fmla="*/ 342177 w 5734864"/>
+              <a:gd name="connsiteY119" fmla="*/ 4706060 h 6858000"/>
+              <a:gd name="connsiteX120" fmla="*/ 347751 w 5734864"/>
+              <a:gd name="connsiteY120" fmla="*/ 4716754 h 6858000"/>
+              <a:gd name="connsiteX121" fmla="*/ 344125 w 5734864"/>
+              <a:gd name="connsiteY121" fmla="*/ 4764669 h 6858000"/>
+              <a:gd name="connsiteX122" fmla="*/ 340188 w 5734864"/>
+              <a:gd name="connsiteY122" fmla="*/ 4779386 h 6858000"/>
+              <a:gd name="connsiteX123" fmla="*/ 335146 w 5734864"/>
+              <a:gd name="connsiteY123" fmla="*/ 4787491 h 6858000"/>
+              <a:gd name="connsiteX124" fmla="*/ 319124 w 5734864"/>
+              <a:gd name="connsiteY124" fmla="*/ 4843514 h 6858000"/>
+              <a:gd name="connsiteX125" fmla="*/ 305956 w 5734864"/>
+              <a:gd name="connsiteY125" fmla="*/ 4881505 h 6858000"/>
+              <a:gd name="connsiteX126" fmla="*/ 301062 w 5734864"/>
+              <a:gd name="connsiteY126" fmla="*/ 4889332 h 6858000"/>
+              <a:gd name="connsiteX127" fmla="*/ 302141 w 5734864"/>
+              <a:gd name="connsiteY127" fmla="*/ 4899400 h 6858000"/>
+              <a:gd name="connsiteX128" fmla="*/ 304424 w 5734864"/>
+              <a:gd name="connsiteY128" fmla="*/ 4902664 h 6858000"/>
+              <a:gd name="connsiteX129" fmla="*/ 293123 w 5734864"/>
+              <a:gd name="connsiteY129" fmla="*/ 4932769 h 6858000"/>
+              <a:gd name="connsiteX130" fmla="*/ 292275 w 5734864"/>
+              <a:gd name="connsiteY130" fmla="*/ 4936482 h 6858000"/>
+              <a:gd name="connsiteX131" fmla="*/ 288304 w 5734864"/>
+              <a:gd name="connsiteY131" fmla="*/ 4962325 h 6858000"/>
+              <a:gd name="connsiteX132" fmla="*/ 287420 w 5734864"/>
+              <a:gd name="connsiteY132" fmla="*/ 5042193 h 6858000"/>
+              <a:gd name="connsiteX133" fmla="*/ 287020 w 5734864"/>
+              <a:gd name="connsiteY133" fmla="*/ 5065655 h 6858000"/>
+              <a:gd name="connsiteX134" fmla="*/ 288488 w 5734864"/>
+              <a:gd name="connsiteY134" fmla="*/ 5082216 h 6858000"/>
+              <a:gd name="connsiteX135" fmla="*/ 282763 w 5734864"/>
+              <a:gd name="connsiteY135" fmla="*/ 5127114 h 6858000"/>
+              <a:gd name="connsiteX136" fmla="*/ 269316 w 5734864"/>
+              <a:gd name="connsiteY136" fmla="*/ 5202682 h 6858000"/>
+              <a:gd name="connsiteX137" fmla="*/ 269174 w 5734864"/>
+              <a:gd name="connsiteY137" fmla="*/ 5230835 h 6858000"/>
+              <a:gd name="connsiteX138" fmla="*/ 272679 w 5734864"/>
+              <a:gd name="connsiteY138" fmla="*/ 5232660 h 6858000"/>
+              <a:gd name="connsiteX139" fmla="*/ 272160 w 5734864"/>
+              <a:gd name="connsiteY139" fmla="*/ 5241150 h 6858000"/>
+              <a:gd name="connsiteX140" fmla="*/ 272760 w 5734864"/>
+              <a:gd name="connsiteY140" fmla="*/ 5243156 h 6858000"/>
+              <a:gd name="connsiteX141" fmla="*/ 275462 w 5734864"/>
+              <a:gd name="connsiteY141" fmla="*/ 5254919 h 6858000"/>
+              <a:gd name="connsiteX142" fmla="*/ 262897 w 5734864"/>
+              <a:gd name="connsiteY142" fmla="*/ 5286259 h 6858000"/>
+              <a:gd name="connsiteX143" fmla="*/ 252761 w 5734864"/>
+              <a:gd name="connsiteY143" fmla="*/ 5357801 h 6858000"/>
+              <a:gd name="connsiteX144" fmla="*/ 242360 w 5734864"/>
+              <a:gd name="connsiteY144" fmla="*/ 5460080 h 6858000"/>
+              <a:gd name="connsiteX145" fmla="*/ 229880 w 5734864"/>
+              <a:gd name="connsiteY145" fmla="*/ 5539714 h 6858000"/>
+              <a:gd name="connsiteX146" fmla="*/ 204283 w 5734864"/>
+              <a:gd name="connsiteY146" fmla="*/ 5639080 h 6858000"/>
+              <a:gd name="connsiteX147" fmla="*/ 198948 w 5734864"/>
+              <a:gd name="connsiteY147" fmla="*/ 5710958 h 6858000"/>
+              <a:gd name="connsiteX148" fmla="*/ 192367 w 5734864"/>
+              <a:gd name="connsiteY148" fmla="*/ 5719859 h 6858000"/>
+              <a:gd name="connsiteX149" fmla="*/ 188035 w 5734864"/>
+              <a:gd name="connsiteY149" fmla="*/ 5729935 h 6858000"/>
+              <a:gd name="connsiteX150" fmla="*/ 188428 w 5734864"/>
+              <a:gd name="connsiteY150" fmla="*/ 5731182 h 6858000"/>
+              <a:gd name="connsiteX151" fmla="*/ 181635 w 5734864"/>
+              <a:gd name="connsiteY151" fmla="*/ 5753538 h 6858000"/>
+              <a:gd name="connsiteX152" fmla="*/ 169744 w 5734864"/>
+              <a:gd name="connsiteY152" fmla="*/ 5796307 h 6858000"/>
+              <a:gd name="connsiteX153" fmla="*/ 170351 w 5734864"/>
+              <a:gd name="connsiteY153" fmla="*/ 5796644 h 6858000"/>
+              <a:gd name="connsiteX154" fmla="*/ 171559 w 5734864"/>
+              <a:gd name="connsiteY154" fmla="*/ 5803435 h 6858000"/>
+              <a:gd name="connsiteX155" fmla="*/ 172284 w 5734864"/>
+              <a:gd name="connsiteY155" fmla="*/ 5816391 h 6858000"/>
+              <a:gd name="connsiteX156" fmla="*/ 182542 w 5734864"/>
+              <a:gd name="connsiteY156" fmla="*/ 5846382 h 6858000"/>
+              <a:gd name="connsiteX157" fmla="*/ 175877 w 5734864"/>
+              <a:gd name="connsiteY157" fmla="*/ 5871336 h 6858000"/>
+              <a:gd name="connsiteX158" fmla="*/ 174910 w 5734864"/>
+              <a:gd name="connsiteY158" fmla="*/ 5876376 h 6858000"/>
+              <a:gd name="connsiteX159" fmla="*/ 175047 w 5734864"/>
+              <a:gd name="connsiteY159" fmla="*/ 5876483 h 6858000"/>
+              <a:gd name="connsiteX160" fmla="*/ 174335 w 5734864"/>
+              <a:gd name="connsiteY160" fmla="*/ 5881814 h 6858000"/>
+              <a:gd name="connsiteX161" fmla="*/ 171273 w 5734864"/>
+              <a:gd name="connsiteY161" fmla="*/ 5895339 h 6858000"/>
+              <a:gd name="connsiteX162" fmla="*/ 171658 w 5734864"/>
+              <a:gd name="connsiteY162" fmla="*/ 5898749 h 6858000"/>
+              <a:gd name="connsiteX163" fmla="*/ 174658 w 5734864"/>
+              <a:gd name="connsiteY163" fmla="*/ 5919558 h 6858000"/>
+              <a:gd name="connsiteX164" fmla="*/ 169099 w 5734864"/>
+              <a:gd name="connsiteY164" fmla="*/ 5984417 h 6858000"/>
+              <a:gd name="connsiteX165" fmla="*/ 162007 w 5734864"/>
+              <a:gd name="connsiteY165" fmla="*/ 6049043 h 6858000"/>
+              <a:gd name="connsiteX166" fmla="*/ 156875 w 5734864"/>
+              <a:gd name="connsiteY166" fmla="*/ 6114000 h 6858000"/>
+              <a:gd name="connsiteX167" fmla="*/ 165441 w 5734864"/>
+              <a:gd name="connsiteY167" fmla="*/ 6146938 h 6858000"/>
+              <a:gd name="connsiteX168" fmla="*/ 165177 w 5734864"/>
+              <a:gd name="connsiteY168" fmla="*/ 6150658 h 6858000"/>
+              <a:gd name="connsiteX169" fmla="*/ 161772 w 5734864"/>
+              <a:gd name="connsiteY169" fmla="*/ 6160011 h 6858000"/>
+              <a:gd name="connsiteX170" fmla="*/ 160051 w 5734864"/>
+              <a:gd name="connsiteY170" fmla="*/ 6163393 h 6858000"/>
+              <a:gd name="connsiteX171" fmla="*/ 158473 w 5734864"/>
+              <a:gd name="connsiteY171" fmla="*/ 6168628 h 6858000"/>
+              <a:gd name="connsiteX172" fmla="*/ 158573 w 5734864"/>
+              <a:gd name="connsiteY172" fmla="*/ 6168799 h 6858000"/>
+              <a:gd name="connsiteX173" fmla="*/ 146463 w 5734864"/>
+              <a:gd name="connsiteY173" fmla="*/ 6196671 h 6858000"/>
+              <a:gd name="connsiteX174" fmla="*/ 150209 w 5734864"/>
+              <a:gd name="connsiteY174" fmla="*/ 6232365 h 6858000"/>
+              <a:gd name="connsiteX175" fmla="*/ 148544 w 5734864"/>
+              <a:gd name="connsiteY175" fmla="*/ 6246162 h 6858000"/>
+              <a:gd name="connsiteX176" fmla="*/ 148403 w 5734864"/>
+              <a:gd name="connsiteY176" fmla="*/ 6253754 h 6858000"/>
+              <a:gd name="connsiteX177" fmla="*/ 138880 w 5734864"/>
+              <a:gd name="connsiteY177" fmla="*/ 6276449 h 6858000"/>
+              <a:gd name="connsiteX178" fmla="*/ 138683 w 5734864"/>
+              <a:gd name="connsiteY178" fmla="*/ 6279721 h 6858000"/>
+              <a:gd name="connsiteX179" fmla="*/ 130721 w 5734864"/>
+              <a:gd name="connsiteY179" fmla="*/ 6293675 h 6858000"/>
+              <a:gd name="connsiteX180" fmla="*/ 120717 w 5734864"/>
+              <a:gd name="connsiteY180" fmla="*/ 6313967 h 6858000"/>
+              <a:gd name="connsiteX181" fmla="*/ 120841 w 5734864"/>
+              <a:gd name="connsiteY181" fmla="*/ 6315437 h 6858000"/>
+              <a:gd name="connsiteX182" fmla="*/ 115208 w 5734864"/>
+              <a:gd name="connsiteY182" fmla="*/ 6324024 h 6858000"/>
+              <a:gd name="connsiteX183" fmla="*/ 101217 w 5734864"/>
+              <a:gd name="connsiteY183" fmla="*/ 6365923 h 6858000"/>
+              <a:gd name="connsiteX184" fmla="*/ 74946 w 5734864"/>
+              <a:gd name="connsiteY184" fmla="*/ 6556817 h 6858000"/>
+              <a:gd name="connsiteX185" fmla="*/ 16001 w 5734864"/>
+              <a:gd name="connsiteY185" fmla="*/ 6808678 h 6858000"/>
+              <a:gd name="connsiteX186" fmla="*/ 0 w 5734864"/>
+              <a:gd name="connsiteY186" fmla="*/ 6858000 h 6858000"/>
+              <a:gd name="connsiteX187" fmla="*/ 5734864 w 5734864"/>
+              <a:gd name="connsiteY187" fmla="*/ 6858000 h 6858000"/>
+              <a:gd name="connsiteX188" fmla="*/ 5734864 w 5734864"/>
+              <a:gd name="connsiteY188" fmla="*/ 0 h 6858000"/>
+              <a:gd name="connsiteX0" fmla="*/ 5734864 w 5734864"/>
+              <a:gd name="connsiteY0" fmla="*/ 0 h 6858000"/>
+              <a:gd name="connsiteX1" fmla="*/ 771611 w 5734864"/>
+              <a:gd name="connsiteY1" fmla="*/ 0 h 6858000"/>
+              <a:gd name="connsiteX2" fmla="*/ 771679 w 5734864"/>
+              <a:gd name="connsiteY2" fmla="*/ 49108 h 6858000"/>
+              <a:gd name="connsiteX3" fmla="*/ 794248 w 5734864"/>
+              <a:gd name="connsiteY3" fmla="*/ 200968 h 6858000"/>
+              <a:gd name="connsiteX4" fmla="*/ 801749 w 5734864"/>
+              <a:gd name="connsiteY4" fmla="*/ 414071 h 6858000"/>
+              <a:gd name="connsiteX5" fmla="*/ 818548 w 5734864"/>
+              <a:gd name="connsiteY5" fmla="*/ 585467 h 6858000"/>
+              <a:gd name="connsiteX6" fmla="*/ 857476 w 5734864"/>
+              <a:gd name="connsiteY6" fmla="*/ 800623 h 6858000"/>
+              <a:gd name="connsiteX7" fmla="*/ 851083 w 5734864"/>
+              <a:gd name="connsiteY7" fmla="*/ 878903 h 6858000"/>
+              <a:gd name="connsiteX8" fmla="*/ 873564 w 5734864"/>
+              <a:gd name="connsiteY8" fmla="*/ 943826 h 6858000"/>
+              <a:gd name="connsiteX9" fmla="*/ 864705 w 5734864"/>
+              <a:gd name="connsiteY9" fmla="*/ 973328 h 6858000"/>
+              <a:gd name="connsiteX10" fmla="*/ 862869 w 5734864"/>
+              <a:gd name="connsiteY10" fmla="*/ 978457 h 6858000"/>
+              <a:gd name="connsiteX11" fmla="*/ 862233 w 5734864"/>
+              <a:gd name="connsiteY11" fmla="*/ 998041 h 6858000"/>
+              <a:gd name="connsiteX12" fmla="*/ 853665 w 5734864"/>
+              <a:gd name="connsiteY12" fmla="*/ 1004750 h 6858000"/>
+              <a:gd name="connsiteX13" fmla="*/ 847865 w 5734864"/>
+              <a:gd name="connsiteY13" fmla="*/ 1070795 h 6858000"/>
+              <a:gd name="connsiteX14" fmla="*/ 862786 w 5734864"/>
+              <a:gd name="connsiteY14" fmla="*/ 1238994 h 6858000"/>
+              <a:gd name="connsiteX15" fmla="*/ 859345 w 5734864"/>
+              <a:gd name="connsiteY15" fmla="*/ 1380427 h 6858000"/>
+              <a:gd name="connsiteX16" fmla="*/ 855172 w 5734864"/>
+              <a:gd name="connsiteY16" fmla="*/ 1435262 h 6858000"/>
+              <a:gd name="connsiteX17" fmla="*/ 860494 w 5734864"/>
+              <a:gd name="connsiteY17" fmla="*/ 1453861 h 6858000"/>
+              <a:gd name="connsiteX18" fmla="*/ 853731 w 5734864"/>
+              <a:gd name="connsiteY18" fmla="*/ 1467047 h 6858000"/>
+              <a:gd name="connsiteX19" fmla="*/ 845847 w 5734864"/>
+              <a:gd name="connsiteY19" fmla="*/ 1502307 h 6858000"/>
+              <a:gd name="connsiteX20" fmla="*/ 817613 w 5734864"/>
+              <a:gd name="connsiteY20" fmla="*/ 1565166 h 6858000"/>
+              <a:gd name="connsiteX21" fmla="*/ 804223 w 5734864"/>
+              <a:gd name="connsiteY21" fmla="*/ 1601941 h 6858000"/>
+              <a:gd name="connsiteX22" fmla="*/ 791773 w 5734864"/>
+              <a:gd name="connsiteY22" fmla="*/ 1627005 h 6858000"/>
+              <a:gd name="connsiteX23" fmla="*/ 774645 w 5734864"/>
+              <a:gd name="connsiteY23" fmla="*/ 1699922 h 6858000"/>
+              <a:gd name="connsiteX24" fmla="*/ 752343 w 5734864"/>
+              <a:gd name="connsiteY24" fmla="*/ 1824604 h 6858000"/>
+              <a:gd name="connsiteX25" fmla="*/ 746254 w 5734864"/>
+              <a:gd name="connsiteY25" fmla="*/ 1850222 h 6858000"/>
+              <a:gd name="connsiteX26" fmla="*/ 728600 w 5734864"/>
+              <a:gd name="connsiteY26" fmla="*/ 1869603 h 6858000"/>
+              <a:gd name="connsiteX27" fmla="*/ 724396 w 5734864"/>
+              <a:gd name="connsiteY27" fmla="*/ 1883104 h 6858000"/>
+              <a:gd name="connsiteX28" fmla="*/ 722165 w 5734864"/>
+              <a:gd name="connsiteY28" fmla="*/ 1885924 h 6858000"/>
+              <a:gd name="connsiteX29" fmla="*/ 721338 w 5734864"/>
+              <a:gd name="connsiteY29" fmla="*/ 1887123 h 6858000"/>
+              <a:gd name="connsiteX30" fmla="*/ 714840 w 5734864"/>
+              <a:gd name="connsiteY30" fmla="*/ 1902274 h 6858000"/>
+              <a:gd name="connsiteX31" fmla="*/ 722847 w 5734864"/>
+              <a:gd name="connsiteY31" fmla="*/ 1929891 h 6858000"/>
+              <a:gd name="connsiteX32" fmla="*/ 714660 w 5734864"/>
+              <a:gd name="connsiteY32" fmla="*/ 1982709 h 6858000"/>
+              <a:gd name="connsiteX33" fmla="*/ 710759 w 5734864"/>
+              <a:gd name="connsiteY33" fmla="*/ 2013010 h 6858000"/>
+              <a:gd name="connsiteX34" fmla="*/ 697927 w 5734864"/>
+              <a:gd name="connsiteY34" fmla="*/ 2069833 h 6858000"/>
+              <a:gd name="connsiteX35" fmla="*/ 693594 w 5734864"/>
+              <a:gd name="connsiteY35" fmla="*/ 2103731 h 6858000"/>
+              <a:gd name="connsiteX36" fmla="*/ 691109 w 5734864"/>
+              <a:gd name="connsiteY36" fmla="*/ 2124027 h 6858000"/>
+              <a:gd name="connsiteX37" fmla="*/ 676593 w 5734864"/>
+              <a:gd name="connsiteY37" fmla="*/ 2176182 h 6858000"/>
+              <a:gd name="connsiteX38" fmla="*/ 633227 w 5734864"/>
+              <a:gd name="connsiteY38" fmla="*/ 2258036 h 6858000"/>
+              <a:gd name="connsiteX39" fmla="*/ 625564 w 5734864"/>
+              <a:gd name="connsiteY39" fmla="*/ 2284567 h 6858000"/>
+              <a:gd name="connsiteX40" fmla="*/ 627074 w 5734864"/>
+              <a:gd name="connsiteY40" fmla="*/ 2289605 h 6858000"/>
+              <a:gd name="connsiteX41" fmla="*/ 614574 w 5734864"/>
+              <a:gd name="connsiteY41" fmla="*/ 2308717 h 6858000"/>
+              <a:gd name="connsiteX42" fmla="*/ 606890 w 5734864"/>
+              <a:gd name="connsiteY42" fmla="*/ 2320662 h 6858000"/>
+              <a:gd name="connsiteX43" fmla="*/ 605558 w 5734864"/>
+              <a:gd name="connsiteY43" fmla="*/ 2327897 h 6858000"/>
+              <a:gd name="connsiteX44" fmla="*/ 602202 w 5734864"/>
+              <a:gd name="connsiteY44" fmla="*/ 2357749 h 6858000"/>
+              <a:gd name="connsiteX45" fmla="*/ 600213 w 5734864"/>
+              <a:gd name="connsiteY45" fmla="*/ 2364905 h 6858000"/>
+              <a:gd name="connsiteX46" fmla="*/ 597160 w 5734864"/>
+              <a:gd name="connsiteY46" fmla="*/ 2388351 h 6858000"/>
+              <a:gd name="connsiteX47" fmla="*/ 597982 w 5734864"/>
+              <a:gd name="connsiteY47" fmla="*/ 2402296 h 6858000"/>
+              <a:gd name="connsiteX48" fmla="*/ 593150 w 5734864"/>
+              <a:gd name="connsiteY48" fmla="*/ 2420015 h 6858000"/>
+              <a:gd name="connsiteX49" fmla="*/ 592833 w 5734864"/>
+              <a:gd name="connsiteY49" fmla="*/ 2422749 h 6858000"/>
+              <a:gd name="connsiteX50" fmla="*/ 594479 w 5734864"/>
+              <a:gd name="connsiteY50" fmla="*/ 2426002 h 6858000"/>
+              <a:gd name="connsiteX51" fmla="*/ 591963 w 5734864"/>
+              <a:gd name="connsiteY51" fmla="*/ 2431950 h 6858000"/>
+              <a:gd name="connsiteX52" fmla="*/ 591544 w 5734864"/>
+              <a:gd name="connsiteY52" fmla="*/ 2433897 h 6858000"/>
+              <a:gd name="connsiteX53" fmla="*/ 589519 w 5734864"/>
+              <a:gd name="connsiteY53" fmla="*/ 2451398 h 6858000"/>
+              <a:gd name="connsiteX54" fmla="*/ 590037 w 5734864"/>
+              <a:gd name="connsiteY54" fmla="*/ 2455536 h 6858000"/>
+              <a:gd name="connsiteX55" fmla="*/ 588179 w 5734864"/>
+              <a:gd name="connsiteY55" fmla="*/ 2462981 h 6858000"/>
+              <a:gd name="connsiteX56" fmla="*/ 583434 w 5734864"/>
+              <a:gd name="connsiteY56" fmla="*/ 2503991 h 6858000"/>
+              <a:gd name="connsiteX57" fmla="*/ 567942 w 5734864"/>
+              <a:gd name="connsiteY57" fmla="*/ 2652936 h 6858000"/>
+              <a:gd name="connsiteX58" fmla="*/ 573869 w 5734864"/>
+              <a:gd name="connsiteY58" fmla="*/ 2670188 h 6858000"/>
+              <a:gd name="connsiteX59" fmla="*/ 575243 w 5734864"/>
+              <a:gd name="connsiteY59" fmla="*/ 2688114 h 6858000"/>
+              <a:gd name="connsiteX60" fmla="*/ 573824 w 5734864"/>
+              <a:gd name="connsiteY60" fmla="*/ 2689856 h 6858000"/>
+              <a:gd name="connsiteX61" fmla="*/ 570699 w 5734864"/>
+              <a:gd name="connsiteY61" fmla="*/ 2709353 h 6858000"/>
+              <a:gd name="connsiteX62" fmla="*/ 573192 w 5734864"/>
+              <a:gd name="connsiteY62" fmla="*/ 2714527 h 6858000"/>
+              <a:gd name="connsiteX63" fmla="*/ 572044 w 5734864"/>
+              <a:gd name="connsiteY63" fmla="*/ 2728187 h 6858000"/>
+              <a:gd name="connsiteX64" fmla="*/ 572465 w 5734864"/>
+              <a:gd name="connsiteY64" fmla="*/ 2755863 h 6858000"/>
+              <a:gd name="connsiteX65" fmla="*/ 570028 w 5734864"/>
+              <a:gd name="connsiteY65" fmla="*/ 2760324 h 6858000"/>
+              <a:gd name="connsiteX66" fmla="*/ 566748 w 5734864"/>
+              <a:gd name="connsiteY66" fmla="*/ 2800948 h 6858000"/>
+              <a:gd name="connsiteX67" fmla="*/ 565509 w 5734864"/>
+              <a:gd name="connsiteY67" fmla="*/ 2801167 h 6858000"/>
+              <a:gd name="connsiteX68" fmla="*/ 559367 w 5734864"/>
+              <a:gd name="connsiteY68" fmla="*/ 2811129 h 6858000"/>
+              <a:gd name="connsiteX69" fmla="*/ 550354 w 5734864"/>
+              <a:gd name="connsiteY69" fmla="*/ 2830949 h 6858000"/>
+              <a:gd name="connsiteX70" fmla="*/ 514795 w 5734864"/>
+              <a:gd name="connsiteY70" fmla="*/ 2872433 h 6858000"/>
+              <a:gd name="connsiteX71" fmla="*/ 509875 w 5734864"/>
+              <a:gd name="connsiteY71" fmla="*/ 2923099 h 6858000"/>
+              <a:gd name="connsiteX72" fmla="*/ 509577 w 5734864"/>
+              <a:gd name="connsiteY72" fmla="*/ 2923197 h 6858000"/>
+              <a:gd name="connsiteX73" fmla="*/ 507597 w 5734864"/>
+              <a:gd name="connsiteY73" fmla="*/ 2931868 h 6858000"/>
+              <a:gd name="connsiteX74" fmla="*/ 507379 w 5734864"/>
+              <a:gd name="connsiteY74" fmla="*/ 2938322 h 6858000"/>
+              <a:gd name="connsiteX75" fmla="*/ 504725 w 5734864"/>
+              <a:gd name="connsiteY75" fmla="*/ 2954519 h 6858000"/>
+              <a:gd name="connsiteX76" fmla="*/ 502018 w 5734864"/>
+              <a:gd name="connsiteY76" fmla="*/ 2959643 h 6858000"/>
+              <a:gd name="connsiteX77" fmla="*/ 498360 w 5734864"/>
+              <a:gd name="connsiteY77" fmla="*/ 2961019 h 6858000"/>
+              <a:gd name="connsiteX78" fmla="*/ 498483 w 5734864"/>
+              <a:gd name="connsiteY78" fmla="*/ 2962590 h 6858000"/>
+              <a:gd name="connsiteX79" fmla="*/ 484403 w 5734864"/>
+              <a:gd name="connsiteY79" fmla="*/ 2990538 h 6858000"/>
+              <a:gd name="connsiteX80" fmla="*/ 463075 w 5734864"/>
+              <a:gd name="connsiteY80" fmla="*/ 3055956 h 6858000"/>
+              <a:gd name="connsiteX81" fmla="*/ 455013 w 5734864"/>
+              <a:gd name="connsiteY81" fmla="*/ 3094482 h 6858000"/>
+              <a:gd name="connsiteX82" fmla="*/ 428391 w 5734864"/>
+              <a:gd name="connsiteY82" fmla="*/ 3198850 h 6858000"/>
+              <a:gd name="connsiteX83" fmla="*/ 401440 w 5734864"/>
+              <a:gd name="connsiteY83" fmla="*/ 3307560 h 6858000"/>
+              <a:gd name="connsiteX84" fmla="*/ 386076 w 5734864"/>
+              <a:gd name="connsiteY84" fmla="*/ 3373943 h 6858000"/>
+              <a:gd name="connsiteX85" fmla="*/ 374726 w 5734864"/>
+              <a:gd name="connsiteY85" fmla="*/ 3381364 h 6858000"/>
+              <a:gd name="connsiteX86" fmla="*/ 369145 w 5734864"/>
+              <a:gd name="connsiteY86" fmla="*/ 3383729 h 6858000"/>
+              <a:gd name="connsiteX87" fmla="*/ 364294 w 5734864"/>
+              <a:gd name="connsiteY87" fmla="*/ 3414159 h 6858000"/>
+              <a:gd name="connsiteX88" fmla="*/ 366450 w 5734864"/>
+              <a:gd name="connsiteY88" fmla="*/ 3436925 h 6858000"/>
+              <a:gd name="connsiteX89" fmla="*/ 351743 w 5734864"/>
+              <a:gd name="connsiteY89" fmla="*/ 3521619 h 6858000"/>
+              <a:gd name="connsiteX90" fmla="*/ 345784 w 5734864"/>
+              <a:gd name="connsiteY90" fmla="*/ 3603757 h 6858000"/>
+              <a:gd name="connsiteX91" fmla="*/ 344198 w 5734864"/>
+              <a:gd name="connsiteY91" fmla="*/ 3652424 h 6858000"/>
+              <a:gd name="connsiteX92" fmla="*/ 352450 w 5734864"/>
+              <a:gd name="connsiteY92" fmla="*/ 3665222 h 6858000"/>
+              <a:gd name="connsiteX93" fmla="*/ 342621 w 5734864"/>
+              <a:gd name="connsiteY93" fmla="*/ 3700804 h 6858000"/>
+              <a:gd name="connsiteX94" fmla="*/ 341514 w 5734864"/>
+              <a:gd name="connsiteY94" fmla="*/ 3734774 h 6858000"/>
+              <a:gd name="connsiteX95" fmla="*/ 340607 w 5734864"/>
+              <a:gd name="connsiteY95" fmla="*/ 3785153 h 6858000"/>
+              <a:gd name="connsiteX96" fmla="*/ 340707 w 5734864"/>
+              <a:gd name="connsiteY96" fmla="*/ 3788177 h 6858000"/>
+              <a:gd name="connsiteX97" fmla="*/ 340361 w 5734864"/>
+              <a:gd name="connsiteY97" fmla="*/ 3798803 h 6858000"/>
+              <a:gd name="connsiteX98" fmla="*/ 339642 w 5734864"/>
+              <a:gd name="connsiteY98" fmla="*/ 3838750 h 6858000"/>
+              <a:gd name="connsiteX99" fmla="*/ 360295 w 5734864"/>
+              <a:gd name="connsiteY99" fmla="*/ 4015196 h 6858000"/>
+              <a:gd name="connsiteX100" fmla="*/ 339043 w 5734864"/>
+              <a:gd name="connsiteY100" fmla="*/ 4052778 h 6858000"/>
+              <a:gd name="connsiteX101" fmla="*/ 339343 w 5734864"/>
+              <a:gd name="connsiteY101" fmla="*/ 4096257 h 6858000"/>
+              <a:gd name="connsiteX102" fmla="*/ 340786 w 5734864"/>
+              <a:gd name="connsiteY102" fmla="*/ 4321136 h 6858000"/>
+              <a:gd name="connsiteX103" fmla="*/ 343158 w 5734864"/>
+              <a:gd name="connsiteY103" fmla="*/ 4429174 h 6858000"/>
+              <a:gd name="connsiteX104" fmla="*/ 334599 w 5734864"/>
+              <a:gd name="connsiteY104" fmla="*/ 4449938 h 6858000"/>
+              <a:gd name="connsiteX105" fmla="*/ 332890 w 5734864"/>
+              <a:gd name="connsiteY105" fmla="*/ 4453515 h 6858000"/>
+              <a:gd name="connsiteX106" fmla="*/ 331105 w 5734864"/>
+              <a:gd name="connsiteY106" fmla="*/ 4467941 h 6858000"/>
+              <a:gd name="connsiteX107" fmla="*/ 324289 w 5734864"/>
+              <a:gd name="connsiteY107" fmla="*/ 4471861 h 6858000"/>
+              <a:gd name="connsiteX108" fmla="*/ 317079 w 5734864"/>
+              <a:gd name="connsiteY108" fmla="*/ 4493468 h 6858000"/>
+              <a:gd name="connsiteX109" fmla="*/ 315557 w 5734864"/>
+              <a:gd name="connsiteY109" fmla="*/ 4520067 h 6858000"/>
+              <a:gd name="connsiteX110" fmla="*/ 315240 w 5734864"/>
+              <a:gd name="connsiteY110" fmla="*/ 4536872 h 6858000"/>
+              <a:gd name="connsiteX111" fmla="*/ 316200 w 5734864"/>
+              <a:gd name="connsiteY111" fmla="*/ 4538297 h 6858000"/>
+              <a:gd name="connsiteX112" fmla="*/ 317507 w 5734864"/>
+              <a:gd name="connsiteY112" fmla="*/ 4547582 h 6858000"/>
+              <a:gd name="connsiteX113" fmla="*/ 323078 w 5734864"/>
+              <a:gd name="connsiteY113" fmla="*/ 4592102 h 6858000"/>
+              <a:gd name="connsiteX114" fmla="*/ 328722 w 5734864"/>
+              <a:gd name="connsiteY114" fmla="*/ 4667914 h 6858000"/>
+              <a:gd name="connsiteX115" fmla="*/ 335597 w 5734864"/>
+              <a:gd name="connsiteY115" fmla="*/ 4695035 h 6858000"/>
+              <a:gd name="connsiteX116" fmla="*/ 339485 w 5734864"/>
+              <a:gd name="connsiteY116" fmla="*/ 4695979 h 6858000"/>
+              <a:gd name="connsiteX117" fmla="*/ 341089 w 5734864"/>
+              <a:gd name="connsiteY117" fmla="*/ 4704268 h 6858000"/>
+              <a:gd name="connsiteX118" fmla="*/ 342177 w 5734864"/>
+              <a:gd name="connsiteY118" fmla="*/ 4706060 h 6858000"/>
+              <a:gd name="connsiteX119" fmla="*/ 347751 w 5734864"/>
+              <a:gd name="connsiteY119" fmla="*/ 4716754 h 6858000"/>
+              <a:gd name="connsiteX120" fmla="*/ 344125 w 5734864"/>
+              <a:gd name="connsiteY120" fmla="*/ 4764669 h 6858000"/>
+              <a:gd name="connsiteX121" fmla="*/ 340188 w 5734864"/>
+              <a:gd name="connsiteY121" fmla="*/ 4779386 h 6858000"/>
+              <a:gd name="connsiteX122" fmla="*/ 335146 w 5734864"/>
+              <a:gd name="connsiteY122" fmla="*/ 4787491 h 6858000"/>
+              <a:gd name="connsiteX123" fmla="*/ 319124 w 5734864"/>
+              <a:gd name="connsiteY123" fmla="*/ 4843514 h 6858000"/>
+              <a:gd name="connsiteX124" fmla="*/ 305956 w 5734864"/>
+              <a:gd name="connsiteY124" fmla="*/ 4881505 h 6858000"/>
+              <a:gd name="connsiteX125" fmla="*/ 301062 w 5734864"/>
+              <a:gd name="connsiteY125" fmla="*/ 4889332 h 6858000"/>
+              <a:gd name="connsiteX126" fmla="*/ 302141 w 5734864"/>
+              <a:gd name="connsiteY126" fmla="*/ 4899400 h 6858000"/>
+              <a:gd name="connsiteX127" fmla="*/ 304424 w 5734864"/>
+              <a:gd name="connsiteY127" fmla="*/ 4902664 h 6858000"/>
+              <a:gd name="connsiteX128" fmla="*/ 293123 w 5734864"/>
+              <a:gd name="connsiteY128" fmla="*/ 4932769 h 6858000"/>
+              <a:gd name="connsiteX129" fmla="*/ 292275 w 5734864"/>
+              <a:gd name="connsiteY129" fmla="*/ 4936482 h 6858000"/>
+              <a:gd name="connsiteX130" fmla="*/ 288304 w 5734864"/>
+              <a:gd name="connsiteY130" fmla="*/ 4962325 h 6858000"/>
+              <a:gd name="connsiteX131" fmla="*/ 287420 w 5734864"/>
+              <a:gd name="connsiteY131" fmla="*/ 5042193 h 6858000"/>
+              <a:gd name="connsiteX132" fmla="*/ 287020 w 5734864"/>
+              <a:gd name="connsiteY132" fmla="*/ 5065655 h 6858000"/>
+              <a:gd name="connsiteX133" fmla="*/ 288488 w 5734864"/>
+              <a:gd name="connsiteY133" fmla="*/ 5082216 h 6858000"/>
+              <a:gd name="connsiteX134" fmla="*/ 282763 w 5734864"/>
+              <a:gd name="connsiteY134" fmla="*/ 5127114 h 6858000"/>
+              <a:gd name="connsiteX135" fmla="*/ 269316 w 5734864"/>
+              <a:gd name="connsiteY135" fmla="*/ 5202682 h 6858000"/>
+              <a:gd name="connsiteX136" fmla="*/ 269174 w 5734864"/>
+              <a:gd name="connsiteY136" fmla="*/ 5230835 h 6858000"/>
+              <a:gd name="connsiteX137" fmla="*/ 272679 w 5734864"/>
+              <a:gd name="connsiteY137" fmla="*/ 5232660 h 6858000"/>
+              <a:gd name="connsiteX138" fmla="*/ 272160 w 5734864"/>
+              <a:gd name="connsiteY138" fmla="*/ 5241150 h 6858000"/>
+              <a:gd name="connsiteX139" fmla="*/ 272760 w 5734864"/>
+              <a:gd name="connsiteY139" fmla="*/ 5243156 h 6858000"/>
+              <a:gd name="connsiteX140" fmla="*/ 275462 w 5734864"/>
+              <a:gd name="connsiteY140" fmla="*/ 5254919 h 6858000"/>
+              <a:gd name="connsiteX141" fmla="*/ 262897 w 5734864"/>
+              <a:gd name="connsiteY141" fmla="*/ 5286259 h 6858000"/>
+              <a:gd name="connsiteX142" fmla="*/ 252761 w 5734864"/>
+              <a:gd name="connsiteY142" fmla="*/ 5357801 h 6858000"/>
+              <a:gd name="connsiteX143" fmla="*/ 242360 w 5734864"/>
+              <a:gd name="connsiteY143" fmla="*/ 5460080 h 6858000"/>
+              <a:gd name="connsiteX144" fmla="*/ 229880 w 5734864"/>
+              <a:gd name="connsiteY144" fmla="*/ 5539714 h 6858000"/>
+              <a:gd name="connsiteX145" fmla="*/ 204283 w 5734864"/>
+              <a:gd name="connsiteY145" fmla="*/ 5639080 h 6858000"/>
+              <a:gd name="connsiteX146" fmla="*/ 198948 w 5734864"/>
+              <a:gd name="connsiteY146" fmla="*/ 5710958 h 6858000"/>
+              <a:gd name="connsiteX147" fmla="*/ 192367 w 5734864"/>
+              <a:gd name="connsiteY147" fmla="*/ 5719859 h 6858000"/>
+              <a:gd name="connsiteX148" fmla="*/ 188035 w 5734864"/>
+              <a:gd name="connsiteY148" fmla="*/ 5729935 h 6858000"/>
+              <a:gd name="connsiteX149" fmla="*/ 188428 w 5734864"/>
+              <a:gd name="connsiteY149" fmla="*/ 5731182 h 6858000"/>
+              <a:gd name="connsiteX150" fmla="*/ 181635 w 5734864"/>
+              <a:gd name="connsiteY150" fmla="*/ 5753538 h 6858000"/>
+              <a:gd name="connsiteX151" fmla="*/ 169744 w 5734864"/>
+              <a:gd name="connsiteY151" fmla="*/ 5796307 h 6858000"/>
+              <a:gd name="connsiteX152" fmla="*/ 170351 w 5734864"/>
+              <a:gd name="connsiteY152" fmla="*/ 5796644 h 6858000"/>
+              <a:gd name="connsiteX153" fmla="*/ 171559 w 5734864"/>
+              <a:gd name="connsiteY153" fmla="*/ 5803435 h 6858000"/>
+              <a:gd name="connsiteX154" fmla="*/ 172284 w 5734864"/>
+              <a:gd name="connsiteY154" fmla="*/ 5816391 h 6858000"/>
+              <a:gd name="connsiteX155" fmla="*/ 182542 w 5734864"/>
+              <a:gd name="connsiteY155" fmla="*/ 5846382 h 6858000"/>
+              <a:gd name="connsiteX156" fmla="*/ 175877 w 5734864"/>
+              <a:gd name="connsiteY156" fmla="*/ 5871336 h 6858000"/>
+              <a:gd name="connsiteX157" fmla="*/ 174910 w 5734864"/>
+              <a:gd name="connsiteY157" fmla="*/ 5876376 h 6858000"/>
+              <a:gd name="connsiteX158" fmla="*/ 175047 w 5734864"/>
+              <a:gd name="connsiteY158" fmla="*/ 5876483 h 6858000"/>
+              <a:gd name="connsiteX159" fmla="*/ 174335 w 5734864"/>
+              <a:gd name="connsiteY159" fmla="*/ 5881814 h 6858000"/>
+              <a:gd name="connsiteX160" fmla="*/ 171273 w 5734864"/>
+              <a:gd name="connsiteY160" fmla="*/ 5895339 h 6858000"/>
+              <a:gd name="connsiteX161" fmla="*/ 171658 w 5734864"/>
+              <a:gd name="connsiteY161" fmla="*/ 5898749 h 6858000"/>
+              <a:gd name="connsiteX162" fmla="*/ 174658 w 5734864"/>
+              <a:gd name="connsiteY162" fmla="*/ 5919558 h 6858000"/>
+              <a:gd name="connsiteX163" fmla="*/ 169099 w 5734864"/>
+              <a:gd name="connsiteY163" fmla="*/ 5984417 h 6858000"/>
+              <a:gd name="connsiteX164" fmla="*/ 162007 w 5734864"/>
+              <a:gd name="connsiteY164" fmla="*/ 6049043 h 6858000"/>
+              <a:gd name="connsiteX165" fmla="*/ 156875 w 5734864"/>
+              <a:gd name="connsiteY165" fmla="*/ 6114000 h 6858000"/>
+              <a:gd name="connsiteX166" fmla="*/ 165441 w 5734864"/>
+              <a:gd name="connsiteY166" fmla="*/ 6146938 h 6858000"/>
+              <a:gd name="connsiteX167" fmla="*/ 165177 w 5734864"/>
+              <a:gd name="connsiteY167" fmla="*/ 6150658 h 6858000"/>
+              <a:gd name="connsiteX168" fmla="*/ 161772 w 5734864"/>
+              <a:gd name="connsiteY168" fmla="*/ 6160011 h 6858000"/>
+              <a:gd name="connsiteX169" fmla="*/ 160051 w 5734864"/>
+              <a:gd name="connsiteY169" fmla="*/ 6163393 h 6858000"/>
+              <a:gd name="connsiteX170" fmla="*/ 158473 w 5734864"/>
+              <a:gd name="connsiteY170" fmla="*/ 6168628 h 6858000"/>
+              <a:gd name="connsiteX171" fmla="*/ 158573 w 5734864"/>
+              <a:gd name="connsiteY171" fmla="*/ 6168799 h 6858000"/>
+              <a:gd name="connsiteX172" fmla="*/ 146463 w 5734864"/>
+              <a:gd name="connsiteY172" fmla="*/ 6196671 h 6858000"/>
+              <a:gd name="connsiteX173" fmla="*/ 150209 w 5734864"/>
+              <a:gd name="connsiteY173" fmla="*/ 6232365 h 6858000"/>
+              <a:gd name="connsiteX174" fmla="*/ 148544 w 5734864"/>
+              <a:gd name="connsiteY174" fmla="*/ 6246162 h 6858000"/>
+              <a:gd name="connsiteX175" fmla="*/ 148403 w 5734864"/>
+              <a:gd name="connsiteY175" fmla="*/ 6253754 h 6858000"/>
+              <a:gd name="connsiteX176" fmla="*/ 138880 w 5734864"/>
+              <a:gd name="connsiteY176" fmla="*/ 6276449 h 6858000"/>
+              <a:gd name="connsiteX177" fmla="*/ 138683 w 5734864"/>
+              <a:gd name="connsiteY177" fmla="*/ 6279721 h 6858000"/>
+              <a:gd name="connsiteX178" fmla="*/ 130721 w 5734864"/>
+              <a:gd name="connsiteY178" fmla="*/ 6293675 h 6858000"/>
+              <a:gd name="connsiteX179" fmla="*/ 120717 w 5734864"/>
+              <a:gd name="connsiteY179" fmla="*/ 6313967 h 6858000"/>
+              <a:gd name="connsiteX180" fmla="*/ 120841 w 5734864"/>
+              <a:gd name="connsiteY180" fmla="*/ 6315437 h 6858000"/>
+              <a:gd name="connsiteX181" fmla="*/ 115208 w 5734864"/>
+              <a:gd name="connsiteY181" fmla="*/ 6324024 h 6858000"/>
+              <a:gd name="connsiteX182" fmla="*/ 101217 w 5734864"/>
+              <a:gd name="connsiteY182" fmla="*/ 6365923 h 6858000"/>
+              <a:gd name="connsiteX183" fmla="*/ 74946 w 5734864"/>
+              <a:gd name="connsiteY183" fmla="*/ 6556817 h 6858000"/>
+              <a:gd name="connsiteX184" fmla="*/ 16001 w 5734864"/>
+              <a:gd name="connsiteY184" fmla="*/ 6808678 h 6858000"/>
+              <a:gd name="connsiteX185" fmla="*/ 0 w 5734864"/>
+              <a:gd name="connsiteY185" fmla="*/ 6858000 h 6858000"/>
+              <a:gd name="connsiteX186" fmla="*/ 5734864 w 5734864"/>
+              <a:gd name="connsiteY186" fmla="*/ 6858000 h 6858000"/>
+              <a:gd name="connsiteX187" fmla="*/ 5734864 w 5734864"/>
+              <a:gd name="connsiteY187" fmla="*/ 0 h 6858000"/>
+            </a:gdLst>
+            <a:ahLst/>
+            <a:cxnLst>
+              <a:cxn ang="0">
+                <a:pos x="connsiteX0" y="connsiteY0"/>
+              </a:cxn>
+              <a:cxn ang="0">
+                <a:pos x="connsiteX1" y="connsiteY1"/>
+              </a:cxn>
+              <a:cxn ang="0">
+                <a:pos x="connsiteX2" y="connsiteY2"/>
+              </a:cxn>
+              <a:cxn ang="0">
+                <a:pos x="connsiteX3" y="connsiteY3"/>
+              </a:cxn>
+              <a:cxn ang="0">
+                <a:pos x="connsiteX4" y="connsiteY4"/>
+              </a:cxn>
+              <a:cxn ang="0">
+                <a:pos x="connsiteX5" y="connsiteY5"/>
+              </a:cxn>
+              <a:cxn ang="0">
+                <a:pos x="connsiteX6" y="connsiteY6"/>
+              </a:cxn>
+              <a:cxn ang="0">
+                <a:pos x="connsiteX7" y="connsiteY7"/>
+              </a:cxn>
+              <a:cxn ang="0">
+                <a:pos x="connsiteX8" y="connsiteY8"/>
+              </a:cxn>
+              <a:cxn ang="0">
+                <a:pos x="connsiteX9" y="connsiteY9"/>
+              </a:cxn>
+              <a:cxn ang="0">
+                <a:pos x="connsiteX10" y="connsiteY10"/>
+              </a:cxn>
+              <a:cxn ang="0">
+                <a:pos x="connsiteX11" y="connsiteY11"/>
+              </a:cxn>
+              <a:cxn ang="0">
+                <a:pos x="connsiteX12" y="connsiteY12"/>
+              </a:cxn>
+              <a:cxn ang="0">
+                <a:pos x="connsiteX13" y="connsiteY13"/>
+              </a:cxn>
+              <a:cxn ang="0">
+                <a:pos x="connsiteX14" y="connsiteY14"/>
+              </a:cxn>
+              <a:cxn ang="0">
+                <a:pos x="connsiteX15" y="connsiteY15"/>
+              </a:cxn>
+              <a:cxn ang="0">
+                <a:pos x="connsiteX16" y="connsiteY16"/>
+              </a:cxn>
+              <a:cxn ang="0">
+                <a:pos x="connsiteX17" y="connsiteY17"/>
+              </a:cxn>
+              <a:cxn ang="0">
+                <a:pos x="connsiteX18" y="connsiteY18"/>
+              </a:cxn>
+              <a:cxn ang="0">
+                <a:pos x="connsiteX19" y="connsiteY19"/>
+              </a:cxn>
+              <a:cxn ang="0">
+                <a:pos x="connsiteX20" y="connsiteY20"/>
+              </a:cxn>
+              <a:cxn ang="0">
+                <a:pos x="connsiteX21" y="connsiteY21"/>
+              </a:cxn>
+              <a:cxn ang="0">
+                <a:pos x="connsiteX22" y="connsiteY22"/>
+              </a:cxn>
+              <a:cxn ang="0">
+                <a:pos x="connsiteX23" y="connsiteY23"/>
+              </a:cxn>
+              <a:cxn ang="0">
+                <a:pos x="connsiteX24" y="connsiteY24"/>
+              </a:cxn>
+              <a:cxn ang="0">
+                <a:pos x="connsiteX25" y="connsiteY25"/>
+              </a:cxn>
+              <a:cxn ang="0">
+                <a:pos x="connsiteX26" y="connsiteY26"/>
+              </a:cxn>
+              <a:cxn ang="0">
+                <a:pos x="connsiteX27" y="connsiteY27"/>
+              </a:cxn>
+              <a:cxn ang="0">
+                <a:pos x="connsiteX28" y="connsiteY28"/>
+              </a:cxn>
+              <a:cxn ang="0">
+                <a:pos x="connsiteX29" y="connsiteY29"/>
+              </a:cxn>
+              <a:cxn ang="0">
+                <a:pos x="connsiteX30" y="connsiteY30"/>
+              </a:cxn>
+              <a:cxn ang="0">
+                <a:pos x="connsiteX31" y="connsiteY31"/>
+              </a:cxn>
+              <a:cxn ang="0">
+                <a:pos x="connsiteX32" y="connsiteY32"/>
+              </a:cxn>
+              <a:cxn ang="0">
+                <a:pos x="connsiteX33" y="connsiteY33"/>
+              </a:cxn>
+              <a:cxn ang="0">
+                <a:pos x="connsiteX34" y="connsiteY34"/>
+              </a:cxn>
+              <a:cxn ang="0">
+                <a:pos x="connsiteX35" y="connsiteY35"/>
+              </a:cxn>
+              <a:cxn ang="0">
+                <a:pos x="connsiteX36" y="connsiteY36"/>
+              </a:cxn>
+              <a:cxn ang="0">
+                <a:pos x="connsiteX37" y="connsiteY37"/>
+              </a:cxn>
+              <a:cxn ang="0">
+                <a:pos x="connsiteX38" y="connsiteY38"/>
+              </a:cxn>
+              <a:cxn ang="0">
+                <a:pos x="connsiteX39" y="connsiteY39"/>
+              </a:cxn>
+              <a:cxn ang="0">
+                <a:pos x="connsiteX40" y="connsiteY40"/>
+              </a:cxn>
+              <a:cxn ang="0">
+                <a:pos x="connsiteX41" y="connsiteY41"/>
+              </a:cxn>
+              <a:cxn ang="0">
+                <a:pos x="connsiteX42" y="connsiteY42"/>
+              </a:cxn>
+              <a:cxn ang="0">
+                <a:pos x="connsiteX43" y="connsiteY43"/>
+              </a:cxn>
+              <a:cxn ang="0">
+                <a:pos x="connsiteX44" y="connsiteY44"/>
+              </a:cxn>
+              <a:cxn ang="0">
+                <a:pos x="connsiteX45" y="connsiteY45"/>
+              </a:cxn>
+              <a:cxn ang="0">
+                <a:pos x="connsiteX46" y="connsiteY46"/>
+              </a:cxn>
+              <a:cxn ang="0">
+                <a:pos x="connsiteX47" y="connsiteY47"/>
+              </a:cxn>
+              <a:cxn ang="0">
+                <a:pos x="connsiteX48" y="connsiteY48"/>
+              </a:cxn>
+              <a:cxn ang="0">
+                <a:pos x="connsiteX49" y="connsiteY49"/>
+              </a:cxn>
+              <a:cxn ang="0">
+                <a:pos x="connsiteX50" y="connsiteY50"/>
+              </a:cxn>
+              <a:cxn ang="0">
+                <a:pos x="connsiteX51" y="connsiteY51"/>
+              </a:cxn>
+              <a:cxn ang="0">
+                <a:pos x="connsiteX52" y="connsiteY52"/>
+              </a:cxn>
+              <a:cxn ang="0">
+                <a:pos x="connsiteX53" y="connsiteY53"/>
+              </a:cxn>
+              <a:cxn ang="0">
+                <a:pos x="connsiteX54" y="connsiteY54"/>
+              </a:cxn>
+              <a:cxn ang="0">
+                <a:pos x="connsiteX55" y="connsiteY55"/>
+              </a:cxn>
+              <a:cxn ang="0">
+                <a:pos x="connsiteX56" y="connsiteY56"/>
+              </a:cxn>
+              <a:cxn ang="0">
+                <a:pos x="connsiteX57" y="connsiteY57"/>
+              </a:cxn>
+              <a:cxn ang="0">
+                <a:pos x="connsiteX58" y="connsiteY58"/>
+              </a:cxn>
+              <a:cxn ang="0">
+                <a:pos x="connsiteX59" y="connsiteY59"/>
+              </a:cxn>
+              <a:cxn ang="0">
+                <a:pos x="connsiteX60" y="connsiteY60"/>
+              </a:cxn>
+              <a:cxn ang="0">
+                <a:pos x="connsiteX61" y="connsiteY61"/>
+              </a:cxn>
+              <a:cxn ang="0">
+                <a:pos x="connsiteX62" y="connsiteY62"/>
+              </a:cxn>
+              <a:cxn ang="0">
+                <a:pos x="connsiteX63" y="connsiteY63"/>
+              </a:cxn>
+              <a:cxn ang="0">
+                <a:pos x="connsiteX64" y="connsiteY64"/>
+              </a:cxn>
+              <a:cxn ang="0">
+                <a:pos x="connsiteX65" y="connsiteY65"/>
+              </a:cxn>
+              <a:cxn ang="0">
+                <a:pos x="connsiteX66" y="connsiteY66"/>
+              </a:cxn>
+              <a:cxn ang="0">
+                <a:pos x="connsiteX67" y="connsiteY67"/>
+              </a:cxn>
+              <a:cxn ang="0">
+                <a:pos x="connsiteX68" y="connsiteY68"/>
+              </a:cxn>
+              <a:cxn ang="0">
+                <a:pos x="connsiteX69" y="connsiteY69"/>
+              </a:cxn>
+              <a:cxn ang="0">
+                <a:pos x="connsiteX70" y="connsiteY70"/>
+              </a:cxn>
+              <a:cxn ang="0">
+                <a:pos x="connsiteX71" y="connsiteY71"/>
+              </a:cxn>
+              <a:cxn ang="0">
+                <a:pos x="connsiteX72" y="connsiteY72"/>
+              </a:cxn>
+              <a:cxn ang="0">
+                <a:pos x="connsiteX73" y="connsiteY73"/>
+              </a:cxn>
+              <a:cxn ang="0">
+                <a:pos x="connsiteX74" y="connsiteY74"/>
+              </a:cxn>
+              <a:cxn ang="0">
+                <a:pos x="connsiteX75" y="connsiteY75"/>
+              </a:cxn>
+              <a:cxn ang="0">
+                <a:pos x="connsiteX76" y="connsiteY76"/>
+              </a:cxn>
+              <a:cxn ang="0">
+                <a:pos x="connsiteX77" y="connsiteY77"/>
+              </a:cxn>
+              <a:cxn ang="0">
+                <a:pos x="connsiteX78" y="connsiteY78"/>
+              </a:cxn>
+              <a:cxn ang="0">
+                <a:pos x="connsiteX79" y="connsiteY79"/>
+              </a:cxn>
+              <a:cxn ang="0">
+                <a:pos x="connsiteX80" y="connsiteY80"/>
+              </a:cxn>
+              <a:cxn ang="0">
+                <a:pos x="connsiteX81" y="connsiteY81"/>
+              </a:cxn>
+              <a:cxn ang="0">
+                <a:pos x="connsiteX82" y="connsiteY82"/>
+              </a:cxn>
+              <a:cxn ang="0">
+                <a:pos x="connsiteX83" y="connsiteY83"/>
+              </a:cxn>
+              <a:cxn ang="0">
+                <a:pos x="connsiteX84" y="connsiteY84"/>
+              </a:cxn>
+              <a:cxn ang="0">
+                <a:pos x="connsiteX85" y="connsiteY85"/>
+              </a:cxn>
+              <a:cxn ang="0">
+                <a:pos x="connsiteX86" y="connsiteY86"/>
+              </a:cxn>
+              <a:cxn ang="0">
+                <a:pos x="connsiteX87" y="connsiteY87"/>
+              </a:cxn>
+              <a:cxn ang="0">
+                <a:pos x="connsiteX88" y="connsiteY88"/>
+              </a:cxn>
+              <a:cxn ang="0">
+                <a:pos x="connsiteX89" y="connsiteY89"/>
+              </a:cxn>
+              <a:cxn ang="0">
+                <a:pos x="connsiteX90" y="connsiteY90"/>
+              </a:cxn>
+              <a:cxn ang="0">
+                <a:pos x="connsiteX91" y="connsiteY91"/>
+              </a:cxn>
+              <a:cxn ang="0">
+                <a:pos x="connsiteX92" y="connsiteY92"/>
+              </a:cxn>
+              <a:cxn ang="0">
+                <a:pos x="connsiteX93" y="connsiteY93"/>
+              </a:cxn>
+              <a:cxn ang="0">
+                <a:pos x="connsiteX94" y="connsiteY94"/>
+              </a:cxn>
+              <a:cxn ang="0">
+                <a:pos x="connsiteX95" y="connsiteY95"/>
+              </a:cxn>
+              <a:cxn ang="0">
+                <a:pos x="connsiteX96" y="connsiteY96"/>
+              </a:cxn>
+              <a:cxn ang="0">
+                <a:pos x="connsiteX97" y="connsiteY97"/>
+              </a:cxn>
+              <a:cxn ang="0">
+                <a:pos x="connsiteX98" y="connsiteY98"/>
+              </a:cxn>
+              <a:cxn ang="0">
+                <a:pos x="connsiteX99" y="connsiteY99"/>
+              </a:cxn>
+              <a:cxn ang="0">
+                <a:pos x="connsiteX100" y="connsiteY100"/>
+              </a:cxn>
+              <a:cxn ang="0">
+                <a:pos x="connsiteX101" y="connsiteY101"/>
+              </a:cxn>
+              <a:cxn ang="0">
+                <a:pos x="connsiteX102" y="connsiteY102"/>
+              </a:cxn>
+              <a:cxn ang="0">
+                <a:pos x="connsiteX103" y="connsiteY103"/>
+              </a:cxn>
+              <a:cxn ang="0">
+                <a:pos x="connsiteX104" y="connsiteY104"/>
+              </a:cxn>
+              <a:cxn ang="0">
+                <a:pos x="connsiteX105" y="connsiteY105"/>
+              </a:cxn>
+              <a:cxn ang="0">
+                <a:pos x="connsiteX106" y="connsiteY106"/>
+              </a:cxn>
+              <a:cxn ang="0">
+                <a:pos x="connsiteX107" y="connsiteY107"/>
+              </a:cxn>
+              <a:cxn ang="0">
+                <a:pos x="connsiteX108" y="connsiteY108"/>
+              </a:cxn>
+              <a:cxn ang="0">
+                <a:pos x="connsiteX109" y="connsiteY109"/>
+              </a:cxn>
+              <a:cxn ang="0">
+                <a:pos x="connsiteX110" y="connsiteY110"/>
+              </a:cxn>
+              <a:cxn ang="0">
+                <a:pos x="connsiteX111" y="connsiteY111"/>
+              </a:cxn>
+              <a:cxn ang="0">
+                <a:pos x="connsiteX112" y="connsiteY112"/>
+              </a:cxn>
+              <a:cxn ang="0">
+                <a:pos x="connsiteX113" y="connsiteY113"/>
+              </a:cxn>
+              <a:cxn ang="0">
+                <a:pos x="connsiteX114" y="connsiteY114"/>
+              </a:cxn>
+              <a:cxn ang="0">
+                <a:pos x="connsiteX115" y="connsiteY115"/>
+              </a:cxn>
+              <a:cxn ang="0">
+                <a:pos x="connsiteX116" y="connsiteY116"/>
+              </a:cxn>
+              <a:cxn ang="0">
+                <a:pos x="connsiteX117" y="connsiteY117"/>
+              </a:cxn>
+              <a:cxn ang="0">
+                <a:pos x="connsiteX118" y="connsiteY118"/>
+              </a:cxn>
+              <a:cxn ang="0">
+                <a:pos x="connsiteX119" y="connsiteY119"/>
+              </a:cxn>
+              <a:cxn ang="0">
+                <a:pos x="connsiteX120" y="connsiteY120"/>
+              </a:cxn>
+              <a:cxn ang="0">
+                <a:pos x="connsiteX121" y="connsiteY121"/>
+              </a:cxn>
+              <a:cxn ang="0">
+                <a:pos x="connsiteX122" y="connsiteY122"/>
+              </a:cxn>
+              <a:cxn ang="0">
+                <a:pos x="connsiteX123" y="connsiteY123"/>
+              </a:cxn>
+              <a:cxn ang="0">
+                <a:pos x="connsiteX124" y="connsiteY124"/>
+              </a:cxn>
+              <a:cxn ang="0">
+                <a:pos x="connsiteX125" y="connsiteY125"/>
+              </a:cxn>
+              <a:cxn ang="0">
+                <a:pos x="connsiteX126" y="connsiteY126"/>
+              </a:cxn>
+              <a:cxn ang="0">
+                <a:pos x="connsiteX127" y="connsiteY127"/>
+              </a:cxn>
+              <a:cxn ang="0">
+                <a:pos x="connsiteX128" y="connsiteY128"/>
+              </a:cxn>
+              <a:cxn ang="0">
+                <a:pos x="connsiteX129" y="connsiteY129"/>
+              </a:cxn>
+              <a:cxn ang="0">
+                <a:pos x="connsiteX130" y="connsiteY130"/>
+              </a:cxn>
+              <a:cxn ang="0">
+                <a:pos x="connsiteX131" y="connsiteY131"/>
+              </a:cxn>
+              <a:cxn ang="0">
+                <a:pos x="connsiteX132" y="connsiteY132"/>
+              </a:cxn>
+              <a:cxn ang="0">
+                <a:pos x="connsiteX133" y="connsiteY133"/>
+              </a:cxn>
+              <a:cxn ang="0">
+                <a:pos x="connsiteX134" y="connsiteY134"/>
+              </a:cxn>
+              <a:cxn ang="0">
+                <a:pos x="connsiteX135" y="connsiteY135"/>
+              </a:cxn>
+              <a:cxn ang="0">
+                <a:pos x="connsiteX136" y="connsiteY136"/>
+              </a:cxn>
+              <a:cxn ang="0">
+                <a:pos x="connsiteX137" y="connsiteY137"/>
+              </a:cxn>
+              <a:cxn ang="0">
+                <a:pos x="connsiteX138" y="connsiteY138"/>
+              </a:cxn>
+              <a:cxn ang="0">
+                <a:pos x="connsiteX139" y="connsiteY139"/>
+              </a:cxn>
+              <a:cxn ang="0">
+                <a:pos x="connsiteX140" y="connsiteY140"/>
+              </a:cxn>
+              <a:cxn ang="0">
+                <a:pos x="connsiteX141" y="connsiteY141"/>
+              </a:cxn>
+              <a:cxn ang="0">
+                <a:pos x="connsiteX142" y="connsiteY142"/>
+              </a:cxn>
+              <a:cxn ang="0">
+                <a:pos x="connsiteX143" y="connsiteY143"/>
+              </a:cxn>
+              <a:cxn ang="0">
+                <a:pos x="connsiteX144" y="connsiteY144"/>
+              </a:cxn>
+              <a:cxn ang="0">
+                <a:pos x="connsiteX145" y="connsiteY145"/>
+              </a:cxn>
+              <a:cxn ang="0">
+                <a:pos x="connsiteX146" y="connsiteY146"/>
+              </a:cxn>
+              <a:cxn ang="0">
+                <a:pos x="connsiteX147" y="connsiteY147"/>
+              </a:cxn>
+              <a:cxn ang="0">
+                <a:pos x="connsiteX148" y="connsiteY148"/>
+              </a:cxn>
+              <a:cxn ang="0">
+                <a:pos x="connsiteX149" y="connsiteY149"/>
+              </a:cxn>
+              <a:cxn ang="0">
+                <a:pos x="connsiteX150" y="connsiteY150"/>
+              </a:cxn>
+              <a:cxn ang="0">
+                <a:pos x="connsiteX151" y="connsiteY151"/>
+              </a:cxn>
+              <a:cxn ang="0">
+                <a:pos x="connsiteX152" y="connsiteY152"/>
+              </a:cxn>
+              <a:cxn ang="0">
+                <a:pos x="connsiteX153" y="connsiteY153"/>
+              </a:cxn>
+              <a:cxn ang="0">
+                <a:pos x="connsiteX154" y="connsiteY154"/>
+              </a:cxn>
+              <a:cxn ang="0">
+                <a:pos x="connsiteX155" y="connsiteY155"/>
+              </a:cxn>
+              <a:cxn ang="0">
+                <a:pos x="connsiteX156" y="connsiteY156"/>
+              </a:cxn>
+              <a:cxn ang="0">
+                <a:pos x="connsiteX157" y="connsiteY157"/>
+              </a:cxn>
+              <a:cxn ang="0">
+                <a:pos x="connsiteX158" y="connsiteY158"/>
+              </a:cxn>
+              <a:cxn ang="0">
+                <a:pos x="connsiteX159" y="connsiteY159"/>
+              </a:cxn>
+              <a:cxn ang="0">
+                <a:pos x="connsiteX160" y="connsiteY160"/>
+              </a:cxn>
+              <a:cxn ang="0">
+                <a:pos x="connsiteX161" y="connsiteY161"/>
+              </a:cxn>
+              <a:cxn ang="0">
+                <a:pos x="connsiteX162" y="connsiteY162"/>
+              </a:cxn>
+              <a:cxn ang="0">
+                <a:pos x="connsiteX163" y="connsiteY163"/>
+              </a:cxn>
+              <a:cxn ang="0">
+                <a:pos x="connsiteX164" y="connsiteY164"/>
+              </a:cxn>
+              <a:cxn ang="0">
+                <a:pos x="connsiteX165" y="connsiteY165"/>
+              </a:cxn>
+              <a:cxn ang="0">
+                <a:pos x="connsiteX166" y="connsiteY166"/>
+              </a:cxn>
+              <a:cxn ang="0">
+                <a:pos x="connsiteX167" y="connsiteY167"/>
+              </a:cxn>
+              <a:cxn ang="0">
+                <a:pos x="connsiteX168" y="connsiteY168"/>
+              </a:cxn>
+              <a:cxn ang="0">
+                <a:pos x="connsiteX169" y="connsiteY169"/>
+              </a:cxn>
+              <a:cxn ang="0">
+                <a:pos x="connsiteX170" y="connsiteY170"/>
+              </a:cxn>
+              <a:cxn ang="0">
+                <a:pos x="connsiteX171" y="connsiteY171"/>
+              </a:cxn>
+              <a:cxn ang="0">
+                <a:pos x="connsiteX172" y="connsiteY172"/>
+              </a:cxn>
+              <a:cxn ang="0">
+                <a:pos x="connsiteX173" y="connsiteY173"/>
+              </a:cxn>
+              <a:cxn ang="0">
+                <a:pos x="connsiteX174" y="connsiteY174"/>
+              </a:cxn>
+              <a:cxn ang="0">
+                <a:pos x="connsiteX175" y="connsiteY175"/>
+              </a:cxn>
+              <a:cxn ang="0">
+                <a:pos x="connsiteX176" y="connsiteY176"/>
+              </a:cxn>
+              <a:cxn ang="0">
+                <a:pos x="connsiteX177" y="connsiteY177"/>
+              </a:cxn>
+              <a:cxn ang="0">
+                <a:pos x="connsiteX178" y="connsiteY178"/>
+              </a:cxn>
+              <a:cxn ang="0">
+                <a:pos x="connsiteX179" y="connsiteY179"/>
+              </a:cxn>
+              <a:cxn ang="0">
+                <a:pos x="connsiteX180" y="connsiteY180"/>
+              </a:cxn>
+              <a:cxn ang="0">
+                <a:pos x="connsiteX181" y="connsiteY181"/>
+              </a:cxn>
+              <a:cxn ang="0">
+                <a:pos x="connsiteX182" y="connsiteY182"/>
+              </a:cxn>
+              <a:cxn ang="0">
+                <a:pos x="connsiteX183" y="connsiteY183"/>
+              </a:cxn>
+              <a:cxn ang="0">
+                <a:pos x="connsiteX184" y="connsiteY184"/>
+              </a:cxn>
+              <a:cxn ang="0">
+                <a:pos x="connsiteX185" y="connsiteY185"/>
+              </a:cxn>
+              <a:cxn ang="0">
+                <a:pos x="connsiteX186" y="connsiteY186"/>
+              </a:cxn>
+              <a:cxn ang="0">
+                <a:pos x="connsiteX187" y="connsiteY187"/>
+              </a:cxn>
+            </a:cxnLst>
+            <a:rect l="l" t="t" r="r" b="b"/>
+            <a:pathLst>
+              <a:path w="5734864" h="6858000">
+                <a:moveTo>
+                  <a:pt x="5734864" y="0"/>
+                </a:moveTo>
+                <a:lnTo>
+                  <a:pt x="771611" y="0"/>
+                </a:lnTo>
+                <a:cubicBezTo>
+                  <a:pt x="771634" y="16369"/>
+                  <a:pt x="771656" y="32739"/>
+                  <a:pt x="771679" y="49108"/>
+                </a:cubicBezTo>
+                <a:cubicBezTo>
+                  <a:pt x="775201" y="55622"/>
+                  <a:pt x="788724" y="196721"/>
+                  <a:pt x="794248" y="200968"/>
+                </a:cubicBezTo>
+                <a:lnTo>
+                  <a:pt x="801749" y="414071"/>
+                </a:lnTo>
+                <a:cubicBezTo>
+                  <a:pt x="807329" y="440933"/>
+                  <a:pt x="835107" y="598697"/>
+                  <a:pt x="818548" y="585467"/>
+                </a:cubicBezTo>
+                <a:cubicBezTo>
+                  <a:pt x="856197" y="664140"/>
+                  <a:pt x="837895" y="708473"/>
+                  <a:pt x="857476" y="800623"/>
+                </a:cubicBezTo>
+                <a:cubicBezTo>
+                  <a:pt x="822401" y="857344"/>
+                  <a:pt x="855723" y="824571"/>
+                  <a:pt x="851083" y="878903"/>
+                </a:cubicBezTo>
+                <a:cubicBezTo>
+                  <a:pt x="884811" y="859448"/>
+                  <a:pt x="834648" y="946397"/>
+                  <a:pt x="873564" y="943826"/>
+                </a:cubicBezTo>
+                <a:cubicBezTo>
+                  <a:pt x="871487" y="953795"/>
+                  <a:pt x="868248" y="963533"/>
+                  <a:pt x="864705" y="973328"/>
+                </a:cubicBezTo>
+                <a:lnTo>
+                  <a:pt x="862869" y="978457"/>
+                </a:lnTo>
+                <a:lnTo>
+                  <a:pt x="862233" y="998041"/>
+                </a:lnTo>
+                <a:lnTo>
+                  <a:pt x="853665" y="1004750"/>
+                </a:lnTo>
+                <a:lnTo>
+                  <a:pt x="847865" y="1070795"/>
+                </a:lnTo>
+                <a:cubicBezTo>
+                  <a:pt x="870234" y="1110486"/>
+                  <a:pt x="833172" y="1190441"/>
+                  <a:pt x="862786" y="1238994"/>
+                </a:cubicBezTo>
+                <a:cubicBezTo>
+                  <a:pt x="864699" y="1290599"/>
+                  <a:pt x="860615" y="1347716"/>
+                  <a:pt x="859345" y="1380427"/>
+                </a:cubicBezTo>
+                <a:cubicBezTo>
+                  <a:pt x="845703" y="1396391"/>
+                  <a:pt x="873184" y="1435525"/>
+                  <a:pt x="855172" y="1435262"/>
+                </a:cubicBezTo>
+                <a:lnTo>
+                  <a:pt x="860494" y="1453861"/>
+                </a:lnTo>
+                <a:lnTo>
+                  <a:pt x="853731" y="1467047"/>
+                </a:lnTo>
+                <a:cubicBezTo>
+                  <a:pt x="846549" y="1480528"/>
+                  <a:pt x="841728" y="1491093"/>
+                  <a:pt x="845847" y="1502307"/>
+                </a:cubicBezTo>
+                <a:lnTo>
+                  <a:pt x="817613" y="1565166"/>
+                </a:lnTo>
+                <a:cubicBezTo>
+                  <a:pt x="805468" y="1557258"/>
+                  <a:pt x="816534" y="1596564"/>
+                  <a:pt x="804223" y="1601941"/>
+                </a:cubicBezTo>
+                <a:cubicBezTo>
+                  <a:pt x="794287" y="1604654"/>
+                  <a:pt x="795328" y="1617209"/>
+                  <a:pt x="791773" y="1627005"/>
+                </a:cubicBezTo>
+                <a:cubicBezTo>
+                  <a:pt x="781684" y="1634393"/>
+                  <a:pt x="772978" y="1683187"/>
+                  <a:pt x="774645" y="1699922"/>
+                </a:cubicBezTo>
+                <a:cubicBezTo>
+                  <a:pt x="785341" y="1746767"/>
+                  <a:pt x="744845" y="1787099"/>
+                  <a:pt x="752343" y="1824604"/>
+                </a:cubicBezTo>
+                <a:cubicBezTo>
+                  <a:pt x="751502" y="1834578"/>
+                  <a:pt x="749297" y="1842929"/>
+                  <a:pt x="746254" y="1850222"/>
+                </a:cubicBezTo>
+                <a:lnTo>
+                  <a:pt x="728600" y="1869603"/>
+                </a:lnTo>
+                <a:lnTo>
+                  <a:pt x="724396" y="1883104"/>
+                </a:lnTo>
+                <a:lnTo>
+                  <a:pt x="722165" y="1885924"/>
+                </a:lnTo>
+                <a:lnTo>
+                  <a:pt x="721338" y="1887123"/>
+                </a:lnTo>
+                <a:lnTo>
+                  <a:pt x="714840" y="1902274"/>
+                </a:lnTo>
+                <a:lnTo>
+                  <a:pt x="722847" y="1929891"/>
+                </a:lnTo>
+                <a:lnTo>
+                  <a:pt x="714660" y="1982709"/>
+                </a:lnTo>
+                <a:cubicBezTo>
+                  <a:pt x="727725" y="2006201"/>
+                  <a:pt x="714739" y="1997091"/>
+                  <a:pt x="710759" y="2013010"/>
+                </a:cubicBezTo>
+                <a:cubicBezTo>
+                  <a:pt x="707970" y="2027531"/>
+                  <a:pt x="700788" y="2054714"/>
+                  <a:pt x="697927" y="2069833"/>
+                </a:cubicBezTo>
+                <a:cubicBezTo>
+                  <a:pt x="685211" y="2080229"/>
+                  <a:pt x="698762" y="2088241"/>
+                  <a:pt x="693594" y="2103731"/>
+                </a:cubicBezTo>
+                <a:cubicBezTo>
+                  <a:pt x="688481" y="2110649"/>
+                  <a:pt x="687183" y="2115973"/>
+                  <a:pt x="691109" y="2124027"/>
+                </a:cubicBezTo>
+                <a:cubicBezTo>
+                  <a:pt x="666413" y="2155740"/>
+                  <a:pt x="688031" y="2144874"/>
+                  <a:pt x="676593" y="2176182"/>
+                </a:cubicBezTo>
+                <a:cubicBezTo>
+                  <a:pt x="665190" y="2202944"/>
+                  <a:pt x="656416" y="2233857"/>
+                  <a:pt x="633227" y="2258036"/>
+                </a:cubicBezTo>
+                <a:cubicBezTo>
+                  <a:pt x="626930" y="2262191"/>
+                  <a:pt x="623498" y="2274069"/>
+                  <a:pt x="625564" y="2284567"/>
+                </a:cubicBezTo>
+                <a:cubicBezTo>
+                  <a:pt x="625918" y="2286374"/>
+                  <a:pt x="626427" y="2288071"/>
+                  <a:pt x="627074" y="2289605"/>
+                </a:cubicBezTo>
+                <a:cubicBezTo>
+                  <a:pt x="619029" y="2296628"/>
+                  <a:pt x="616453" y="2303188"/>
+                  <a:pt x="614574" y="2308717"/>
+                </a:cubicBezTo>
+                <a:lnTo>
+                  <a:pt x="606890" y="2320662"/>
+                </a:lnTo>
+                <a:lnTo>
+                  <a:pt x="605558" y="2327897"/>
+                </a:lnTo>
+                <a:lnTo>
+                  <a:pt x="602202" y="2357749"/>
+                </a:lnTo>
+                <a:lnTo>
+                  <a:pt x="600213" y="2364905"/>
+                </a:lnTo>
+                <a:lnTo>
+                  <a:pt x="597160" y="2388351"/>
+                </a:lnTo>
+                <a:lnTo>
+                  <a:pt x="597982" y="2402296"/>
+                </a:lnTo>
+                <a:lnTo>
+                  <a:pt x="593150" y="2420015"/>
+                </a:lnTo>
+                <a:cubicBezTo>
+                  <a:pt x="593044" y="2420926"/>
+                  <a:pt x="592939" y="2421838"/>
+                  <a:pt x="592833" y="2422749"/>
+                </a:cubicBezTo>
+                <a:lnTo>
+                  <a:pt x="594479" y="2426002"/>
+                </a:lnTo>
+                <a:cubicBezTo>
+                  <a:pt x="594168" y="2427683"/>
+                  <a:pt x="593118" y="2429721"/>
+                  <a:pt x="591963" y="2431950"/>
+                </a:cubicBezTo>
+                <a:cubicBezTo>
+                  <a:pt x="591823" y="2432599"/>
+                  <a:pt x="591684" y="2433248"/>
+                  <a:pt x="591544" y="2433897"/>
+                </a:cubicBezTo>
+                <a:lnTo>
+                  <a:pt x="589519" y="2451398"/>
+                </a:lnTo>
+                <a:cubicBezTo>
+                  <a:pt x="589692" y="2452777"/>
+                  <a:pt x="589864" y="2454157"/>
+                  <a:pt x="590037" y="2455536"/>
+                </a:cubicBezTo>
+                <a:lnTo>
+                  <a:pt x="588179" y="2462981"/>
+                </a:lnTo>
+                <a:lnTo>
+                  <a:pt x="583434" y="2503991"/>
+                </a:lnTo>
+                <a:cubicBezTo>
+                  <a:pt x="576530" y="2566058"/>
+                  <a:pt x="570433" y="2625224"/>
+                  <a:pt x="567942" y="2652936"/>
+                </a:cubicBezTo>
+                <a:cubicBezTo>
+                  <a:pt x="570864" y="2658290"/>
+                  <a:pt x="572739" y="2664095"/>
+                  <a:pt x="573869" y="2670188"/>
+                </a:cubicBezTo>
+                <a:lnTo>
+                  <a:pt x="575243" y="2688114"/>
+                </a:lnTo>
+                <a:lnTo>
+                  <a:pt x="573824" y="2689856"/>
+                </a:lnTo>
+                <a:cubicBezTo>
+                  <a:pt x="569972" y="2698471"/>
+                  <a:pt x="569572" y="2704494"/>
+                  <a:pt x="570699" y="2709353"/>
+                </a:cubicBezTo>
+                <a:lnTo>
+                  <a:pt x="573192" y="2714527"/>
+                </a:lnTo>
+                <a:cubicBezTo>
+                  <a:pt x="572809" y="2719080"/>
+                  <a:pt x="572427" y="2723634"/>
+                  <a:pt x="572044" y="2728187"/>
+                </a:cubicBezTo>
+                <a:cubicBezTo>
+                  <a:pt x="572184" y="2737412"/>
+                  <a:pt x="572325" y="2746638"/>
+                  <a:pt x="572465" y="2755863"/>
+                </a:cubicBezTo>
+                <a:lnTo>
+                  <a:pt x="570028" y="2760324"/>
+                </a:lnTo>
+                <a:lnTo>
+                  <a:pt x="566748" y="2800948"/>
+                </a:lnTo>
+                <a:lnTo>
+                  <a:pt x="565509" y="2801167"/>
+                </a:lnTo>
+                <a:cubicBezTo>
+                  <a:pt x="562655" y="2802587"/>
+                  <a:pt x="560408" y="2805381"/>
+                  <a:pt x="559367" y="2811129"/>
+                </a:cubicBezTo>
+                <a:cubicBezTo>
+                  <a:pt x="543471" y="2797318"/>
+                  <a:pt x="552020" y="2812773"/>
+                  <a:pt x="550354" y="2830949"/>
+                </a:cubicBezTo>
+                <a:cubicBezTo>
+                  <a:pt x="525292" y="2813553"/>
+                  <a:pt x="531129" y="2868192"/>
+                  <a:pt x="514795" y="2872433"/>
+                </a:cubicBezTo>
+                <a:lnTo>
+                  <a:pt x="509875" y="2923099"/>
+                </a:lnTo>
+                <a:lnTo>
+                  <a:pt x="509577" y="2923197"/>
+                </a:lnTo>
+                <a:cubicBezTo>
+                  <a:pt x="508704" y="2924865"/>
+                  <a:pt x="508038" y="2927556"/>
+                  <a:pt x="507597" y="2931868"/>
+                </a:cubicBezTo>
+                <a:cubicBezTo>
+                  <a:pt x="507524" y="2934019"/>
+                  <a:pt x="507452" y="2936171"/>
+                  <a:pt x="507379" y="2938322"/>
+                </a:cubicBezTo>
+                <a:lnTo>
+                  <a:pt x="504725" y="2954519"/>
+                </a:lnTo>
+                <a:lnTo>
+                  <a:pt x="502018" y="2959643"/>
+                </a:lnTo>
+                <a:lnTo>
+                  <a:pt x="498360" y="2961019"/>
+                </a:lnTo>
+                <a:lnTo>
+                  <a:pt x="498483" y="2962590"/>
+                </a:lnTo>
+                <a:cubicBezTo>
+                  <a:pt x="502388" y="2975027"/>
+                  <a:pt x="510202" y="2980016"/>
+                  <a:pt x="484403" y="2990538"/>
+                </a:cubicBezTo>
+                <a:cubicBezTo>
+                  <a:pt x="489425" y="3018352"/>
+                  <a:pt x="474337" y="3021029"/>
+                  <a:pt x="463075" y="3055956"/>
+                </a:cubicBezTo>
+                <a:cubicBezTo>
+                  <a:pt x="469487" y="3072485"/>
+                  <a:pt x="464165" y="3083955"/>
+                  <a:pt x="455013" y="3094482"/>
+                </a:cubicBezTo>
+                <a:cubicBezTo>
+                  <a:pt x="453131" y="3130054"/>
+                  <a:pt x="437643" y="3160106"/>
+                  <a:pt x="428391" y="3198850"/>
+                </a:cubicBezTo>
+                <a:lnTo>
+                  <a:pt x="401440" y="3307560"/>
+                </a:lnTo>
+                <a:lnTo>
+                  <a:pt x="386076" y="3373943"/>
+                </a:lnTo>
+                <a:cubicBezTo>
+                  <a:pt x="386236" y="3376061"/>
+                  <a:pt x="380537" y="3378856"/>
+                  <a:pt x="374726" y="3381364"/>
+                </a:cubicBezTo>
+                <a:lnTo>
+                  <a:pt x="369145" y="3383729"/>
+                </a:lnTo>
+                <a:lnTo>
+                  <a:pt x="364294" y="3414159"/>
+                </a:lnTo>
+                <a:lnTo>
+                  <a:pt x="366450" y="3436925"/>
+                </a:lnTo>
+                <a:lnTo>
+                  <a:pt x="351743" y="3521619"/>
+                </a:lnTo>
+                <a:lnTo>
+                  <a:pt x="345784" y="3603757"/>
+                </a:lnTo>
+                <a:cubicBezTo>
+                  <a:pt x="345255" y="3619979"/>
+                  <a:pt x="344727" y="3636202"/>
+                  <a:pt x="344198" y="3652424"/>
+                </a:cubicBezTo>
+                <a:lnTo>
+                  <a:pt x="352450" y="3665222"/>
+                </a:lnTo>
+                <a:lnTo>
+                  <a:pt x="342621" y="3700804"/>
+                </a:lnTo>
+                <a:lnTo>
+                  <a:pt x="341514" y="3734774"/>
+                </a:lnTo>
+                <a:cubicBezTo>
+                  <a:pt x="341212" y="3751567"/>
+                  <a:pt x="340909" y="3768360"/>
+                  <a:pt x="340607" y="3785153"/>
+                </a:cubicBezTo>
+                <a:cubicBezTo>
+                  <a:pt x="340640" y="3786161"/>
+                  <a:pt x="340674" y="3787169"/>
+                  <a:pt x="340707" y="3788177"/>
+                </a:cubicBezTo>
+                <a:cubicBezTo>
+                  <a:pt x="340592" y="3791719"/>
+                  <a:pt x="340476" y="3795261"/>
+                  <a:pt x="340361" y="3798803"/>
+                </a:cubicBezTo>
+                <a:cubicBezTo>
+                  <a:pt x="340121" y="3812119"/>
+                  <a:pt x="339882" y="3825434"/>
+                  <a:pt x="339642" y="3838750"/>
+                </a:cubicBezTo>
+                <a:cubicBezTo>
+                  <a:pt x="337363" y="3949044"/>
+                  <a:pt x="361794" y="3960437"/>
+                  <a:pt x="360295" y="4015196"/>
+                </a:cubicBezTo>
+                <a:lnTo>
+                  <a:pt x="339043" y="4052778"/>
+                </a:lnTo>
+                <a:lnTo>
+                  <a:pt x="339343" y="4096257"/>
+                </a:lnTo>
+                <a:cubicBezTo>
+                  <a:pt x="362058" y="4159145"/>
+                  <a:pt x="332404" y="4250479"/>
+                  <a:pt x="340786" y="4321136"/>
+                </a:cubicBezTo>
+                <a:cubicBezTo>
+                  <a:pt x="341421" y="4376624"/>
+                  <a:pt x="344189" y="4407708"/>
+                  <a:pt x="343158" y="4429174"/>
+                </a:cubicBezTo>
+                <a:cubicBezTo>
+                  <a:pt x="340948" y="4436304"/>
+                  <a:pt x="337887" y="4443121"/>
+                  <a:pt x="334599" y="4449938"/>
+                </a:cubicBezTo>
+                <a:lnTo>
+                  <a:pt x="332890" y="4453515"/>
+                </a:lnTo>
+                <a:lnTo>
+                  <a:pt x="331105" y="4467941"/>
+                </a:lnTo>
+                <a:lnTo>
+                  <a:pt x="324289" y="4471861"/>
+                </a:lnTo>
+                <a:lnTo>
+                  <a:pt x="317079" y="4493468"/>
+                </a:lnTo>
+                <a:cubicBezTo>
+                  <a:pt x="315353" y="4501584"/>
+                  <a:pt x="314639" y="4510343"/>
+                  <a:pt x="315557" y="4520067"/>
+                </a:cubicBezTo>
+                <a:cubicBezTo>
+                  <a:pt x="315451" y="4525669"/>
+                  <a:pt x="315346" y="4531270"/>
+                  <a:pt x="315240" y="4536872"/>
+                </a:cubicBezTo>
+                <a:lnTo>
+                  <a:pt x="316200" y="4538297"/>
+                </a:lnTo>
+                <a:cubicBezTo>
+                  <a:pt x="316738" y="4541182"/>
+                  <a:pt x="316785" y="4544563"/>
+                  <a:pt x="317507" y="4547582"/>
+                </a:cubicBezTo>
+                <a:cubicBezTo>
+                  <a:pt x="322716" y="4552468"/>
+                  <a:pt x="324912" y="4582137"/>
+                  <a:pt x="323078" y="4592102"/>
+                </a:cubicBezTo>
+                <a:cubicBezTo>
+                  <a:pt x="314597" y="4619728"/>
+                  <a:pt x="334923" y="4645745"/>
+                  <a:pt x="328722" y="4667914"/>
+                </a:cubicBezTo>
+                <a:cubicBezTo>
+                  <a:pt x="330810" y="4685069"/>
+                  <a:pt x="333803" y="4690356"/>
+                  <a:pt x="335597" y="4695035"/>
+                </a:cubicBezTo>
+                <a:lnTo>
+                  <a:pt x="339485" y="4695979"/>
+                </a:lnTo>
+                <a:lnTo>
+                  <a:pt x="341089" y="4704268"/>
+                </a:lnTo>
+                <a:lnTo>
+                  <a:pt x="342177" y="4706060"/>
+                </a:lnTo>
+                <a:cubicBezTo>
+                  <a:pt x="344268" y="4709474"/>
+                  <a:pt x="346234" y="4712931"/>
+                  <a:pt x="347751" y="4716754"/>
+                </a:cubicBezTo>
+                <a:lnTo>
+                  <a:pt x="344125" y="4764669"/>
+                </a:lnTo>
+                <a:lnTo>
+                  <a:pt x="340188" y="4779386"/>
+                </a:lnTo>
+                <a:lnTo>
+                  <a:pt x="335146" y="4787491"/>
+                </a:lnTo>
+                <a:lnTo>
+                  <a:pt x="319124" y="4843514"/>
+                </a:lnTo>
+                <a:lnTo>
+                  <a:pt x="305956" y="4881505"/>
+                </a:lnTo>
+                <a:lnTo>
+                  <a:pt x="301062" y="4889332"/>
+                </a:lnTo>
+                <a:lnTo>
+                  <a:pt x="302141" y="4899400"/>
+                </a:lnTo>
+                <a:cubicBezTo>
+                  <a:pt x="302767" y="4900706"/>
+                  <a:pt x="303536" y="4901803"/>
+                  <a:pt x="304424" y="4902664"/>
+                </a:cubicBezTo>
+                <a:lnTo>
+                  <a:pt x="293123" y="4932769"/>
+                </a:lnTo>
+                <a:lnTo>
+                  <a:pt x="292275" y="4936482"/>
+                </a:lnTo>
+                <a:lnTo>
+                  <a:pt x="288304" y="4962325"/>
+                </a:lnTo>
+                <a:cubicBezTo>
+                  <a:pt x="288009" y="4988948"/>
+                  <a:pt x="287715" y="5015570"/>
+                  <a:pt x="287420" y="5042193"/>
+                </a:cubicBezTo>
+                <a:cubicBezTo>
+                  <a:pt x="295373" y="5039737"/>
+                  <a:pt x="281659" y="5060438"/>
+                  <a:pt x="287020" y="5065655"/>
+                </a:cubicBezTo>
+                <a:cubicBezTo>
+                  <a:pt x="291675" y="5068928"/>
+                  <a:pt x="288601" y="5075970"/>
+                  <a:pt x="288488" y="5082216"/>
+                </a:cubicBezTo>
+                <a:cubicBezTo>
+                  <a:pt x="292282" y="5088207"/>
+                  <a:pt x="287008" y="5117775"/>
+                  <a:pt x="282763" y="5127114"/>
+                </a:cubicBezTo>
+                <a:cubicBezTo>
+                  <a:pt x="267723" y="5152218"/>
+                  <a:pt x="280799" y="5182399"/>
+                  <a:pt x="269316" y="5202682"/>
+                </a:cubicBezTo>
+                <a:cubicBezTo>
+                  <a:pt x="267050" y="5219969"/>
+                  <a:pt x="268614" y="5225841"/>
+                  <a:pt x="269174" y="5230835"/>
+                </a:cubicBezTo>
+                <a:lnTo>
+                  <a:pt x="272679" y="5232660"/>
+                </a:lnTo>
+                <a:lnTo>
+                  <a:pt x="272160" y="5241150"/>
+                </a:lnTo>
+                <a:lnTo>
+                  <a:pt x="272760" y="5243156"/>
+                </a:lnTo>
+                <a:cubicBezTo>
+                  <a:pt x="273922" y="5246984"/>
+                  <a:pt x="274952" y="5250824"/>
+                  <a:pt x="275462" y="5254919"/>
+                </a:cubicBezTo>
+                <a:cubicBezTo>
+                  <a:pt x="258407" y="5258851"/>
+                  <a:pt x="276976" y="5290392"/>
+                  <a:pt x="262897" y="5286259"/>
+                </a:cubicBezTo>
+                <a:cubicBezTo>
+                  <a:pt x="262724" y="5309439"/>
+                  <a:pt x="239612" y="5337531"/>
+                  <a:pt x="252761" y="5357801"/>
+                </a:cubicBezTo>
+                <a:cubicBezTo>
+                  <a:pt x="248775" y="5392256"/>
+                  <a:pt x="247799" y="5423412"/>
+                  <a:pt x="242360" y="5460080"/>
+                </a:cubicBezTo>
+                <a:cubicBezTo>
+                  <a:pt x="232632" y="5488478"/>
+                  <a:pt x="242025" y="5519143"/>
+                  <a:pt x="229880" y="5539714"/>
+                </a:cubicBezTo>
+                <a:cubicBezTo>
+                  <a:pt x="230558" y="5572454"/>
+                  <a:pt x="222150" y="5613340"/>
+                  <a:pt x="204283" y="5639080"/>
+                </a:cubicBezTo>
+                <a:cubicBezTo>
+                  <a:pt x="201596" y="5674226"/>
+                  <a:pt x="191051" y="5680198"/>
+                  <a:pt x="198948" y="5710958"/>
+                </a:cubicBezTo>
+                <a:cubicBezTo>
+                  <a:pt x="196338" y="5713534"/>
+                  <a:pt x="194185" y="5716550"/>
+                  <a:pt x="192367" y="5719859"/>
+                </a:cubicBezTo>
+                <a:lnTo>
+                  <a:pt x="188035" y="5729935"/>
+                </a:lnTo>
+                <a:lnTo>
+                  <a:pt x="188428" y="5731182"/>
+                </a:lnTo>
+                <a:lnTo>
+                  <a:pt x="181635" y="5753538"/>
+                </a:lnTo>
+                <a:lnTo>
+                  <a:pt x="169744" y="5796307"/>
+                </a:lnTo>
+                <a:lnTo>
+                  <a:pt x="170351" y="5796644"/>
+                </a:lnTo>
+                <a:cubicBezTo>
+                  <a:pt x="171558" y="5797954"/>
+                  <a:pt x="172173" y="5799948"/>
+                  <a:pt x="171559" y="5803435"/>
+                </a:cubicBezTo>
+                <a:cubicBezTo>
+                  <a:pt x="182664" y="5798231"/>
+                  <a:pt x="175075" y="5805646"/>
+                  <a:pt x="172284" y="5816391"/>
+                </a:cubicBezTo>
+                <a:cubicBezTo>
+                  <a:pt x="188911" y="5810703"/>
+                  <a:pt x="174844" y="5841128"/>
+                  <a:pt x="182542" y="5846382"/>
+                </a:cubicBezTo>
+                <a:cubicBezTo>
+                  <a:pt x="180118" y="5854404"/>
+                  <a:pt x="177856" y="5862781"/>
+                  <a:pt x="175877" y="5871336"/>
+                </a:cubicBezTo>
+                <a:lnTo>
+                  <a:pt x="174910" y="5876376"/>
+                </a:lnTo>
+                <a:lnTo>
+                  <a:pt x="175047" y="5876483"/>
+                </a:lnTo>
+                <a:cubicBezTo>
+                  <a:pt x="175167" y="5877594"/>
+                  <a:pt x="174973" y="5879257"/>
+                  <a:pt x="174335" y="5881814"/>
+                </a:cubicBezTo>
+                <a:lnTo>
+                  <a:pt x="171273" y="5895339"/>
+                </a:lnTo>
+                <a:cubicBezTo>
+                  <a:pt x="171401" y="5896476"/>
+                  <a:pt x="171530" y="5897612"/>
+                  <a:pt x="171658" y="5898749"/>
+                </a:cubicBezTo>
+                <a:lnTo>
+                  <a:pt x="174658" y="5919558"/>
+                </a:lnTo>
+                <a:cubicBezTo>
+                  <a:pt x="173958" y="5933601"/>
+                  <a:pt x="171208" y="5962838"/>
+                  <a:pt x="169099" y="5984417"/>
+                </a:cubicBezTo>
+                <a:cubicBezTo>
+                  <a:pt x="162916" y="6005205"/>
+                  <a:pt x="164971" y="6025162"/>
+                  <a:pt x="162007" y="6049043"/>
+                </a:cubicBezTo>
+                <a:cubicBezTo>
+                  <a:pt x="150795" y="6073830"/>
+                  <a:pt x="160091" y="6088483"/>
+                  <a:pt x="156875" y="6114000"/>
+                </a:cubicBezTo>
+                <a:cubicBezTo>
+                  <a:pt x="141597" y="6134477"/>
+                  <a:pt x="163381" y="6133378"/>
+                  <a:pt x="165441" y="6146938"/>
+                </a:cubicBezTo>
+                <a:lnTo>
+                  <a:pt x="165177" y="6150658"/>
+                </a:lnTo>
+                <a:lnTo>
+                  <a:pt x="161772" y="6160011"/>
+                </a:lnTo>
+                <a:lnTo>
+                  <a:pt x="160051" y="6163393"/>
+                </a:lnTo>
+                <a:cubicBezTo>
+                  <a:pt x="159032" y="6165775"/>
+                  <a:pt x="158564" y="6167421"/>
+                  <a:pt x="158473" y="6168628"/>
+                </a:cubicBezTo>
+                <a:cubicBezTo>
+                  <a:pt x="158506" y="6168685"/>
+                  <a:pt x="158540" y="6168742"/>
+                  <a:pt x="158573" y="6168799"/>
+                </a:cubicBezTo>
+                <a:lnTo>
+                  <a:pt x="146463" y="6196671"/>
+                </a:lnTo>
+                <a:cubicBezTo>
+                  <a:pt x="152348" y="6205503"/>
+                  <a:pt x="134460" y="6231012"/>
+                  <a:pt x="150209" y="6232365"/>
+                </a:cubicBezTo>
+                <a:cubicBezTo>
+                  <a:pt x="145821" y="6242321"/>
+                  <a:pt x="137774" y="6246719"/>
+                  <a:pt x="148544" y="6246162"/>
+                </a:cubicBezTo>
+                <a:cubicBezTo>
+                  <a:pt x="147378" y="6249522"/>
+                  <a:pt x="147566" y="6251866"/>
+                  <a:pt x="148403" y="6253754"/>
+                </a:cubicBezTo>
+                <a:lnTo>
+                  <a:pt x="138880" y="6276449"/>
+                </a:lnTo>
+                <a:cubicBezTo>
+                  <a:pt x="138814" y="6277540"/>
+                  <a:pt x="138749" y="6278630"/>
+                  <a:pt x="138683" y="6279721"/>
+                </a:cubicBezTo>
+                <a:lnTo>
+                  <a:pt x="130721" y="6293675"/>
+                </a:lnTo>
+                <a:lnTo>
+                  <a:pt x="120717" y="6313967"/>
+                </a:lnTo>
+                <a:cubicBezTo>
+                  <a:pt x="120758" y="6314457"/>
+                  <a:pt x="120800" y="6314947"/>
+                  <a:pt x="120841" y="6315437"/>
+                </a:cubicBezTo>
+                <a:lnTo>
+                  <a:pt x="115208" y="6324024"/>
+                </a:lnTo>
+                <a:cubicBezTo>
+                  <a:pt x="113007" y="6326672"/>
+                  <a:pt x="103991" y="6364381"/>
+                  <a:pt x="101217" y="6365923"/>
+                </a:cubicBezTo>
+                <a:lnTo>
+                  <a:pt x="74946" y="6556817"/>
+                </a:lnTo>
+                <a:cubicBezTo>
+                  <a:pt x="55357" y="6665926"/>
+                  <a:pt x="35695" y="6744075"/>
+                  <a:pt x="16001" y="6808678"/>
+                </a:cubicBezTo>
+                <a:lnTo>
+                  <a:pt x="0" y="6858000"/>
+                </a:lnTo>
+                <a:lnTo>
+                  <a:pt x="5734864" y="6858000"/>
+                </a:lnTo>
+                <a:lnTo>
+                  <a:pt x="5734864" y="0"/>
+                </a:lnTo>
+                <a:close/>
+              </a:path>
+            </a:pathLst>
+          </a:custGeom>
+          <a:solidFill>
+            <a:srgbClr val="82766A">
+              <a:alpha val="15000"/>
+            </a:srgbClr>
+          </a:solidFill>
+          <a:ln w="12700" cap="flat" cmpd="sng" algn="ctr">
+            <a:noFill/>
+            <a:prstDash val="solid"/>
+            <a:miter lim="800000"/>
+          </a:ln>
+          <a:effectLst/>
+        </p:spPr>
+        <p:style>
+          <a:lnRef idx="2">
+            <a:schemeClr val="accent1">
+              <a:shade val="50000"/>
+            </a:schemeClr>
+          </a:lnRef>
+          <a:fillRef idx="1">
+            <a:schemeClr val="accent1"/>
+          </a:fillRef>
+          <a:effectRef idx="0">
+            <a:schemeClr val="accent1"/>
+          </a:effectRef>
+          <a:fontRef idx="minor">
+            <a:schemeClr val="lt1"/>
+          </a:fontRef>
+        </p:style>
+        <p:txBody>
+          <a:bodyPr wrap="square" rtlCol="0" anchor="ctr">
+            <a:noAutofit/>
+          </a:bodyPr>
+          <a:lstStyle/>
+          <a:p>
+            <a:pPr algn="ctr"/>
+            <a:endParaRPr lang="en-US"/>
+          </a:p>
+        </p:txBody>
+      </p:sp>
       <p:sp>
         <p:nvSpPr>
           <p:cNvPr id="2" name="Title 1">
             <a:extLst>
               <a:ext uri="{FF2B5EF4-FFF2-40B4-BE49-F238E27FC236}">
-                <a16:creationId xmlns:a16="http://schemas.microsoft.com/office/drawing/2014/main" id="{D3680013-6016-4E50-3359-C4361F037E64}"/>
+                <a16:creationId xmlns:a16="http://schemas.microsoft.com/office/drawing/2014/main" id="{80306C1A-2D18-C941-A270-08ABBF9A0076}"/>
               </a:ext>
             </a:extLst>
           </p:cNvPr>
@@ -4358,24 +7679,39 @@
             <p:ph type="title"/>
           </p:nvPr>
         </p:nvSpPr>
-        <p:spPr/>
+        <p:spPr>
+          <a:xfrm>
+            <a:off x="773408" y="992094"/>
+            <a:ext cx="3616913" cy="2128034"/>
+          </a:xfrm>
+        </p:spPr>
         <p:txBody>
-          <a:bodyPr/>
+          <a:bodyPr vert="horz" lIns="91440" tIns="45720" rIns="91440" bIns="45720" rtlCol="0" anchor="b">
+            <a:normAutofit/>
+          </a:bodyPr>
           <a:lstStyle/>
           <a:p>
-            <a:r>
-              <a:rPr lang="en-GB" dirty="0"/>
-              <a:t>What do I have to do?</a:t>
+            <a:pPr algn="ctr"/>
+            <a:r>
+              <a:rPr lang="en-US" sz="4400" kern="1200" dirty="0">
+                <a:solidFill>
+                  <a:schemeClr val="tx1"/>
+                </a:solidFill>
+                <a:latin typeface="+mj-lt"/>
+                <a:ea typeface="+mj-ea"/>
+                <a:cs typeface="+mj-cs"/>
+              </a:rPr>
+              <a:t>Rabbit holes I ‘investigated’</a:t>
             </a:r>
           </a:p>
         </p:txBody>
       </p:sp>
       <p:sp>
         <p:nvSpPr>
-          <p:cNvPr id="3" name="Content Placeholder 2">
+          <p:cNvPr id="3" name="Text Placeholder 2">
             <a:extLst>
               <a:ext uri="{FF2B5EF4-FFF2-40B4-BE49-F238E27FC236}">
-                <a16:creationId xmlns:a16="http://schemas.microsoft.com/office/drawing/2014/main" id="{25F3CE3C-9680-FF6C-B573-0D64BF180C13}"/>
+                <a16:creationId xmlns:a16="http://schemas.microsoft.com/office/drawing/2014/main" id="{CF95694C-3455-5606-E80D-39B538E550EB}"/>
               </a:ext>
             </a:extLst>
           </p:cNvPr>
@@ -4383,199 +7719,199 @@
             <a:spLocks noGrp="1"/>
           </p:cNvSpPr>
           <p:nvPr>
-            <p:ph sz="half" idx="1"/>
+            <p:ph type="body" idx="1"/>
           </p:nvPr>
         </p:nvSpPr>
         <p:spPr>
           <a:xfrm>
-            <a:off x="838200" y="1825625"/>
-            <a:ext cx="9970008" cy="4351338"/>
+            <a:off x="1019195" y="3737872"/>
+            <a:ext cx="3125337" cy="2128034"/>
           </a:xfrm>
         </p:spPr>
         <p:txBody>
-          <a:bodyPr>
-            <a:normAutofit/>
+          <a:bodyPr vert="horz" lIns="91440" tIns="45720" rIns="91440" bIns="45720" rtlCol="0">
+            <a:noAutofit/>
           </a:bodyPr>
           <a:lstStyle/>
           <a:p>
             <a:r>
-              <a:rPr lang="en-GB" dirty="0"/>
-              <a:t>Pick a challenge to work on.</a:t>
-            </a:r>
-          </a:p>
-          <a:p>
-            <a:r>
-              <a:rPr lang="en-GB" dirty="0"/>
-              <a:t>Find some data.</a:t>
-            </a:r>
-          </a:p>
-          <a:p>
-            <a:r>
-              <a:rPr lang="en-GB" dirty="0"/>
-              <a:t>Explore, validate, clean and structure your data.</a:t>
-            </a:r>
-          </a:p>
-          <a:p>
-            <a:r>
-              <a:rPr lang="en-GB" dirty="0"/>
-              <a:t>Do your analysis.</a:t>
-            </a:r>
-          </a:p>
-          <a:p>
-            <a:r>
-              <a:rPr lang="en-GB" dirty="0"/>
-              <a:t>Create at least one visualisation and some summary text.</a:t>
-            </a:r>
-          </a:p>
-          <a:p>
-            <a:r>
-              <a:rPr lang="en-GB" dirty="0"/>
-              <a:t>Create a short presentation (no more than 5 slides).</a:t>
-            </a:r>
+              <a:rPr lang="en-US" sz="1800" kern="1200" dirty="0">
+                <a:solidFill>
+                  <a:schemeClr val="tx1"/>
+                </a:solidFill>
+                <a:latin typeface="+mn-lt"/>
+                <a:ea typeface="+mn-ea"/>
+                <a:cs typeface="+mn-cs"/>
+              </a:rPr>
+              <a:t>Scripts: Ruby – anystyle.io</a:t>
+            </a:r>
+          </a:p>
+          <a:p>
+            <a:r>
+              <a:rPr lang="en-US" sz="1800" kern="1200" dirty="0">
+                <a:solidFill>
+                  <a:schemeClr val="tx1"/>
+                </a:solidFill>
+                <a:latin typeface="+mn-lt"/>
+                <a:ea typeface="+mn-ea"/>
+                <a:cs typeface="+mn-cs"/>
+              </a:rPr>
+              <a:t>APIs: Openalex.org, </a:t>
+            </a:r>
+            <a:r>
+              <a:rPr lang="en-US" sz="1800" kern="1200" dirty="0" err="1">
+                <a:solidFill>
+                  <a:schemeClr val="tx1"/>
+                </a:solidFill>
+                <a:latin typeface="+mn-lt"/>
+                <a:ea typeface="+mn-ea"/>
+                <a:cs typeface="+mn-cs"/>
+              </a:rPr>
+              <a:t>Semanticscholar</a:t>
+            </a:r>
+            <a:endParaRPr lang="en-US" sz="1800" kern="1200" dirty="0">
+              <a:solidFill>
+                <a:schemeClr val="tx1"/>
+              </a:solidFill>
+              <a:latin typeface="+mn-lt"/>
+              <a:ea typeface="+mn-ea"/>
+              <a:cs typeface="+mn-cs"/>
+            </a:endParaRPr>
+          </a:p>
+          <a:p>
+            <a:r>
+              <a:rPr lang="en-US" sz="1800" kern="1200" dirty="0">
+                <a:solidFill>
+                  <a:schemeClr val="tx1"/>
+                </a:solidFill>
+                <a:latin typeface="+mn-lt"/>
+                <a:ea typeface="+mn-ea"/>
+                <a:cs typeface="+mn-cs"/>
+              </a:rPr>
+              <a:t>Commerce: Connectedpapers.com</a:t>
+            </a:r>
+          </a:p>
+          <a:p>
+            <a:r>
+              <a:rPr lang="en-US" sz="1800" kern="1200" dirty="0">
+                <a:solidFill>
+                  <a:schemeClr val="tx1"/>
+                </a:solidFill>
+                <a:latin typeface="+mn-lt"/>
+                <a:ea typeface="+mn-ea"/>
+                <a:cs typeface="+mn-cs"/>
+              </a:rPr>
+              <a:t>Packages: </a:t>
+            </a:r>
+            <a:r>
+              <a:rPr lang="en-US" sz="1800" kern="1200" dirty="0" err="1">
+                <a:solidFill>
+                  <a:schemeClr val="tx1"/>
+                </a:solidFill>
+                <a:latin typeface="+mn-lt"/>
+                <a:ea typeface="+mn-ea"/>
+                <a:cs typeface="+mn-cs"/>
+              </a:rPr>
+              <a:t>Networkx</a:t>
+            </a:r>
+            <a:r>
+              <a:rPr lang="en-US" sz="1800" kern="1200" dirty="0">
+                <a:solidFill>
+                  <a:schemeClr val="tx1"/>
+                </a:solidFill>
+                <a:latin typeface="+mn-lt"/>
+                <a:ea typeface="+mn-ea"/>
+                <a:cs typeface="+mn-cs"/>
+              </a:rPr>
+              <a:t>, </a:t>
+            </a:r>
+            <a:r>
+              <a:rPr lang="en-US" sz="1800" kern="1200" dirty="0" err="1">
+                <a:solidFill>
+                  <a:schemeClr val="tx1"/>
+                </a:solidFill>
+                <a:latin typeface="+mn-lt"/>
+                <a:ea typeface="+mn-ea"/>
+                <a:cs typeface="+mn-cs"/>
+              </a:rPr>
+              <a:t>Litstudy</a:t>
+            </a:r>
+            <a:endParaRPr lang="en-US" sz="1800" kern="1200" dirty="0">
+              <a:solidFill>
+                <a:schemeClr val="tx1"/>
+              </a:solidFill>
+              <a:latin typeface="+mn-lt"/>
+              <a:ea typeface="+mn-ea"/>
+              <a:cs typeface="+mn-cs"/>
+            </a:endParaRPr>
+          </a:p>
+          <a:p>
+            <a:r>
+              <a:rPr lang="en-US" sz="1800" kern="1200" dirty="0">
+                <a:solidFill>
+                  <a:schemeClr val="tx1"/>
+                </a:solidFill>
+                <a:latin typeface="+mn-lt"/>
+                <a:ea typeface="+mn-ea"/>
+                <a:cs typeface="+mn-cs"/>
+              </a:rPr>
+              <a:t>Teary joy: </a:t>
+            </a:r>
+            <a:r>
+              <a:rPr lang="en-US" sz="1800" kern="1200" dirty="0" err="1">
+                <a:solidFill>
+                  <a:schemeClr val="tx1"/>
+                </a:solidFill>
+                <a:latin typeface="+mn-lt"/>
+                <a:ea typeface="+mn-ea"/>
+                <a:cs typeface="+mn-cs"/>
+              </a:rPr>
+              <a:t>Vosviewer</a:t>
+            </a:r>
+            <a:endParaRPr lang="en-US" sz="1800" kern="1200" dirty="0">
+              <a:solidFill>
+                <a:schemeClr val="tx1"/>
+              </a:solidFill>
+              <a:latin typeface="+mn-lt"/>
+              <a:ea typeface="+mn-ea"/>
+              <a:cs typeface="+mn-cs"/>
+            </a:endParaRPr>
           </a:p>
         </p:txBody>
       </p:sp>
+      <p:pic>
+        <p:nvPicPr>
+          <p:cNvPr id="5" name="Picture 4" descr="A group of people in a cubicle&#10;&#10;AI-generated content may be incorrect.">
+            <a:extLst>
+              <a:ext uri="{FF2B5EF4-FFF2-40B4-BE49-F238E27FC236}">
+                <a16:creationId xmlns:a16="http://schemas.microsoft.com/office/drawing/2014/main" id="{FD0A4AC1-9D4A-EF20-6565-72C573826CA1}"/>
+              </a:ext>
+            </a:extLst>
+          </p:cNvPr>
+          <p:cNvPicPr>
+            <a:picLocks noChangeAspect="1"/>
+          </p:cNvPicPr>
+          <p:nvPr/>
+        </p:nvPicPr>
+        <p:blipFill>
+          <a:blip r:embed="rId2"/>
+          <a:srcRect b="303"/>
+          <a:stretch/>
+        </p:blipFill>
+        <p:spPr>
+          <a:xfrm>
+            <a:off x="5906183" y="578738"/>
+            <a:ext cx="5687784" cy="5670549"/>
+          </a:xfrm>
+          <a:prstGeom prst="rect">
+            <a:avLst/>
+          </a:prstGeom>
+        </p:spPr>
+      </p:pic>
     </p:spTree>
     <p:extLst>
       <p:ext uri="{BB962C8B-B14F-4D97-AF65-F5344CB8AC3E}">
-        <p14:creationId xmlns:p14="http://schemas.microsoft.com/office/powerpoint/2010/main" val="800675438"/>
-      </p:ext>
-    </p:extLst>
-  </p:cSld>
-  <p:clrMapOvr>
-    <a:masterClrMapping/>
-  </p:clrMapOvr>
-</p:sld>
-</file>
-
-<file path=ppt/slides/slide3.xml><?xml version="1.0" encoding="utf-8"?>
-<p:sld xmlns:a="http://schemas.openxmlformats.org/drawingml/2006/main" xmlns:r="http://schemas.openxmlformats.org/officeDocument/2006/relationships" xmlns:p="http://schemas.openxmlformats.org/presentationml/2006/main" show="0">
-  <p:cSld>
-    <p:spTree>
-      <p:nvGrpSpPr>
-        <p:cNvPr id="1" name="">
-          <a:extLst>
-            <a:ext uri="{FF2B5EF4-FFF2-40B4-BE49-F238E27FC236}">
-              <a16:creationId xmlns:a16="http://schemas.microsoft.com/office/drawing/2014/main" id="{7EC3BCDB-0017-38C8-5B72-B7BF5E0F81C6}"/>
-            </a:ext>
-          </a:extLst>
-        </p:cNvPr>
-        <p:cNvGrpSpPr/>
-        <p:nvPr/>
-      </p:nvGrpSpPr>
-      <p:grpSpPr>
-        <a:xfrm>
-          <a:off x="0" y="0"/>
-          <a:ext cx="0" cy="0"/>
-          <a:chOff x="0" y="0"/>
-          <a:chExt cx="0" cy="0"/>
-        </a:xfrm>
-      </p:grpSpPr>
-      <p:sp>
-        <p:nvSpPr>
-          <p:cNvPr id="2" name="Title 1">
-            <a:extLst>
-              <a:ext uri="{FF2B5EF4-FFF2-40B4-BE49-F238E27FC236}">
-                <a16:creationId xmlns:a16="http://schemas.microsoft.com/office/drawing/2014/main" id="{4F27F8AF-F8D3-09DF-2865-321C791F8F4B}"/>
-              </a:ext>
-            </a:extLst>
-          </p:cNvPr>
-          <p:cNvSpPr>
-            <a:spLocks noGrp="1"/>
-          </p:cNvSpPr>
-          <p:nvPr>
-            <p:ph type="title"/>
-          </p:nvPr>
-        </p:nvSpPr>
-        <p:spPr/>
-        <p:txBody>
-          <a:bodyPr/>
-          <a:lstStyle/>
-          <a:p>
-            <a:r>
-              <a:rPr lang="en-GB" dirty="0"/>
-              <a:t>What do I have to do?</a:t>
-            </a:r>
-          </a:p>
-        </p:txBody>
-      </p:sp>
-      <p:sp>
-        <p:nvSpPr>
-          <p:cNvPr id="6" name="Content Placeholder 5">
-            <a:extLst>
-              <a:ext uri="{FF2B5EF4-FFF2-40B4-BE49-F238E27FC236}">
-                <a16:creationId xmlns:a16="http://schemas.microsoft.com/office/drawing/2014/main" id="{77AFBBB5-A58E-A247-609F-2AA92FF129CC}"/>
-              </a:ext>
-            </a:extLst>
-          </p:cNvPr>
-          <p:cNvSpPr>
-            <a:spLocks noGrp="1"/>
-          </p:cNvSpPr>
-          <p:nvPr>
-            <p:ph sz="half" idx="1"/>
-          </p:nvPr>
-        </p:nvSpPr>
-        <p:spPr>
-          <a:xfrm>
-            <a:off x="838199" y="1825625"/>
-            <a:ext cx="8068733" cy="4351338"/>
-          </a:xfrm>
-        </p:spPr>
-        <p:txBody>
-          <a:bodyPr>
-            <a:normAutofit/>
-          </a:bodyPr>
-          <a:lstStyle/>
-          <a:p>
-            <a:r>
-              <a:rPr lang="en-GB" dirty="0"/>
-              <a:t>Tell us:</a:t>
-            </a:r>
-          </a:p>
-          <a:p>
-            <a:pPr lvl="1"/>
-            <a:r>
-              <a:rPr lang="en-GB" sz="2800" dirty="0"/>
-              <a:t>What problem you’re solving.</a:t>
-            </a:r>
-          </a:p>
-          <a:p>
-            <a:pPr lvl="1"/>
-            <a:r>
-              <a:rPr lang="en-GB" sz="2800" dirty="0"/>
-              <a:t>What data you’ve used.</a:t>
-            </a:r>
-          </a:p>
-          <a:p>
-            <a:pPr lvl="1"/>
-            <a:r>
-              <a:rPr lang="en-GB" sz="2800" dirty="0"/>
-              <a:t>What you investigated and why.</a:t>
-            </a:r>
-          </a:p>
-          <a:p>
-            <a:pPr lvl="1"/>
-            <a:r>
-              <a:rPr lang="en-GB" sz="2800" dirty="0"/>
-              <a:t>What you discovered during your analysis.</a:t>
-            </a:r>
-          </a:p>
-          <a:p>
-            <a:pPr lvl="1"/>
-            <a:r>
-              <a:rPr lang="en-GB" sz="2800" dirty="0"/>
-              <a:t>What your summary or conclusion is.</a:t>
-            </a:r>
-          </a:p>
-          <a:p>
-            <a:endParaRPr lang="en-GB" dirty="0"/>
-          </a:p>
-        </p:txBody>
-      </p:sp>
-    </p:spTree>
-    <p:extLst>
-      <p:ext uri="{BB962C8B-B14F-4D97-AF65-F5344CB8AC3E}">
-        <p14:creationId xmlns:p14="http://schemas.microsoft.com/office/powerpoint/2010/main" val="3087913205"/>
+        <p14:creationId xmlns:p14="http://schemas.microsoft.com/office/powerpoint/2010/main" val="2161064156"/>
       </p:ext>
     </p:extLst>
   </p:cSld>
@@ -4586,8 +7922,16 @@
 </file>
 
 <file path=ppt/slides/slide4.xml><?xml version="1.0" encoding="utf-8"?>
-<p:sld xmlns:a="http://schemas.openxmlformats.org/drawingml/2006/main" xmlns:r="http://schemas.openxmlformats.org/officeDocument/2006/relationships" xmlns:p="http://schemas.openxmlformats.org/presentationml/2006/main" show="0">
+<p:sld xmlns:a="http://schemas.openxmlformats.org/drawingml/2006/main" xmlns:r="http://schemas.openxmlformats.org/officeDocument/2006/relationships" xmlns:p="http://schemas.openxmlformats.org/presentationml/2006/main">
   <p:cSld>
+    <p:bg>
+      <p:bgPr>
+        <a:solidFill>
+          <a:schemeClr val="bg2"/>
+        </a:solidFill>
+        <a:effectLst/>
+      </p:bgPr>
+    </p:bg>
     <p:spTree>
       <p:nvGrpSpPr>
         <p:cNvPr id="1" name=""/>
@@ -4602,112 +7946,118 @@
           <a:chExt cx="0" cy="0"/>
         </a:xfrm>
       </p:grpSpPr>
-      <p:sp>
-        <p:nvSpPr>
-          <p:cNvPr id="2" name="Title 1">
+      <p:pic>
+        <p:nvPicPr>
+          <p:cNvPr id="17" name="Picture 16" descr="A close-up of a circular object&#10;&#10;AI-generated content may be incorrect.">
             <a:extLst>
               <a:ext uri="{FF2B5EF4-FFF2-40B4-BE49-F238E27FC236}">
-                <a16:creationId xmlns:a16="http://schemas.microsoft.com/office/drawing/2014/main" id="{2A8BFFF2-C1F2-6F90-7E25-A941C91BB155}"/>
+                <a16:creationId xmlns:a16="http://schemas.microsoft.com/office/drawing/2014/main" id="{0FAC67BA-CF91-D67C-DFE9-BD2C087290FB}"/>
               </a:ext>
             </a:extLst>
           </p:cNvPr>
-          <p:cNvSpPr>
-            <a:spLocks noGrp="1"/>
-          </p:cNvSpPr>
-          <p:nvPr>
-            <p:ph type="title"/>
-          </p:nvPr>
-        </p:nvSpPr>
-        <p:spPr/>
-        <p:txBody>
-          <a:bodyPr/>
-          <a:lstStyle/>
-          <a:p>
-            <a:r>
-              <a:rPr lang="en-GB" dirty="0"/>
-              <a:t>I hate presentations - help!</a:t>
-            </a:r>
-          </a:p>
-        </p:txBody>
-      </p:sp>
-      <p:sp>
-        <p:nvSpPr>
-          <p:cNvPr id="3" name="Content Placeholder 2">
-            <a:extLst>
-              <a:ext uri="{FF2B5EF4-FFF2-40B4-BE49-F238E27FC236}">
-                <a16:creationId xmlns:a16="http://schemas.microsoft.com/office/drawing/2014/main" id="{5C0AA2AC-113F-406D-753B-F0FB79BDDDAD}"/>
-              </a:ext>
-            </a:extLst>
-          </p:cNvPr>
-          <p:cNvSpPr>
-            <a:spLocks noGrp="1"/>
-          </p:cNvSpPr>
-          <p:nvPr>
-            <p:ph sz="half" idx="1"/>
-          </p:nvPr>
-        </p:nvSpPr>
+          <p:cNvPicPr>
+            <a:picLocks noChangeAspect="1"/>
+          </p:cNvPicPr>
+          <p:nvPr/>
+        </p:nvPicPr>
+        <p:blipFill>
+          <a:blip r:embed="rId2">
+            <a:extLst>
+              <a:ext uri="{28A0092B-C50C-407E-A947-70E740481C1C}">
+                <a14:useLocalDpi xmlns:a14="http://schemas.microsoft.com/office/drawing/2010/main" val="0"/>
+              </a:ext>
+            </a:extLst>
+          </a:blip>
+          <a:stretch>
+            <a:fillRect/>
+          </a:stretch>
+        </p:blipFill>
         <p:spPr>
           <a:xfrm>
-            <a:off x="838199" y="1825625"/>
-            <a:ext cx="8068733" cy="4351338"/>
+            <a:off x="0" y="-4843"/>
+            <a:ext cx="12192000" cy="6858000"/>
           </a:xfrm>
+          <a:prstGeom prst="rect">
+            <a:avLst/>
+          </a:prstGeom>
         </p:spPr>
-        <p:txBody>
-          <a:bodyPr/>
-          <a:lstStyle/>
-          <a:p>
-            <a:r>
-              <a:rPr lang="en-GB" dirty="0"/>
-              <a:t>Don’t panic!</a:t>
-            </a:r>
-          </a:p>
-          <a:p>
-            <a:r>
-              <a:rPr lang="en-GB" dirty="0"/>
-              <a:t>The whole audience is on your side.</a:t>
-            </a:r>
-          </a:p>
-          <a:p>
-            <a:r>
-              <a:rPr lang="en-GB" dirty="0"/>
-              <a:t>Treat it as a conversation.</a:t>
-            </a:r>
-          </a:p>
-          <a:p>
-            <a:r>
-              <a:rPr lang="en-GB" dirty="0"/>
-              <a:t>Don’t overload your slides with text.</a:t>
-            </a:r>
-          </a:p>
-          <a:p>
-            <a:r>
-              <a:rPr lang="en-GB" dirty="0"/>
-              <a:t>REMEMBER:</a:t>
-            </a:r>
-          </a:p>
-          <a:p>
-            <a:pPr lvl="1"/>
-            <a:r>
-              <a:rPr lang="en-GB" dirty="0"/>
-              <a:t>What problem are you solving?</a:t>
-            </a:r>
-          </a:p>
-          <a:p>
-            <a:pPr lvl="1"/>
-            <a:r>
-              <a:rPr lang="en-GB" dirty="0"/>
-              <a:t>If you had an answer, what would it look like?</a:t>
-            </a:r>
-          </a:p>
-          <a:p>
-            <a:endParaRPr lang="en-GB" dirty="0"/>
-          </a:p>
-        </p:txBody>
-      </p:sp>
+      </p:pic>
+      <p:pic>
+        <p:nvPicPr>
+          <p:cNvPr id="13" name="Picture 12" descr="A black and blue circular object with blue dots&#10;&#10;AI-generated content may be incorrect.">
+            <a:extLst>
+              <a:ext uri="{FF2B5EF4-FFF2-40B4-BE49-F238E27FC236}">
+                <a16:creationId xmlns:a16="http://schemas.microsoft.com/office/drawing/2014/main" id="{12DBC42D-937E-655A-382E-E8ACCD9DF1AF}"/>
+              </a:ext>
+            </a:extLst>
+          </p:cNvPr>
+          <p:cNvPicPr>
+            <a:picLocks noChangeAspect="1"/>
+          </p:cNvPicPr>
+          <p:nvPr/>
+        </p:nvPicPr>
+        <p:blipFill>
+          <a:blip r:embed="rId3">
+            <a:extLst>
+              <a:ext uri="{28A0092B-C50C-407E-A947-70E740481C1C}">
+                <a14:useLocalDpi xmlns:a14="http://schemas.microsoft.com/office/drawing/2010/main" val="0"/>
+              </a:ext>
+            </a:extLst>
+          </a:blip>
+          <a:stretch>
+            <a:fillRect/>
+          </a:stretch>
+        </p:blipFill>
+        <p:spPr>
+          <a:xfrm>
+            <a:off x="3840889" y="0"/>
+            <a:ext cx="4510222" cy="3433845"/>
+          </a:xfrm>
+          <a:prstGeom prst="rect">
+            <a:avLst/>
+          </a:prstGeom>
+        </p:spPr>
+      </p:pic>
+      <p:pic>
+        <p:nvPicPr>
+          <p:cNvPr id="15" name="Picture 14" descr="A diagram of a graph&#10;&#10;AI-generated content may be incorrect.">
+            <a:extLst>
+              <a:ext uri="{FF2B5EF4-FFF2-40B4-BE49-F238E27FC236}">
+                <a16:creationId xmlns:a16="http://schemas.microsoft.com/office/drawing/2014/main" id="{24E85237-4584-CA27-8CFC-32F123433F12}"/>
+              </a:ext>
+            </a:extLst>
+          </p:cNvPr>
+          <p:cNvPicPr>
+            <a:picLocks noChangeAspect="1"/>
+          </p:cNvPicPr>
+          <p:nvPr/>
+        </p:nvPicPr>
+        <p:blipFill>
+          <a:blip r:embed="rId4">
+            <a:extLst>
+              <a:ext uri="{28A0092B-C50C-407E-A947-70E740481C1C}">
+                <a14:useLocalDpi xmlns:a14="http://schemas.microsoft.com/office/drawing/2010/main" val="0"/>
+              </a:ext>
+            </a:extLst>
+          </a:blip>
+          <a:stretch>
+            <a:fillRect/>
+          </a:stretch>
+        </p:blipFill>
+        <p:spPr>
+          <a:xfrm>
+            <a:off x="6102363" y="3426578"/>
+            <a:ext cx="4497495" cy="3424157"/>
+          </a:xfrm>
+          <a:prstGeom prst="rect">
+            <a:avLst/>
+          </a:prstGeom>
+        </p:spPr>
+      </p:pic>
     </p:spTree>
     <p:extLst>
       <p:ext uri="{BB962C8B-B14F-4D97-AF65-F5344CB8AC3E}">
-        <p14:creationId xmlns:p14="http://schemas.microsoft.com/office/powerpoint/2010/main" val="3974184401"/>
+        <p14:creationId xmlns:p14="http://schemas.microsoft.com/office/powerpoint/2010/main" val="3448502234"/>
       </p:ext>
     </p:extLst>
   </p:cSld>
@@ -4744,10 +8094,38 @@
       </p:grpSpPr>
       <p:sp>
         <p:nvSpPr>
+          <p:cNvPr id="2" name="Title 1">
+            <a:extLst>
+              <a:ext uri="{FF2B5EF4-FFF2-40B4-BE49-F238E27FC236}">
+                <a16:creationId xmlns:a16="http://schemas.microsoft.com/office/drawing/2014/main" id="{7208797E-A21F-2C1A-56F8-EF71A7FECE9C}"/>
+              </a:ext>
+            </a:extLst>
+          </p:cNvPr>
+          <p:cNvSpPr>
+            <a:spLocks noGrp="1"/>
+          </p:cNvSpPr>
+          <p:nvPr>
+            <p:ph type="title"/>
+          </p:nvPr>
+        </p:nvSpPr>
+        <p:spPr/>
+        <p:txBody>
+          <a:bodyPr/>
+          <a:lstStyle/>
+          <a:p>
+            <a:r>
+              <a:rPr lang="en-GB" dirty="0"/>
+              <a:t>This is my summary</a:t>
+            </a:r>
+          </a:p>
+        </p:txBody>
+      </p:sp>
+      <p:sp>
+        <p:nvSpPr>
           <p:cNvPr id="3" name="Text Placeholder 2">
             <a:extLst>
               <a:ext uri="{FF2B5EF4-FFF2-40B4-BE49-F238E27FC236}">
-                <a16:creationId xmlns:a16="http://schemas.microsoft.com/office/drawing/2014/main" id="{63B9A1F7-68F0-4BC9-8B60-F37E40FC3A9F}"/>
+                <a16:creationId xmlns:a16="http://schemas.microsoft.com/office/drawing/2014/main" id="{1066285B-70FD-1CFB-1083-B23680BB3487}"/>
               </a:ext>
             </a:extLst>
           </p:cNvPr>
@@ -4765,189 +8143,17 @@
           <a:p>
             <a:r>
               <a:rPr lang="en-GB" dirty="0"/>
-              <a:t>Are there identifiable features of students’ citation practices that we can use as insights for our teaching?</a:t>
+              <a:t>And here is a nice chart to illustrate it</a:t>
             </a:r>
           </a:p>
         </p:txBody>
       </p:sp>
-      <p:sp>
-        <p:nvSpPr>
-          <p:cNvPr id="4" name="Flowchart: Multidocument 3">
-            <a:extLst>
-              <a:ext uri="{FF2B5EF4-FFF2-40B4-BE49-F238E27FC236}">
-                <a16:creationId xmlns:a16="http://schemas.microsoft.com/office/drawing/2014/main" id="{629A38C7-37A1-9EE2-3D50-3FF14AA23DA5}"/>
-              </a:ext>
-            </a:extLst>
-          </p:cNvPr>
-          <p:cNvSpPr/>
-          <p:nvPr/>
-        </p:nvSpPr>
-        <p:spPr>
-          <a:xfrm>
-            <a:off x="844550" y="1773141"/>
-            <a:ext cx="1289580" cy="758952"/>
-          </a:xfrm>
-          <a:prstGeom prst="flowChartMultidocument">
-            <a:avLst/>
-          </a:prstGeom>
-        </p:spPr>
-        <p:style>
-          <a:lnRef idx="2">
-            <a:schemeClr val="accent1">
-              <a:shade val="15000"/>
-            </a:schemeClr>
-          </a:lnRef>
-          <a:fillRef idx="1">
-            <a:schemeClr val="accent1"/>
-          </a:fillRef>
-          <a:effectRef idx="0">
-            <a:schemeClr val="accent1"/>
-          </a:effectRef>
-          <a:fontRef idx="minor">
-            <a:schemeClr val="lt1"/>
-          </a:fontRef>
-        </p:style>
-        <p:txBody>
-          <a:bodyPr rtlCol="0" anchor="ctr"/>
-          <a:lstStyle/>
-          <a:p>
-            <a:pPr algn="ctr"/>
-            <a:endParaRPr lang="en-GB" dirty="0"/>
-          </a:p>
-        </p:txBody>
-      </p:sp>
-      <p:sp>
-        <p:nvSpPr>
-          <p:cNvPr id="5" name="Lightning Bolt 4">
-            <a:extLst>
-              <a:ext uri="{FF2B5EF4-FFF2-40B4-BE49-F238E27FC236}">
-                <a16:creationId xmlns:a16="http://schemas.microsoft.com/office/drawing/2014/main" id="{7751220D-898E-7807-4816-B856EF280B12}"/>
-              </a:ext>
-            </a:extLst>
-          </p:cNvPr>
-          <p:cNvSpPr/>
-          <p:nvPr/>
-        </p:nvSpPr>
-        <p:spPr>
-          <a:xfrm>
-            <a:off x="10433050" y="1695417"/>
-            <a:ext cx="914400" cy="914400"/>
-          </a:xfrm>
-          <a:prstGeom prst="lightningBolt">
-            <a:avLst/>
-          </a:prstGeom>
-        </p:spPr>
-        <p:style>
-          <a:lnRef idx="2">
-            <a:schemeClr val="accent1">
-              <a:shade val="15000"/>
-            </a:schemeClr>
-          </a:lnRef>
-          <a:fillRef idx="1">
-            <a:schemeClr val="accent1"/>
-          </a:fillRef>
-          <a:effectRef idx="0">
-            <a:schemeClr val="accent1"/>
-          </a:effectRef>
-          <a:fontRef idx="minor">
-            <a:schemeClr val="lt1"/>
-          </a:fontRef>
-        </p:style>
-        <p:txBody>
-          <a:bodyPr rtlCol="0" anchor="ctr"/>
-          <a:lstStyle/>
-          <a:p>
-            <a:pPr algn="ctr"/>
-            <a:endParaRPr lang="en-GB" dirty="0"/>
-          </a:p>
-        </p:txBody>
-      </p:sp>
-      <p:cxnSp>
-        <p:nvCxnSpPr>
-          <p:cNvPr id="8" name="Straight Arrow Connector 7">
-            <a:extLst>
-              <a:ext uri="{FF2B5EF4-FFF2-40B4-BE49-F238E27FC236}">
-                <a16:creationId xmlns:a16="http://schemas.microsoft.com/office/drawing/2014/main" id="{A754E2FB-22EB-289C-EAB9-5E8449377432}"/>
-              </a:ext>
-            </a:extLst>
-          </p:cNvPr>
-          <p:cNvCxnSpPr/>
-          <p:nvPr/>
-        </p:nvCxnSpPr>
-        <p:spPr>
-          <a:xfrm>
-            <a:off x="8051217" y="2117925"/>
-            <a:ext cx="2218414" cy="0"/>
-          </a:xfrm>
-          <a:prstGeom prst="straightConnector1">
-            <a:avLst/>
-          </a:prstGeom>
-          <a:ln>
-            <a:headEnd type="oval"/>
-            <a:tailEnd type="oval"/>
-          </a:ln>
-        </p:spPr>
-        <p:style>
-          <a:lnRef idx="2">
-            <a:schemeClr val="accent1"/>
-          </a:lnRef>
-          <a:fillRef idx="0">
-            <a:schemeClr val="accent1"/>
-          </a:fillRef>
-          <a:effectRef idx="1">
-            <a:schemeClr val="accent1"/>
-          </a:effectRef>
-          <a:fontRef idx="minor">
-            <a:schemeClr val="tx1"/>
-          </a:fontRef>
-        </p:style>
-      </p:cxnSp>
-      <p:cxnSp>
-        <p:nvCxnSpPr>
-          <p:cNvPr id="9" name="Straight Arrow Connector 8">
-            <a:extLst>
-              <a:ext uri="{FF2B5EF4-FFF2-40B4-BE49-F238E27FC236}">
-                <a16:creationId xmlns:a16="http://schemas.microsoft.com/office/drawing/2014/main" id="{C8C4FCC4-CF47-AB5B-BC9F-8D5559F4D4C1}"/>
-              </a:ext>
-            </a:extLst>
-          </p:cNvPr>
-          <p:cNvCxnSpPr/>
-          <p:nvPr/>
-        </p:nvCxnSpPr>
-        <p:spPr>
-          <a:xfrm>
-            <a:off x="2375472" y="2154085"/>
-            <a:ext cx="2218414" cy="0"/>
-          </a:xfrm>
-          <a:prstGeom prst="straightConnector1">
-            <a:avLst/>
-          </a:prstGeom>
-          <a:ln>
-            <a:headEnd type="oval"/>
-            <a:tailEnd type="oval"/>
-          </a:ln>
-        </p:spPr>
-        <p:style>
-          <a:lnRef idx="2">
-            <a:schemeClr val="accent1"/>
-          </a:lnRef>
-          <a:fillRef idx="0">
-            <a:schemeClr val="accent1"/>
-          </a:fillRef>
-          <a:effectRef idx="1">
-            <a:schemeClr val="accent1"/>
-          </a:effectRef>
-          <a:fontRef idx="minor">
-            <a:schemeClr val="tx1"/>
-          </a:fontRef>
-        </p:style>
-      </p:cxnSp>
       <p:pic>
         <p:nvPicPr>
-          <p:cNvPr id="11" name="Picture 10">
+          <p:cNvPr id="5" name="Picture 4" descr="A network of colorful circles&#10;&#10;AI-generated content may be incorrect.">
             <a:extLst>
               <a:ext uri="{FF2B5EF4-FFF2-40B4-BE49-F238E27FC236}">
-                <a16:creationId xmlns:a16="http://schemas.microsoft.com/office/drawing/2014/main" id="{1C5C617D-A615-0407-F25B-02F9B7EFFF8B}"/>
+                <a16:creationId xmlns:a16="http://schemas.microsoft.com/office/drawing/2014/main" id="{5358C7FD-9443-41D4-7430-9026C930ADD4}"/>
               </a:ext>
             </a:extLst>
           </p:cNvPr>
@@ -4957,220 +8163,7 @@
           <p:nvPr/>
         </p:nvPicPr>
         <p:blipFill>
-          <a:blip r:embed="rId3">
-            <a:extLst>
-              <a:ext uri="{28A0092B-C50C-407E-A947-70E740481C1C}">
-                <a14:useLocalDpi xmlns:a14="http://schemas.microsoft.com/office/drawing/2010/main" val="0"/>
-              </a:ext>
-            </a:extLst>
-          </a:blip>
-          <a:srcRect l="10947" t="8844" r="1706" b="12913"/>
-          <a:stretch/>
-        </p:blipFill>
-        <p:spPr>
-          <a:xfrm>
-            <a:off x="4860000" y="864000"/>
-            <a:ext cx="3060000" cy="2232000"/>
-          </a:xfrm>
-          <a:prstGeom prst="rect">
-            <a:avLst/>
-          </a:prstGeom>
-        </p:spPr>
-      </p:pic>
-      <p:sp>
-        <p:nvSpPr>
-          <p:cNvPr id="12" name="TextBox 11">
-            <a:extLst>
-              <a:ext uri="{FF2B5EF4-FFF2-40B4-BE49-F238E27FC236}">
-                <a16:creationId xmlns:a16="http://schemas.microsoft.com/office/drawing/2014/main" id="{1318CBA5-C1DC-C65C-0B48-1558DABE30DC}"/>
-              </a:ext>
-            </a:extLst>
-          </p:cNvPr>
-          <p:cNvSpPr txBox="1"/>
-          <p:nvPr/>
-        </p:nvSpPr>
-        <p:spPr>
-          <a:xfrm>
-            <a:off x="9724784" y="3121351"/>
-            <a:ext cx="1842171" cy="707886"/>
-          </a:xfrm>
-          <a:prstGeom prst="rect">
-            <a:avLst/>
-          </a:prstGeom>
-          <a:noFill/>
-        </p:spPr>
-        <p:txBody>
-          <a:bodyPr wrap="none" rtlCol="0">
-            <a:spAutoFit/>
-          </a:bodyPr>
-          <a:lstStyle/>
-          <a:p>
-            <a:r>
-              <a:rPr lang="en-GB" sz="4000" b="1" dirty="0"/>
-              <a:t>Claims</a:t>
-            </a:r>
-          </a:p>
-        </p:txBody>
-      </p:sp>
-      <p:sp>
-        <p:nvSpPr>
-          <p:cNvPr id="13" name="TextBox 12">
-            <a:extLst>
-              <a:ext uri="{FF2B5EF4-FFF2-40B4-BE49-F238E27FC236}">
-                <a16:creationId xmlns:a16="http://schemas.microsoft.com/office/drawing/2014/main" id="{57ED516A-AA5F-C550-ED38-AD4DE2770C04}"/>
-              </a:ext>
-            </a:extLst>
-          </p:cNvPr>
-          <p:cNvSpPr txBox="1"/>
-          <p:nvPr/>
-        </p:nvSpPr>
-        <p:spPr>
-          <a:xfrm>
-            <a:off x="5169697" y="3110619"/>
-            <a:ext cx="2314929" cy="707886"/>
-          </a:xfrm>
-          <a:prstGeom prst="rect">
-            <a:avLst/>
-          </a:prstGeom>
-          <a:noFill/>
-        </p:spPr>
-        <p:txBody>
-          <a:bodyPr wrap="none" rtlCol="0">
-            <a:spAutoFit/>
-          </a:bodyPr>
-          <a:lstStyle/>
-          <a:p>
-            <a:r>
-              <a:rPr lang="en-GB" sz="4000" b="1" dirty="0"/>
-              <a:t>Warrants</a:t>
-            </a:r>
-          </a:p>
-        </p:txBody>
-      </p:sp>
-      <p:sp>
-        <p:nvSpPr>
-          <p:cNvPr id="14" name="TextBox 13">
-            <a:extLst>
-              <a:ext uri="{FF2B5EF4-FFF2-40B4-BE49-F238E27FC236}">
-                <a16:creationId xmlns:a16="http://schemas.microsoft.com/office/drawing/2014/main" id="{B2166043-22B2-EAB2-EAC1-BEB49E01BECF}"/>
-              </a:ext>
-            </a:extLst>
-          </p:cNvPr>
-          <p:cNvSpPr txBox="1"/>
-          <p:nvPr/>
-        </p:nvSpPr>
-        <p:spPr>
-          <a:xfrm>
-            <a:off x="831850" y="3121351"/>
-            <a:ext cx="2097690" cy="707886"/>
-          </a:xfrm>
-          <a:prstGeom prst="rect">
-            <a:avLst/>
-          </a:prstGeom>
-          <a:noFill/>
-        </p:spPr>
-        <p:txBody>
-          <a:bodyPr wrap="none" rtlCol="0">
-            <a:spAutoFit/>
-          </a:bodyPr>
-          <a:lstStyle/>
-          <a:p>
-            <a:r>
-              <a:rPr lang="en-GB" sz="4000" b="1" dirty="0"/>
-              <a:t>Sources</a:t>
-            </a:r>
-          </a:p>
-        </p:txBody>
-      </p:sp>
-    </p:spTree>
-    <p:extLst>
-      <p:ext uri="{BB962C8B-B14F-4D97-AF65-F5344CB8AC3E}">
-        <p14:creationId xmlns:p14="http://schemas.microsoft.com/office/powerpoint/2010/main" val="3173600755"/>
-      </p:ext>
-    </p:extLst>
-  </p:cSld>
-  <p:clrMapOvr>
-    <a:masterClrMapping/>
-  </p:clrMapOvr>
-</p:sld>
-</file>
-
-<file path=ppt/slides/slide6.xml><?xml version="1.0" encoding="utf-8"?>
-<p:sld xmlns:a="http://schemas.openxmlformats.org/drawingml/2006/main" xmlns:r="http://schemas.openxmlformats.org/officeDocument/2006/relationships" xmlns:p="http://schemas.openxmlformats.org/presentationml/2006/main">
-  <p:cSld>
-    <p:bg>
-      <p:bgPr>
-        <a:solidFill>
-          <a:schemeClr val="bg2"/>
-        </a:solidFill>
-        <a:effectLst/>
-      </p:bgPr>
-    </p:bg>
-    <p:spTree>
-      <p:nvGrpSpPr>
-        <p:cNvPr id="1" name=""/>
-        <p:cNvGrpSpPr/>
-        <p:nvPr/>
-      </p:nvGrpSpPr>
-      <p:grpSpPr>
-        <a:xfrm>
-          <a:off x="0" y="0"/>
-          <a:ext cx="0" cy="0"/>
-          <a:chOff x="0" y="0"/>
-          <a:chExt cx="0" cy="0"/>
-        </a:xfrm>
-      </p:grpSpPr>
-      <p:sp>
-        <p:nvSpPr>
-          <p:cNvPr id="2" name="Title 1">
-            <a:extLst>
-              <a:ext uri="{FF2B5EF4-FFF2-40B4-BE49-F238E27FC236}">
-                <a16:creationId xmlns:a16="http://schemas.microsoft.com/office/drawing/2014/main" id="{E7CD2E6F-A762-F25A-4221-5E7F9D93C870}"/>
-              </a:ext>
-            </a:extLst>
-          </p:cNvPr>
-          <p:cNvSpPr>
-            <a:spLocks noGrp="1"/>
-          </p:cNvSpPr>
-          <p:nvPr>
-            <p:ph type="title"/>
-          </p:nvPr>
-        </p:nvSpPr>
-        <p:spPr>
-          <a:xfrm>
-            <a:off x="831850" y="768351"/>
-            <a:ext cx="3088397" cy="1683020"/>
-          </a:xfrm>
-        </p:spPr>
-        <p:txBody>
-          <a:bodyPr>
-            <a:normAutofit fontScale="90000"/>
-          </a:bodyPr>
-          <a:lstStyle/>
-          <a:p>
-            <a:r>
-              <a:rPr lang="en-GB" dirty="0"/>
-              <a:t>The data I used</a:t>
-            </a:r>
-          </a:p>
-        </p:txBody>
-      </p:sp>
-      <p:pic>
-        <p:nvPicPr>
-          <p:cNvPr id="5" name="Picture 4" descr="Close-up of a paper with writing on it&#10;&#10;AI-generated content may be incorrect.">
-            <a:extLst>
-              <a:ext uri="{FF2B5EF4-FFF2-40B4-BE49-F238E27FC236}">
-                <a16:creationId xmlns:a16="http://schemas.microsoft.com/office/drawing/2014/main" id="{5BBFF418-E6B1-32D2-EA7E-4F103E52A53B}"/>
-              </a:ext>
-            </a:extLst>
-          </p:cNvPr>
-          <p:cNvPicPr>
-            <a:picLocks noChangeAspect="1"/>
-          </p:cNvPicPr>
-          <p:nvPr/>
-        </p:nvPicPr>
-        <p:blipFill>
-          <a:blip r:embed="rId3">
+          <a:blip r:embed="rId2">
             <a:extLst>
               <a:ext uri="{28A0092B-C50C-407E-A947-70E740481C1C}">
                 <a14:useLocalDpi xmlns:a14="http://schemas.microsoft.com/office/drawing/2010/main" val="0"/>
@@ -5183,362 +8176,14 @@
         </p:blipFill>
         <p:spPr>
           <a:xfrm>
-            <a:off x="4416357" y="219578"/>
-            <a:ext cx="7504565" cy="6418844"/>
+            <a:off x="0" y="-224904"/>
+            <a:ext cx="12192000" cy="7072215"/>
           </a:xfrm>
           <a:prstGeom prst="rect">
             <a:avLst/>
           </a:prstGeom>
         </p:spPr>
       </p:pic>
-      <p:sp>
-        <p:nvSpPr>
-          <p:cNvPr id="8" name="TextBox 7">
-            <a:extLst>
-              <a:ext uri="{FF2B5EF4-FFF2-40B4-BE49-F238E27FC236}">
-                <a16:creationId xmlns:a16="http://schemas.microsoft.com/office/drawing/2014/main" id="{7A97862C-9BB1-CD09-BE89-61443A9D0130}"/>
-              </a:ext>
-            </a:extLst>
-          </p:cNvPr>
-          <p:cNvSpPr txBox="1"/>
-          <p:nvPr/>
-        </p:nvSpPr>
-        <p:spPr>
-          <a:xfrm>
-            <a:off x="685935" y="2898842"/>
-            <a:ext cx="3088397" cy="1200329"/>
-          </a:xfrm>
-          <a:prstGeom prst="rect">
-            <a:avLst/>
-          </a:prstGeom>
-          <a:noFill/>
-        </p:spPr>
-        <p:txBody>
-          <a:bodyPr wrap="square" rtlCol="0">
-            <a:spAutoFit/>
-          </a:bodyPr>
-          <a:lstStyle/>
-          <a:p>
-            <a:pPr marL="285750" indent="-285750">
-              <a:buFont typeface="Arial" panose="020B0604020202020204" pitchFamily="34" charset="0"/>
-              <a:buChar char="•"/>
-            </a:pPr>
-            <a:r>
-              <a:rPr lang="en-GB" dirty="0"/>
-              <a:t>Noisy!</a:t>
-            </a:r>
-          </a:p>
-          <a:p>
-            <a:pPr marL="285750" indent="-285750">
-              <a:buFont typeface="Arial" panose="020B0604020202020204" pitchFamily="34" charset="0"/>
-              <a:buChar char="•"/>
-            </a:pPr>
-            <a:r>
-              <a:rPr lang="en-GB" dirty="0"/>
-              <a:t>Complex</a:t>
-            </a:r>
-          </a:p>
-          <a:p>
-            <a:pPr marL="285750" indent="-285750">
-              <a:buFont typeface="Arial" panose="020B0604020202020204" pitchFamily="34" charset="0"/>
-              <a:buChar char="•"/>
-            </a:pPr>
-            <a:r>
-              <a:rPr lang="en-GB" dirty="0"/>
-              <a:t>Closed</a:t>
-            </a:r>
-          </a:p>
-          <a:p>
-            <a:pPr marL="285750" indent="-285750">
-              <a:buFont typeface="Arial" panose="020B0604020202020204" pitchFamily="34" charset="0"/>
-              <a:buChar char="•"/>
-            </a:pPr>
-            <a:endParaRPr lang="en-GB" dirty="0"/>
-          </a:p>
-        </p:txBody>
-      </p:sp>
-    </p:spTree>
-    <p:extLst>
-      <p:ext uri="{BB962C8B-B14F-4D97-AF65-F5344CB8AC3E}">
-        <p14:creationId xmlns:p14="http://schemas.microsoft.com/office/powerpoint/2010/main" val="3766804681"/>
-      </p:ext>
-    </p:extLst>
-  </p:cSld>
-  <p:clrMapOvr>
-    <a:masterClrMapping/>
-  </p:clrMapOvr>
-</p:sld>
-</file>
-
-<file path=ppt/slides/slide7.xml><?xml version="1.0" encoding="utf-8"?>
-<p:sld xmlns:a="http://schemas.openxmlformats.org/drawingml/2006/main" xmlns:r="http://schemas.openxmlformats.org/officeDocument/2006/relationships" xmlns:p="http://schemas.openxmlformats.org/presentationml/2006/main">
-  <p:cSld>
-    <p:bg>
-      <p:bgPr>
-        <a:solidFill>
-          <a:schemeClr val="bg2"/>
-        </a:solidFill>
-        <a:effectLst/>
-      </p:bgPr>
-    </p:bg>
-    <p:spTree>
-      <p:nvGrpSpPr>
-        <p:cNvPr id="1" name=""/>
-        <p:cNvGrpSpPr/>
-        <p:nvPr/>
-      </p:nvGrpSpPr>
-      <p:grpSpPr>
-        <a:xfrm>
-          <a:off x="0" y="0"/>
-          <a:ext cx="0" cy="0"/>
-          <a:chOff x="0" y="0"/>
-          <a:chExt cx="0" cy="0"/>
-        </a:xfrm>
-      </p:grpSpPr>
-      <p:sp>
-        <p:nvSpPr>
-          <p:cNvPr id="2" name="Title 1">
-            <a:extLst>
-              <a:ext uri="{FF2B5EF4-FFF2-40B4-BE49-F238E27FC236}">
-                <a16:creationId xmlns:a16="http://schemas.microsoft.com/office/drawing/2014/main" id="{80306C1A-2D18-C941-A270-08ABBF9A0076}"/>
-              </a:ext>
-            </a:extLst>
-          </p:cNvPr>
-          <p:cNvSpPr>
-            <a:spLocks noGrp="1"/>
-          </p:cNvSpPr>
-          <p:nvPr>
-            <p:ph type="title"/>
-          </p:nvPr>
-        </p:nvSpPr>
-        <p:spPr/>
-        <p:txBody>
-          <a:bodyPr/>
-          <a:lstStyle/>
-          <a:p>
-            <a:r>
-              <a:rPr lang="en-GB" dirty="0"/>
-              <a:t>These are some of the things I investigated</a:t>
-            </a:r>
-          </a:p>
-        </p:txBody>
-      </p:sp>
-      <p:sp>
-        <p:nvSpPr>
-          <p:cNvPr id="3" name="Text Placeholder 2">
-            <a:extLst>
-              <a:ext uri="{FF2B5EF4-FFF2-40B4-BE49-F238E27FC236}">
-                <a16:creationId xmlns:a16="http://schemas.microsoft.com/office/drawing/2014/main" id="{CF95694C-3455-5606-E80D-39B538E550EB}"/>
-              </a:ext>
-            </a:extLst>
-          </p:cNvPr>
-          <p:cNvSpPr>
-            <a:spLocks noGrp="1"/>
-          </p:cNvSpPr>
-          <p:nvPr>
-            <p:ph type="body" idx="1"/>
-          </p:nvPr>
-        </p:nvSpPr>
-        <p:spPr/>
-        <p:txBody>
-          <a:bodyPr/>
-          <a:lstStyle/>
-          <a:p>
-            <a:r>
-              <a:rPr lang="en-GB" dirty="0"/>
-              <a:t>They are interesting because …</a:t>
-            </a:r>
-          </a:p>
-        </p:txBody>
-      </p:sp>
-    </p:spTree>
-    <p:extLst>
-      <p:ext uri="{BB962C8B-B14F-4D97-AF65-F5344CB8AC3E}">
-        <p14:creationId xmlns:p14="http://schemas.microsoft.com/office/powerpoint/2010/main" val="2161064156"/>
-      </p:ext>
-    </p:extLst>
-  </p:cSld>
-  <p:clrMapOvr>
-    <a:masterClrMapping/>
-  </p:clrMapOvr>
-</p:sld>
-</file>
-
-<file path=ppt/slides/slide8.xml><?xml version="1.0" encoding="utf-8"?>
-<p:sld xmlns:a="http://schemas.openxmlformats.org/drawingml/2006/main" xmlns:r="http://schemas.openxmlformats.org/officeDocument/2006/relationships" xmlns:p="http://schemas.openxmlformats.org/presentationml/2006/main">
-  <p:cSld>
-    <p:bg>
-      <p:bgPr>
-        <a:solidFill>
-          <a:schemeClr val="bg2"/>
-        </a:solidFill>
-        <a:effectLst/>
-      </p:bgPr>
-    </p:bg>
-    <p:spTree>
-      <p:nvGrpSpPr>
-        <p:cNvPr id="1" name=""/>
-        <p:cNvGrpSpPr/>
-        <p:nvPr/>
-      </p:nvGrpSpPr>
-      <p:grpSpPr>
-        <a:xfrm>
-          <a:off x="0" y="0"/>
-          <a:ext cx="0" cy="0"/>
-          <a:chOff x="0" y="0"/>
-          <a:chExt cx="0" cy="0"/>
-        </a:xfrm>
-      </p:grpSpPr>
-      <p:sp>
-        <p:nvSpPr>
-          <p:cNvPr id="2" name="Title 1">
-            <a:extLst>
-              <a:ext uri="{FF2B5EF4-FFF2-40B4-BE49-F238E27FC236}">
-                <a16:creationId xmlns:a16="http://schemas.microsoft.com/office/drawing/2014/main" id="{028E3A60-DF3B-3644-1B0F-872B870218D3}"/>
-              </a:ext>
-            </a:extLst>
-          </p:cNvPr>
-          <p:cNvSpPr>
-            <a:spLocks noGrp="1"/>
-          </p:cNvSpPr>
-          <p:nvPr>
-            <p:ph type="title"/>
-          </p:nvPr>
-        </p:nvSpPr>
-        <p:spPr/>
-        <p:txBody>
-          <a:bodyPr/>
-          <a:lstStyle/>
-          <a:p>
-            <a:r>
-              <a:rPr lang="en-GB" dirty="0"/>
-              <a:t>This is what I discovered</a:t>
-            </a:r>
-          </a:p>
-        </p:txBody>
-      </p:sp>
-      <p:sp>
-        <p:nvSpPr>
-          <p:cNvPr id="3" name="Text Placeholder 2">
-            <a:extLst>
-              <a:ext uri="{FF2B5EF4-FFF2-40B4-BE49-F238E27FC236}">
-                <a16:creationId xmlns:a16="http://schemas.microsoft.com/office/drawing/2014/main" id="{2E644E15-0C11-03A9-54BF-9A17D708275E}"/>
-              </a:ext>
-            </a:extLst>
-          </p:cNvPr>
-          <p:cNvSpPr>
-            <a:spLocks noGrp="1"/>
-          </p:cNvSpPr>
-          <p:nvPr>
-            <p:ph type="body" idx="1"/>
-          </p:nvPr>
-        </p:nvSpPr>
-        <p:spPr/>
-        <p:txBody>
-          <a:bodyPr/>
-          <a:lstStyle/>
-          <a:p>
-            <a:r>
-              <a:rPr lang="en-GB" dirty="0"/>
-              <a:t>(relating to the problem I’m solving)</a:t>
-            </a:r>
-          </a:p>
-        </p:txBody>
-      </p:sp>
-    </p:spTree>
-    <p:extLst>
-      <p:ext uri="{BB962C8B-B14F-4D97-AF65-F5344CB8AC3E}">
-        <p14:creationId xmlns:p14="http://schemas.microsoft.com/office/powerpoint/2010/main" val="3448502234"/>
-      </p:ext>
-    </p:extLst>
-  </p:cSld>
-  <p:clrMapOvr>
-    <a:masterClrMapping/>
-  </p:clrMapOvr>
-</p:sld>
-</file>
-
-<file path=ppt/slides/slide9.xml><?xml version="1.0" encoding="utf-8"?>
-<p:sld xmlns:a="http://schemas.openxmlformats.org/drawingml/2006/main" xmlns:r="http://schemas.openxmlformats.org/officeDocument/2006/relationships" xmlns:p="http://schemas.openxmlformats.org/presentationml/2006/main">
-  <p:cSld>
-    <p:bg>
-      <p:bgPr>
-        <a:solidFill>
-          <a:schemeClr val="bg2"/>
-        </a:solidFill>
-        <a:effectLst/>
-      </p:bgPr>
-    </p:bg>
-    <p:spTree>
-      <p:nvGrpSpPr>
-        <p:cNvPr id="1" name=""/>
-        <p:cNvGrpSpPr/>
-        <p:nvPr/>
-      </p:nvGrpSpPr>
-      <p:grpSpPr>
-        <a:xfrm>
-          <a:off x="0" y="0"/>
-          <a:ext cx="0" cy="0"/>
-          <a:chOff x="0" y="0"/>
-          <a:chExt cx="0" cy="0"/>
-        </a:xfrm>
-      </p:grpSpPr>
-      <p:sp>
-        <p:nvSpPr>
-          <p:cNvPr id="2" name="Title 1">
-            <a:extLst>
-              <a:ext uri="{FF2B5EF4-FFF2-40B4-BE49-F238E27FC236}">
-                <a16:creationId xmlns:a16="http://schemas.microsoft.com/office/drawing/2014/main" id="{7208797E-A21F-2C1A-56F8-EF71A7FECE9C}"/>
-              </a:ext>
-            </a:extLst>
-          </p:cNvPr>
-          <p:cNvSpPr>
-            <a:spLocks noGrp="1"/>
-          </p:cNvSpPr>
-          <p:nvPr>
-            <p:ph type="title"/>
-          </p:nvPr>
-        </p:nvSpPr>
-        <p:spPr/>
-        <p:txBody>
-          <a:bodyPr/>
-          <a:lstStyle/>
-          <a:p>
-            <a:r>
-              <a:rPr lang="en-GB" dirty="0"/>
-              <a:t>This is my summary</a:t>
-            </a:r>
-          </a:p>
-        </p:txBody>
-      </p:sp>
-      <p:sp>
-        <p:nvSpPr>
-          <p:cNvPr id="3" name="Text Placeholder 2">
-            <a:extLst>
-              <a:ext uri="{FF2B5EF4-FFF2-40B4-BE49-F238E27FC236}">
-                <a16:creationId xmlns:a16="http://schemas.microsoft.com/office/drawing/2014/main" id="{1066285B-70FD-1CFB-1083-B23680BB3487}"/>
-              </a:ext>
-            </a:extLst>
-          </p:cNvPr>
-          <p:cNvSpPr>
-            <a:spLocks noGrp="1"/>
-          </p:cNvSpPr>
-          <p:nvPr>
-            <p:ph type="body" idx="1"/>
-          </p:nvPr>
-        </p:nvSpPr>
-        <p:spPr/>
-        <p:txBody>
-          <a:bodyPr/>
-          <a:lstStyle/>
-          <a:p>
-            <a:r>
-              <a:rPr lang="en-GB" dirty="0"/>
-              <a:t>And here is a nice chart to illustrate it</a:t>
-            </a:r>
-          </a:p>
-        </p:txBody>
-      </p:sp>
     </p:spTree>
     <p:extLst>
       <p:ext uri="{BB962C8B-B14F-4D97-AF65-F5344CB8AC3E}">

--- a/Final project prompt slides.pptx
+++ b/Final project prompt slides.pptx
@@ -5,14 +5,19 @@
     <p:sldMasterId id="2147483648" r:id="rId1"/>
   </p:sldMasterIdLst>
   <p:notesMasterIdLst>
-    <p:notesMasterId r:id="rId7"/>
+    <p:notesMasterId r:id="rId12"/>
   </p:notesMasterIdLst>
   <p:sldIdLst>
     <p:sldId id="260" r:id="rId2"/>
     <p:sldId id="261" r:id="rId3"/>
     <p:sldId id="262" r:id="rId4"/>
-    <p:sldId id="263" r:id="rId5"/>
-    <p:sldId id="264" r:id="rId6"/>
+    <p:sldId id="265" r:id="rId5"/>
+    <p:sldId id="263" r:id="rId6"/>
+    <p:sldId id="266" r:id="rId7"/>
+    <p:sldId id="267" r:id="rId8"/>
+    <p:sldId id="268" r:id="rId9"/>
+    <p:sldId id="269" r:id="rId10"/>
+    <p:sldId id="264" r:id="rId11"/>
   </p:sldIdLst>
   <p:sldSz cx="12192000" cy="6858000"/>
   <p:notesSz cx="6858000" cy="9144000"/>
@@ -122,7 +127,7 @@
 <file path=ppt/revisionInfo.xml><?xml version="1.0" encoding="utf-8"?>
 <p1510:revInfo xmlns:a="http://schemas.openxmlformats.org/drawingml/2006/main" xmlns:r="http://schemas.openxmlformats.org/officeDocument/2006/relationships" xmlns:p1510="http://schemas.microsoft.com/office/powerpoint/2015/10/main">
   <p1510:revLst>
-    <p1510:client id="{F8B32761-AFE2-40B2-A44C-D2DBC59C3F2C}" v="7" dt="2025-03-17T16:09:56.872"/>
+    <p1510:client id="{F8B32761-AFE2-40B2-A44C-D2DBC59C3F2C}" v="15" dt="2025-03-18T11:38:09.695"/>
   </p1510:revLst>
 </p1510:revInfo>
 </file>
@@ -142,22 +147,6 @@
           <pc:docMk/>
           <pc:sldMk cId="754481681" sldId="256"/>
         </pc:sldMkLst>
-        <pc:spChg chg="mod">
-          <ac:chgData name="Lucy Knight" userId="c58305ac-d2e1-40ee-bd4f-8ace2050bbe0" providerId="ADAL" clId="{E0F56E00-D4A9-42AE-88F8-AA3C2B6F461A}" dt="2025-02-18T09:07:08.605" v="115" actId="20577"/>
-          <ac:spMkLst>
-            <pc:docMk/>
-            <pc:sldMk cId="754481681" sldId="256"/>
-            <ac:spMk id="2" creationId="{38C7C88C-D833-21D6-06CD-D0160D6B0DE7}"/>
-          </ac:spMkLst>
-        </pc:spChg>
-        <pc:spChg chg="mod">
-          <ac:chgData name="Lucy Knight" userId="c58305ac-d2e1-40ee-bd4f-8ace2050bbe0" providerId="ADAL" clId="{E0F56E00-D4A9-42AE-88F8-AA3C2B6F461A}" dt="2025-02-18T09:04:19.437" v="20" actId="20577"/>
-          <ac:spMkLst>
-            <pc:docMk/>
-            <pc:sldMk cId="754481681" sldId="256"/>
-            <ac:spMk id="3" creationId="{EC93E930-B91A-7D07-104E-E527847FA234}"/>
-          </ac:spMkLst>
-        </pc:spChg>
       </pc:sldChg>
       <pc:sldChg chg="delSp modSp mod">
         <pc:chgData name="Lucy Knight" userId="c58305ac-d2e1-40ee-bd4f-8ace2050bbe0" providerId="ADAL" clId="{E0F56E00-D4A9-42AE-88F8-AA3C2B6F461A}" dt="2025-02-18T09:06:39.046" v="99" actId="27636"/>
@@ -165,14 +154,6 @@
           <pc:docMk/>
           <pc:sldMk cId="800675438" sldId="257"/>
         </pc:sldMkLst>
-        <pc:spChg chg="mod">
-          <ac:chgData name="Lucy Knight" userId="c58305ac-d2e1-40ee-bd4f-8ace2050bbe0" providerId="ADAL" clId="{E0F56E00-D4A9-42AE-88F8-AA3C2B6F461A}" dt="2025-02-18T09:06:39.046" v="99" actId="27636"/>
-          <ac:spMkLst>
-            <pc:docMk/>
-            <pc:sldMk cId="800675438" sldId="257"/>
-            <ac:spMk id="3" creationId="{25F3CE3C-9680-FF6C-B573-0D64BF180C13}"/>
-          </ac:spMkLst>
-        </pc:spChg>
       </pc:sldChg>
       <pc:sldChg chg="del">
         <pc:chgData name="Lucy Knight" userId="c58305ac-d2e1-40ee-bd4f-8ace2050bbe0" providerId="ADAL" clId="{E0F56E00-D4A9-42AE-88F8-AA3C2B6F461A}" dt="2025-02-19T09:17:55.223" v="116" actId="47"/>
@@ -187,14 +168,6 @@
           <pc:docMk/>
           <pc:sldMk cId="3974184401" sldId="259"/>
         </pc:sldMkLst>
-        <pc:spChg chg="mod">
-          <ac:chgData name="Lucy Knight" userId="c58305ac-d2e1-40ee-bd4f-8ace2050bbe0" providerId="ADAL" clId="{E0F56E00-D4A9-42AE-88F8-AA3C2B6F461A}" dt="2025-02-18T09:06:23.827" v="96" actId="20577"/>
-          <ac:spMkLst>
-            <pc:docMk/>
-            <pc:sldMk cId="3974184401" sldId="259"/>
-            <ac:spMk id="3" creationId="{5C0AA2AC-113F-406D-753B-F0FB79BDDDAD}"/>
-          </ac:spMkLst>
-        </pc:spChg>
       </pc:sldChg>
       <pc:sldChg chg="modSp mod ord">
         <pc:chgData name="Lucy Knight" userId="c58305ac-d2e1-40ee-bd4f-8ace2050bbe0" providerId="ADAL" clId="{E0F56E00-D4A9-42AE-88F8-AA3C2B6F461A}" dt="2025-02-18T09:05:29.764" v="47" actId="20577"/>
@@ -202,21 +175,13 @@
           <pc:docMk/>
           <pc:sldMk cId="3087913205" sldId="265"/>
         </pc:sldMkLst>
-        <pc:spChg chg="mod">
-          <ac:chgData name="Lucy Knight" userId="c58305ac-d2e1-40ee-bd4f-8ace2050bbe0" providerId="ADAL" clId="{E0F56E00-D4A9-42AE-88F8-AA3C2B6F461A}" dt="2025-02-18T09:05:29.764" v="47" actId="20577"/>
-          <ac:spMkLst>
-            <pc:docMk/>
-            <pc:sldMk cId="3087913205" sldId="265"/>
-            <ac:spMk id="2" creationId="{4F27F8AF-F8D3-09DF-2865-321C791F8F4B}"/>
-          </ac:spMkLst>
-        </pc:spChg>
       </pc:sldChg>
     </pc:docChg>
   </pc:docChgLst>
   <pc:docChgLst>
     <pc:chgData name="Darren Garside" userId="1ff3dd00-c40d-412f-ba2a-26196dbfda33" providerId="ADAL" clId="{F8B32761-AFE2-40B2-A44C-D2DBC59C3F2C}"/>
-    <pc:docChg chg="undo custSel delSld modSld">
-      <pc:chgData name="Darren Garside" userId="1ff3dd00-c40d-412f-ba2a-26196dbfda33" providerId="ADAL" clId="{F8B32761-AFE2-40B2-A44C-D2DBC59C3F2C}" dt="2025-03-17T16:12:44.380" v="306" actId="2696"/>
+    <pc:docChg chg="undo custSel addSld delSld modSld sldOrd">
+      <pc:chgData name="Darren Garside" userId="1ff3dd00-c40d-412f-ba2a-26196dbfda33" providerId="ADAL" clId="{F8B32761-AFE2-40B2-A44C-D2DBC59C3F2C}" dt="2025-03-18T11:38:59.950" v="539" actId="121"/>
       <pc:docMkLst>
         <pc:docMk/>
       </pc:docMkLst>
@@ -257,7 +222,7 @@
         </pc:spChg>
       </pc:sldChg>
       <pc:sldChg chg="addSp delSp modSp mod setBg">
-        <pc:chgData name="Darren Garside" userId="1ff3dd00-c40d-412f-ba2a-26196dbfda33" providerId="ADAL" clId="{F8B32761-AFE2-40B2-A44C-D2DBC59C3F2C}" dt="2025-03-17T16:03:58.904" v="247" actId="1076"/>
+        <pc:chgData name="Darren Garside" userId="1ff3dd00-c40d-412f-ba2a-26196dbfda33" providerId="ADAL" clId="{F8B32761-AFE2-40B2-A44C-D2DBC59C3F2C}" dt="2025-03-18T11:24:22.770" v="319" actId="20577"/>
         <pc:sldMkLst>
           <pc:docMk/>
           <pc:sldMk cId="2161064156" sldId="262"/>
@@ -271,7 +236,7 @@
           </ac:spMkLst>
         </pc:spChg>
         <pc:spChg chg="mod">
-          <ac:chgData name="Darren Garside" userId="1ff3dd00-c40d-412f-ba2a-26196dbfda33" providerId="ADAL" clId="{F8B32761-AFE2-40B2-A44C-D2DBC59C3F2C}" dt="2025-03-17T16:03:58.904" v="247" actId="1076"/>
+          <ac:chgData name="Darren Garside" userId="1ff3dd00-c40d-412f-ba2a-26196dbfda33" providerId="ADAL" clId="{F8B32761-AFE2-40B2-A44C-D2DBC59C3F2C}" dt="2025-03-18T11:24:22.770" v="319" actId="20577"/>
           <ac:spMkLst>
             <pc:docMk/>
             <pc:sldMk cId="2161064156" sldId="262"/>
@@ -368,7 +333,7 @@
         </pc:picChg>
       </pc:sldChg>
       <pc:sldChg chg="addSp delSp modSp mod">
-        <pc:chgData name="Darren Garside" userId="1ff3dd00-c40d-412f-ba2a-26196dbfda33" providerId="ADAL" clId="{F8B32761-AFE2-40B2-A44C-D2DBC59C3F2C}" dt="2025-03-17T16:11:15.210" v="305" actId="1076"/>
+        <pc:chgData name="Darren Garside" userId="1ff3dd00-c40d-412f-ba2a-26196dbfda33" providerId="ADAL" clId="{F8B32761-AFE2-40B2-A44C-D2DBC59C3F2C}" dt="2025-03-18T11:32:21.347" v="414" actId="1076"/>
         <pc:sldMkLst>
           <pc:docMk/>
           <pc:sldMk cId="3448502234" sldId="263"/>
@@ -379,6 +344,14 @@
             <pc:docMk/>
             <pc:sldMk cId="3448502234" sldId="263"/>
             <ac:spMk id="2" creationId="{028E3A60-DF3B-3644-1B0F-872B870218D3}"/>
+          </ac:spMkLst>
+        </pc:spChg>
+        <pc:spChg chg="add mod">
+          <ac:chgData name="Darren Garside" userId="1ff3dd00-c40d-412f-ba2a-26196dbfda33" providerId="ADAL" clId="{F8B32761-AFE2-40B2-A44C-D2DBC59C3F2C}" dt="2025-03-18T11:32:21.347" v="414" actId="1076"/>
+          <ac:spMkLst>
+            <pc:docMk/>
+            <pc:sldMk cId="3448502234" sldId="263"/>
+            <ac:spMk id="2" creationId="{95AD8586-7920-BDBC-622D-C7E03657F641}"/>
           </ac:spMkLst>
         </pc:spChg>
         <pc:spChg chg="del">
@@ -422,23 +395,23 @@
           </ac:picMkLst>
         </pc:picChg>
         <pc:picChg chg="add mod">
-          <ac:chgData name="Darren Garside" userId="1ff3dd00-c40d-412f-ba2a-26196dbfda33" providerId="ADAL" clId="{F8B32761-AFE2-40B2-A44C-D2DBC59C3F2C}" dt="2025-03-17T16:10:42.832" v="301" actId="1076"/>
+          <ac:chgData name="Darren Garside" userId="1ff3dd00-c40d-412f-ba2a-26196dbfda33" providerId="ADAL" clId="{F8B32761-AFE2-40B2-A44C-D2DBC59C3F2C}" dt="2025-03-18T11:32:04.869" v="411" actId="1076"/>
           <ac:picMkLst>
             <pc:docMk/>
             <pc:sldMk cId="3448502234" sldId="263"/>
             <ac:picMk id="13" creationId="{12DBC42D-937E-655A-382E-E8ACCD9DF1AF}"/>
           </ac:picMkLst>
         </pc:picChg>
-        <pc:picChg chg="add mod">
-          <ac:chgData name="Darren Garside" userId="1ff3dd00-c40d-412f-ba2a-26196dbfda33" providerId="ADAL" clId="{F8B32761-AFE2-40B2-A44C-D2DBC59C3F2C}" dt="2025-03-17T16:11:15.210" v="305" actId="1076"/>
+        <pc:picChg chg="add del mod">
+          <ac:chgData name="Darren Garside" userId="1ff3dd00-c40d-412f-ba2a-26196dbfda33" providerId="ADAL" clId="{F8B32761-AFE2-40B2-A44C-D2DBC59C3F2C}" dt="2025-03-18T11:23:20.631" v="308" actId="478"/>
           <ac:picMkLst>
             <pc:docMk/>
             <pc:sldMk cId="3448502234" sldId="263"/>
             <ac:picMk id="15" creationId="{24E85237-4584-CA27-8CFC-32F123433F12}"/>
           </ac:picMkLst>
         </pc:picChg>
-        <pc:picChg chg="add mod ord">
-          <ac:chgData name="Darren Garside" userId="1ff3dd00-c40d-412f-ba2a-26196dbfda33" providerId="ADAL" clId="{F8B32761-AFE2-40B2-A44C-D2DBC59C3F2C}" dt="2025-03-17T16:11:09.392" v="304" actId="14100"/>
+        <pc:picChg chg="add del mod ord">
+          <ac:chgData name="Darren Garside" userId="1ff3dd00-c40d-412f-ba2a-26196dbfda33" providerId="ADAL" clId="{F8B32761-AFE2-40B2-A44C-D2DBC59C3F2C}" dt="2025-03-18T11:23:19.359" v="307" actId="478"/>
           <ac:picMkLst>
             <pc:docMk/>
             <pc:sldMk cId="3448502234" sldId="263"/>
@@ -446,12 +419,36 @@
           </ac:picMkLst>
         </pc:picChg>
       </pc:sldChg>
-      <pc:sldChg chg="addSp modSp mod">
-        <pc:chgData name="Darren Garside" userId="1ff3dd00-c40d-412f-ba2a-26196dbfda33" providerId="ADAL" clId="{F8B32761-AFE2-40B2-A44C-D2DBC59C3F2C}" dt="2025-03-17T16:08:51.808" v="293" actId="1076"/>
+      <pc:sldChg chg="addSp delSp modSp mod">
+        <pc:chgData name="Darren Garside" userId="1ff3dd00-c40d-412f-ba2a-26196dbfda33" providerId="ADAL" clId="{F8B32761-AFE2-40B2-A44C-D2DBC59C3F2C}" dt="2025-03-18T11:38:59.950" v="539" actId="121"/>
         <pc:sldMkLst>
           <pc:docMk/>
           <pc:sldMk cId="3204788620" sldId="264"/>
         </pc:sldMkLst>
+        <pc:spChg chg="add mod">
+          <ac:chgData name="Darren Garside" userId="1ff3dd00-c40d-412f-ba2a-26196dbfda33" providerId="ADAL" clId="{F8B32761-AFE2-40B2-A44C-D2DBC59C3F2C}" dt="2025-03-18T11:25:19.616" v="322" actId="1076"/>
+          <ac:spMkLst>
+            <pc:docMk/>
+            <pc:sldMk cId="3204788620" sldId="264"/>
+            <ac:spMk id="6" creationId="{533AC8A3-ECE5-6836-975B-47958C0DA405}"/>
+          </ac:spMkLst>
+        </pc:spChg>
+        <pc:spChg chg="add del mod">
+          <ac:chgData name="Darren Garside" userId="1ff3dd00-c40d-412f-ba2a-26196dbfda33" providerId="ADAL" clId="{F8B32761-AFE2-40B2-A44C-D2DBC59C3F2C}" dt="2025-03-18T11:25:20.357" v="324"/>
+          <ac:spMkLst>
+            <pc:docMk/>
+            <pc:sldMk cId="3204788620" sldId="264"/>
+            <ac:spMk id="7" creationId="{8587E370-F142-F014-D5A0-2DF73B80543D}"/>
+          </ac:spMkLst>
+        </pc:spChg>
+        <pc:spChg chg="add mod">
+          <ac:chgData name="Darren Garside" userId="1ff3dd00-c40d-412f-ba2a-26196dbfda33" providerId="ADAL" clId="{F8B32761-AFE2-40B2-A44C-D2DBC59C3F2C}" dt="2025-03-18T11:38:59.950" v="539" actId="121"/>
+          <ac:spMkLst>
+            <pc:docMk/>
+            <pc:sldMk cId="3204788620" sldId="264"/>
+            <ac:spMk id="8" creationId="{1E9E8E0A-BA22-B8FA-A375-C7A85F993A98}"/>
+          </ac:spMkLst>
+        </pc:spChg>
         <pc:picChg chg="add mod">
           <ac:chgData name="Darren Garside" userId="1ff3dd00-c40d-412f-ba2a-26196dbfda33" providerId="ADAL" clId="{F8B32761-AFE2-40B2-A44C-D2DBC59C3F2C}" dt="2025-03-17T16:08:51.808" v="293" actId="1076"/>
           <ac:picMkLst>
@@ -467,6 +464,161 @@
           <pc:docMk/>
           <pc:sldMk cId="3087913205" sldId="265"/>
         </pc:sldMkLst>
+      </pc:sldChg>
+      <pc:sldChg chg="addSp delSp modSp new mod ord setBg">
+        <pc:chgData name="Darren Garside" userId="1ff3dd00-c40d-412f-ba2a-26196dbfda33" providerId="ADAL" clId="{F8B32761-AFE2-40B2-A44C-D2DBC59C3F2C}" dt="2025-03-18T11:30:48.450" v="363"/>
+        <pc:sldMkLst>
+          <pc:docMk/>
+          <pc:sldMk cId="4252103257" sldId="265"/>
+        </pc:sldMkLst>
+        <pc:spChg chg="del">
+          <ac:chgData name="Darren Garside" userId="1ff3dd00-c40d-412f-ba2a-26196dbfda33" providerId="ADAL" clId="{F8B32761-AFE2-40B2-A44C-D2DBC59C3F2C}" dt="2025-03-18T11:27:18.718" v="326" actId="478"/>
+          <ac:spMkLst>
+            <pc:docMk/>
+            <pc:sldMk cId="4252103257" sldId="265"/>
+            <ac:spMk id="2" creationId="{4E696E12-45E8-8989-9031-7BD9FE144BB7}"/>
+          </ac:spMkLst>
+        </pc:spChg>
+        <pc:spChg chg="del">
+          <ac:chgData name="Darren Garside" userId="1ff3dd00-c40d-412f-ba2a-26196dbfda33" providerId="ADAL" clId="{F8B32761-AFE2-40B2-A44C-D2DBC59C3F2C}" dt="2025-03-18T11:27:20.398" v="327" actId="478"/>
+          <ac:spMkLst>
+            <pc:docMk/>
+            <pc:sldMk cId="4252103257" sldId="265"/>
+            <ac:spMk id="3" creationId="{357A4E6B-25D6-C3A5-1880-A6AEBE8B5B3C}"/>
+          </ac:spMkLst>
+        </pc:spChg>
+        <pc:spChg chg="add mod">
+          <ac:chgData name="Darren Garside" userId="1ff3dd00-c40d-412f-ba2a-26196dbfda33" providerId="ADAL" clId="{F8B32761-AFE2-40B2-A44C-D2DBC59C3F2C}" dt="2025-03-18T11:29:37.333" v="360" actId="1076"/>
+          <ac:spMkLst>
+            <pc:docMk/>
+            <pc:sldMk cId="4252103257" sldId="265"/>
+            <ac:spMk id="5" creationId="{1920EEBA-69C4-A36C-BAD0-3BE4066F491E}"/>
+          </ac:spMkLst>
+        </pc:spChg>
+      </pc:sldChg>
+      <pc:sldChg chg="addSp delSp modSp add mod">
+        <pc:chgData name="Darren Garside" userId="1ff3dd00-c40d-412f-ba2a-26196dbfda33" providerId="ADAL" clId="{F8B32761-AFE2-40B2-A44C-D2DBC59C3F2C}" dt="2025-03-18T11:33:28.071" v="443" actId="20577"/>
+        <pc:sldMkLst>
+          <pc:docMk/>
+          <pc:sldMk cId="3263353591" sldId="266"/>
+        </pc:sldMkLst>
+        <pc:spChg chg="mod">
+          <ac:chgData name="Darren Garside" userId="1ff3dd00-c40d-412f-ba2a-26196dbfda33" providerId="ADAL" clId="{F8B32761-AFE2-40B2-A44C-D2DBC59C3F2C}" dt="2025-03-18T11:33:28.071" v="443" actId="20577"/>
+          <ac:spMkLst>
+            <pc:docMk/>
+            <pc:sldMk cId="3263353591" sldId="266"/>
+            <ac:spMk id="2" creationId="{188E9D38-6ED5-CC8B-7BC5-AD67629241B2}"/>
+          </ac:spMkLst>
+        </pc:spChg>
+        <pc:picChg chg="add mod">
+          <ac:chgData name="Darren Garside" userId="1ff3dd00-c40d-412f-ba2a-26196dbfda33" providerId="ADAL" clId="{F8B32761-AFE2-40B2-A44C-D2DBC59C3F2C}" dt="2025-03-18T11:33:16.135" v="422" actId="1076"/>
+          <ac:picMkLst>
+            <pc:docMk/>
+            <pc:sldMk cId="3263353591" sldId="266"/>
+            <ac:picMk id="4" creationId="{8E5CCEFC-D10C-982F-A519-C7AB796F3DA3}"/>
+          </ac:picMkLst>
+        </pc:picChg>
+        <pc:picChg chg="del mod">
+          <ac:chgData name="Darren Garside" userId="1ff3dd00-c40d-412f-ba2a-26196dbfda33" providerId="ADAL" clId="{F8B32761-AFE2-40B2-A44C-D2DBC59C3F2C}" dt="2025-03-18T11:33:11.849" v="421" actId="478"/>
+          <ac:picMkLst>
+            <pc:docMk/>
+            <pc:sldMk cId="3263353591" sldId="266"/>
+            <ac:picMk id="13" creationId="{41565EB5-D9A8-A4FB-3FDC-EA337253DE2D}"/>
+          </ac:picMkLst>
+        </pc:picChg>
+      </pc:sldChg>
+      <pc:sldChg chg="addSp delSp modSp add mod">
+        <pc:chgData name="Darren Garside" userId="1ff3dd00-c40d-412f-ba2a-26196dbfda33" providerId="ADAL" clId="{F8B32761-AFE2-40B2-A44C-D2DBC59C3F2C}" dt="2025-03-18T11:33:53.662" v="469" actId="20577"/>
+        <pc:sldMkLst>
+          <pc:docMk/>
+          <pc:sldMk cId="4074861341" sldId="267"/>
+        </pc:sldMkLst>
+        <pc:spChg chg="mod">
+          <ac:chgData name="Darren Garside" userId="1ff3dd00-c40d-412f-ba2a-26196dbfda33" providerId="ADAL" clId="{F8B32761-AFE2-40B2-A44C-D2DBC59C3F2C}" dt="2025-03-18T11:33:53.662" v="469" actId="20577"/>
+          <ac:spMkLst>
+            <pc:docMk/>
+            <pc:sldMk cId="4074861341" sldId="267"/>
+            <ac:spMk id="2" creationId="{EA8063B0-7D30-BD7E-63F2-85A8F1BD3991}"/>
+          </ac:spMkLst>
+        </pc:spChg>
+        <pc:picChg chg="add mod">
+          <ac:chgData name="Darren Garside" userId="1ff3dd00-c40d-412f-ba2a-26196dbfda33" providerId="ADAL" clId="{F8B32761-AFE2-40B2-A44C-D2DBC59C3F2C}" dt="2025-03-18T11:33:44.462" v="448" actId="1076"/>
+          <ac:picMkLst>
+            <pc:docMk/>
+            <pc:sldMk cId="4074861341" sldId="267"/>
+            <ac:picMk id="4" creationId="{F2BD8F06-27BE-F8D0-D1A9-411A435D7E3C}"/>
+          </ac:picMkLst>
+        </pc:picChg>
+        <pc:picChg chg="del">
+          <ac:chgData name="Darren Garside" userId="1ff3dd00-c40d-412f-ba2a-26196dbfda33" providerId="ADAL" clId="{F8B32761-AFE2-40B2-A44C-D2DBC59C3F2C}" dt="2025-03-18T11:33:40.766" v="447" actId="478"/>
+          <ac:picMkLst>
+            <pc:docMk/>
+            <pc:sldMk cId="4074861341" sldId="267"/>
+            <ac:picMk id="13" creationId="{B33A75E8-51E0-952B-EE67-C7D69B59B216}"/>
+          </ac:picMkLst>
+        </pc:picChg>
+      </pc:sldChg>
+      <pc:sldChg chg="addSp delSp modSp add mod">
+        <pc:chgData name="Darren Garside" userId="1ff3dd00-c40d-412f-ba2a-26196dbfda33" providerId="ADAL" clId="{F8B32761-AFE2-40B2-A44C-D2DBC59C3F2C}" dt="2025-03-18T11:34:23.214" v="491" actId="20577"/>
+        <pc:sldMkLst>
+          <pc:docMk/>
+          <pc:sldMk cId="2944873762" sldId="268"/>
+        </pc:sldMkLst>
+        <pc:spChg chg="mod">
+          <ac:chgData name="Darren Garside" userId="1ff3dd00-c40d-412f-ba2a-26196dbfda33" providerId="ADAL" clId="{F8B32761-AFE2-40B2-A44C-D2DBC59C3F2C}" dt="2025-03-18T11:34:23.214" v="491" actId="20577"/>
+          <ac:spMkLst>
+            <pc:docMk/>
+            <pc:sldMk cId="2944873762" sldId="268"/>
+            <ac:spMk id="2" creationId="{ECB58F6E-0976-6E70-2C13-3FE86AA53705}"/>
+          </ac:spMkLst>
+        </pc:spChg>
+        <pc:picChg chg="add mod">
+          <ac:chgData name="Darren Garside" userId="1ff3dd00-c40d-412f-ba2a-26196dbfda33" providerId="ADAL" clId="{F8B32761-AFE2-40B2-A44C-D2DBC59C3F2C}" dt="2025-03-18T11:34:17.626" v="474" actId="1076"/>
+          <ac:picMkLst>
+            <pc:docMk/>
+            <pc:sldMk cId="2944873762" sldId="268"/>
+            <ac:picMk id="4" creationId="{F15934B4-8251-37DA-2C4F-AAC598CD4E7F}"/>
+          </ac:picMkLst>
+        </pc:picChg>
+        <pc:picChg chg="del">
+          <ac:chgData name="Darren Garside" userId="1ff3dd00-c40d-412f-ba2a-26196dbfda33" providerId="ADAL" clId="{F8B32761-AFE2-40B2-A44C-D2DBC59C3F2C}" dt="2025-03-18T11:34:13.302" v="473" actId="478"/>
+          <ac:picMkLst>
+            <pc:docMk/>
+            <pc:sldMk cId="2944873762" sldId="268"/>
+            <ac:picMk id="13" creationId="{349B4E90-2C55-90FA-A00B-41F9F4CB326A}"/>
+          </ac:picMkLst>
+        </pc:picChg>
+      </pc:sldChg>
+      <pc:sldChg chg="addSp delSp modSp add mod replId">
+        <pc:chgData name="Darren Garside" userId="1ff3dd00-c40d-412f-ba2a-26196dbfda33" providerId="ADAL" clId="{F8B32761-AFE2-40B2-A44C-D2DBC59C3F2C}" dt="2025-03-18T11:34:42.382" v="515" actId="20577"/>
+        <pc:sldMkLst>
+          <pc:docMk/>
+          <pc:sldMk cId="273028448" sldId="269"/>
+        </pc:sldMkLst>
+        <pc:spChg chg="mod">
+          <ac:chgData name="Darren Garside" userId="1ff3dd00-c40d-412f-ba2a-26196dbfda33" providerId="ADAL" clId="{F8B32761-AFE2-40B2-A44C-D2DBC59C3F2C}" dt="2025-03-18T11:34:42.382" v="515" actId="20577"/>
+          <ac:spMkLst>
+            <pc:docMk/>
+            <pc:sldMk cId="273028448" sldId="269"/>
+            <ac:spMk id="2" creationId="{4E21B57F-00F6-C848-DCB6-397A33B768E3}"/>
+          </ac:spMkLst>
+        </pc:spChg>
+        <pc:picChg chg="add mod">
+          <ac:chgData name="Darren Garside" userId="1ff3dd00-c40d-412f-ba2a-26196dbfda33" providerId="ADAL" clId="{F8B32761-AFE2-40B2-A44C-D2DBC59C3F2C}" dt="2025-03-18T11:34:36.536" v="496" actId="1076"/>
+          <ac:picMkLst>
+            <pc:docMk/>
+            <pc:sldMk cId="273028448" sldId="269"/>
+            <ac:picMk id="4" creationId="{CD329151-3072-14D4-05F9-F06A87E31036}"/>
+          </ac:picMkLst>
+        </pc:picChg>
+        <pc:picChg chg="del">
+          <ac:chgData name="Darren Garside" userId="1ff3dd00-c40d-412f-ba2a-26196dbfda33" providerId="ADAL" clId="{F8B32761-AFE2-40B2-A44C-D2DBC59C3F2C}" dt="2025-03-18T11:34:33.390" v="495" actId="478"/>
+          <ac:picMkLst>
+            <pc:docMk/>
+            <pc:sldMk cId="273028448" sldId="269"/>
+            <ac:picMk id="13" creationId="{3A34B2CE-C96D-908F-4443-9A650B8896FA}"/>
+          </ac:picMkLst>
+        </pc:picChg>
       </pc:sldChg>
     </pc:docChg>
   </pc:docChgLst>
@@ -730,7 +882,7 @@
           <a:p>
             <a:fld id="{34112E37-C587-4692-B5DD-0A3B48A22AD8}" type="datetimeFigureOut">
               <a:rPr lang="en-GB" smtClean="0"/>
-              <a:t>17/03/2025</a:t>
+              <a:t>18/03/2025</a:t>
             </a:fld>
             <a:endParaRPr lang="en-GB"/>
           </a:p>
@@ -1391,7 +1543,7 @@
           <a:p>
             <a:fld id="{195FDFDA-6C80-4589-A05F-42F9461A9CEE}" type="datetimeFigureOut">
               <a:rPr lang="en-GB" smtClean="0"/>
-              <a:t>17/03/2025</a:t>
+              <a:t>18/03/2025</a:t>
             </a:fld>
             <a:endParaRPr lang="en-GB"/>
           </a:p>
@@ -1591,7 +1743,7 @@
           <a:p>
             <a:fld id="{195FDFDA-6C80-4589-A05F-42F9461A9CEE}" type="datetimeFigureOut">
               <a:rPr lang="en-GB" smtClean="0"/>
-              <a:t>17/03/2025</a:t>
+              <a:t>18/03/2025</a:t>
             </a:fld>
             <a:endParaRPr lang="en-GB"/>
           </a:p>
@@ -1801,7 +1953,7 @@
           <a:p>
             <a:fld id="{195FDFDA-6C80-4589-A05F-42F9461A9CEE}" type="datetimeFigureOut">
               <a:rPr lang="en-GB" smtClean="0"/>
-              <a:t>17/03/2025</a:t>
+              <a:t>18/03/2025</a:t>
             </a:fld>
             <a:endParaRPr lang="en-GB"/>
           </a:p>
@@ -2001,7 +2153,7 @@
           <a:p>
             <a:fld id="{195FDFDA-6C80-4589-A05F-42F9461A9CEE}" type="datetimeFigureOut">
               <a:rPr lang="en-GB" smtClean="0"/>
-              <a:t>17/03/2025</a:t>
+              <a:t>18/03/2025</a:t>
             </a:fld>
             <a:endParaRPr lang="en-GB"/>
           </a:p>
@@ -2277,7 +2429,7 @@
           <a:p>
             <a:fld id="{195FDFDA-6C80-4589-A05F-42F9461A9CEE}" type="datetimeFigureOut">
               <a:rPr lang="en-GB" smtClean="0"/>
-              <a:t>17/03/2025</a:t>
+              <a:t>18/03/2025</a:t>
             </a:fld>
             <a:endParaRPr lang="en-GB"/>
           </a:p>
@@ -2545,7 +2697,7 @@
           <a:p>
             <a:fld id="{195FDFDA-6C80-4589-A05F-42F9461A9CEE}" type="datetimeFigureOut">
               <a:rPr lang="en-GB" smtClean="0"/>
-              <a:t>17/03/2025</a:t>
+              <a:t>18/03/2025</a:t>
             </a:fld>
             <a:endParaRPr lang="en-GB"/>
           </a:p>
@@ -2960,7 +3112,7 @@
           <a:p>
             <a:fld id="{195FDFDA-6C80-4589-A05F-42F9461A9CEE}" type="datetimeFigureOut">
               <a:rPr lang="en-GB" smtClean="0"/>
-              <a:t>17/03/2025</a:t>
+              <a:t>18/03/2025</a:t>
             </a:fld>
             <a:endParaRPr lang="en-GB"/>
           </a:p>
@@ -3102,7 +3254,7 @@
           <a:p>
             <a:fld id="{195FDFDA-6C80-4589-A05F-42F9461A9CEE}" type="datetimeFigureOut">
               <a:rPr lang="en-GB" smtClean="0"/>
-              <a:t>17/03/2025</a:t>
+              <a:t>18/03/2025</a:t>
             </a:fld>
             <a:endParaRPr lang="en-GB"/>
           </a:p>
@@ -3215,7 +3367,7 @@
           <a:p>
             <a:fld id="{195FDFDA-6C80-4589-A05F-42F9461A9CEE}" type="datetimeFigureOut">
               <a:rPr lang="en-GB" smtClean="0"/>
-              <a:t>17/03/2025</a:t>
+              <a:t>18/03/2025</a:t>
             </a:fld>
             <a:endParaRPr lang="en-GB"/>
           </a:p>
@@ -3528,7 +3680,7 @@
           <a:p>
             <a:fld id="{195FDFDA-6C80-4589-A05F-42F9461A9CEE}" type="datetimeFigureOut">
               <a:rPr lang="en-GB" smtClean="0"/>
-              <a:t>17/03/2025</a:t>
+              <a:t>18/03/2025</a:t>
             </a:fld>
             <a:endParaRPr lang="en-GB"/>
           </a:p>
@@ -3817,7 +3969,7 @@
           <a:p>
             <a:fld id="{195FDFDA-6C80-4589-A05F-42F9461A9CEE}" type="datetimeFigureOut">
               <a:rPr lang="en-GB" smtClean="0"/>
-              <a:t>17/03/2025</a:t>
+              <a:t>18/03/2025</a:t>
             </a:fld>
             <a:endParaRPr lang="en-GB"/>
           </a:p>
@@ -4060,7 +4212,7 @@
           <a:p>
             <a:fld id="{195FDFDA-6C80-4589-A05F-42F9461A9CEE}" type="datetimeFigureOut">
               <a:rPr lang="en-GB" smtClean="0"/>
-              <a:t>17/03/2025</a:t>
+              <a:t>18/03/2025</a:t>
             </a:fld>
             <a:endParaRPr lang="en-GB"/>
           </a:p>
@@ -4829,6 +4981,210 @@
     <p:extLst>
       <p:ext uri="{BB962C8B-B14F-4D97-AF65-F5344CB8AC3E}">
         <p14:creationId xmlns:p14="http://schemas.microsoft.com/office/powerpoint/2010/main" val="3173600755"/>
+      </p:ext>
+    </p:extLst>
+  </p:cSld>
+  <p:clrMapOvr>
+    <a:masterClrMapping/>
+  </p:clrMapOvr>
+</p:sld>
+</file>
+
+<file path=ppt/slides/slide10.xml><?xml version="1.0" encoding="utf-8"?>
+<p:sld xmlns:a="http://schemas.openxmlformats.org/drawingml/2006/main" xmlns:r="http://schemas.openxmlformats.org/officeDocument/2006/relationships" xmlns:p="http://schemas.openxmlformats.org/presentationml/2006/main">
+  <p:cSld>
+    <p:bg>
+      <p:bgPr>
+        <a:solidFill>
+          <a:schemeClr val="bg2"/>
+        </a:solidFill>
+        <a:effectLst/>
+      </p:bgPr>
+    </p:bg>
+    <p:spTree>
+      <p:nvGrpSpPr>
+        <p:cNvPr id="1" name=""/>
+        <p:cNvGrpSpPr/>
+        <p:nvPr/>
+      </p:nvGrpSpPr>
+      <p:grpSpPr>
+        <a:xfrm>
+          <a:off x="0" y="0"/>
+          <a:ext cx="0" cy="0"/>
+          <a:chOff x="0" y="0"/>
+          <a:chExt cx="0" cy="0"/>
+        </a:xfrm>
+      </p:grpSpPr>
+      <p:sp>
+        <p:nvSpPr>
+          <p:cNvPr id="2" name="Title 1">
+            <a:extLst>
+              <a:ext uri="{FF2B5EF4-FFF2-40B4-BE49-F238E27FC236}">
+                <a16:creationId xmlns:a16="http://schemas.microsoft.com/office/drawing/2014/main" id="{7208797E-A21F-2C1A-56F8-EF71A7FECE9C}"/>
+              </a:ext>
+            </a:extLst>
+          </p:cNvPr>
+          <p:cNvSpPr>
+            <a:spLocks noGrp="1"/>
+          </p:cNvSpPr>
+          <p:nvPr>
+            <p:ph type="title"/>
+          </p:nvPr>
+        </p:nvSpPr>
+        <p:spPr/>
+        <p:txBody>
+          <a:bodyPr/>
+          <a:lstStyle/>
+          <a:p>
+            <a:r>
+              <a:rPr lang="en-GB" dirty="0"/>
+              <a:t>This is my summary</a:t>
+            </a:r>
+          </a:p>
+        </p:txBody>
+      </p:sp>
+      <p:sp>
+        <p:nvSpPr>
+          <p:cNvPr id="3" name="Text Placeholder 2">
+            <a:extLst>
+              <a:ext uri="{FF2B5EF4-FFF2-40B4-BE49-F238E27FC236}">
+                <a16:creationId xmlns:a16="http://schemas.microsoft.com/office/drawing/2014/main" id="{1066285B-70FD-1CFB-1083-B23680BB3487}"/>
+              </a:ext>
+            </a:extLst>
+          </p:cNvPr>
+          <p:cNvSpPr>
+            <a:spLocks noGrp="1"/>
+          </p:cNvSpPr>
+          <p:nvPr>
+            <p:ph type="body" idx="1"/>
+          </p:nvPr>
+        </p:nvSpPr>
+        <p:spPr/>
+        <p:txBody>
+          <a:bodyPr/>
+          <a:lstStyle/>
+          <a:p>
+            <a:r>
+              <a:rPr lang="en-GB" dirty="0"/>
+              <a:t>And here is a nice chart to illustrate it</a:t>
+            </a:r>
+          </a:p>
+        </p:txBody>
+      </p:sp>
+      <p:pic>
+        <p:nvPicPr>
+          <p:cNvPr id="5" name="Picture 4" descr="A network of colorful circles&#10;&#10;AI-generated content may be incorrect.">
+            <a:extLst>
+              <a:ext uri="{FF2B5EF4-FFF2-40B4-BE49-F238E27FC236}">
+                <a16:creationId xmlns:a16="http://schemas.microsoft.com/office/drawing/2014/main" id="{5358C7FD-9443-41D4-7430-9026C930ADD4}"/>
+              </a:ext>
+            </a:extLst>
+          </p:cNvPr>
+          <p:cNvPicPr>
+            <a:picLocks noChangeAspect="1"/>
+          </p:cNvPicPr>
+          <p:nvPr/>
+        </p:nvPicPr>
+        <p:blipFill>
+          <a:blip r:embed="rId2">
+            <a:extLst>
+              <a:ext uri="{28A0092B-C50C-407E-A947-70E740481C1C}">
+                <a14:useLocalDpi xmlns:a14="http://schemas.microsoft.com/office/drawing/2010/main" val="0"/>
+              </a:ext>
+            </a:extLst>
+          </a:blip>
+          <a:stretch>
+            <a:fillRect/>
+          </a:stretch>
+        </p:blipFill>
+        <p:spPr>
+          <a:xfrm>
+            <a:off x="0" y="-224904"/>
+            <a:ext cx="12192000" cy="7072215"/>
+          </a:xfrm>
+          <a:prstGeom prst="rect">
+            <a:avLst/>
+          </a:prstGeom>
+        </p:spPr>
+      </p:pic>
+      <p:sp>
+        <p:nvSpPr>
+          <p:cNvPr id="6" name="TextBox 5">
+            <a:extLst>
+              <a:ext uri="{FF2B5EF4-FFF2-40B4-BE49-F238E27FC236}">
+                <a16:creationId xmlns:a16="http://schemas.microsoft.com/office/drawing/2014/main" id="{533AC8A3-ECE5-6836-975B-47958C0DA405}"/>
+              </a:ext>
+            </a:extLst>
+          </p:cNvPr>
+          <p:cNvSpPr txBox="1"/>
+          <p:nvPr/>
+        </p:nvSpPr>
+        <p:spPr>
+          <a:xfrm>
+            <a:off x="0" y="-227079"/>
+            <a:ext cx="6134792" cy="646331"/>
+          </a:xfrm>
+          <a:prstGeom prst="rect">
+            <a:avLst/>
+          </a:prstGeom>
+          <a:noFill/>
+        </p:spPr>
+        <p:txBody>
+          <a:bodyPr wrap="square">
+            <a:spAutoFit/>
+          </a:bodyPr>
+          <a:lstStyle/>
+          <a:p>
+            <a:r>
+              <a:rPr lang="en-GB" dirty="0"/>
+              <a:t>Are there identifiable features of students’ citation practices that we can use as insights for our teaching?</a:t>
+            </a:r>
+          </a:p>
+        </p:txBody>
+      </p:sp>
+      <p:sp>
+        <p:nvSpPr>
+          <p:cNvPr id="8" name="TextBox 7">
+            <a:extLst>
+              <a:ext uri="{FF2B5EF4-FFF2-40B4-BE49-F238E27FC236}">
+                <a16:creationId xmlns:a16="http://schemas.microsoft.com/office/drawing/2014/main" id="{1E9E8E0A-BA22-B8FA-A375-C7A85F993A98}"/>
+              </a:ext>
+            </a:extLst>
+          </p:cNvPr>
+          <p:cNvSpPr txBox="1"/>
+          <p:nvPr/>
+        </p:nvSpPr>
+        <p:spPr>
+          <a:xfrm>
+            <a:off x="6594953" y="6477979"/>
+            <a:ext cx="5597047" cy="369332"/>
+          </a:xfrm>
+          <a:prstGeom prst="rect">
+            <a:avLst/>
+          </a:prstGeom>
+          <a:noFill/>
+        </p:spPr>
+        <p:txBody>
+          <a:bodyPr wrap="square" rtlCol="0">
+            <a:spAutoFit/>
+          </a:bodyPr>
+          <a:lstStyle/>
+          <a:p>
+            <a:pPr algn="r"/>
+            <a:r>
+              <a:rPr lang="en-GB" dirty="0">
+                <a:hlinkClick r:id="rId3"/>
+              </a:rPr>
+              <a:t>https://github.com/darrengarside/DAML_FinalProject</a:t>
+            </a:r>
+            <a:endParaRPr lang="en-GB" dirty="0"/>
+          </a:p>
+        </p:txBody>
+      </p:sp>
+    </p:spTree>
+    <p:extLst>
+      <p:ext uri="{BB962C8B-B14F-4D97-AF65-F5344CB8AC3E}">
+        <p14:creationId xmlns:p14="http://schemas.microsoft.com/office/powerpoint/2010/main" val="3204788620"/>
       </p:ext>
     </p:extLst>
   </p:cSld>
@@ -7834,6 +8190,28 @@
                 <a:ea typeface="+mn-ea"/>
                 <a:cs typeface="+mn-cs"/>
               </a:rPr>
+              <a:t>PyAlex</a:t>
+            </a:r>
+            <a:r>
+              <a:rPr lang="en-US" sz="1800" kern="1200" dirty="0">
+                <a:solidFill>
+                  <a:schemeClr val="tx1"/>
+                </a:solidFill>
+                <a:latin typeface="+mn-lt"/>
+                <a:ea typeface="+mn-ea"/>
+                <a:cs typeface="+mn-cs"/>
+              </a:rPr>
+              <a:t>, </a:t>
+            </a:r>
+            <a:r>
+              <a:rPr lang="en-US" sz="1800" kern="1200" dirty="0" err="1">
+                <a:solidFill>
+                  <a:schemeClr val="tx1"/>
+                </a:solidFill>
+                <a:latin typeface="+mn-lt"/>
+                <a:ea typeface="+mn-ea"/>
+                <a:cs typeface="+mn-cs"/>
+              </a:rPr>
               <a:t>Litstudy</a:t>
             </a:r>
             <a:endParaRPr lang="en-US" sz="1800" kern="1200" dirty="0">
@@ -7927,7 +8305,9 @@
     <p:bg>
       <p:bgPr>
         <a:solidFill>
-          <a:schemeClr val="bg2"/>
+          <a:schemeClr val="bg1">
+            <a:lumMod val="95000"/>
+          </a:schemeClr>
         </a:solidFill>
         <a:effectLst/>
       </p:bgPr>
@@ -7946,118 +8326,557 @@
           <a:chExt cx="0" cy="0"/>
         </a:xfrm>
       </p:grpSpPr>
-      <p:pic>
-        <p:nvPicPr>
-          <p:cNvPr id="17" name="Picture 16" descr="A close-up of a circular object&#10;&#10;AI-generated content may be incorrect.">
+      <p:sp>
+        <p:nvSpPr>
+          <p:cNvPr id="5" name="TextBox 4">
             <a:extLst>
               <a:ext uri="{FF2B5EF4-FFF2-40B4-BE49-F238E27FC236}">
-                <a16:creationId xmlns:a16="http://schemas.microsoft.com/office/drawing/2014/main" id="{0FAC67BA-CF91-D67C-DFE9-BD2C087290FB}"/>
+                <a16:creationId xmlns:a16="http://schemas.microsoft.com/office/drawing/2014/main" id="{1920EEBA-69C4-A36C-BAD0-3BE4066F491E}"/>
               </a:ext>
             </a:extLst>
           </p:cNvPr>
-          <p:cNvPicPr>
-            <a:picLocks noChangeAspect="1"/>
-          </p:cNvPicPr>
+          <p:cNvSpPr txBox="1"/>
           <p:nvPr/>
-        </p:nvPicPr>
-        <p:blipFill>
-          <a:blip r:embed="rId2">
-            <a:extLst>
-              <a:ext uri="{28A0092B-C50C-407E-A947-70E740481C1C}">
-                <a14:useLocalDpi xmlns:a14="http://schemas.microsoft.com/office/drawing/2010/main" val="0"/>
-              </a:ext>
-            </a:extLst>
-          </a:blip>
-          <a:stretch>
-            <a:fillRect/>
-          </a:stretch>
-        </p:blipFill>
+        </p:nvSpPr>
         <p:spPr>
           <a:xfrm>
-            <a:off x="0" y="-4843"/>
-            <a:ext cx="12192000" cy="6858000"/>
+            <a:off x="3048000" y="0"/>
+            <a:ext cx="6096000" cy="7109639"/>
           </a:xfrm>
           <a:prstGeom prst="rect">
             <a:avLst/>
           </a:prstGeom>
+          <a:noFill/>
         </p:spPr>
-      </p:pic>
-      <p:pic>
-        <p:nvPicPr>
-          <p:cNvPr id="13" name="Picture 12" descr="A black and blue circular object with blue dots&#10;&#10;AI-generated content may be incorrect.">
-            <a:extLst>
-              <a:ext uri="{FF2B5EF4-FFF2-40B4-BE49-F238E27FC236}">
-                <a16:creationId xmlns:a16="http://schemas.microsoft.com/office/drawing/2014/main" id="{12DBC42D-937E-655A-382E-E8ACCD9DF1AF}"/>
-              </a:ext>
-            </a:extLst>
-          </p:cNvPr>
-          <p:cNvPicPr>
-            <a:picLocks noChangeAspect="1"/>
-          </p:cNvPicPr>
-          <p:nvPr/>
-        </p:nvPicPr>
-        <p:blipFill>
-          <a:blip r:embed="rId3">
-            <a:extLst>
-              <a:ext uri="{28A0092B-C50C-407E-A947-70E740481C1C}">
-                <a14:useLocalDpi xmlns:a14="http://schemas.microsoft.com/office/drawing/2010/main" val="0"/>
-              </a:ext>
-            </a:extLst>
-          </a:blip>
-          <a:stretch>
-            <a:fillRect/>
-          </a:stretch>
-        </p:blipFill>
-        <p:spPr>
-          <a:xfrm>
-            <a:off x="3840889" y="0"/>
-            <a:ext cx="4510222" cy="3433845"/>
-          </a:xfrm>
-          <a:prstGeom prst="rect">
-            <a:avLst/>
-          </a:prstGeom>
-        </p:spPr>
-      </p:pic>
-      <p:pic>
-        <p:nvPicPr>
-          <p:cNvPr id="15" name="Picture 14" descr="A diagram of a graph&#10;&#10;AI-generated content may be incorrect.">
-            <a:extLst>
-              <a:ext uri="{FF2B5EF4-FFF2-40B4-BE49-F238E27FC236}">
-                <a16:creationId xmlns:a16="http://schemas.microsoft.com/office/drawing/2014/main" id="{24E85237-4584-CA27-8CFC-32F123433F12}"/>
-              </a:ext>
-            </a:extLst>
-          </p:cNvPr>
-          <p:cNvPicPr>
-            <a:picLocks noChangeAspect="1"/>
-          </p:cNvPicPr>
-          <p:nvPr/>
-        </p:nvPicPr>
-        <p:blipFill>
-          <a:blip r:embed="rId4">
-            <a:extLst>
-              <a:ext uri="{28A0092B-C50C-407E-A947-70E740481C1C}">
-                <a14:useLocalDpi xmlns:a14="http://schemas.microsoft.com/office/drawing/2010/main" val="0"/>
-              </a:ext>
-            </a:extLst>
-          </a:blip>
-          <a:stretch>
-            <a:fillRect/>
-          </a:stretch>
-        </p:blipFill>
-        <p:spPr>
-          <a:xfrm>
-            <a:off x="6102363" y="3426578"/>
-            <a:ext cx="4497495" cy="3424157"/>
-          </a:xfrm>
-          <a:prstGeom prst="rect">
-            <a:avLst/>
-          </a:prstGeom>
-        </p:spPr>
-      </p:pic>
+        <p:txBody>
+          <a:bodyPr wrap="square">
+            <a:spAutoFit/>
+          </a:bodyPr>
+          <a:lstStyle/>
+          <a:p>
+            <a:r>
+              <a:rPr lang="en-GB" sz="1200" dirty="0"/>
+              <a:t>import pandas as pd</a:t>
+            </a:r>
+          </a:p>
+          <a:p>
+            <a:r>
+              <a:rPr lang="en-GB" sz="1200" dirty="0"/>
+              <a:t>import </a:t>
+            </a:r>
+            <a:r>
+              <a:rPr lang="en-GB" sz="1200" dirty="0" err="1"/>
+              <a:t>json</a:t>
+            </a:r>
+            <a:endParaRPr lang="en-GB" sz="1200" dirty="0"/>
+          </a:p>
+          <a:p>
+            <a:r>
+              <a:rPr lang="en-GB" sz="1200" dirty="0"/>
+              <a:t>import requests</a:t>
+            </a:r>
+          </a:p>
+          <a:p>
+            <a:r>
+              <a:rPr lang="en-GB" sz="1200" dirty="0"/>
+              <a:t>from </a:t>
+            </a:r>
+            <a:r>
+              <a:rPr lang="en-GB" sz="1200" dirty="0" err="1"/>
+              <a:t>pyalex</a:t>
+            </a:r>
+            <a:r>
+              <a:rPr lang="en-GB" sz="1200" dirty="0"/>
+              <a:t> import Works</a:t>
+            </a:r>
+          </a:p>
+          <a:p>
+            <a:endParaRPr lang="en-GB" sz="1200" dirty="0"/>
+          </a:p>
+          <a:p>
+            <a:r>
+              <a:rPr lang="en-GB" sz="1200" dirty="0"/>
+              <a:t># Assuming </a:t>
+            </a:r>
+            <a:r>
+              <a:rPr lang="en-GB" sz="1200" dirty="0" err="1"/>
+              <a:t>maddie_df</a:t>
+            </a:r>
+            <a:r>
+              <a:rPr lang="en-GB" sz="1200" dirty="0"/>
+              <a:t> is already loaded as a pandas </a:t>
+            </a:r>
+            <a:r>
+              <a:rPr lang="en-GB" sz="1200" dirty="0" err="1"/>
+              <a:t>DataFrame</a:t>
+            </a:r>
+            <a:endParaRPr lang="en-GB" sz="1200" dirty="0"/>
+          </a:p>
+          <a:p>
+            <a:endParaRPr lang="en-GB" sz="1200" dirty="0"/>
+          </a:p>
+          <a:p>
+            <a:r>
+              <a:rPr lang="en-GB" sz="1200" dirty="0"/>
+              <a:t># Initialize dictionaries to store </a:t>
+            </a:r>
+            <a:r>
+              <a:rPr lang="en-GB" sz="1200" dirty="0" err="1"/>
+              <a:t>OpenAlex</a:t>
+            </a:r>
+            <a:r>
+              <a:rPr lang="en-GB" sz="1200" dirty="0"/>
+              <a:t> IDs and their </a:t>
+            </a:r>
+            <a:r>
+              <a:rPr lang="en-GB" sz="1200" dirty="0" err="1"/>
+              <a:t>referenced_by</a:t>
+            </a:r>
+            <a:r>
+              <a:rPr lang="en-GB" sz="1200" dirty="0"/>
+              <a:t> and </a:t>
+            </a:r>
+            <a:r>
+              <a:rPr lang="en-GB" sz="1200" dirty="0" err="1"/>
+              <a:t>cited_by</a:t>
+            </a:r>
+            <a:r>
+              <a:rPr lang="en-GB" sz="1200" dirty="0"/>
+              <a:t> IDs</a:t>
+            </a:r>
+          </a:p>
+          <a:p>
+            <a:r>
+              <a:rPr lang="en-GB" sz="1200" dirty="0" err="1"/>
+              <a:t>referenced_by_dict</a:t>
+            </a:r>
+            <a:r>
+              <a:rPr lang="en-GB" sz="1200" dirty="0"/>
+              <a:t> = {}</a:t>
+            </a:r>
+          </a:p>
+          <a:p>
+            <a:r>
+              <a:rPr lang="en-GB" sz="1200" dirty="0" err="1"/>
+              <a:t>cited_by_dict</a:t>
+            </a:r>
+            <a:r>
+              <a:rPr lang="en-GB" sz="1200" dirty="0"/>
+              <a:t> = {}</a:t>
+            </a:r>
+          </a:p>
+          <a:p>
+            <a:r>
+              <a:rPr lang="en-GB" sz="1200" dirty="0" err="1"/>
+              <a:t>test_referenced_by_dict</a:t>
+            </a:r>
+            <a:r>
+              <a:rPr lang="en-GB" sz="1200" dirty="0"/>
+              <a:t> = {}</a:t>
+            </a:r>
+          </a:p>
+          <a:p>
+            <a:r>
+              <a:rPr lang="en-GB" sz="1200" dirty="0" err="1"/>
+              <a:t>test_cited_by_dict</a:t>
+            </a:r>
+            <a:r>
+              <a:rPr lang="en-GB" sz="1200" dirty="0"/>
+              <a:t> = {}</a:t>
+            </a:r>
+          </a:p>
+          <a:p>
+            <a:endParaRPr lang="en-GB" sz="1200" dirty="0"/>
+          </a:p>
+          <a:p>
+            <a:r>
+              <a:rPr lang="en-GB" sz="1200" dirty="0"/>
+              <a:t># Iterate over each </a:t>
+            </a:r>
+            <a:r>
+              <a:rPr lang="en-GB" sz="1200" dirty="0" err="1"/>
+              <a:t>OpenAlex</a:t>
+            </a:r>
+            <a:r>
+              <a:rPr lang="en-GB" sz="1200" dirty="0"/>
+              <a:t> ID in the </a:t>
+            </a:r>
+            <a:r>
+              <a:rPr lang="en-GB" sz="1200" dirty="0" err="1"/>
+              <a:t>DataFrame</a:t>
+            </a:r>
+            <a:endParaRPr lang="en-GB" sz="1200" dirty="0"/>
+          </a:p>
+          <a:p>
+            <a:r>
+              <a:rPr lang="en-GB" sz="1200" dirty="0"/>
+              <a:t>for </a:t>
+            </a:r>
+            <a:r>
+              <a:rPr lang="en-GB" sz="1200" dirty="0" err="1"/>
+              <a:t>openalex_id</a:t>
+            </a:r>
+            <a:r>
+              <a:rPr lang="en-GB" sz="1200" dirty="0"/>
+              <a:t> in </a:t>
+            </a:r>
+            <a:r>
+              <a:rPr lang="en-GB" sz="1200" dirty="0" err="1"/>
+              <a:t>maddie_df</a:t>
+            </a:r>
+            <a:r>
+              <a:rPr lang="en-GB" sz="1200" dirty="0"/>
+              <a:t>['id']:</a:t>
+            </a:r>
+          </a:p>
+          <a:p>
+            <a:r>
+              <a:rPr lang="en-GB" sz="1200" dirty="0"/>
+              <a:t>    # Lookup information on openalex.org using </a:t>
+            </a:r>
+            <a:r>
+              <a:rPr lang="en-GB" sz="1200" dirty="0" err="1"/>
+              <a:t>pyalex</a:t>
+            </a:r>
+            <a:r>
+              <a:rPr lang="en-GB" sz="1200" dirty="0"/>
+              <a:t> library</a:t>
+            </a:r>
+          </a:p>
+          <a:p>
+            <a:r>
+              <a:rPr lang="en-GB" sz="1200" dirty="0"/>
+              <a:t>    work = Works(</a:t>
+            </a:r>
+            <a:r>
+              <a:rPr lang="en-GB" sz="1200" dirty="0" err="1"/>
+              <a:t>openalex_id</a:t>
+            </a:r>
+            <a:r>
+              <a:rPr lang="en-GB" sz="1200" dirty="0"/>
+              <a:t>).get()</a:t>
+            </a:r>
+          </a:p>
+          <a:p>
+            <a:r>
+              <a:rPr lang="en-GB" sz="1200" dirty="0"/>
+              <a:t>    </a:t>
+            </a:r>
+          </a:p>
+          <a:p>
+            <a:r>
+              <a:rPr lang="en-GB" sz="1200" dirty="0"/>
+              <a:t>    # Extract '</a:t>
+            </a:r>
+            <a:r>
+              <a:rPr lang="en-GB" sz="1200" dirty="0" err="1"/>
+              <a:t>referenced_works</a:t>
+            </a:r>
+            <a:r>
+              <a:rPr lang="en-GB" sz="1200" dirty="0"/>
+              <a:t>' </a:t>
+            </a:r>
+            <a:r>
+              <a:rPr lang="en-GB" sz="1200" dirty="0" err="1"/>
+              <a:t>OpenAlex</a:t>
+            </a:r>
+            <a:r>
+              <a:rPr lang="en-GB" sz="1200" dirty="0"/>
+              <a:t> IDs</a:t>
+            </a:r>
+          </a:p>
+          <a:p>
+            <a:r>
+              <a:rPr lang="en-GB" sz="1200" dirty="0"/>
+              <a:t>    if '</a:t>
+            </a:r>
+            <a:r>
+              <a:rPr lang="en-GB" sz="1200" dirty="0" err="1"/>
+              <a:t>referenced_works</a:t>
+            </a:r>
+            <a:r>
+              <a:rPr lang="en-GB" sz="1200" dirty="0"/>
+              <a:t>' in work:</a:t>
+            </a:r>
+          </a:p>
+          <a:p>
+            <a:r>
+              <a:rPr lang="en-GB" sz="1200" dirty="0"/>
+              <a:t>        </a:t>
+            </a:r>
+            <a:r>
+              <a:rPr lang="en-GB" sz="1200" dirty="0" err="1"/>
+              <a:t>referenced_by_dict</a:t>
+            </a:r>
+            <a:r>
+              <a:rPr lang="en-GB" sz="1200" dirty="0"/>
+              <a:t>[</a:t>
+            </a:r>
+            <a:r>
+              <a:rPr lang="en-GB" sz="1200" dirty="0" err="1"/>
+              <a:t>openalex_id</a:t>
+            </a:r>
+            <a:r>
+              <a:rPr lang="en-GB" sz="1200" dirty="0"/>
+              <a:t>] = work['</a:t>
+            </a:r>
+            <a:r>
+              <a:rPr lang="en-GB" sz="1200" dirty="0" err="1"/>
+              <a:t>referenced_works</a:t>
+            </a:r>
+            <a:r>
+              <a:rPr lang="en-GB" sz="1200" dirty="0"/>
+              <a:t>']</a:t>
+            </a:r>
+          </a:p>
+          <a:p>
+            <a:r>
+              <a:rPr lang="en-GB" sz="1200" dirty="0"/>
+              <a:t>    </a:t>
+            </a:r>
+          </a:p>
+          <a:p>
+            <a:r>
+              <a:rPr lang="en-GB" sz="1200" dirty="0"/>
+              <a:t>    # Extract '</a:t>
+            </a:r>
+            <a:r>
+              <a:rPr lang="en-GB" sz="1200" dirty="0" err="1"/>
+              <a:t>cited_by_api_url</a:t>
+            </a:r>
+            <a:r>
+              <a:rPr lang="en-GB" sz="1200" dirty="0"/>
+              <a:t>' </a:t>
+            </a:r>
+            <a:r>
+              <a:rPr lang="en-GB" sz="1200" dirty="0" err="1"/>
+              <a:t>OpenAlex</a:t>
+            </a:r>
+            <a:r>
+              <a:rPr lang="en-GB" sz="1200" dirty="0"/>
+              <a:t> IDs</a:t>
+            </a:r>
+          </a:p>
+          <a:p>
+            <a:r>
+              <a:rPr lang="en-GB" sz="1200" dirty="0"/>
+              <a:t>    if '</a:t>
+            </a:r>
+            <a:r>
+              <a:rPr lang="en-GB" sz="1200" dirty="0" err="1"/>
+              <a:t>cited_by_api_url</a:t>
+            </a:r>
+            <a:r>
+              <a:rPr lang="en-GB" sz="1200" dirty="0"/>
+              <a:t>' in work:</a:t>
+            </a:r>
+          </a:p>
+          <a:p>
+            <a:r>
+              <a:rPr lang="en-GB" sz="1200" dirty="0"/>
+              <a:t>        </a:t>
+            </a:r>
+            <a:r>
+              <a:rPr lang="en-GB" sz="1200" dirty="0" err="1"/>
+              <a:t>cited_by_api_url</a:t>
+            </a:r>
+            <a:r>
+              <a:rPr lang="en-GB" sz="1200" dirty="0"/>
+              <a:t> = work['</a:t>
+            </a:r>
+            <a:r>
+              <a:rPr lang="en-GB" sz="1200" dirty="0" err="1"/>
+              <a:t>cited_by_api_url</a:t>
+            </a:r>
+            <a:r>
+              <a:rPr lang="en-GB" sz="1200" dirty="0"/>
+              <a:t>']</a:t>
+            </a:r>
+          </a:p>
+          <a:p>
+            <a:r>
+              <a:rPr lang="en-GB" sz="1200" dirty="0"/>
+              <a:t>        response = </a:t>
+            </a:r>
+            <a:r>
+              <a:rPr lang="en-GB" sz="1200" dirty="0" err="1"/>
+              <a:t>requests.get</a:t>
+            </a:r>
+            <a:r>
+              <a:rPr lang="en-GB" sz="1200" dirty="0"/>
+              <a:t>(</a:t>
+            </a:r>
+            <a:r>
+              <a:rPr lang="en-GB" sz="1200" dirty="0" err="1"/>
+              <a:t>cited_by_api_url</a:t>
+            </a:r>
+            <a:r>
+              <a:rPr lang="en-GB" sz="1200" dirty="0"/>
+              <a:t>)</a:t>
+            </a:r>
+          </a:p>
+          <a:p>
+            <a:r>
+              <a:rPr lang="en-GB" sz="1200" dirty="0"/>
+              <a:t>        if </a:t>
+            </a:r>
+            <a:r>
+              <a:rPr lang="en-GB" sz="1200" dirty="0" err="1"/>
+              <a:t>response.status_code</a:t>
+            </a:r>
+            <a:r>
+              <a:rPr lang="en-GB" sz="1200" dirty="0"/>
+              <a:t> == 200:</a:t>
+            </a:r>
+          </a:p>
+          <a:p>
+            <a:r>
+              <a:rPr lang="en-GB" sz="1200" dirty="0"/>
+              <a:t>            </a:t>
+            </a:r>
+            <a:r>
+              <a:rPr lang="en-GB" sz="1200" dirty="0" err="1"/>
+              <a:t>cited_by_work</a:t>
+            </a:r>
+            <a:r>
+              <a:rPr lang="en-GB" sz="1200" dirty="0"/>
+              <a:t> = </a:t>
+            </a:r>
+            <a:r>
+              <a:rPr lang="en-GB" sz="1200" dirty="0" err="1"/>
+              <a:t>response.json</a:t>
+            </a:r>
+            <a:r>
+              <a:rPr lang="en-GB" sz="1200" dirty="0"/>
+              <a:t>()</a:t>
+            </a:r>
+          </a:p>
+          <a:p>
+            <a:r>
+              <a:rPr lang="en-GB" sz="1200" dirty="0"/>
+              <a:t>            if 'results' in </a:t>
+            </a:r>
+            <a:r>
+              <a:rPr lang="en-GB" sz="1200" dirty="0" err="1"/>
+              <a:t>cited_by_work</a:t>
+            </a:r>
+            <a:r>
+              <a:rPr lang="en-GB" sz="1200" dirty="0"/>
+              <a:t>:</a:t>
+            </a:r>
+          </a:p>
+          <a:p>
+            <a:r>
+              <a:rPr lang="en-GB" sz="1200" dirty="0"/>
+              <a:t>                </a:t>
+            </a:r>
+            <a:r>
+              <a:rPr lang="en-GB" sz="1200" dirty="0" err="1"/>
+              <a:t>cited_by_dict</a:t>
+            </a:r>
+            <a:r>
+              <a:rPr lang="en-GB" sz="1200" dirty="0"/>
+              <a:t>[</a:t>
+            </a:r>
+            <a:r>
+              <a:rPr lang="en-GB" sz="1200" dirty="0" err="1"/>
+              <a:t>openalex_id</a:t>
+            </a:r>
+            <a:r>
+              <a:rPr lang="en-GB" sz="1200" dirty="0"/>
+              <a:t>] = [cited['id'] for cited in </a:t>
+            </a:r>
+            <a:r>
+              <a:rPr lang="en-GB" sz="1200" dirty="0" err="1"/>
+              <a:t>cited_by_work</a:t>
+            </a:r>
+            <a:r>
+              <a:rPr lang="en-GB" sz="1200" dirty="0"/>
+              <a:t>['results’]]</a:t>
+            </a:r>
+          </a:p>
+          <a:p>
+            <a:r>
+              <a:rPr lang="en-GB" sz="1200" dirty="0"/>
+              <a:t>[…]               </a:t>
+            </a:r>
+          </a:p>
+          <a:p>
+            <a:endParaRPr lang="en-GB" sz="1200" dirty="0"/>
+          </a:p>
+          <a:p>
+            <a:r>
+              <a:rPr lang="en-GB" sz="1200" dirty="0"/>
+              <a:t># TODO: combine above for loops into a more abstracted function</a:t>
+            </a:r>
+          </a:p>
+          <a:p>
+            <a:endParaRPr lang="en-GB" sz="1200" dirty="0"/>
+          </a:p>
+          <a:p>
+            <a:r>
+              <a:rPr lang="en-GB" sz="1200" dirty="0"/>
+              <a:t># Print the dictionaries of </a:t>
+            </a:r>
+            <a:r>
+              <a:rPr lang="en-GB" sz="1200" dirty="0" err="1"/>
+              <a:t>OpenAlex</a:t>
+            </a:r>
+            <a:r>
+              <a:rPr lang="en-GB" sz="1200" dirty="0"/>
+              <a:t> IDs and their </a:t>
+            </a:r>
+            <a:r>
+              <a:rPr lang="en-GB" sz="1200" dirty="0" err="1"/>
+              <a:t>referenced_by</a:t>
+            </a:r>
+            <a:r>
+              <a:rPr lang="en-GB" sz="1200" dirty="0"/>
+              <a:t> and </a:t>
+            </a:r>
+            <a:r>
+              <a:rPr lang="en-GB" sz="1200" dirty="0" err="1"/>
+              <a:t>cited_by</a:t>
+            </a:r>
+            <a:r>
+              <a:rPr lang="en-GB" sz="1200" dirty="0"/>
+              <a:t> IDs</a:t>
+            </a:r>
+          </a:p>
+          <a:p>
+            <a:r>
+              <a:rPr lang="en-GB" sz="1200" dirty="0"/>
+              <a:t>print("Referenced by dictionary:", </a:t>
+            </a:r>
+            <a:r>
+              <a:rPr lang="en-GB" sz="1200" dirty="0" err="1"/>
+              <a:t>test_referenced_by_dict</a:t>
+            </a:r>
+            <a:r>
+              <a:rPr lang="en-GB" sz="1200" dirty="0"/>
+              <a:t>)</a:t>
+            </a:r>
+          </a:p>
+          <a:p>
+            <a:r>
+              <a:rPr lang="en-GB" sz="1200" dirty="0"/>
+              <a:t>print("Cited by dictionary:", </a:t>
+            </a:r>
+            <a:r>
+              <a:rPr lang="en-GB" sz="1200" dirty="0" err="1"/>
+              <a:t>test_cited_by_dict</a:t>
+            </a:r>
+            <a:r>
+              <a:rPr lang="en-GB" sz="1200" dirty="0"/>
+              <a:t>)</a:t>
+            </a:r>
+          </a:p>
+        </p:txBody>
+      </p:sp>
     </p:spTree>
     <p:extLst>
       <p:ext uri="{BB962C8B-B14F-4D97-AF65-F5344CB8AC3E}">
-        <p14:creationId xmlns:p14="http://schemas.microsoft.com/office/powerpoint/2010/main" val="3448502234"/>
+        <p14:creationId xmlns:p14="http://schemas.microsoft.com/office/powerpoint/2010/main" val="4252103257"/>
       </p:ext>
     </p:extLst>
   </p:cSld>
@@ -8092,68 +8911,12 @@
           <a:chExt cx="0" cy="0"/>
         </a:xfrm>
       </p:grpSpPr>
-      <p:sp>
-        <p:nvSpPr>
-          <p:cNvPr id="2" name="Title 1">
-            <a:extLst>
-              <a:ext uri="{FF2B5EF4-FFF2-40B4-BE49-F238E27FC236}">
-                <a16:creationId xmlns:a16="http://schemas.microsoft.com/office/drawing/2014/main" id="{7208797E-A21F-2C1A-56F8-EF71A7FECE9C}"/>
-              </a:ext>
-            </a:extLst>
-          </p:cNvPr>
-          <p:cNvSpPr>
-            <a:spLocks noGrp="1"/>
-          </p:cNvSpPr>
-          <p:nvPr>
-            <p:ph type="title"/>
-          </p:nvPr>
-        </p:nvSpPr>
-        <p:spPr/>
-        <p:txBody>
-          <a:bodyPr/>
-          <a:lstStyle/>
-          <a:p>
-            <a:r>
-              <a:rPr lang="en-GB" dirty="0"/>
-              <a:t>This is my summary</a:t>
-            </a:r>
-          </a:p>
-        </p:txBody>
-      </p:sp>
-      <p:sp>
-        <p:nvSpPr>
-          <p:cNvPr id="3" name="Text Placeholder 2">
-            <a:extLst>
-              <a:ext uri="{FF2B5EF4-FFF2-40B4-BE49-F238E27FC236}">
-                <a16:creationId xmlns:a16="http://schemas.microsoft.com/office/drawing/2014/main" id="{1066285B-70FD-1CFB-1083-B23680BB3487}"/>
-              </a:ext>
-            </a:extLst>
-          </p:cNvPr>
-          <p:cNvSpPr>
-            <a:spLocks noGrp="1"/>
-          </p:cNvSpPr>
-          <p:nvPr>
-            <p:ph type="body" idx="1"/>
-          </p:nvPr>
-        </p:nvSpPr>
-        <p:spPr/>
-        <p:txBody>
-          <a:bodyPr/>
-          <a:lstStyle/>
-          <a:p>
-            <a:r>
-              <a:rPr lang="en-GB" dirty="0"/>
-              <a:t>And here is a nice chart to illustrate it</a:t>
-            </a:r>
-          </a:p>
-        </p:txBody>
-      </p:sp>
       <p:pic>
         <p:nvPicPr>
-          <p:cNvPr id="5" name="Picture 4" descr="A network of colorful circles&#10;&#10;AI-generated content may be incorrect.">
+          <p:cNvPr id="13" name="Picture 12" descr="A black and blue circular object with blue dots&#10;&#10;AI-generated content may be incorrect.">
             <a:extLst>
               <a:ext uri="{FF2B5EF4-FFF2-40B4-BE49-F238E27FC236}">
-                <a16:creationId xmlns:a16="http://schemas.microsoft.com/office/drawing/2014/main" id="{5358C7FD-9443-41D4-7430-9026C930ADD4}"/>
+                <a16:creationId xmlns:a16="http://schemas.microsoft.com/office/drawing/2014/main" id="{12DBC42D-937E-655A-382E-E8ACCD9DF1AF}"/>
               </a:ext>
             </a:extLst>
           </p:cNvPr>
@@ -8176,8 +8939,158 @@
         </p:blipFill>
         <p:spPr>
           <a:xfrm>
-            <a:off x="0" y="-224904"/>
-            <a:ext cx="12192000" cy="7072215"/>
+            <a:off x="3186545" y="1722"/>
+            <a:ext cx="9005455" cy="6856278"/>
+          </a:xfrm>
+          <a:prstGeom prst="rect">
+            <a:avLst/>
+          </a:prstGeom>
+        </p:spPr>
+      </p:pic>
+      <p:sp>
+        <p:nvSpPr>
+          <p:cNvPr id="2" name="TextBox 1">
+            <a:extLst>
+              <a:ext uri="{FF2B5EF4-FFF2-40B4-BE49-F238E27FC236}">
+                <a16:creationId xmlns:a16="http://schemas.microsoft.com/office/drawing/2014/main" id="{95AD8586-7920-BDBC-622D-C7E03657F641}"/>
+              </a:ext>
+            </a:extLst>
+          </p:cNvPr>
+          <p:cNvSpPr txBox="1"/>
+          <p:nvPr/>
+        </p:nvSpPr>
+        <p:spPr>
+          <a:xfrm>
+            <a:off x="0" y="0"/>
+            <a:ext cx="3186545" cy="646331"/>
+          </a:xfrm>
+          <a:prstGeom prst="rect">
+            <a:avLst/>
+          </a:prstGeom>
+          <a:noFill/>
+        </p:spPr>
+        <p:txBody>
+          <a:bodyPr wrap="square" rtlCol="0">
+            <a:spAutoFit/>
+          </a:bodyPr>
+          <a:lstStyle/>
+          <a:p>
+            <a:r>
+              <a:rPr lang="en-GB" dirty="0"/>
+              <a:t>The ‘Eye of Sauron’ graph: utterly unusable!</a:t>
+            </a:r>
+          </a:p>
+        </p:txBody>
+      </p:sp>
+    </p:spTree>
+    <p:extLst>
+      <p:ext uri="{BB962C8B-B14F-4D97-AF65-F5344CB8AC3E}">
+        <p14:creationId xmlns:p14="http://schemas.microsoft.com/office/powerpoint/2010/main" val="3448502234"/>
+      </p:ext>
+    </p:extLst>
+  </p:cSld>
+  <p:clrMapOvr>
+    <a:masterClrMapping/>
+  </p:clrMapOvr>
+</p:sld>
+</file>
+
+<file path=ppt/slides/slide6.xml><?xml version="1.0" encoding="utf-8"?>
+<p:sld xmlns:a="http://schemas.openxmlformats.org/drawingml/2006/main" xmlns:r="http://schemas.openxmlformats.org/officeDocument/2006/relationships" xmlns:p="http://schemas.openxmlformats.org/presentationml/2006/main">
+  <p:cSld>
+    <p:bg>
+      <p:bgPr>
+        <a:solidFill>
+          <a:schemeClr val="bg2"/>
+        </a:solidFill>
+        <a:effectLst/>
+      </p:bgPr>
+    </p:bg>
+    <p:spTree>
+      <p:nvGrpSpPr>
+        <p:cNvPr id="1" name="">
+          <a:extLst>
+            <a:ext uri="{FF2B5EF4-FFF2-40B4-BE49-F238E27FC236}">
+              <a16:creationId xmlns:a16="http://schemas.microsoft.com/office/drawing/2014/main" id="{2E980496-D62E-DD0D-7100-6DE8444813C7}"/>
+            </a:ext>
+          </a:extLst>
+        </p:cNvPr>
+        <p:cNvGrpSpPr/>
+        <p:nvPr/>
+      </p:nvGrpSpPr>
+      <p:grpSpPr>
+        <a:xfrm>
+          <a:off x="0" y="0"/>
+          <a:ext cx="0" cy="0"/>
+          <a:chOff x="0" y="0"/>
+          <a:chExt cx="0" cy="0"/>
+        </a:xfrm>
+      </p:grpSpPr>
+      <p:sp>
+        <p:nvSpPr>
+          <p:cNvPr id="2" name="TextBox 1">
+            <a:extLst>
+              <a:ext uri="{FF2B5EF4-FFF2-40B4-BE49-F238E27FC236}">
+                <a16:creationId xmlns:a16="http://schemas.microsoft.com/office/drawing/2014/main" id="{188E9D38-6ED5-CC8B-7BC5-AD67629241B2}"/>
+              </a:ext>
+            </a:extLst>
+          </p:cNvPr>
+          <p:cNvSpPr txBox="1"/>
+          <p:nvPr/>
+        </p:nvSpPr>
+        <p:spPr>
+          <a:xfrm>
+            <a:off x="0" y="0"/>
+            <a:ext cx="3186545" cy="369332"/>
+          </a:xfrm>
+          <a:prstGeom prst="rect">
+            <a:avLst/>
+          </a:prstGeom>
+          <a:noFill/>
+        </p:spPr>
+        <p:txBody>
+          <a:bodyPr wrap="square" rtlCol="0">
+            <a:spAutoFit/>
+          </a:bodyPr>
+          <a:lstStyle/>
+          <a:p>
+            <a:r>
+              <a:rPr lang="en-GB" dirty="0"/>
+              <a:t>Excellent: directed</a:t>
+            </a:r>
+          </a:p>
+        </p:txBody>
+      </p:sp>
+      <p:pic>
+        <p:nvPicPr>
+          <p:cNvPr id="4" name="Picture 3" descr="A diagram of a network&#10;&#10;AI-generated content may be incorrect.">
+            <a:extLst>
+              <a:ext uri="{FF2B5EF4-FFF2-40B4-BE49-F238E27FC236}">
+                <a16:creationId xmlns:a16="http://schemas.microsoft.com/office/drawing/2014/main" id="{8E5CCEFC-D10C-982F-A519-C7AB796F3DA3}"/>
+              </a:ext>
+            </a:extLst>
+          </p:cNvPr>
+          <p:cNvPicPr>
+            <a:picLocks noChangeAspect="1"/>
+          </p:cNvPicPr>
+          <p:nvPr/>
+        </p:nvPicPr>
+        <p:blipFill>
+          <a:blip r:embed="rId2">
+            <a:extLst>
+              <a:ext uri="{28A0092B-C50C-407E-A947-70E740481C1C}">
+                <a14:useLocalDpi xmlns:a14="http://schemas.microsoft.com/office/drawing/2010/main" val="0"/>
+              </a:ext>
+            </a:extLst>
+          </a:blip>
+          <a:stretch>
+            <a:fillRect/>
+          </a:stretch>
+        </p:blipFill>
+        <p:spPr>
+          <a:xfrm>
+            <a:off x="2255230" y="0"/>
+            <a:ext cx="9936770" cy="6858000"/>
           </a:xfrm>
           <a:prstGeom prst="rect">
             <a:avLst/>
@@ -8187,7 +9100,352 @@
     </p:spTree>
     <p:extLst>
       <p:ext uri="{BB962C8B-B14F-4D97-AF65-F5344CB8AC3E}">
-        <p14:creationId xmlns:p14="http://schemas.microsoft.com/office/powerpoint/2010/main" val="3204788620"/>
+        <p14:creationId xmlns:p14="http://schemas.microsoft.com/office/powerpoint/2010/main" val="3263353591"/>
+      </p:ext>
+    </p:extLst>
+  </p:cSld>
+  <p:clrMapOvr>
+    <a:masterClrMapping/>
+  </p:clrMapOvr>
+</p:sld>
+</file>
+
+<file path=ppt/slides/slide7.xml><?xml version="1.0" encoding="utf-8"?>
+<p:sld xmlns:a="http://schemas.openxmlformats.org/drawingml/2006/main" xmlns:r="http://schemas.openxmlformats.org/officeDocument/2006/relationships" xmlns:p="http://schemas.openxmlformats.org/presentationml/2006/main">
+  <p:cSld>
+    <p:bg>
+      <p:bgPr>
+        <a:solidFill>
+          <a:schemeClr val="bg2"/>
+        </a:solidFill>
+        <a:effectLst/>
+      </p:bgPr>
+    </p:bg>
+    <p:spTree>
+      <p:nvGrpSpPr>
+        <p:cNvPr id="1" name="">
+          <a:extLst>
+            <a:ext uri="{FF2B5EF4-FFF2-40B4-BE49-F238E27FC236}">
+              <a16:creationId xmlns:a16="http://schemas.microsoft.com/office/drawing/2014/main" id="{5132C66D-A854-B2BD-7BD4-BEB061DBD8D5}"/>
+            </a:ext>
+          </a:extLst>
+        </p:cNvPr>
+        <p:cNvGrpSpPr/>
+        <p:nvPr/>
+      </p:nvGrpSpPr>
+      <p:grpSpPr>
+        <a:xfrm>
+          <a:off x="0" y="0"/>
+          <a:ext cx="0" cy="0"/>
+          <a:chOff x="0" y="0"/>
+          <a:chExt cx="0" cy="0"/>
+        </a:xfrm>
+      </p:grpSpPr>
+      <p:sp>
+        <p:nvSpPr>
+          <p:cNvPr id="2" name="TextBox 1">
+            <a:extLst>
+              <a:ext uri="{FF2B5EF4-FFF2-40B4-BE49-F238E27FC236}">
+                <a16:creationId xmlns:a16="http://schemas.microsoft.com/office/drawing/2014/main" id="{EA8063B0-7D30-BD7E-63F2-85A8F1BD3991}"/>
+              </a:ext>
+            </a:extLst>
+          </p:cNvPr>
+          <p:cNvSpPr txBox="1"/>
+          <p:nvPr/>
+        </p:nvSpPr>
+        <p:spPr>
+          <a:xfrm>
+            <a:off x="0" y="0"/>
+            <a:ext cx="3186545" cy="369332"/>
+          </a:xfrm>
+          <a:prstGeom prst="rect">
+            <a:avLst/>
+          </a:prstGeom>
+          <a:noFill/>
+        </p:spPr>
+        <p:txBody>
+          <a:bodyPr wrap="square" rtlCol="0">
+            <a:spAutoFit/>
+          </a:bodyPr>
+          <a:lstStyle/>
+          <a:p>
+            <a:r>
+              <a:rPr lang="en-GB" dirty="0"/>
+              <a:t>Excellent: undirected</a:t>
+            </a:r>
+          </a:p>
+        </p:txBody>
+      </p:sp>
+      <p:pic>
+        <p:nvPicPr>
+          <p:cNvPr id="4" name="Picture 3" descr="A group of black and blue clouds&#10;&#10;AI-generated content may be incorrect.">
+            <a:extLst>
+              <a:ext uri="{FF2B5EF4-FFF2-40B4-BE49-F238E27FC236}">
+                <a16:creationId xmlns:a16="http://schemas.microsoft.com/office/drawing/2014/main" id="{F2BD8F06-27BE-F8D0-D1A9-411A435D7E3C}"/>
+              </a:ext>
+            </a:extLst>
+          </p:cNvPr>
+          <p:cNvPicPr>
+            <a:picLocks noChangeAspect="1"/>
+          </p:cNvPicPr>
+          <p:nvPr/>
+        </p:nvPicPr>
+        <p:blipFill>
+          <a:blip r:embed="rId2">
+            <a:extLst>
+              <a:ext uri="{28A0092B-C50C-407E-A947-70E740481C1C}">
+                <a14:useLocalDpi xmlns:a14="http://schemas.microsoft.com/office/drawing/2010/main" val="0"/>
+              </a:ext>
+            </a:extLst>
+          </a:blip>
+          <a:stretch>
+            <a:fillRect/>
+          </a:stretch>
+        </p:blipFill>
+        <p:spPr>
+          <a:xfrm>
+            <a:off x="2255230" y="0"/>
+            <a:ext cx="9936770" cy="6858000"/>
+          </a:xfrm>
+          <a:prstGeom prst="rect">
+            <a:avLst/>
+          </a:prstGeom>
+        </p:spPr>
+      </p:pic>
+    </p:spTree>
+    <p:extLst>
+      <p:ext uri="{BB962C8B-B14F-4D97-AF65-F5344CB8AC3E}">
+        <p14:creationId xmlns:p14="http://schemas.microsoft.com/office/powerpoint/2010/main" val="4074861341"/>
+      </p:ext>
+    </p:extLst>
+  </p:cSld>
+  <p:clrMapOvr>
+    <a:masterClrMapping/>
+  </p:clrMapOvr>
+</p:sld>
+</file>
+
+<file path=ppt/slides/slide8.xml><?xml version="1.0" encoding="utf-8"?>
+<p:sld xmlns:a="http://schemas.openxmlformats.org/drawingml/2006/main" xmlns:r="http://schemas.openxmlformats.org/officeDocument/2006/relationships" xmlns:p="http://schemas.openxmlformats.org/presentationml/2006/main">
+  <p:cSld>
+    <p:bg>
+      <p:bgPr>
+        <a:solidFill>
+          <a:schemeClr val="bg2"/>
+        </a:solidFill>
+        <a:effectLst/>
+      </p:bgPr>
+    </p:bg>
+    <p:spTree>
+      <p:nvGrpSpPr>
+        <p:cNvPr id="1" name="">
+          <a:extLst>
+            <a:ext uri="{FF2B5EF4-FFF2-40B4-BE49-F238E27FC236}">
+              <a16:creationId xmlns:a16="http://schemas.microsoft.com/office/drawing/2014/main" id="{38DF5055-9731-7595-991A-32D89409B497}"/>
+            </a:ext>
+          </a:extLst>
+        </p:cNvPr>
+        <p:cNvGrpSpPr/>
+        <p:nvPr/>
+      </p:nvGrpSpPr>
+      <p:grpSpPr>
+        <a:xfrm>
+          <a:off x="0" y="0"/>
+          <a:ext cx="0" cy="0"/>
+          <a:chOff x="0" y="0"/>
+          <a:chExt cx="0" cy="0"/>
+        </a:xfrm>
+      </p:grpSpPr>
+      <p:sp>
+        <p:nvSpPr>
+          <p:cNvPr id="2" name="TextBox 1">
+            <a:extLst>
+              <a:ext uri="{FF2B5EF4-FFF2-40B4-BE49-F238E27FC236}">
+                <a16:creationId xmlns:a16="http://schemas.microsoft.com/office/drawing/2014/main" id="{ECB58F6E-0976-6E70-2C13-3FE86AA53705}"/>
+              </a:ext>
+            </a:extLst>
+          </p:cNvPr>
+          <p:cNvSpPr txBox="1"/>
+          <p:nvPr/>
+        </p:nvSpPr>
+        <p:spPr>
+          <a:xfrm>
+            <a:off x="0" y="0"/>
+            <a:ext cx="3186545" cy="369332"/>
+          </a:xfrm>
+          <a:prstGeom prst="rect">
+            <a:avLst/>
+          </a:prstGeom>
+          <a:noFill/>
+        </p:spPr>
+        <p:txBody>
+          <a:bodyPr wrap="square" rtlCol="0">
+            <a:spAutoFit/>
+          </a:bodyPr>
+          <a:lstStyle/>
+          <a:p>
+            <a:r>
+              <a:rPr lang="en-GB" dirty="0"/>
+              <a:t>Average: directed</a:t>
+            </a:r>
+          </a:p>
+        </p:txBody>
+      </p:sp>
+      <p:pic>
+        <p:nvPicPr>
+          <p:cNvPr id="4" name="Picture 3" descr="A diagram of a network&#10;&#10;AI-generated content may be incorrect.">
+            <a:extLst>
+              <a:ext uri="{FF2B5EF4-FFF2-40B4-BE49-F238E27FC236}">
+                <a16:creationId xmlns:a16="http://schemas.microsoft.com/office/drawing/2014/main" id="{F15934B4-8251-37DA-2C4F-AAC598CD4E7F}"/>
+              </a:ext>
+            </a:extLst>
+          </p:cNvPr>
+          <p:cNvPicPr>
+            <a:picLocks noChangeAspect="1"/>
+          </p:cNvPicPr>
+          <p:nvPr/>
+        </p:nvPicPr>
+        <p:blipFill>
+          <a:blip r:embed="rId2">
+            <a:extLst>
+              <a:ext uri="{28A0092B-C50C-407E-A947-70E740481C1C}">
+                <a14:useLocalDpi xmlns:a14="http://schemas.microsoft.com/office/drawing/2010/main" val="0"/>
+              </a:ext>
+            </a:extLst>
+          </a:blip>
+          <a:stretch>
+            <a:fillRect/>
+          </a:stretch>
+        </p:blipFill>
+        <p:spPr>
+          <a:xfrm>
+            <a:off x="2255230" y="0"/>
+            <a:ext cx="9936770" cy="6858000"/>
+          </a:xfrm>
+          <a:prstGeom prst="rect">
+            <a:avLst/>
+          </a:prstGeom>
+        </p:spPr>
+      </p:pic>
+    </p:spTree>
+    <p:extLst>
+      <p:ext uri="{BB962C8B-B14F-4D97-AF65-F5344CB8AC3E}">
+        <p14:creationId xmlns:p14="http://schemas.microsoft.com/office/powerpoint/2010/main" val="2944873762"/>
+      </p:ext>
+    </p:extLst>
+  </p:cSld>
+  <p:clrMapOvr>
+    <a:masterClrMapping/>
+  </p:clrMapOvr>
+</p:sld>
+</file>
+
+<file path=ppt/slides/slide9.xml><?xml version="1.0" encoding="utf-8"?>
+<p:sld xmlns:a="http://schemas.openxmlformats.org/drawingml/2006/main" xmlns:r="http://schemas.openxmlformats.org/officeDocument/2006/relationships" xmlns:p="http://schemas.openxmlformats.org/presentationml/2006/main">
+  <p:cSld>
+    <p:bg>
+      <p:bgPr>
+        <a:solidFill>
+          <a:schemeClr val="bg2"/>
+        </a:solidFill>
+        <a:effectLst/>
+      </p:bgPr>
+    </p:bg>
+    <p:spTree>
+      <p:nvGrpSpPr>
+        <p:cNvPr id="1" name="">
+          <a:extLst>
+            <a:ext uri="{FF2B5EF4-FFF2-40B4-BE49-F238E27FC236}">
+              <a16:creationId xmlns:a16="http://schemas.microsoft.com/office/drawing/2014/main" id="{2E628AFA-8B7A-BDCB-2F81-B46FEA7B4F69}"/>
+            </a:ext>
+          </a:extLst>
+        </p:cNvPr>
+        <p:cNvGrpSpPr/>
+        <p:nvPr/>
+      </p:nvGrpSpPr>
+      <p:grpSpPr>
+        <a:xfrm>
+          <a:off x="0" y="0"/>
+          <a:ext cx="0" cy="0"/>
+          <a:chOff x="0" y="0"/>
+          <a:chExt cx="0" cy="0"/>
+        </a:xfrm>
+      </p:grpSpPr>
+      <p:sp>
+        <p:nvSpPr>
+          <p:cNvPr id="2" name="TextBox 1">
+            <a:extLst>
+              <a:ext uri="{FF2B5EF4-FFF2-40B4-BE49-F238E27FC236}">
+                <a16:creationId xmlns:a16="http://schemas.microsoft.com/office/drawing/2014/main" id="{4E21B57F-00F6-C848-DCB6-397A33B768E3}"/>
+              </a:ext>
+            </a:extLst>
+          </p:cNvPr>
+          <p:cNvSpPr txBox="1"/>
+          <p:nvPr/>
+        </p:nvSpPr>
+        <p:spPr>
+          <a:xfrm>
+            <a:off x="0" y="0"/>
+            <a:ext cx="3186545" cy="369332"/>
+          </a:xfrm>
+          <a:prstGeom prst="rect">
+            <a:avLst/>
+          </a:prstGeom>
+          <a:noFill/>
+        </p:spPr>
+        <p:txBody>
+          <a:bodyPr wrap="square" rtlCol="0">
+            <a:spAutoFit/>
+          </a:bodyPr>
+          <a:lstStyle/>
+          <a:p>
+            <a:r>
+              <a:rPr lang="en-GB" dirty="0"/>
+              <a:t>Average: undirected</a:t>
+            </a:r>
+          </a:p>
+        </p:txBody>
+      </p:sp>
+      <p:pic>
+        <p:nvPicPr>
+          <p:cNvPr id="4" name="Picture 3" descr="A diagram of a diagram&#10;&#10;AI-generated content may be incorrect.">
+            <a:extLst>
+              <a:ext uri="{FF2B5EF4-FFF2-40B4-BE49-F238E27FC236}">
+                <a16:creationId xmlns:a16="http://schemas.microsoft.com/office/drawing/2014/main" id="{CD329151-3072-14D4-05F9-F06A87E31036}"/>
+              </a:ext>
+            </a:extLst>
+          </p:cNvPr>
+          <p:cNvPicPr>
+            <a:picLocks noChangeAspect="1"/>
+          </p:cNvPicPr>
+          <p:nvPr/>
+        </p:nvPicPr>
+        <p:blipFill>
+          <a:blip r:embed="rId2">
+            <a:extLst>
+              <a:ext uri="{28A0092B-C50C-407E-A947-70E740481C1C}">
+                <a14:useLocalDpi xmlns:a14="http://schemas.microsoft.com/office/drawing/2010/main" val="0"/>
+              </a:ext>
+            </a:extLst>
+          </a:blip>
+          <a:stretch>
+            <a:fillRect/>
+          </a:stretch>
+        </p:blipFill>
+        <p:spPr>
+          <a:xfrm>
+            <a:off x="2255230" y="0"/>
+            <a:ext cx="9936770" cy="6858000"/>
+          </a:xfrm>
+          <a:prstGeom prst="rect">
+            <a:avLst/>
+          </a:prstGeom>
+        </p:spPr>
+      </p:pic>
+    </p:spTree>
+    <p:extLst>
+      <p:ext uri="{BB962C8B-B14F-4D97-AF65-F5344CB8AC3E}">
+        <p14:creationId xmlns:p14="http://schemas.microsoft.com/office/powerpoint/2010/main" val="273028448"/>
       </p:ext>
     </p:extLst>
   </p:cSld>
